--- a/images/2024/画图.pptx
+++ b/images/2024/画图.pptx
@@ -6,6 +6,8 @@
   </p:sldMasterIdLst>
   <p:sldIdLst>
     <p:sldId id="256" r:id="rId2"/>
+    <p:sldId id="257" r:id="rId3"/>
+    <p:sldId id="258" r:id="rId4"/>
   </p:sldIdLst>
   <p:sldSz cx="12192000" cy="6858000"/>
   <p:notesSz cx="6858000" cy="9144000"/>
@@ -241,7 +243,7 @@
           <a:p>
             <a:fld id="{D997B5FA-0921-464F-AAE1-844C04324D75}" type="datetimeFigureOut">
               <a:rPr lang="zh-CN" altLang="en-US" smtClean="0"/>
-              <a:t>2024/1/15</a:t>
+              <a:t>2024/4/7</a:t>
             </a:fld>
             <a:endParaRPr lang="zh-CN" altLang="en-US"/>
           </a:p>
@@ -409,7 +411,7 @@
           <a:p>
             <a:fld id="{D997B5FA-0921-464F-AAE1-844C04324D75}" type="datetimeFigureOut">
               <a:rPr lang="zh-CN" altLang="en-US" smtClean="0"/>
-              <a:t>2024/1/15</a:t>
+              <a:t>2024/4/7</a:t>
             </a:fld>
             <a:endParaRPr lang="zh-CN" altLang="en-US"/>
           </a:p>
@@ -587,7 +589,7 @@
           <a:p>
             <a:fld id="{D997B5FA-0921-464F-AAE1-844C04324D75}" type="datetimeFigureOut">
               <a:rPr lang="zh-CN" altLang="en-US" smtClean="0"/>
-              <a:t>2024/1/15</a:t>
+              <a:t>2024/4/7</a:t>
             </a:fld>
             <a:endParaRPr lang="zh-CN" altLang="en-US"/>
           </a:p>
@@ -755,7 +757,7 @@
           <a:p>
             <a:fld id="{D997B5FA-0921-464F-AAE1-844C04324D75}" type="datetimeFigureOut">
               <a:rPr lang="zh-CN" altLang="en-US" smtClean="0"/>
-              <a:t>2024/1/15</a:t>
+              <a:t>2024/4/7</a:t>
             </a:fld>
             <a:endParaRPr lang="zh-CN" altLang="en-US"/>
           </a:p>
@@ -1000,7 +1002,7 @@
           <a:p>
             <a:fld id="{D997B5FA-0921-464F-AAE1-844C04324D75}" type="datetimeFigureOut">
               <a:rPr lang="zh-CN" altLang="en-US" smtClean="0"/>
-              <a:t>2024/1/15</a:t>
+              <a:t>2024/4/7</a:t>
             </a:fld>
             <a:endParaRPr lang="zh-CN" altLang="en-US"/>
           </a:p>
@@ -1229,7 +1231,7 @@
           <a:p>
             <a:fld id="{D997B5FA-0921-464F-AAE1-844C04324D75}" type="datetimeFigureOut">
               <a:rPr lang="zh-CN" altLang="en-US" smtClean="0"/>
-              <a:t>2024/1/15</a:t>
+              <a:t>2024/4/7</a:t>
             </a:fld>
             <a:endParaRPr lang="zh-CN" altLang="en-US"/>
           </a:p>
@@ -1593,7 +1595,7 @@
           <a:p>
             <a:fld id="{D997B5FA-0921-464F-AAE1-844C04324D75}" type="datetimeFigureOut">
               <a:rPr lang="zh-CN" altLang="en-US" smtClean="0"/>
-              <a:t>2024/1/15</a:t>
+              <a:t>2024/4/7</a:t>
             </a:fld>
             <a:endParaRPr lang="zh-CN" altLang="en-US"/>
           </a:p>
@@ -1710,7 +1712,7 @@
           <a:p>
             <a:fld id="{D997B5FA-0921-464F-AAE1-844C04324D75}" type="datetimeFigureOut">
               <a:rPr lang="zh-CN" altLang="en-US" smtClean="0"/>
-              <a:t>2024/1/15</a:t>
+              <a:t>2024/4/7</a:t>
             </a:fld>
             <a:endParaRPr lang="zh-CN" altLang="en-US"/>
           </a:p>
@@ -1805,7 +1807,7 @@
           <a:p>
             <a:fld id="{D997B5FA-0921-464F-AAE1-844C04324D75}" type="datetimeFigureOut">
               <a:rPr lang="zh-CN" altLang="en-US" smtClean="0"/>
-              <a:t>2024/1/15</a:t>
+              <a:t>2024/4/7</a:t>
             </a:fld>
             <a:endParaRPr lang="zh-CN" altLang="en-US"/>
           </a:p>
@@ -2080,7 +2082,7 @@
           <a:p>
             <a:fld id="{D997B5FA-0921-464F-AAE1-844C04324D75}" type="datetimeFigureOut">
               <a:rPr lang="zh-CN" altLang="en-US" smtClean="0"/>
-              <a:t>2024/1/15</a:t>
+              <a:t>2024/4/7</a:t>
             </a:fld>
             <a:endParaRPr lang="zh-CN" altLang="en-US"/>
           </a:p>
@@ -2332,7 +2334,7 @@
           <a:p>
             <a:fld id="{D997B5FA-0921-464F-AAE1-844C04324D75}" type="datetimeFigureOut">
               <a:rPr lang="zh-CN" altLang="en-US" smtClean="0"/>
-              <a:t>2024/1/15</a:t>
+              <a:t>2024/4/7</a:t>
             </a:fld>
             <a:endParaRPr lang="zh-CN" altLang="en-US"/>
           </a:p>
@@ -2543,7 +2545,7 @@
           <a:p>
             <a:fld id="{D997B5FA-0921-464F-AAE1-844C04324D75}" type="datetimeFigureOut">
               <a:rPr lang="zh-CN" altLang="en-US" smtClean="0"/>
-              <a:t>2024/1/15</a:t>
+              <a:t>2024/4/7</a:t>
             </a:fld>
             <a:endParaRPr lang="zh-CN" altLang="en-US"/>
           </a:p>
@@ -3114,6 +3116,3969 @@
 </p:sld>
 </file>
 
+<file path=ppt/slides/slide2.xml><?xml version="1.0" encoding="utf-8"?>
+<p:sld xmlns:a="http://schemas.openxmlformats.org/drawingml/2006/main" xmlns:r="http://schemas.openxmlformats.org/officeDocument/2006/relationships" xmlns:p="http://schemas.openxmlformats.org/presentationml/2006/main">
+  <p:cSld>
+    <p:spTree>
+      <p:nvGrpSpPr>
+        <p:cNvPr id="1" name=""/>
+        <p:cNvGrpSpPr/>
+        <p:nvPr/>
+      </p:nvGrpSpPr>
+      <p:grpSpPr>
+        <a:xfrm>
+          <a:off x="0" y="0"/>
+          <a:ext cx="0" cy="0"/>
+          <a:chOff x="0" y="0"/>
+          <a:chExt cx="0" cy="0"/>
+        </a:xfrm>
+      </p:grpSpPr>
+      <p:sp>
+        <p:nvSpPr>
+          <p:cNvPr id="52" name="MH_Other_1">
+            <a:extLst>
+              <a:ext uri="{FF2B5EF4-FFF2-40B4-BE49-F238E27FC236}">
+                <a16:creationId xmlns:a16="http://schemas.microsoft.com/office/drawing/2014/main" id="{BD7483D8-C141-398E-DAEC-345860BD31B0}"/>
+              </a:ext>
+            </a:extLst>
+          </p:cNvPr>
+          <p:cNvSpPr/>
+          <p:nvPr>
+            <p:custDataLst>
+              <p:tags r:id="rId1"/>
+            </p:custDataLst>
+          </p:nvPr>
+        </p:nvSpPr>
+        <p:spPr bwMode="auto">
+          <a:xfrm>
+            <a:off x="664845" y="3215323"/>
+            <a:ext cx="796925" cy="796925"/>
+          </a:xfrm>
+          <a:prstGeom prst="ellipse">
+            <a:avLst/>
+          </a:prstGeom>
+          <a:noFill/>
+          <a:ln w="28575" cap="flat" cmpd="sng" algn="ctr">
+            <a:solidFill>
+              <a:srgbClr val="BFBFBF"/>
+            </a:solidFill>
+            <a:prstDash val="solid"/>
+            <a:miter lim="800000"/>
+          </a:ln>
+          <a:effectLst/>
+        </p:spPr>
+        <p:txBody>
+          <a:bodyPr anchor="ctr">
+            <a:normAutofit/>
+          </a:bodyPr>
+          <a:lstStyle/>
+          <a:p>
+            <a:pPr algn="ctr">
+              <a:defRPr/>
+            </a:pPr>
+            <a:endParaRPr lang="zh-CN" altLang="en-US" kern="0">
+              <a:solidFill>
+                <a:srgbClr val="FFFFFF"/>
+              </a:solidFill>
+              <a:ea typeface="幼圆" panose="02010509060101010101" pitchFamily="49" charset="-122"/>
+            </a:endParaRPr>
+          </a:p>
+        </p:txBody>
+      </p:sp>
+      <p:sp>
+        <p:nvSpPr>
+          <p:cNvPr id="53" name="MH_Other_2">
+            <a:extLst>
+              <a:ext uri="{FF2B5EF4-FFF2-40B4-BE49-F238E27FC236}">
+                <a16:creationId xmlns:a16="http://schemas.microsoft.com/office/drawing/2014/main" id="{51AA2EAA-8384-1C48-198E-285B6BF34176}"/>
+              </a:ext>
+            </a:extLst>
+          </p:cNvPr>
+          <p:cNvSpPr/>
+          <p:nvPr>
+            <p:custDataLst>
+              <p:tags r:id="rId2"/>
+            </p:custDataLst>
+          </p:nvPr>
+        </p:nvSpPr>
+        <p:spPr bwMode="auto">
+          <a:xfrm>
+            <a:off x="715645" y="3266123"/>
+            <a:ext cx="695325" cy="695325"/>
+          </a:xfrm>
+          <a:prstGeom prst="ellipse">
+            <a:avLst/>
+          </a:prstGeom>
+          <a:solidFill>
+            <a:schemeClr val="accent2">
+              <a:lumMod val="75000"/>
+            </a:schemeClr>
+          </a:solidFill>
+          <a:ln w="12700" cap="flat" cmpd="sng" algn="ctr">
+            <a:noFill/>
+            <a:prstDash val="solid"/>
+            <a:miter lim="800000"/>
+          </a:ln>
+          <a:effectLst/>
+        </p:spPr>
+        <p:txBody>
+          <a:bodyPr lIns="0" tIns="0" rIns="0" bIns="0" anchor="ctr">
+            <a:normAutofit/>
+          </a:bodyPr>
+          <a:lstStyle/>
+          <a:p>
+            <a:pPr algn="ctr">
+              <a:defRPr/>
+            </a:pPr>
+            <a:r>
+              <a:rPr lang="en-US" altLang="zh-CN" sz="2400" b="1" kern="0" dirty="0">
+                <a:solidFill>
+                  <a:srgbClr val="FFFFFF"/>
+                </a:solidFill>
+                <a:ea typeface="幼圆" panose="02010509060101010101" pitchFamily="49" charset="-122"/>
+              </a:rPr>
+              <a:t>01</a:t>
+            </a:r>
+            <a:endParaRPr lang="zh-CN" altLang="en-US" sz="2400" b="1" kern="0" dirty="0">
+              <a:solidFill>
+                <a:srgbClr val="FFFFFF"/>
+              </a:solidFill>
+              <a:ea typeface="幼圆" panose="02010509060101010101" pitchFamily="49" charset="-122"/>
+            </a:endParaRPr>
+          </a:p>
+        </p:txBody>
+      </p:sp>
+      <p:sp>
+        <p:nvSpPr>
+          <p:cNvPr id="54" name="MH_SubTitle_1">
+            <a:extLst>
+              <a:ext uri="{FF2B5EF4-FFF2-40B4-BE49-F238E27FC236}">
+                <a16:creationId xmlns:a16="http://schemas.microsoft.com/office/drawing/2014/main" id="{A863931B-DC97-7083-829B-4141A92EAA28}"/>
+              </a:ext>
+            </a:extLst>
+          </p:cNvPr>
+          <p:cNvSpPr/>
+          <p:nvPr>
+            <p:custDataLst>
+              <p:tags r:id="rId3"/>
+            </p:custDataLst>
+          </p:nvPr>
+        </p:nvSpPr>
+        <p:spPr>
+          <a:xfrm>
+            <a:off x="377508" y="4464685"/>
+            <a:ext cx="1368425" cy="1227138"/>
+          </a:xfrm>
+          <a:prstGeom prst="rect">
+            <a:avLst/>
+          </a:prstGeom>
+          <a:noFill/>
+          <a:ln w="12700" cap="flat" cmpd="sng" algn="ctr">
+            <a:noFill/>
+            <a:prstDash val="solid"/>
+            <a:miter lim="800000"/>
+          </a:ln>
+          <a:effectLst/>
+        </p:spPr>
+        <p:txBody>
+          <a:bodyPr lIns="0" tIns="0" rIns="0" bIns="0" anchor="ctr">
+            <a:normAutofit/>
+          </a:bodyPr>
+          <a:lstStyle/>
+          <a:p>
+            <a:pPr algn="ctr">
+              <a:lnSpc>
+                <a:spcPct val="130000"/>
+              </a:lnSpc>
+              <a:defRPr/>
+            </a:pPr>
+            <a:r>
+              <a:rPr lang="da-DK" altLang="zh-CN" b="1" kern="0">
+                <a:solidFill>
+                  <a:prstClr val="black"/>
+                </a:solidFill>
+                <a:latin typeface="微软雅黑" panose="020B0503020204020204" pitchFamily="34" charset="-122"/>
+                <a:cs typeface="Arial" panose="020B0604020202020204" pitchFamily="34" charset="0"/>
+              </a:rPr>
+              <a:t>前期搜集</a:t>
+            </a:r>
+          </a:p>
+        </p:txBody>
+      </p:sp>
+      <p:sp>
+        <p:nvSpPr>
+          <p:cNvPr id="55" name="MH_Other_3">
+            <a:extLst>
+              <a:ext uri="{FF2B5EF4-FFF2-40B4-BE49-F238E27FC236}">
+                <a16:creationId xmlns:a16="http://schemas.microsoft.com/office/drawing/2014/main" id="{04502BAB-B0C6-25C5-9B61-2906AAEFE468}"/>
+              </a:ext>
+            </a:extLst>
+          </p:cNvPr>
+          <p:cNvSpPr/>
+          <p:nvPr>
+            <p:custDataLst>
+              <p:tags r:id="rId4"/>
+            </p:custDataLst>
+          </p:nvPr>
+        </p:nvSpPr>
+        <p:spPr bwMode="auto">
+          <a:xfrm>
+            <a:off x="3198495" y="3215323"/>
+            <a:ext cx="796925" cy="796925"/>
+          </a:xfrm>
+          <a:prstGeom prst="ellipse">
+            <a:avLst/>
+          </a:prstGeom>
+          <a:noFill/>
+          <a:ln w="28575" cap="flat" cmpd="sng" algn="ctr">
+            <a:solidFill>
+              <a:srgbClr val="BFBFBF"/>
+            </a:solidFill>
+            <a:prstDash val="solid"/>
+            <a:miter lim="800000"/>
+          </a:ln>
+          <a:effectLst/>
+        </p:spPr>
+        <p:txBody>
+          <a:bodyPr anchor="ctr">
+            <a:normAutofit/>
+          </a:bodyPr>
+          <a:lstStyle/>
+          <a:p>
+            <a:pPr algn="ctr">
+              <a:defRPr/>
+            </a:pPr>
+            <a:endParaRPr lang="zh-CN" altLang="en-US" kern="0">
+              <a:solidFill>
+                <a:srgbClr val="FFFFFF"/>
+              </a:solidFill>
+              <a:ea typeface="幼圆" panose="02010509060101010101" pitchFamily="49" charset="-122"/>
+            </a:endParaRPr>
+          </a:p>
+        </p:txBody>
+      </p:sp>
+      <p:sp>
+        <p:nvSpPr>
+          <p:cNvPr id="56" name="MH_Other_4">
+            <a:extLst>
+              <a:ext uri="{FF2B5EF4-FFF2-40B4-BE49-F238E27FC236}">
+                <a16:creationId xmlns:a16="http://schemas.microsoft.com/office/drawing/2014/main" id="{E8F60A83-EFA5-1E0A-468B-F030A67C0A4D}"/>
+              </a:ext>
+            </a:extLst>
+          </p:cNvPr>
+          <p:cNvSpPr/>
+          <p:nvPr>
+            <p:custDataLst>
+              <p:tags r:id="rId5"/>
+            </p:custDataLst>
+          </p:nvPr>
+        </p:nvSpPr>
+        <p:spPr bwMode="auto">
+          <a:xfrm>
+            <a:off x="3249295" y="3266123"/>
+            <a:ext cx="695325" cy="695325"/>
+          </a:xfrm>
+          <a:prstGeom prst="ellipse">
+            <a:avLst/>
+          </a:prstGeom>
+          <a:solidFill>
+            <a:schemeClr val="accent2">
+              <a:lumMod val="75000"/>
+            </a:schemeClr>
+          </a:solidFill>
+          <a:ln w="12700" cap="flat" cmpd="sng" algn="ctr">
+            <a:noFill/>
+            <a:prstDash val="solid"/>
+            <a:miter lim="800000"/>
+          </a:ln>
+          <a:effectLst/>
+        </p:spPr>
+        <p:txBody>
+          <a:bodyPr lIns="0" tIns="0" rIns="0" bIns="0" anchor="ctr">
+            <a:normAutofit/>
+          </a:bodyPr>
+          <a:lstStyle/>
+          <a:p>
+            <a:pPr algn="ctr">
+              <a:defRPr/>
+            </a:pPr>
+            <a:r>
+              <a:rPr lang="en-US" altLang="zh-CN" sz="2400" b="1" kern="0" dirty="0">
+                <a:solidFill>
+                  <a:srgbClr val="FFFFFF"/>
+                </a:solidFill>
+                <a:ea typeface="幼圆" panose="02010509060101010101" pitchFamily="49" charset="-122"/>
+              </a:rPr>
+              <a:t>03</a:t>
+            </a:r>
+            <a:endParaRPr lang="zh-CN" altLang="en-US" sz="2400" b="1" kern="0" dirty="0">
+              <a:solidFill>
+                <a:srgbClr val="FFFFFF"/>
+              </a:solidFill>
+              <a:ea typeface="幼圆" panose="02010509060101010101" pitchFamily="49" charset="-122"/>
+            </a:endParaRPr>
+          </a:p>
+        </p:txBody>
+      </p:sp>
+      <p:sp>
+        <p:nvSpPr>
+          <p:cNvPr id="57" name="MH_SubTitle_3">
+            <a:extLst>
+              <a:ext uri="{FF2B5EF4-FFF2-40B4-BE49-F238E27FC236}">
+                <a16:creationId xmlns:a16="http://schemas.microsoft.com/office/drawing/2014/main" id="{8D727D7D-383A-D520-16DA-E3BB17A06419}"/>
+              </a:ext>
+            </a:extLst>
+          </p:cNvPr>
+          <p:cNvSpPr/>
+          <p:nvPr>
+            <p:custDataLst>
+              <p:tags r:id="rId6"/>
+            </p:custDataLst>
+          </p:nvPr>
+        </p:nvSpPr>
+        <p:spPr>
+          <a:xfrm>
+            <a:off x="2911158" y="4464685"/>
+            <a:ext cx="1368425" cy="1227138"/>
+          </a:xfrm>
+          <a:prstGeom prst="rect">
+            <a:avLst/>
+          </a:prstGeom>
+          <a:noFill/>
+          <a:ln w="12700" cap="flat" cmpd="sng" algn="ctr">
+            <a:noFill/>
+            <a:prstDash val="solid"/>
+            <a:miter lim="800000"/>
+          </a:ln>
+          <a:effectLst/>
+        </p:spPr>
+        <p:txBody>
+          <a:bodyPr lIns="0" tIns="0" rIns="0" bIns="0" anchor="ctr">
+            <a:normAutofit/>
+          </a:bodyPr>
+          <a:lstStyle/>
+          <a:p>
+            <a:pPr algn="ctr">
+              <a:lnSpc>
+                <a:spcPct val="130000"/>
+              </a:lnSpc>
+              <a:defRPr/>
+            </a:pPr>
+            <a:r>
+              <a:rPr lang="da-DK" altLang="zh-CN" b="1" kern="0" dirty="0">
+                <a:solidFill>
+                  <a:prstClr val="black"/>
+                </a:solidFill>
+                <a:latin typeface="微软雅黑" panose="020B0503020204020204" pitchFamily="34" charset="-122"/>
+                <a:cs typeface="Arial" panose="020B0604020202020204" pitchFamily="34" charset="0"/>
+              </a:rPr>
+              <a:t>入口突破</a:t>
+            </a:r>
+          </a:p>
+        </p:txBody>
+      </p:sp>
+      <p:sp>
+        <p:nvSpPr>
+          <p:cNvPr id="58" name="MH_Other_5">
+            <a:extLst>
+              <a:ext uri="{FF2B5EF4-FFF2-40B4-BE49-F238E27FC236}">
+                <a16:creationId xmlns:a16="http://schemas.microsoft.com/office/drawing/2014/main" id="{322CBF0D-F09A-A89D-A685-0EEAD60378B2}"/>
+              </a:ext>
+            </a:extLst>
+          </p:cNvPr>
+          <p:cNvSpPr/>
+          <p:nvPr>
+            <p:custDataLst>
+              <p:tags r:id="rId7"/>
+            </p:custDataLst>
+          </p:nvPr>
+        </p:nvSpPr>
+        <p:spPr bwMode="auto">
+          <a:xfrm>
+            <a:off x="5732145" y="3215323"/>
+            <a:ext cx="796925" cy="796925"/>
+          </a:xfrm>
+          <a:prstGeom prst="ellipse">
+            <a:avLst/>
+          </a:prstGeom>
+          <a:noFill/>
+          <a:ln w="28575" cap="flat" cmpd="sng" algn="ctr">
+            <a:solidFill>
+              <a:srgbClr val="BFBFBF"/>
+            </a:solidFill>
+            <a:prstDash val="solid"/>
+            <a:miter lim="800000"/>
+          </a:ln>
+          <a:effectLst/>
+        </p:spPr>
+        <p:txBody>
+          <a:bodyPr anchor="ctr">
+            <a:normAutofit/>
+          </a:bodyPr>
+          <a:lstStyle/>
+          <a:p>
+            <a:pPr algn="ctr">
+              <a:defRPr/>
+            </a:pPr>
+            <a:endParaRPr lang="zh-CN" altLang="en-US" kern="0">
+              <a:solidFill>
+                <a:srgbClr val="FFFFFF"/>
+              </a:solidFill>
+              <a:ea typeface="幼圆" panose="02010509060101010101" pitchFamily="49" charset="-122"/>
+            </a:endParaRPr>
+          </a:p>
+        </p:txBody>
+      </p:sp>
+      <p:sp>
+        <p:nvSpPr>
+          <p:cNvPr id="59" name="MH_Other_6">
+            <a:extLst>
+              <a:ext uri="{FF2B5EF4-FFF2-40B4-BE49-F238E27FC236}">
+                <a16:creationId xmlns:a16="http://schemas.microsoft.com/office/drawing/2014/main" id="{99E7396E-36BA-0AF1-FAAE-1F42B05A66AF}"/>
+              </a:ext>
+            </a:extLst>
+          </p:cNvPr>
+          <p:cNvSpPr/>
+          <p:nvPr>
+            <p:custDataLst>
+              <p:tags r:id="rId8"/>
+            </p:custDataLst>
+          </p:nvPr>
+        </p:nvSpPr>
+        <p:spPr bwMode="auto">
+          <a:xfrm>
+            <a:off x="5782945" y="3266123"/>
+            <a:ext cx="695325" cy="695325"/>
+          </a:xfrm>
+          <a:prstGeom prst="ellipse">
+            <a:avLst/>
+          </a:prstGeom>
+          <a:solidFill>
+            <a:schemeClr val="accent2">
+              <a:lumMod val="75000"/>
+            </a:schemeClr>
+          </a:solidFill>
+          <a:ln w="12700" cap="flat" cmpd="sng" algn="ctr">
+            <a:noFill/>
+            <a:prstDash val="solid"/>
+            <a:miter lim="800000"/>
+          </a:ln>
+          <a:effectLst/>
+        </p:spPr>
+        <p:txBody>
+          <a:bodyPr lIns="0" tIns="0" rIns="0" bIns="0" anchor="ctr">
+            <a:normAutofit/>
+          </a:bodyPr>
+          <a:lstStyle/>
+          <a:p>
+            <a:pPr algn="ctr">
+              <a:defRPr/>
+            </a:pPr>
+            <a:r>
+              <a:rPr lang="en-US" altLang="zh-CN" sz="2400" b="1" kern="0" dirty="0">
+                <a:solidFill>
+                  <a:srgbClr val="FFFFFF"/>
+                </a:solidFill>
+                <a:ea typeface="幼圆" panose="02010509060101010101" pitchFamily="49" charset="-122"/>
+              </a:rPr>
+              <a:t>05</a:t>
+            </a:r>
+            <a:endParaRPr lang="zh-CN" altLang="en-US" sz="2400" b="1" kern="0" dirty="0">
+              <a:solidFill>
+                <a:srgbClr val="FFFFFF"/>
+              </a:solidFill>
+              <a:ea typeface="幼圆" panose="02010509060101010101" pitchFamily="49" charset="-122"/>
+            </a:endParaRPr>
+          </a:p>
+        </p:txBody>
+      </p:sp>
+      <p:sp>
+        <p:nvSpPr>
+          <p:cNvPr id="60" name="MH_SubTitle_5">
+            <a:extLst>
+              <a:ext uri="{FF2B5EF4-FFF2-40B4-BE49-F238E27FC236}">
+                <a16:creationId xmlns:a16="http://schemas.microsoft.com/office/drawing/2014/main" id="{C814E06B-D10A-13C8-A7C0-CC1996FE50B6}"/>
+              </a:ext>
+            </a:extLst>
+          </p:cNvPr>
+          <p:cNvSpPr/>
+          <p:nvPr>
+            <p:custDataLst>
+              <p:tags r:id="rId9"/>
+            </p:custDataLst>
+          </p:nvPr>
+        </p:nvSpPr>
+        <p:spPr>
+          <a:xfrm>
+            <a:off x="5444808" y="4464685"/>
+            <a:ext cx="1370013" cy="1227138"/>
+          </a:xfrm>
+          <a:prstGeom prst="rect">
+            <a:avLst/>
+          </a:prstGeom>
+          <a:noFill/>
+          <a:ln w="12700" cap="flat" cmpd="sng" algn="ctr">
+            <a:noFill/>
+            <a:prstDash val="solid"/>
+            <a:miter lim="800000"/>
+          </a:ln>
+          <a:effectLst/>
+        </p:spPr>
+        <p:txBody>
+          <a:bodyPr lIns="0" tIns="0" rIns="0" bIns="0" anchor="ctr">
+            <a:normAutofit/>
+          </a:bodyPr>
+          <a:lstStyle/>
+          <a:p>
+            <a:pPr algn="ctr">
+              <a:lnSpc>
+                <a:spcPct val="130000"/>
+              </a:lnSpc>
+              <a:defRPr/>
+            </a:pPr>
+            <a:r>
+              <a:rPr lang="da-DK" altLang="zh-CN" b="1" kern="0" dirty="0">
+                <a:solidFill>
+                  <a:prstClr val="black"/>
+                </a:solidFill>
+                <a:latin typeface="微软雅黑" panose="020B0503020204020204" pitchFamily="34" charset="-122"/>
+                <a:cs typeface="Arial" panose="020B0604020202020204" pitchFamily="34" charset="0"/>
+              </a:rPr>
+              <a:t>通道构建</a:t>
+            </a:r>
+          </a:p>
+        </p:txBody>
+      </p:sp>
+      <p:sp>
+        <p:nvSpPr>
+          <p:cNvPr id="61" name="MH_Other_7">
+            <a:extLst>
+              <a:ext uri="{FF2B5EF4-FFF2-40B4-BE49-F238E27FC236}">
+                <a16:creationId xmlns:a16="http://schemas.microsoft.com/office/drawing/2014/main" id="{E0C0C048-CDDA-2DFE-AC24-46E71A50F582}"/>
+              </a:ext>
+            </a:extLst>
+          </p:cNvPr>
+          <p:cNvSpPr/>
+          <p:nvPr>
+            <p:custDataLst>
+              <p:tags r:id="rId10"/>
+            </p:custDataLst>
+          </p:nvPr>
+        </p:nvSpPr>
+        <p:spPr bwMode="auto">
+          <a:xfrm>
+            <a:off x="1931670" y="3215323"/>
+            <a:ext cx="796925" cy="796925"/>
+          </a:xfrm>
+          <a:prstGeom prst="ellipse">
+            <a:avLst/>
+          </a:prstGeom>
+          <a:noFill/>
+          <a:ln w="28575" cap="flat" cmpd="sng" algn="ctr">
+            <a:solidFill>
+              <a:srgbClr val="BFBFBF"/>
+            </a:solidFill>
+            <a:prstDash val="solid"/>
+            <a:miter lim="800000"/>
+          </a:ln>
+          <a:effectLst/>
+        </p:spPr>
+        <p:txBody>
+          <a:bodyPr anchor="ctr">
+            <a:normAutofit/>
+          </a:bodyPr>
+          <a:lstStyle/>
+          <a:p>
+            <a:pPr algn="ctr">
+              <a:defRPr/>
+            </a:pPr>
+            <a:endParaRPr lang="zh-CN" altLang="en-US" kern="0">
+              <a:solidFill>
+                <a:srgbClr val="FFFFFF"/>
+              </a:solidFill>
+              <a:ea typeface="幼圆" panose="02010509060101010101" pitchFamily="49" charset="-122"/>
+            </a:endParaRPr>
+          </a:p>
+        </p:txBody>
+      </p:sp>
+      <p:sp>
+        <p:nvSpPr>
+          <p:cNvPr id="62" name="MH_Other_8">
+            <a:extLst>
+              <a:ext uri="{FF2B5EF4-FFF2-40B4-BE49-F238E27FC236}">
+                <a16:creationId xmlns:a16="http://schemas.microsoft.com/office/drawing/2014/main" id="{4393DD37-DD97-B53A-9401-9A6F322C8848}"/>
+              </a:ext>
+            </a:extLst>
+          </p:cNvPr>
+          <p:cNvSpPr/>
+          <p:nvPr>
+            <p:custDataLst>
+              <p:tags r:id="rId11"/>
+            </p:custDataLst>
+          </p:nvPr>
+        </p:nvSpPr>
+        <p:spPr bwMode="auto">
+          <a:xfrm>
+            <a:off x="1982470" y="3266123"/>
+            <a:ext cx="695325" cy="695325"/>
+          </a:xfrm>
+          <a:prstGeom prst="ellipse">
+            <a:avLst/>
+          </a:prstGeom>
+          <a:solidFill>
+            <a:srgbClr val="4472C4"/>
+          </a:solidFill>
+          <a:ln w="12700" cap="flat" cmpd="sng" algn="ctr">
+            <a:noFill/>
+            <a:prstDash val="solid"/>
+            <a:miter lim="800000"/>
+          </a:ln>
+          <a:effectLst/>
+        </p:spPr>
+        <p:txBody>
+          <a:bodyPr lIns="0" tIns="0" rIns="0" bIns="0" anchor="ctr">
+            <a:normAutofit/>
+          </a:bodyPr>
+          <a:lstStyle/>
+          <a:p>
+            <a:pPr algn="ctr">
+              <a:defRPr/>
+            </a:pPr>
+            <a:r>
+              <a:rPr lang="en-US" altLang="zh-CN" sz="2400" b="1" kern="0" dirty="0">
+                <a:solidFill>
+                  <a:srgbClr val="FFFFFF"/>
+                </a:solidFill>
+                <a:ea typeface="幼圆" panose="02010509060101010101" pitchFamily="49" charset="-122"/>
+              </a:rPr>
+              <a:t>02</a:t>
+            </a:r>
+            <a:endParaRPr lang="zh-CN" altLang="en-US" sz="2400" b="1" kern="0" dirty="0">
+              <a:solidFill>
+                <a:srgbClr val="FFFFFF"/>
+              </a:solidFill>
+              <a:ea typeface="幼圆" panose="02010509060101010101" pitchFamily="49" charset="-122"/>
+            </a:endParaRPr>
+          </a:p>
+        </p:txBody>
+      </p:sp>
+      <p:sp>
+        <p:nvSpPr>
+          <p:cNvPr id="63" name="MH_SubTitle_2">
+            <a:extLst>
+              <a:ext uri="{FF2B5EF4-FFF2-40B4-BE49-F238E27FC236}">
+                <a16:creationId xmlns:a16="http://schemas.microsoft.com/office/drawing/2014/main" id="{AE35C17A-9258-3FA6-D6F6-98BB688551F8}"/>
+              </a:ext>
+            </a:extLst>
+          </p:cNvPr>
+          <p:cNvSpPr/>
+          <p:nvPr>
+            <p:custDataLst>
+              <p:tags r:id="rId12"/>
+            </p:custDataLst>
+          </p:nvPr>
+        </p:nvSpPr>
+        <p:spPr>
+          <a:xfrm>
+            <a:off x="1644333" y="1546860"/>
+            <a:ext cx="1368425" cy="1225550"/>
+          </a:xfrm>
+          <a:prstGeom prst="rect">
+            <a:avLst/>
+          </a:prstGeom>
+          <a:noFill/>
+          <a:ln w="12700" cap="flat" cmpd="sng" algn="ctr">
+            <a:noFill/>
+            <a:prstDash val="solid"/>
+            <a:miter lim="800000"/>
+          </a:ln>
+          <a:effectLst/>
+        </p:spPr>
+        <p:txBody>
+          <a:bodyPr lIns="0" tIns="0" rIns="0" bIns="0" anchor="ctr">
+            <a:normAutofit/>
+          </a:bodyPr>
+          <a:lstStyle/>
+          <a:p>
+            <a:pPr algn="ctr">
+              <a:lnSpc>
+                <a:spcPct val="130000"/>
+              </a:lnSpc>
+              <a:defRPr/>
+            </a:pPr>
+            <a:r>
+              <a:rPr lang="da-DK" altLang="zh-CN" b="1" kern="0" dirty="0">
+                <a:solidFill>
+                  <a:prstClr val="black"/>
+                </a:solidFill>
+                <a:latin typeface="微软雅黑" panose="020B0503020204020204" pitchFamily="34" charset="-122"/>
+                <a:cs typeface="Arial" panose="020B0604020202020204" pitchFamily="34" charset="0"/>
+              </a:rPr>
+              <a:t>漏洞利用</a:t>
+            </a:r>
+          </a:p>
+        </p:txBody>
+      </p:sp>
+      <p:sp>
+        <p:nvSpPr>
+          <p:cNvPr id="64" name="MH_Other_9">
+            <a:extLst>
+              <a:ext uri="{FF2B5EF4-FFF2-40B4-BE49-F238E27FC236}">
+                <a16:creationId xmlns:a16="http://schemas.microsoft.com/office/drawing/2014/main" id="{E5437DD1-506F-38CC-A5E7-6C30E7C1C593}"/>
+              </a:ext>
+            </a:extLst>
+          </p:cNvPr>
+          <p:cNvSpPr/>
+          <p:nvPr>
+            <p:custDataLst>
+              <p:tags r:id="rId13"/>
+            </p:custDataLst>
+          </p:nvPr>
+        </p:nvSpPr>
+        <p:spPr bwMode="auto">
+          <a:xfrm>
+            <a:off x="4465320" y="3215323"/>
+            <a:ext cx="796925" cy="796925"/>
+          </a:xfrm>
+          <a:prstGeom prst="ellipse">
+            <a:avLst/>
+          </a:prstGeom>
+          <a:noFill/>
+          <a:ln w="28575" cap="flat" cmpd="sng" algn="ctr">
+            <a:solidFill>
+              <a:srgbClr val="BFBFBF"/>
+            </a:solidFill>
+            <a:prstDash val="solid"/>
+            <a:miter lim="800000"/>
+          </a:ln>
+          <a:effectLst/>
+        </p:spPr>
+        <p:txBody>
+          <a:bodyPr anchor="ctr">
+            <a:normAutofit/>
+          </a:bodyPr>
+          <a:lstStyle/>
+          <a:p>
+            <a:pPr algn="ctr">
+              <a:defRPr/>
+            </a:pPr>
+            <a:endParaRPr lang="zh-CN" altLang="en-US" kern="0">
+              <a:solidFill>
+                <a:srgbClr val="FFFFFF"/>
+              </a:solidFill>
+              <a:ea typeface="幼圆" panose="02010509060101010101" pitchFamily="49" charset="-122"/>
+            </a:endParaRPr>
+          </a:p>
+        </p:txBody>
+      </p:sp>
+      <p:sp>
+        <p:nvSpPr>
+          <p:cNvPr id="65" name="MH_Other_10">
+            <a:extLst>
+              <a:ext uri="{FF2B5EF4-FFF2-40B4-BE49-F238E27FC236}">
+                <a16:creationId xmlns:a16="http://schemas.microsoft.com/office/drawing/2014/main" id="{CDB958FD-BCC0-6E41-15B7-5D6739E71C3E}"/>
+              </a:ext>
+            </a:extLst>
+          </p:cNvPr>
+          <p:cNvSpPr/>
+          <p:nvPr>
+            <p:custDataLst>
+              <p:tags r:id="rId14"/>
+            </p:custDataLst>
+          </p:nvPr>
+        </p:nvSpPr>
+        <p:spPr bwMode="auto">
+          <a:xfrm>
+            <a:off x="4516120" y="3266123"/>
+            <a:ext cx="695325" cy="695325"/>
+          </a:xfrm>
+          <a:prstGeom prst="ellipse">
+            <a:avLst/>
+          </a:prstGeom>
+          <a:solidFill>
+            <a:srgbClr val="4472C4"/>
+          </a:solidFill>
+          <a:ln w="12700" cap="flat" cmpd="sng" algn="ctr">
+            <a:noFill/>
+            <a:prstDash val="solid"/>
+            <a:miter lim="800000"/>
+          </a:ln>
+          <a:effectLst/>
+        </p:spPr>
+        <p:txBody>
+          <a:bodyPr lIns="0" tIns="0" rIns="0" bIns="0" anchor="ctr">
+            <a:normAutofit/>
+          </a:bodyPr>
+          <a:lstStyle/>
+          <a:p>
+            <a:pPr algn="ctr">
+              <a:defRPr/>
+            </a:pPr>
+            <a:r>
+              <a:rPr lang="en-US" altLang="zh-CN" sz="2400" b="1" kern="0" dirty="0">
+                <a:solidFill>
+                  <a:srgbClr val="FFFFFF"/>
+                </a:solidFill>
+                <a:ea typeface="幼圆" panose="02010509060101010101" pitchFamily="49" charset="-122"/>
+              </a:rPr>
+              <a:t>04</a:t>
+            </a:r>
+            <a:endParaRPr lang="zh-CN" altLang="en-US" sz="2400" b="1" kern="0" dirty="0">
+              <a:solidFill>
+                <a:srgbClr val="FFFFFF"/>
+              </a:solidFill>
+              <a:ea typeface="幼圆" panose="02010509060101010101" pitchFamily="49" charset="-122"/>
+            </a:endParaRPr>
+          </a:p>
+        </p:txBody>
+      </p:sp>
+      <p:sp>
+        <p:nvSpPr>
+          <p:cNvPr id="66" name="MH_SubTitle_4">
+            <a:extLst>
+              <a:ext uri="{FF2B5EF4-FFF2-40B4-BE49-F238E27FC236}">
+                <a16:creationId xmlns:a16="http://schemas.microsoft.com/office/drawing/2014/main" id="{1D01BD7C-140E-5F93-99AD-07AEEFB09022}"/>
+              </a:ext>
+            </a:extLst>
+          </p:cNvPr>
+          <p:cNvSpPr/>
+          <p:nvPr>
+            <p:custDataLst>
+              <p:tags r:id="rId15"/>
+            </p:custDataLst>
+          </p:nvPr>
+        </p:nvSpPr>
+        <p:spPr>
+          <a:xfrm>
+            <a:off x="4177983" y="1546860"/>
+            <a:ext cx="1368425" cy="1225550"/>
+          </a:xfrm>
+          <a:prstGeom prst="rect">
+            <a:avLst/>
+          </a:prstGeom>
+          <a:noFill/>
+          <a:ln w="12700" cap="flat" cmpd="sng" algn="ctr">
+            <a:noFill/>
+            <a:prstDash val="solid"/>
+            <a:miter lim="800000"/>
+          </a:ln>
+          <a:effectLst/>
+        </p:spPr>
+        <p:txBody>
+          <a:bodyPr lIns="0" tIns="0" rIns="0" bIns="0" anchor="ctr">
+            <a:normAutofit/>
+          </a:bodyPr>
+          <a:lstStyle/>
+          <a:p>
+            <a:pPr algn="ctr">
+              <a:lnSpc>
+                <a:spcPct val="130000"/>
+              </a:lnSpc>
+              <a:defRPr/>
+            </a:pPr>
+            <a:r>
+              <a:rPr lang="da-DK" altLang="zh-CN" b="1" kern="0" dirty="0">
+                <a:solidFill>
+                  <a:prstClr val="black"/>
+                </a:solidFill>
+                <a:latin typeface="微软雅黑" panose="020B0503020204020204" pitchFamily="34" charset="-122"/>
+                <a:cs typeface="Arial" panose="020B0604020202020204" pitchFamily="34" charset="0"/>
+              </a:rPr>
+              <a:t>内网搜集</a:t>
+            </a:r>
+          </a:p>
+        </p:txBody>
+      </p:sp>
+      <p:sp>
+        <p:nvSpPr>
+          <p:cNvPr id="67" name="MH_Other_11">
+            <a:extLst>
+              <a:ext uri="{FF2B5EF4-FFF2-40B4-BE49-F238E27FC236}">
+                <a16:creationId xmlns:a16="http://schemas.microsoft.com/office/drawing/2014/main" id="{7C2E6511-B079-23E0-757E-A8FF99027BD3}"/>
+              </a:ext>
+            </a:extLst>
+          </p:cNvPr>
+          <p:cNvSpPr/>
+          <p:nvPr>
+            <p:custDataLst>
+              <p:tags r:id="rId16"/>
+            </p:custDataLst>
+          </p:nvPr>
+        </p:nvSpPr>
+        <p:spPr bwMode="auto">
+          <a:xfrm>
+            <a:off x="6998970" y="3215323"/>
+            <a:ext cx="796925" cy="796925"/>
+          </a:xfrm>
+          <a:prstGeom prst="ellipse">
+            <a:avLst/>
+          </a:prstGeom>
+          <a:noFill/>
+          <a:ln w="28575" cap="flat" cmpd="sng" algn="ctr">
+            <a:solidFill>
+              <a:srgbClr val="BFBFBF"/>
+            </a:solidFill>
+            <a:prstDash val="solid"/>
+            <a:miter lim="800000"/>
+          </a:ln>
+          <a:effectLst/>
+        </p:spPr>
+        <p:txBody>
+          <a:bodyPr anchor="ctr">
+            <a:normAutofit/>
+          </a:bodyPr>
+          <a:lstStyle/>
+          <a:p>
+            <a:pPr algn="ctr">
+              <a:defRPr/>
+            </a:pPr>
+            <a:endParaRPr lang="zh-CN" altLang="en-US" kern="0">
+              <a:solidFill>
+                <a:srgbClr val="FFFFFF"/>
+              </a:solidFill>
+              <a:ea typeface="幼圆" panose="02010509060101010101" pitchFamily="49" charset="-122"/>
+            </a:endParaRPr>
+          </a:p>
+        </p:txBody>
+      </p:sp>
+      <p:sp>
+        <p:nvSpPr>
+          <p:cNvPr id="68" name="MH_Other_12">
+            <a:extLst>
+              <a:ext uri="{FF2B5EF4-FFF2-40B4-BE49-F238E27FC236}">
+                <a16:creationId xmlns:a16="http://schemas.microsoft.com/office/drawing/2014/main" id="{C858829D-33B8-09CB-507E-6616BC8B03FE}"/>
+              </a:ext>
+            </a:extLst>
+          </p:cNvPr>
+          <p:cNvSpPr/>
+          <p:nvPr>
+            <p:custDataLst>
+              <p:tags r:id="rId17"/>
+            </p:custDataLst>
+          </p:nvPr>
+        </p:nvSpPr>
+        <p:spPr bwMode="auto">
+          <a:xfrm>
+            <a:off x="7049770" y="3266123"/>
+            <a:ext cx="695325" cy="695325"/>
+          </a:xfrm>
+          <a:prstGeom prst="ellipse">
+            <a:avLst/>
+          </a:prstGeom>
+          <a:solidFill>
+            <a:srgbClr val="4472C4"/>
+          </a:solidFill>
+          <a:ln w="12700" cap="flat" cmpd="sng" algn="ctr">
+            <a:noFill/>
+            <a:prstDash val="solid"/>
+            <a:miter lim="800000"/>
+          </a:ln>
+          <a:effectLst/>
+        </p:spPr>
+        <p:txBody>
+          <a:bodyPr lIns="0" tIns="0" rIns="0" bIns="0" anchor="ctr">
+            <a:normAutofit/>
+          </a:bodyPr>
+          <a:lstStyle/>
+          <a:p>
+            <a:pPr algn="ctr">
+              <a:defRPr/>
+            </a:pPr>
+            <a:r>
+              <a:rPr lang="en-US" altLang="zh-CN" sz="2400" b="1" kern="0" dirty="0">
+                <a:solidFill>
+                  <a:srgbClr val="FFFFFF"/>
+                </a:solidFill>
+                <a:ea typeface="幼圆" panose="02010509060101010101" pitchFamily="49" charset="-122"/>
+              </a:rPr>
+              <a:t>06</a:t>
+            </a:r>
+            <a:endParaRPr lang="zh-CN" altLang="en-US" sz="2400" b="1" kern="0" dirty="0">
+              <a:solidFill>
+                <a:srgbClr val="FFFFFF"/>
+              </a:solidFill>
+              <a:ea typeface="幼圆" panose="02010509060101010101" pitchFamily="49" charset="-122"/>
+            </a:endParaRPr>
+          </a:p>
+        </p:txBody>
+      </p:sp>
+      <p:sp>
+        <p:nvSpPr>
+          <p:cNvPr id="69" name="MH_SubTitle_6">
+            <a:extLst>
+              <a:ext uri="{FF2B5EF4-FFF2-40B4-BE49-F238E27FC236}">
+                <a16:creationId xmlns:a16="http://schemas.microsoft.com/office/drawing/2014/main" id="{30A267B7-5C8B-17F0-9926-976FA7705C0F}"/>
+              </a:ext>
+            </a:extLst>
+          </p:cNvPr>
+          <p:cNvSpPr/>
+          <p:nvPr>
+            <p:custDataLst>
+              <p:tags r:id="rId18"/>
+            </p:custDataLst>
+          </p:nvPr>
+        </p:nvSpPr>
+        <p:spPr>
+          <a:xfrm>
+            <a:off x="6711633" y="1546860"/>
+            <a:ext cx="1370013" cy="1225550"/>
+          </a:xfrm>
+          <a:prstGeom prst="rect">
+            <a:avLst/>
+          </a:prstGeom>
+          <a:noFill/>
+          <a:ln w="12700" cap="flat" cmpd="sng" algn="ctr">
+            <a:noFill/>
+            <a:prstDash val="solid"/>
+            <a:miter lim="800000"/>
+          </a:ln>
+          <a:effectLst/>
+        </p:spPr>
+        <p:txBody>
+          <a:bodyPr lIns="0" tIns="0" rIns="0" bIns="0" anchor="ctr">
+            <a:normAutofit/>
+          </a:bodyPr>
+          <a:lstStyle/>
+          <a:p>
+            <a:pPr algn="ctr">
+              <a:lnSpc>
+                <a:spcPct val="130000"/>
+              </a:lnSpc>
+              <a:defRPr/>
+            </a:pPr>
+            <a:r>
+              <a:rPr lang="da-DK" altLang="zh-CN" b="1" kern="0">
+                <a:solidFill>
+                  <a:prstClr val="black"/>
+                </a:solidFill>
+                <a:latin typeface="微软雅黑" panose="020B0503020204020204" pitchFamily="34" charset="-122"/>
+                <a:cs typeface="Arial" panose="020B0604020202020204" pitchFamily="34" charset="0"/>
+              </a:rPr>
+              <a:t>横向移动</a:t>
+            </a:r>
+          </a:p>
+        </p:txBody>
+      </p:sp>
+      <p:cxnSp>
+        <p:nvCxnSpPr>
+          <p:cNvPr id="70" name="MH_Other_13">
+            <a:extLst>
+              <a:ext uri="{FF2B5EF4-FFF2-40B4-BE49-F238E27FC236}">
+                <a16:creationId xmlns:a16="http://schemas.microsoft.com/office/drawing/2014/main" id="{1E294584-4BCC-F392-F3C9-982D3355DBB5}"/>
+              </a:ext>
+            </a:extLst>
+          </p:cNvPr>
+          <p:cNvCxnSpPr/>
+          <p:nvPr>
+            <p:custDataLst>
+              <p:tags r:id="rId19"/>
+            </p:custDataLst>
+          </p:nvPr>
+        </p:nvCxnSpPr>
+        <p:spPr>
+          <a:xfrm>
+            <a:off x="158433" y="3613785"/>
+            <a:ext cx="503237" cy="0"/>
+          </a:xfrm>
+          <a:prstGeom prst="line">
+            <a:avLst/>
+          </a:prstGeom>
+          <a:ln w="28575" cap="flat" cmpd="sng">
+            <a:solidFill>
+              <a:srgbClr val="BFBFBF"/>
+            </a:solidFill>
+            <a:prstDash val="solid"/>
+            <a:miter/>
+            <a:headEnd type="oval" w="lg" len="lg"/>
+            <a:tailEnd type="none" w="med" len="med"/>
+          </a:ln>
+        </p:spPr>
+      </p:cxnSp>
+      <p:cxnSp>
+        <p:nvCxnSpPr>
+          <p:cNvPr id="71" name="MH_Other_14">
+            <a:extLst>
+              <a:ext uri="{FF2B5EF4-FFF2-40B4-BE49-F238E27FC236}">
+                <a16:creationId xmlns:a16="http://schemas.microsoft.com/office/drawing/2014/main" id="{85756066-E942-4262-72EF-E6C960E7F772}"/>
+              </a:ext>
+            </a:extLst>
+          </p:cNvPr>
+          <p:cNvCxnSpPr/>
+          <p:nvPr>
+            <p:custDataLst>
+              <p:tags r:id="rId20"/>
+            </p:custDataLst>
+          </p:nvPr>
+        </p:nvCxnSpPr>
+        <p:spPr>
+          <a:xfrm>
+            <a:off x="11673840" y="3613785"/>
+            <a:ext cx="503238" cy="0"/>
+          </a:xfrm>
+          <a:prstGeom prst="line">
+            <a:avLst/>
+          </a:prstGeom>
+          <a:ln w="28575" cap="flat" cmpd="sng">
+            <a:solidFill>
+              <a:srgbClr val="BFBFBF"/>
+            </a:solidFill>
+            <a:prstDash val="solid"/>
+            <a:miter/>
+            <a:headEnd type="none" w="med" len="med"/>
+            <a:tailEnd type="triangle" w="lg" len="lg"/>
+          </a:ln>
+        </p:spPr>
+      </p:cxnSp>
+      <p:cxnSp>
+        <p:nvCxnSpPr>
+          <p:cNvPr id="72" name="MH_Other_15">
+            <a:extLst>
+              <a:ext uri="{FF2B5EF4-FFF2-40B4-BE49-F238E27FC236}">
+                <a16:creationId xmlns:a16="http://schemas.microsoft.com/office/drawing/2014/main" id="{F14EC9F4-5E3B-FA24-8034-7B463825B27D}"/>
+              </a:ext>
+            </a:extLst>
+          </p:cNvPr>
+          <p:cNvCxnSpPr/>
+          <p:nvPr>
+            <p:custDataLst>
+              <p:tags r:id="rId21"/>
+            </p:custDataLst>
+          </p:nvPr>
+        </p:nvCxnSpPr>
+        <p:spPr>
+          <a:xfrm>
+            <a:off x="1063308" y="4012248"/>
+            <a:ext cx="0" cy="406400"/>
+          </a:xfrm>
+          <a:prstGeom prst="line">
+            <a:avLst/>
+          </a:prstGeom>
+          <a:ln w="28575" cap="flat" cmpd="sng">
+            <a:solidFill>
+              <a:srgbClr val="BFBFBF"/>
+            </a:solidFill>
+            <a:prstDash val="solid"/>
+            <a:miter/>
+            <a:headEnd type="none" w="med" len="med"/>
+            <a:tailEnd type="none" w="med" len="med"/>
+          </a:ln>
+        </p:spPr>
+      </p:cxnSp>
+      <p:cxnSp>
+        <p:nvCxnSpPr>
+          <p:cNvPr id="73" name="MH_Other_16">
+            <a:extLst>
+              <a:ext uri="{FF2B5EF4-FFF2-40B4-BE49-F238E27FC236}">
+                <a16:creationId xmlns:a16="http://schemas.microsoft.com/office/drawing/2014/main" id="{64B03874-6312-512A-6AD0-35F1B987D14C}"/>
+              </a:ext>
+            </a:extLst>
+          </p:cNvPr>
+          <p:cNvCxnSpPr/>
+          <p:nvPr>
+            <p:custDataLst>
+              <p:tags r:id="rId22"/>
+            </p:custDataLst>
+          </p:nvPr>
+        </p:nvCxnSpPr>
+        <p:spPr>
+          <a:xfrm>
+            <a:off x="3596958" y="4012248"/>
+            <a:ext cx="0" cy="406400"/>
+          </a:xfrm>
+          <a:prstGeom prst="line">
+            <a:avLst/>
+          </a:prstGeom>
+          <a:ln w="28575" cap="flat" cmpd="sng">
+            <a:solidFill>
+              <a:srgbClr val="BFBFBF"/>
+            </a:solidFill>
+            <a:prstDash val="solid"/>
+            <a:miter/>
+            <a:headEnd type="none" w="med" len="med"/>
+            <a:tailEnd type="none" w="med" len="med"/>
+          </a:ln>
+        </p:spPr>
+      </p:cxnSp>
+      <p:cxnSp>
+        <p:nvCxnSpPr>
+          <p:cNvPr id="74" name="MH_Other_17">
+            <a:extLst>
+              <a:ext uri="{FF2B5EF4-FFF2-40B4-BE49-F238E27FC236}">
+                <a16:creationId xmlns:a16="http://schemas.microsoft.com/office/drawing/2014/main" id="{A0CCAB5F-8062-4514-C532-7CA579104235}"/>
+              </a:ext>
+            </a:extLst>
+          </p:cNvPr>
+          <p:cNvCxnSpPr/>
+          <p:nvPr>
+            <p:custDataLst>
+              <p:tags r:id="rId23"/>
+            </p:custDataLst>
+          </p:nvPr>
+        </p:nvCxnSpPr>
+        <p:spPr>
+          <a:xfrm>
+            <a:off x="6130608" y="4012248"/>
+            <a:ext cx="0" cy="406400"/>
+          </a:xfrm>
+          <a:prstGeom prst="line">
+            <a:avLst/>
+          </a:prstGeom>
+          <a:ln w="28575" cap="flat" cmpd="sng">
+            <a:solidFill>
+              <a:srgbClr val="BFBFBF"/>
+            </a:solidFill>
+            <a:prstDash val="solid"/>
+            <a:miter/>
+            <a:headEnd type="none" w="med" len="med"/>
+            <a:tailEnd type="none" w="med" len="med"/>
+          </a:ln>
+        </p:spPr>
+      </p:cxnSp>
+      <p:cxnSp>
+        <p:nvCxnSpPr>
+          <p:cNvPr id="75" name="MH_Other_18">
+            <a:extLst>
+              <a:ext uri="{FF2B5EF4-FFF2-40B4-BE49-F238E27FC236}">
+                <a16:creationId xmlns:a16="http://schemas.microsoft.com/office/drawing/2014/main" id="{DFD0D01E-54D5-1368-D8B7-7E49F3055D36}"/>
+              </a:ext>
+            </a:extLst>
+          </p:cNvPr>
+          <p:cNvCxnSpPr/>
+          <p:nvPr>
+            <p:custDataLst>
+              <p:tags r:id="rId24"/>
+            </p:custDataLst>
+          </p:nvPr>
+        </p:nvCxnSpPr>
+        <p:spPr>
+          <a:xfrm flipV="1">
+            <a:off x="2330133" y="2810510"/>
+            <a:ext cx="0" cy="406400"/>
+          </a:xfrm>
+          <a:prstGeom prst="line">
+            <a:avLst/>
+          </a:prstGeom>
+          <a:ln w="28575" cap="flat" cmpd="sng">
+            <a:solidFill>
+              <a:srgbClr val="BFBFBF"/>
+            </a:solidFill>
+            <a:prstDash val="solid"/>
+            <a:miter/>
+            <a:headEnd type="none" w="med" len="med"/>
+            <a:tailEnd type="none" w="med" len="med"/>
+          </a:ln>
+        </p:spPr>
+      </p:cxnSp>
+      <p:cxnSp>
+        <p:nvCxnSpPr>
+          <p:cNvPr id="76" name="MH_Other_19">
+            <a:extLst>
+              <a:ext uri="{FF2B5EF4-FFF2-40B4-BE49-F238E27FC236}">
+                <a16:creationId xmlns:a16="http://schemas.microsoft.com/office/drawing/2014/main" id="{D6A9A547-71D2-648B-52E7-2568E2657AF2}"/>
+              </a:ext>
+            </a:extLst>
+          </p:cNvPr>
+          <p:cNvCxnSpPr/>
+          <p:nvPr>
+            <p:custDataLst>
+              <p:tags r:id="rId25"/>
+            </p:custDataLst>
+          </p:nvPr>
+        </p:nvCxnSpPr>
+        <p:spPr>
+          <a:xfrm flipV="1">
+            <a:off x="4863783" y="2810510"/>
+            <a:ext cx="0" cy="406400"/>
+          </a:xfrm>
+          <a:prstGeom prst="line">
+            <a:avLst/>
+          </a:prstGeom>
+          <a:ln w="28575" cap="flat" cmpd="sng">
+            <a:solidFill>
+              <a:srgbClr val="BFBFBF"/>
+            </a:solidFill>
+            <a:prstDash val="solid"/>
+            <a:miter/>
+            <a:headEnd type="none" w="med" len="med"/>
+            <a:tailEnd type="none" w="med" len="med"/>
+          </a:ln>
+        </p:spPr>
+      </p:cxnSp>
+      <p:cxnSp>
+        <p:nvCxnSpPr>
+          <p:cNvPr id="77" name="MH_Other_20">
+            <a:extLst>
+              <a:ext uri="{FF2B5EF4-FFF2-40B4-BE49-F238E27FC236}">
+                <a16:creationId xmlns:a16="http://schemas.microsoft.com/office/drawing/2014/main" id="{5B96C2A5-FAD6-C4BC-E3FF-9D09F4AA5109}"/>
+              </a:ext>
+            </a:extLst>
+          </p:cNvPr>
+          <p:cNvCxnSpPr/>
+          <p:nvPr>
+            <p:custDataLst>
+              <p:tags r:id="rId26"/>
+            </p:custDataLst>
+          </p:nvPr>
+        </p:nvCxnSpPr>
+        <p:spPr>
+          <a:xfrm flipV="1">
+            <a:off x="7397433" y="2810510"/>
+            <a:ext cx="0" cy="406400"/>
+          </a:xfrm>
+          <a:prstGeom prst="line">
+            <a:avLst/>
+          </a:prstGeom>
+          <a:ln w="28575" cap="flat" cmpd="sng">
+            <a:solidFill>
+              <a:srgbClr val="BFBFBF"/>
+            </a:solidFill>
+            <a:prstDash val="solid"/>
+            <a:miter/>
+            <a:headEnd type="none" w="med" len="med"/>
+            <a:tailEnd type="none" w="med" len="med"/>
+          </a:ln>
+        </p:spPr>
+      </p:cxnSp>
+      <p:cxnSp>
+        <p:nvCxnSpPr>
+          <p:cNvPr id="78" name="MH_Other_21">
+            <a:extLst>
+              <a:ext uri="{FF2B5EF4-FFF2-40B4-BE49-F238E27FC236}">
+                <a16:creationId xmlns:a16="http://schemas.microsoft.com/office/drawing/2014/main" id="{0D93C075-F6F3-2CEE-616B-4E382D540DCE}"/>
+              </a:ext>
+            </a:extLst>
+          </p:cNvPr>
+          <p:cNvCxnSpPr/>
+          <p:nvPr>
+            <p:custDataLst>
+              <p:tags r:id="rId27"/>
+            </p:custDataLst>
+          </p:nvPr>
+        </p:nvCxnSpPr>
+        <p:spPr>
+          <a:xfrm>
+            <a:off x="1461770" y="3614420"/>
+            <a:ext cx="469900" cy="0"/>
+          </a:xfrm>
+          <a:prstGeom prst="line">
+            <a:avLst/>
+          </a:prstGeom>
+          <a:ln w="28575" cap="flat" cmpd="sng">
+            <a:solidFill>
+              <a:srgbClr val="BFBFBF"/>
+            </a:solidFill>
+            <a:prstDash val="solid"/>
+            <a:miter/>
+            <a:headEnd type="none" w="med" len="med"/>
+            <a:tailEnd type="none" w="med" len="med"/>
+          </a:ln>
+        </p:spPr>
+      </p:cxnSp>
+      <p:cxnSp>
+        <p:nvCxnSpPr>
+          <p:cNvPr id="79" name="MH_Other_22">
+            <a:extLst>
+              <a:ext uri="{FF2B5EF4-FFF2-40B4-BE49-F238E27FC236}">
+                <a16:creationId xmlns:a16="http://schemas.microsoft.com/office/drawing/2014/main" id="{AA65FE8C-ACA3-3FFE-4FEC-E9282DC81409}"/>
+              </a:ext>
+            </a:extLst>
+          </p:cNvPr>
+          <p:cNvCxnSpPr/>
+          <p:nvPr>
+            <p:custDataLst>
+              <p:tags r:id="rId28"/>
+            </p:custDataLst>
+          </p:nvPr>
+        </p:nvCxnSpPr>
+        <p:spPr>
+          <a:xfrm>
+            <a:off x="2728595" y="3614420"/>
+            <a:ext cx="469900" cy="0"/>
+          </a:xfrm>
+          <a:prstGeom prst="line">
+            <a:avLst/>
+          </a:prstGeom>
+          <a:ln w="28575" cap="flat" cmpd="sng">
+            <a:solidFill>
+              <a:srgbClr val="BFBFBF"/>
+            </a:solidFill>
+            <a:prstDash val="solid"/>
+            <a:miter/>
+            <a:headEnd type="none" w="med" len="med"/>
+            <a:tailEnd type="none" w="med" len="med"/>
+          </a:ln>
+        </p:spPr>
+      </p:cxnSp>
+      <p:cxnSp>
+        <p:nvCxnSpPr>
+          <p:cNvPr id="80" name="MH_Other_23">
+            <a:extLst>
+              <a:ext uri="{FF2B5EF4-FFF2-40B4-BE49-F238E27FC236}">
+                <a16:creationId xmlns:a16="http://schemas.microsoft.com/office/drawing/2014/main" id="{647B336F-6C88-3A8B-F426-BC1C277935BA}"/>
+              </a:ext>
+            </a:extLst>
+          </p:cNvPr>
+          <p:cNvCxnSpPr/>
+          <p:nvPr>
+            <p:custDataLst>
+              <p:tags r:id="rId29"/>
+            </p:custDataLst>
+          </p:nvPr>
+        </p:nvCxnSpPr>
+        <p:spPr>
+          <a:xfrm>
+            <a:off x="3995420" y="3614420"/>
+            <a:ext cx="469900" cy="0"/>
+          </a:xfrm>
+          <a:prstGeom prst="line">
+            <a:avLst/>
+          </a:prstGeom>
+          <a:ln w="28575" cap="flat" cmpd="sng">
+            <a:solidFill>
+              <a:srgbClr val="BFBFBF"/>
+            </a:solidFill>
+            <a:prstDash val="solid"/>
+            <a:miter/>
+            <a:headEnd type="none" w="med" len="med"/>
+            <a:tailEnd type="none" w="med" len="med"/>
+          </a:ln>
+        </p:spPr>
+      </p:cxnSp>
+      <p:cxnSp>
+        <p:nvCxnSpPr>
+          <p:cNvPr id="81" name="MH_Other_24">
+            <a:extLst>
+              <a:ext uri="{FF2B5EF4-FFF2-40B4-BE49-F238E27FC236}">
+                <a16:creationId xmlns:a16="http://schemas.microsoft.com/office/drawing/2014/main" id="{922DE71E-4999-0940-0E96-81F6C8719AC5}"/>
+              </a:ext>
+            </a:extLst>
+          </p:cNvPr>
+          <p:cNvCxnSpPr/>
+          <p:nvPr>
+            <p:custDataLst>
+              <p:tags r:id="rId30"/>
+            </p:custDataLst>
+          </p:nvPr>
+        </p:nvCxnSpPr>
+        <p:spPr>
+          <a:xfrm>
+            <a:off x="5262245" y="3614420"/>
+            <a:ext cx="469900" cy="0"/>
+          </a:xfrm>
+          <a:prstGeom prst="line">
+            <a:avLst/>
+          </a:prstGeom>
+          <a:ln w="28575" cap="flat" cmpd="sng">
+            <a:solidFill>
+              <a:srgbClr val="BFBFBF"/>
+            </a:solidFill>
+            <a:prstDash val="solid"/>
+            <a:miter/>
+            <a:headEnd type="none" w="med" len="med"/>
+            <a:tailEnd type="none" w="med" len="med"/>
+          </a:ln>
+        </p:spPr>
+      </p:cxnSp>
+      <p:cxnSp>
+        <p:nvCxnSpPr>
+          <p:cNvPr id="82" name="MH_Other_25">
+            <a:extLst>
+              <a:ext uri="{FF2B5EF4-FFF2-40B4-BE49-F238E27FC236}">
+                <a16:creationId xmlns:a16="http://schemas.microsoft.com/office/drawing/2014/main" id="{61E00B81-194A-ACDE-8A15-8FA6F45CF25A}"/>
+              </a:ext>
+            </a:extLst>
+          </p:cNvPr>
+          <p:cNvCxnSpPr/>
+          <p:nvPr>
+            <p:custDataLst>
+              <p:tags r:id="rId31"/>
+            </p:custDataLst>
+          </p:nvPr>
+        </p:nvCxnSpPr>
+        <p:spPr>
+          <a:xfrm>
+            <a:off x="6529070" y="3614420"/>
+            <a:ext cx="469900" cy="0"/>
+          </a:xfrm>
+          <a:prstGeom prst="line">
+            <a:avLst/>
+          </a:prstGeom>
+          <a:ln w="28575" cap="flat" cmpd="sng">
+            <a:solidFill>
+              <a:srgbClr val="BFBFBF"/>
+            </a:solidFill>
+            <a:prstDash val="solid"/>
+            <a:miter/>
+            <a:headEnd type="none" w="med" len="med"/>
+            <a:tailEnd type="none" w="med" len="med"/>
+          </a:ln>
+        </p:spPr>
+      </p:cxnSp>
+      <p:cxnSp>
+        <p:nvCxnSpPr>
+          <p:cNvPr id="83" name="MH_Other_25">
+            <a:extLst>
+              <a:ext uri="{FF2B5EF4-FFF2-40B4-BE49-F238E27FC236}">
+                <a16:creationId xmlns:a16="http://schemas.microsoft.com/office/drawing/2014/main" id="{72DD7B8B-20D0-458B-1D3E-744B03735ACD}"/>
+              </a:ext>
+            </a:extLst>
+          </p:cNvPr>
+          <p:cNvCxnSpPr/>
+          <p:nvPr>
+            <p:custDataLst>
+              <p:tags r:id="rId32"/>
+            </p:custDataLst>
+          </p:nvPr>
+        </p:nvCxnSpPr>
+        <p:spPr>
+          <a:xfrm>
+            <a:off x="7795895" y="3614420"/>
+            <a:ext cx="469900" cy="0"/>
+          </a:xfrm>
+          <a:prstGeom prst="line">
+            <a:avLst/>
+          </a:prstGeom>
+          <a:ln w="28575" cap="flat" cmpd="sng">
+            <a:solidFill>
+              <a:srgbClr val="BFBFBF"/>
+            </a:solidFill>
+            <a:prstDash val="solid"/>
+            <a:miter/>
+            <a:headEnd type="none" w="med" len="med"/>
+            <a:tailEnd type="none" w="med" len="med"/>
+          </a:ln>
+        </p:spPr>
+      </p:cxnSp>
+      <p:sp>
+        <p:nvSpPr>
+          <p:cNvPr id="84" name="MH_Other_10">
+            <a:extLst>
+              <a:ext uri="{FF2B5EF4-FFF2-40B4-BE49-F238E27FC236}">
+                <a16:creationId xmlns:a16="http://schemas.microsoft.com/office/drawing/2014/main" id="{CC8766C1-A63F-F1BD-CEB3-590CC20D7ECA}"/>
+              </a:ext>
+            </a:extLst>
+          </p:cNvPr>
+          <p:cNvSpPr/>
+          <p:nvPr>
+            <p:custDataLst>
+              <p:tags r:id="rId33"/>
+            </p:custDataLst>
+          </p:nvPr>
+        </p:nvSpPr>
+        <p:spPr bwMode="auto">
+          <a:xfrm>
+            <a:off x="8369935" y="3266758"/>
+            <a:ext cx="695325" cy="695325"/>
+          </a:xfrm>
+          <a:prstGeom prst="ellipse">
+            <a:avLst/>
+          </a:prstGeom>
+          <a:solidFill>
+            <a:srgbClr val="3BB7A8"/>
+          </a:solidFill>
+          <a:ln w="12700" cap="flat" cmpd="sng" algn="ctr">
+            <a:noFill/>
+            <a:prstDash val="solid"/>
+            <a:miter lim="800000"/>
+          </a:ln>
+          <a:effectLst/>
+        </p:spPr>
+        <p:txBody>
+          <a:bodyPr lIns="0" tIns="0" rIns="0" bIns="0" anchor="ctr">
+            <a:normAutofit/>
+          </a:bodyPr>
+          <a:lstStyle/>
+          <a:p>
+            <a:pPr algn="ctr">
+              <a:defRPr/>
+            </a:pPr>
+            <a:r>
+              <a:rPr lang="en-US" altLang="zh-CN" sz="2400" b="1" kern="0" dirty="0">
+                <a:solidFill>
+                  <a:srgbClr val="FFFFFF"/>
+                </a:solidFill>
+                <a:ea typeface="幼圆" panose="02010509060101010101" pitchFamily="49" charset="-122"/>
+              </a:rPr>
+              <a:t>07</a:t>
+            </a:r>
+            <a:endParaRPr lang="zh-CN" altLang="en-US" sz="2400" b="1" kern="0" dirty="0">
+              <a:solidFill>
+                <a:srgbClr val="FFFFFF"/>
+              </a:solidFill>
+              <a:ea typeface="幼圆" panose="02010509060101010101" pitchFamily="49" charset="-122"/>
+            </a:endParaRPr>
+          </a:p>
+        </p:txBody>
+      </p:sp>
+      <p:sp>
+        <p:nvSpPr>
+          <p:cNvPr id="85" name="MH_Other_9">
+            <a:extLst>
+              <a:ext uri="{FF2B5EF4-FFF2-40B4-BE49-F238E27FC236}">
+                <a16:creationId xmlns:a16="http://schemas.microsoft.com/office/drawing/2014/main" id="{781EBC9E-AEB8-9FCB-E544-BCE0C9BA1416}"/>
+              </a:ext>
+            </a:extLst>
+          </p:cNvPr>
+          <p:cNvSpPr/>
+          <p:nvPr>
+            <p:custDataLst>
+              <p:tags r:id="rId34"/>
+            </p:custDataLst>
+          </p:nvPr>
+        </p:nvSpPr>
+        <p:spPr bwMode="auto">
+          <a:xfrm>
+            <a:off x="8319135" y="3216593"/>
+            <a:ext cx="796925" cy="796925"/>
+          </a:xfrm>
+          <a:prstGeom prst="ellipse">
+            <a:avLst/>
+          </a:prstGeom>
+          <a:noFill/>
+          <a:ln w="28575" cap="flat" cmpd="sng" algn="ctr">
+            <a:solidFill>
+              <a:srgbClr val="BFBFBF"/>
+            </a:solidFill>
+            <a:prstDash val="solid"/>
+            <a:miter lim="800000"/>
+          </a:ln>
+          <a:effectLst/>
+        </p:spPr>
+        <p:txBody>
+          <a:bodyPr anchor="ctr">
+            <a:normAutofit/>
+          </a:bodyPr>
+          <a:lstStyle/>
+          <a:p>
+            <a:pPr algn="ctr">
+              <a:defRPr/>
+            </a:pPr>
+            <a:endParaRPr lang="zh-CN" altLang="en-US" kern="0">
+              <a:solidFill>
+                <a:srgbClr val="FFFFFF"/>
+              </a:solidFill>
+              <a:ea typeface="幼圆" panose="02010509060101010101" pitchFamily="49" charset="-122"/>
+            </a:endParaRPr>
+          </a:p>
+        </p:txBody>
+      </p:sp>
+      <p:sp>
+        <p:nvSpPr>
+          <p:cNvPr id="86" name="MH_Other_5">
+            <a:extLst>
+              <a:ext uri="{FF2B5EF4-FFF2-40B4-BE49-F238E27FC236}">
+                <a16:creationId xmlns:a16="http://schemas.microsoft.com/office/drawing/2014/main" id="{800805C9-DB25-2493-596F-C77E897F67FC}"/>
+              </a:ext>
+            </a:extLst>
+          </p:cNvPr>
+          <p:cNvSpPr/>
+          <p:nvPr>
+            <p:custDataLst>
+              <p:tags r:id="rId35"/>
+            </p:custDataLst>
+          </p:nvPr>
+        </p:nvSpPr>
+        <p:spPr bwMode="auto">
+          <a:xfrm>
+            <a:off x="9585960" y="3214688"/>
+            <a:ext cx="796925" cy="796925"/>
+          </a:xfrm>
+          <a:prstGeom prst="ellipse">
+            <a:avLst/>
+          </a:prstGeom>
+          <a:noFill/>
+          <a:ln w="28575" cap="flat" cmpd="sng" algn="ctr">
+            <a:solidFill>
+              <a:srgbClr val="BFBFBF"/>
+            </a:solidFill>
+            <a:prstDash val="solid"/>
+            <a:miter lim="800000"/>
+          </a:ln>
+          <a:effectLst/>
+        </p:spPr>
+        <p:txBody>
+          <a:bodyPr anchor="ctr">
+            <a:normAutofit/>
+          </a:bodyPr>
+          <a:lstStyle/>
+          <a:p>
+            <a:pPr algn="ctr">
+              <a:defRPr/>
+            </a:pPr>
+            <a:endParaRPr lang="zh-CN" altLang="en-US" kern="0">
+              <a:solidFill>
+                <a:srgbClr val="FFFFFF"/>
+              </a:solidFill>
+              <a:ea typeface="幼圆" panose="02010509060101010101" pitchFamily="49" charset="-122"/>
+            </a:endParaRPr>
+          </a:p>
+        </p:txBody>
+      </p:sp>
+      <p:sp>
+        <p:nvSpPr>
+          <p:cNvPr id="87" name="MH_Other_6">
+            <a:extLst>
+              <a:ext uri="{FF2B5EF4-FFF2-40B4-BE49-F238E27FC236}">
+                <a16:creationId xmlns:a16="http://schemas.microsoft.com/office/drawing/2014/main" id="{C09DA80B-4C95-BC24-66AC-6D285A7B7946}"/>
+              </a:ext>
+            </a:extLst>
+          </p:cNvPr>
+          <p:cNvSpPr/>
+          <p:nvPr>
+            <p:custDataLst>
+              <p:tags r:id="rId36"/>
+            </p:custDataLst>
+          </p:nvPr>
+        </p:nvSpPr>
+        <p:spPr bwMode="auto">
+          <a:xfrm>
+            <a:off x="9636760" y="3265488"/>
+            <a:ext cx="695325" cy="695325"/>
+          </a:xfrm>
+          <a:prstGeom prst="ellipse">
+            <a:avLst/>
+          </a:prstGeom>
+          <a:solidFill>
+            <a:srgbClr val="4472C4"/>
+          </a:solidFill>
+          <a:ln w="12700" cap="flat" cmpd="sng" algn="ctr">
+            <a:noFill/>
+            <a:prstDash val="solid"/>
+            <a:miter lim="800000"/>
+          </a:ln>
+          <a:effectLst/>
+        </p:spPr>
+        <p:txBody>
+          <a:bodyPr lIns="0" tIns="0" rIns="0" bIns="0" anchor="ctr">
+            <a:normAutofit/>
+          </a:bodyPr>
+          <a:lstStyle/>
+          <a:p>
+            <a:pPr algn="ctr">
+              <a:defRPr/>
+            </a:pPr>
+            <a:r>
+              <a:rPr lang="en-US" altLang="zh-CN" sz="2400" b="1" kern="0" dirty="0">
+                <a:solidFill>
+                  <a:srgbClr val="FFFFFF"/>
+                </a:solidFill>
+                <a:ea typeface="幼圆" panose="02010509060101010101" pitchFamily="49" charset="-122"/>
+              </a:rPr>
+              <a:t>08</a:t>
+            </a:r>
+            <a:endParaRPr lang="zh-CN" altLang="en-US" sz="2400" b="1" kern="0" dirty="0">
+              <a:solidFill>
+                <a:srgbClr val="FFFFFF"/>
+              </a:solidFill>
+              <a:ea typeface="幼圆" panose="02010509060101010101" pitchFamily="49" charset="-122"/>
+            </a:endParaRPr>
+          </a:p>
+        </p:txBody>
+      </p:sp>
+      <p:sp>
+        <p:nvSpPr>
+          <p:cNvPr id="88" name="MH_Other_9">
+            <a:extLst>
+              <a:ext uri="{FF2B5EF4-FFF2-40B4-BE49-F238E27FC236}">
+                <a16:creationId xmlns:a16="http://schemas.microsoft.com/office/drawing/2014/main" id="{BE80601E-5B21-ADA4-85B3-6CA6EF71582C}"/>
+              </a:ext>
+            </a:extLst>
+          </p:cNvPr>
+          <p:cNvSpPr/>
+          <p:nvPr>
+            <p:custDataLst>
+              <p:tags r:id="rId37"/>
+            </p:custDataLst>
+          </p:nvPr>
+        </p:nvSpPr>
+        <p:spPr bwMode="auto">
+          <a:xfrm>
+            <a:off x="8319135" y="3214688"/>
+            <a:ext cx="796925" cy="796925"/>
+          </a:xfrm>
+          <a:prstGeom prst="ellipse">
+            <a:avLst/>
+          </a:prstGeom>
+          <a:noFill/>
+          <a:ln w="28575" cap="flat" cmpd="sng" algn="ctr">
+            <a:solidFill>
+              <a:srgbClr val="BFBFBF"/>
+            </a:solidFill>
+            <a:prstDash val="solid"/>
+            <a:miter lim="800000"/>
+          </a:ln>
+          <a:effectLst/>
+        </p:spPr>
+        <p:txBody>
+          <a:bodyPr anchor="ctr">
+            <a:normAutofit/>
+          </a:bodyPr>
+          <a:lstStyle/>
+          <a:p>
+            <a:pPr algn="ctr">
+              <a:defRPr/>
+            </a:pPr>
+            <a:endParaRPr lang="zh-CN" altLang="en-US" kern="0">
+              <a:solidFill>
+                <a:srgbClr val="FFFFFF"/>
+              </a:solidFill>
+              <a:ea typeface="幼圆" panose="02010509060101010101" pitchFamily="49" charset="-122"/>
+            </a:endParaRPr>
+          </a:p>
+        </p:txBody>
+      </p:sp>
+      <p:sp>
+        <p:nvSpPr>
+          <p:cNvPr id="89" name="MH_Other_10">
+            <a:extLst>
+              <a:ext uri="{FF2B5EF4-FFF2-40B4-BE49-F238E27FC236}">
+                <a16:creationId xmlns:a16="http://schemas.microsoft.com/office/drawing/2014/main" id="{20367E03-1D8B-EAB5-71F3-12EA4D7C339C}"/>
+              </a:ext>
+            </a:extLst>
+          </p:cNvPr>
+          <p:cNvSpPr/>
+          <p:nvPr>
+            <p:custDataLst>
+              <p:tags r:id="rId38"/>
+            </p:custDataLst>
+          </p:nvPr>
+        </p:nvSpPr>
+        <p:spPr bwMode="auto">
+          <a:xfrm>
+            <a:off x="8369935" y="3265488"/>
+            <a:ext cx="695325" cy="695325"/>
+          </a:xfrm>
+          <a:prstGeom prst="ellipse">
+            <a:avLst/>
+          </a:prstGeom>
+          <a:solidFill>
+            <a:schemeClr val="accent2">
+              <a:lumMod val="75000"/>
+            </a:schemeClr>
+          </a:solidFill>
+          <a:ln w="12700" cap="flat" cmpd="sng" algn="ctr">
+            <a:noFill/>
+            <a:prstDash val="solid"/>
+            <a:miter lim="800000"/>
+          </a:ln>
+          <a:effectLst/>
+        </p:spPr>
+        <p:txBody>
+          <a:bodyPr lIns="0" tIns="0" rIns="0" bIns="0" anchor="ctr">
+            <a:normAutofit/>
+          </a:bodyPr>
+          <a:lstStyle/>
+          <a:p>
+            <a:pPr algn="ctr">
+              <a:defRPr/>
+            </a:pPr>
+            <a:r>
+              <a:rPr lang="en-US" altLang="zh-CN" sz="2400" b="1" kern="0" dirty="0">
+                <a:solidFill>
+                  <a:srgbClr val="FFFFFF"/>
+                </a:solidFill>
+                <a:ea typeface="幼圆" panose="02010509060101010101" pitchFamily="49" charset="-122"/>
+              </a:rPr>
+              <a:t>07</a:t>
+            </a:r>
+            <a:endParaRPr lang="zh-CN" altLang="en-US" sz="2400" b="1" kern="0" dirty="0">
+              <a:solidFill>
+                <a:srgbClr val="FFFFFF"/>
+              </a:solidFill>
+              <a:ea typeface="幼圆" panose="02010509060101010101" pitchFamily="49" charset="-122"/>
+            </a:endParaRPr>
+          </a:p>
+        </p:txBody>
+      </p:sp>
+      <p:sp>
+        <p:nvSpPr>
+          <p:cNvPr id="90" name="MH_Other_11">
+            <a:extLst>
+              <a:ext uri="{FF2B5EF4-FFF2-40B4-BE49-F238E27FC236}">
+                <a16:creationId xmlns:a16="http://schemas.microsoft.com/office/drawing/2014/main" id="{B8659D27-9F0B-765C-AEA5-9B24B3BA8541}"/>
+              </a:ext>
+            </a:extLst>
+          </p:cNvPr>
+          <p:cNvSpPr/>
+          <p:nvPr>
+            <p:custDataLst>
+              <p:tags r:id="rId39"/>
+            </p:custDataLst>
+          </p:nvPr>
+        </p:nvSpPr>
+        <p:spPr bwMode="auto">
+          <a:xfrm>
+            <a:off x="10852785" y="3214688"/>
+            <a:ext cx="796925" cy="796925"/>
+          </a:xfrm>
+          <a:prstGeom prst="ellipse">
+            <a:avLst/>
+          </a:prstGeom>
+          <a:noFill/>
+          <a:ln w="28575" cap="flat" cmpd="sng" algn="ctr">
+            <a:solidFill>
+              <a:srgbClr val="BFBFBF"/>
+            </a:solidFill>
+            <a:prstDash val="solid"/>
+            <a:miter lim="800000"/>
+          </a:ln>
+          <a:effectLst/>
+        </p:spPr>
+        <p:txBody>
+          <a:bodyPr anchor="ctr">
+            <a:normAutofit/>
+          </a:bodyPr>
+          <a:lstStyle/>
+          <a:p>
+            <a:pPr algn="ctr">
+              <a:defRPr/>
+            </a:pPr>
+            <a:endParaRPr lang="zh-CN" altLang="en-US" kern="0">
+              <a:solidFill>
+                <a:srgbClr val="FFFFFF"/>
+              </a:solidFill>
+              <a:ea typeface="幼圆" panose="02010509060101010101" pitchFamily="49" charset="-122"/>
+            </a:endParaRPr>
+          </a:p>
+        </p:txBody>
+      </p:sp>
+      <p:sp>
+        <p:nvSpPr>
+          <p:cNvPr id="91" name="MH_Other_12">
+            <a:extLst>
+              <a:ext uri="{FF2B5EF4-FFF2-40B4-BE49-F238E27FC236}">
+                <a16:creationId xmlns:a16="http://schemas.microsoft.com/office/drawing/2014/main" id="{3E2ADBC2-9845-5B24-2777-4A4B1043E8B6}"/>
+              </a:ext>
+            </a:extLst>
+          </p:cNvPr>
+          <p:cNvSpPr/>
+          <p:nvPr>
+            <p:custDataLst>
+              <p:tags r:id="rId40"/>
+            </p:custDataLst>
+          </p:nvPr>
+        </p:nvSpPr>
+        <p:spPr bwMode="auto">
+          <a:xfrm>
+            <a:off x="10903585" y="3265488"/>
+            <a:ext cx="695325" cy="695325"/>
+          </a:xfrm>
+          <a:prstGeom prst="ellipse">
+            <a:avLst/>
+          </a:prstGeom>
+          <a:solidFill>
+            <a:schemeClr val="accent2">
+              <a:lumMod val="75000"/>
+            </a:schemeClr>
+          </a:solidFill>
+          <a:ln w="12700" cap="flat" cmpd="sng" algn="ctr">
+            <a:noFill/>
+            <a:prstDash val="solid"/>
+            <a:miter lim="800000"/>
+          </a:ln>
+          <a:effectLst/>
+        </p:spPr>
+        <p:txBody>
+          <a:bodyPr lIns="0" tIns="0" rIns="0" bIns="0" anchor="ctr">
+            <a:normAutofit/>
+          </a:bodyPr>
+          <a:lstStyle/>
+          <a:p>
+            <a:pPr algn="ctr">
+              <a:defRPr/>
+            </a:pPr>
+            <a:r>
+              <a:rPr lang="en-US" altLang="zh-CN" sz="2400" b="1" kern="0" dirty="0">
+                <a:solidFill>
+                  <a:srgbClr val="FFFFFF"/>
+                </a:solidFill>
+                <a:ea typeface="幼圆" panose="02010509060101010101" pitchFamily="49" charset="-122"/>
+              </a:rPr>
+              <a:t>09</a:t>
+            </a:r>
+            <a:endParaRPr lang="zh-CN" altLang="en-US" sz="2400" b="1" kern="0" dirty="0">
+              <a:solidFill>
+                <a:srgbClr val="FFFFFF"/>
+              </a:solidFill>
+              <a:ea typeface="幼圆" panose="02010509060101010101" pitchFamily="49" charset="-122"/>
+            </a:endParaRPr>
+          </a:p>
+        </p:txBody>
+      </p:sp>
+      <p:cxnSp>
+        <p:nvCxnSpPr>
+          <p:cNvPr id="92" name="MH_Other_17">
+            <a:extLst>
+              <a:ext uri="{FF2B5EF4-FFF2-40B4-BE49-F238E27FC236}">
+                <a16:creationId xmlns:a16="http://schemas.microsoft.com/office/drawing/2014/main" id="{079D2843-C176-AB29-9C0B-7127F6F87D10}"/>
+              </a:ext>
+            </a:extLst>
+          </p:cNvPr>
+          <p:cNvCxnSpPr/>
+          <p:nvPr>
+            <p:custDataLst>
+              <p:tags r:id="rId41"/>
+            </p:custDataLst>
+          </p:nvPr>
+        </p:nvCxnSpPr>
+        <p:spPr>
+          <a:xfrm>
+            <a:off x="9984423" y="2791778"/>
+            <a:ext cx="0" cy="406400"/>
+          </a:xfrm>
+          <a:prstGeom prst="line">
+            <a:avLst/>
+          </a:prstGeom>
+          <a:ln w="28575" cap="flat" cmpd="sng">
+            <a:solidFill>
+              <a:srgbClr val="BFBFBF"/>
+            </a:solidFill>
+            <a:prstDash val="solid"/>
+            <a:miter/>
+            <a:headEnd type="none" w="med" len="med"/>
+            <a:tailEnd type="none" w="med" len="med"/>
+          </a:ln>
+        </p:spPr>
+      </p:cxnSp>
+      <p:cxnSp>
+        <p:nvCxnSpPr>
+          <p:cNvPr id="93" name="MH_Other_19">
+            <a:extLst>
+              <a:ext uri="{FF2B5EF4-FFF2-40B4-BE49-F238E27FC236}">
+                <a16:creationId xmlns:a16="http://schemas.microsoft.com/office/drawing/2014/main" id="{6219E88B-7E16-1181-1234-C59DFFC4BC94}"/>
+              </a:ext>
+            </a:extLst>
+          </p:cNvPr>
+          <p:cNvCxnSpPr/>
+          <p:nvPr>
+            <p:custDataLst>
+              <p:tags r:id="rId42"/>
+            </p:custDataLst>
+          </p:nvPr>
+        </p:nvCxnSpPr>
+        <p:spPr>
+          <a:xfrm flipV="1">
+            <a:off x="8717598" y="4029710"/>
+            <a:ext cx="0" cy="406400"/>
+          </a:xfrm>
+          <a:prstGeom prst="line">
+            <a:avLst/>
+          </a:prstGeom>
+          <a:ln w="28575" cap="flat" cmpd="sng">
+            <a:solidFill>
+              <a:srgbClr val="BFBFBF"/>
+            </a:solidFill>
+            <a:prstDash val="solid"/>
+            <a:miter/>
+            <a:headEnd type="none" w="med" len="med"/>
+            <a:tailEnd type="none" w="med" len="med"/>
+          </a:ln>
+        </p:spPr>
+      </p:cxnSp>
+      <p:cxnSp>
+        <p:nvCxnSpPr>
+          <p:cNvPr id="94" name="MH_Other_20">
+            <a:extLst>
+              <a:ext uri="{FF2B5EF4-FFF2-40B4-BE49-F238E27FC236}">
+                <a16:creationId xmlns:a16="http://schemas.microsoft.com/office/drawing/2014/main" id="{82D51E4D-DB4A-CB7E-D1BE-24792F9639A2}"/>
+              </a:ext>
+            </a:extLst>
+          </p:cNvPr>
+          <p:cNvCxnSpPr/>
+          <p:nvPr>
+            <p:custDataLst>
+              <p:tags r:id="rId43"/>
+            </p:custDataLst>
+          </p:nvPr>
+        </p:nvCxnSpPr>
+        <p:spPr>
+          <a:xfrm flipV="1">
+            <a:off x="11251248" y="4029710"/>
+            <a:ext cx="0" cy="406400"/>
+          </a:xfrm>
+          <a:prstGeom prst="line">
+            <a:avLst/>
+          </a:prstGeom>
+          <a:ln w="28575" cap="flat" cmpd="sng">
+            <a:solidFill>
+              <a:srgbClr val="BFBFBF"/>
+            </a:solidFill>
+            <a:prstDash val="solid"/>
+            <a:miter/>
+            <a:headEnd type="none" w="med" len="med"/>
+            <a:tailEnd type="none" w="med" len="med"/>
+          </a:ln>
+        </p:spPr>
+      </p:cxnSp>
+      <p:cxnSp>
+        <p:nvCxnSpPr>
+          <p:cNvPr id="95" name="MH_Other_24">
+            <a:extLst>
+              <a:ext uri="{FF2B5EF4-FFF2-40B4-BE49-F238E27FC236}">
+                <a16:creationId xmlns:a16="http://schemas.microsoft.com/office/drawing/2014/main" id="{D1E1FA2D-E0E9-BABB-171A-6E0BF25136A6}"/>
+              </a:ext>
+            </a:extLst>
+          </p:cNvPr>
+          <p:cNvCxnSpPr/>
+          <p:nvPr>
+            <p:custDataLst>
+              <p:tags r:id="rId44"/>
+            </p:custDataLst>
+          </p:nvPr>
+        </p:nvCxnSpPr>
+        <p:spPr>
+          <a:xfrm>
+            <a:off x="9116060" y="3613785"/>
+            <a:ext cx="469900" cy="0"/>
+          </a:xfrm>
+          <a:prstGeom prst="line">
+            <a:avLst/>
+          </a:prstGeom>
+          <a:ln w="28575" cap="flat" cmpd="sng">
+            <a:solidFill>
+              <a:srgbClr val="BFBFBF"/>
+            </a:solidFill>
+            <a:prstDash val="solid"/>
+            <a:miter/>
+            <a:headEnd type="none" w="med" len="med"/>
+            <a:tailEnd type="none" w="med" len="med"/>
+          </a:ln>
+        </p:spPr>
+      </p:cxnSp>
+      <p:cxnSp>
+        <p:nvCxnSpPr>
+          <p:cNvPr id="96" name="MH_Other_25">
+            <a:extLst>
+              <a:ext uri="{FF2B5EF4-FFF2-40B4-BE49-F238E27FC236}">
+                <a16:creationId xmlns:a16="http://schemas.microsoft.com/office/drawing/2014/main" id="{5C47FABE-25BC-043B-932D-4FDA03CAED46}"/>
+              </a:ext>
+            </a:extLst>
+          </p:cNvPr>
+          <p:cNvCxnSpPr/>
+          <p:nvPr>
+            <p:custDataLst>
+              <p:tags r:id="rId45"/>
+            </p:custDataLst>
+          </p:nvPr>
+        </p:nvCxnSpPr>
+        <p:spPr>
+          <a:xfrm>
+            <a:off x="10382885" y="3613785"/>
+            <a:ext cx="469900" cy="0"/>
+          </a:xfrm>
+          <a:prstGeom prst="line">
+            <a:avLst/>
+          </a:prstGeom>
+          <a:ln w="28575" cap="flat" cmpd="sng">
+            <a:solidFill>
+              <a:srgbClr val="BFBFBF"/>
+            </a:solidFill>
+            <a:prstDash val="solid"/>
+            <a:miter/>
+            <a:headEnd type="none" w="med" len="med"/>
+            <a:tailEnd type="none" w="med" len="med"/>
+          </a:ln>
+        </p:spPr>
+      </p:cxnSp>
+      <p:sp>
+        <p:nvSpPr>
+          <p:cNvPr id="97" name="MH_SubTitle_5">
+            <a:extLst>
+              <a:ext uri="{FF2B5EF4-FFF2-40B4-BE49-F238E27FC236}">
+                <a16:creationId xmlns:a16="http://schemas.microsoft.com/office/drawing/2014/main" id="{7291056D-A3F2-6744-8844-6DB99E939DB8}"/>
+              </a:ext>
+            </a:extLst>
+          </p:cNvPr>
+          <p:cNvSpPr/>
+          <p:nvPr>
+            <p:custDataLst>
+              <p:tags r:id="rId46"/>
+            </p:custDataLst>
+          </p:nvPr>
+        </p:nvSpPr>
+        <p:spPr>
+          <a:xfrm>
+            <a:off x="8032433" y="4464685"/>
+            <a:ext cx="1370013" cy="1227138"/>
+          </a:xfrm>
+          <a:prstGeom prst="rect">
+            <a:avLst/>
+          </a:prstGeom>
+          <a:noFill/>
+          <a:ln w="12700" cap="flat" cmpd="sng" algn="ctr">
+            <a:noFill/>
+            <a:prstDash val="solid"/>
+            <a:miter lim="800000"/>
+          </a:ln>
+          <a:effectLst/>
+        </p:spPr>
+        <p:txBody>
+          <a:bodyPr lIns="0" tIns="0" rIns="0" bIns="0" anchor="ctr">
+            <a:normAutofit/>
+          </a:bodyPr>
+          <a:lstStyle/>
+          <a:p>
+            <a:pPr algn="ctr">
+              <a:lnSpc>
+                <a:spcPct val="130000"/>
+              </a:lnSpc>
+              <a:defRPr/>
+            </a:pPr>
+            <a:r>
+              <a:rPr lang="da-DK" altLang="zh-CN" b="1" kern="0">
+                <a:solidFill>
+                  <a:prstClr val="black"/>
+                </a:solidFill>
+                <a:latin typeface="微软雅黑" panose="020B0503020204020204" pitchFamily="34" charset="-122"/>
+                <a:cs typeface="Arial" panose="020B0604020202020204" pitchFamily="34" charset="0"/>
+              </a:rPr>
+              <a:t>持久控制</a:t>
+            </a:r>
+          </a:p>
+        </p:txBody>
+      </p:sp>
+      <p:sp>
+        <p:nvSpPr>
+          <p:cNvPr id="98" name="MH_SubTitle_5">
+            <a:extLst>
+              <a:ext uri="{FF2B5EF4-FFF2-40B4-BE49-F238E27FC236}">
+                <a16:creationId xmlns:a16="http://schemas.microsoft.com/office/drawing/2014/main" id="{DB96E321-51CD-3607-EEF3-543B9F58BF75}"/>
+              </a:ext>
+            </a:extLst>
+          </p:cNvPr>
+          <p:cNvSpPr/>
+          <p:nvPr>
+            <p:custDataLst>
+              <p:tags r:id="rId47"/>
+            </p:custDataLst>
+          </p:nvPr>
+        </p:nvSpPr>
+        <p:spPr>
+          <a:xfrm>
+            <a:off x="10565448" y="4464685"/>
+            <a:ext cx="1370013" cy="1227138"/>
+          </a:xfrm>
+          <a:prstGeom prst="rect">
+            <a:avLst/>
+          </a:prstGeom>
+          <a:noFill/>
+          <a:ln w="12700" cap="flat" cmpd="sng" algn="ctr">
+            <a:noFill/>
+            <a:prstDash val="solid"/>
+            <a:miter lim="800000"/>
+          </a:ln>
+          <a:effectLst/>
+        </p:spPr>
+        <p:txBody>
+          <a:bodyPr lIns="0" tIns="0" rIns="0" bIns="0" anchor="ctr">
+            <a:normAutofit/>
+          </a:bodyPr>
+          <a:lstStyle/>
+          <a:p>
+            <a:pPr algn="ctr">
+              <a:lnSpc>
+                <a:spcPct val="130000"/>
+              </a:lnSpc>
+              <a:defRPr/>
+            </a:pPr>
+            <a:r>
+              <a:rPr lang="da-DK" altLang="zh-CN" b="1" kern="0" dirty="0">
+                <a:solidFill>
+                  <a:prstClr val="black"/>
+                </a:solidFill>
+                <a:latin typeface="微软雅黑" panose="020B0503020204020204" pitchFamily="34" charset="-122"/>
+                <a:cs typeface="Arial" panose="020B0604020202020204" pitchFamily="34" charset="0"/>
+              </a:rPr>
+              <a:t>痕迹处理</a:t>
+            </a:r>
+          </a:p>
+        </p:txBody>
+      </p:sp>
+      <p:sp>
+        <p:nvSpPr>
+          <p:cNvPr id="99" name="MH_SubTitle_6">
+            <a:extLst>
+              <a:ext uri="{FF2B5EF4-FFF2-40B4-BE49-F238E27FC236}">
+                <a16:creationId xmlns:a16="http://schemas.microsoft.com/office/drawing/2014/main" id="{FD29C4E9-571B-0A43-87B9-CF2327AECE24}"/>
+              </a:ext>
+            </a:extLst>
+          </p:cNvPr>
+          <p:cNvSpPr/>
+          <p:nvPr>
+            <p:custDataLst>
+              <p:tags r:id="rId48"/>
+            </p:custDataLst>
+          </p:nvPr>
+        </p:nvSpPr>
+        <p:spPr>
+          <a:xfrm>
+            <a:off x="9299258" y="1546860"/>
+            <a:ext cx="1370013" cy="1225550"/>
+          </a:xfrm>
+          <a:prstGeom prst="rect">
+            <a:avLst/>
+          </a:prstGeom>
+          <a:noFill/>
+          <a:ln w="12700" cap="flat" cmpd="sng" algn="ctr">
+            <a:noFill/>
+            <a:prstDash val="solid"/>
+            <a:miter lim="800000"/>
+          </a:ln>
+          <a:effectLst/>
+        </p:spPr>
+        <p:txBody>
+          <a:bodyPr lIns="0" tIns="0" rIns="0" bIns="0" anchor="ctr">
+            <a:normAutofit/>
+          </a:bodyPr>
+          <a:lstStyle/>
+          <a:p>
+            <a:pPr algn="ctr">
+              <a:lnSpc>
+                <a:spcPct val="130000"/>
+              </a:lnSpc>
+              <a:defRPr/>
+            </a:pPr>
+            <a:r>
+              <a:rPr lang="da-DK" altLang="zh-CN" b="1" kern="0" dirty="0">
+                <a:solidFill>
+                  <a:prstClr val="black"/>
+                </a:solidFill>
+                <a:latin typeface="微软雅黑" panose="020B0503020204020204" pitchFamily="34" charset="-122"/>
+                <a:cs typeface="Arial" panose="020B0604020202020204" pitchFamily="34" charset="0"/>
+              </a:rPr>
+              <a:t>数据获取</a:t>
+            </a:r>
+          </a:p>
+        </p:txBody>
+      </p:sp>
+    </p:spTree>
+    <p:extLst>
+      <p:ext uri="{BB962C8B-B14F-4D97-AF65-F5344CB8AC3E}">
+        <p14:creationId xmlns:p14="http://schemas.microsoft.com/office/powerpoint/2010/main" val="102952311"/>
+      </p:ext>
+    </p:extLst>
+  </p:cSld>
+  <p:clrMapOvr>
+    <a:masterClrMapping/>
+  </p:clrMapOvr>
+</p:sld>
+</file>
+
+<file path=ppt/slides/slide3.xml><?xml version="1.0" encoding="utf-8"?>
+<p:sld xmlns:a="http://schemas.openxmlformats.org/drawingml/2006/main" xmlns:r="http://schemas.openxmlformats.org/officeDocument/2006/relationships" xmlns:p="http://schemas.openxmlformats.org/presentationml/2006/main">
+  <p:cSld>
+    <p:spTree>
+      <p:nvGrpSpPr>
+        <p:cNvPr id="1" name=""/>
+        <p:cNvGrpSpPr/>
+        <p:nvPr/>
+      </p:nvGrpSpPr>
+      <p:grpSpPr>
+        <a:xfrm>
+          <a:off x="0" y="0"/>
+          <a:ext cx="0" cy="0"/>
+          <a:chOff x="0" y="0"/>
+          <a:chExt cx="0" cy="0"/>
+        </a:xfrm>
+      </p:grpSpPr>
+      <p:sp>
+        <p:nvSpPr>
+          <p:cNvPr id="14" name="MH_Text_1">
+            <a:extLst>
+              <a:ext uri="{FF2B5EF4-FFF2-40B4-BE49-F238E27FC236}">
+                <a16:creationId xmlns:a16="http://schemas.microsoft.com/office/drawing/2014/main" id="{1F2A808A-5F0E-8303-456A-AD36AC10A780}"/>
+              </a:ext>
+            </a:extLst>
+          </p:cNvPr>
+          <p:cNvSpPr txBox="1"/>
+          <p:nvPr>
+            <p:custDataLst>
+              <p:tags r:id="rId1"/>
+            </p:custDataLst>
+          </p:nvPr>
+        </p:nvSpPr>
+        <p:spPr>
+          <a:xfrm>
+            <a:off x="2499806" y="2270253"/>
+            <a:ext cx="1227470" cy="1505835"/>
+          </a:xfrm>
+          <a:prstGeom prst="rect">
+            <a:avLst/>
+          </a:prstGeom>
+          <a:noFill/>
+          <a:ln>
+            <a:solidFill>
+              <a:srgbClr val="C00000"/>
+            </a:solidFill>
+            <a:prstDash val="sysDash"/>
+          </a:ln>
+        </p:spPr>
+        <p:txBody>
+          <a:bodyPr wrap="square" lIns="72000" rIns="72000" rtlCol="0" anchor="ctr" anchorCtr="0">
+            <a:normAutofit/>
+          </a:bodyPr>
+          <a:lstStyle>
+            <a:defPPr>
+              <a:defRPr lang="zh-CN"/>
+            </a:defPPr>
+            <a:lvl1pPr algn="just">
+              <a:lnSpc>
+                <a:spcPct val="130000"/>
+              </a:lnSpc>
+              <a:defRPr sz="1400">
+                <a:solidFill>
+                  <a:schemeClr val="tx1">
+                    <a:lumMod val="65000"/>
+                    <a:lumOff val="35000"/>
+                  </a:schemeClr>
+                </a:solidFill>
+                <a:latin typeface="幼圆" panose="02010509060101010101" pitchFamily="49" charset="-122"/>
+                <a:ea typeface="幼圆" panose="02010509060101010101" pitchFamily="49" charset="-122"/>
+              </a:defRPr>
+            </a:lvl1pPr>
+          </a:lstStyle>
+          <a:p>
+            <a:pPr algn="ctr"/>
+            <a:r>
+              <a:rPr lang="zh-CN" altLang="en-US" b="1" dirty="0">
+                <a:solidFill>
+                  <a:schemeClr val="tx1"/>
+                </a:solidFill>
+              </a:rPr>
+              <a:t>护网技能培训</a:t>
+            </a:r>
+          </a:p>
+          <a:p>
+            <a:pPr algn="ctr"/>
+            <a:r>
+              <a:rPr lang="zh-CN" altLang="en-US" b="1" dirty="0">
+                <a:solidFill>
+                  <a:schemeClr val="tx1"/>
+                </a:solidFill>
+              </a:rPr>
+              <a:t>安全意识培训</a:t>
+            </a:r>
+          </a:p>
+        </p:txBody>
+      </p:sp>
+      <p:sp>
+        <p:nvSpPr>
+          <p:cNvPr id="15" name="MH_Text_2">
+            <a:extLst>
+              <a:ext uri="{FF2B5EF4-FFF2-40B4-BE49-F238E27FC236}">
+                <a16:creationId xmlns:a16="http://schemas.microsoft.com/office/drawing/2014/main" id="{5EF229F2-D5E4-75B2-5223-9936A7FF0115}"/>
+              </a:ext>
+            </a:extLst>
+          </p:cNvPr>
+          <p:cNvSpPr txBox="1"/>
+          <p:nvPr>
+            <p:custDataLst>
+              <p:tags r:id="rId2"/>
+            </p:custDataLst>
+          </p:nvPr>
+        </p:nvSpPr>
+        <p:spPr>
+          <a:xfrm>
+            <a:off x="3974379" y="2270253"/>
+            <a:ext cx="1227470" cy="1505835"/>
+          </a:xfrm>
+          <a:prstGeom prst="rect">
+            <a:avLst/>
+          </a:prstGeom>
+          <a:noFill/>
+          <a:ln>
+            <a:solidFill>
+              <a:srgbClr val="4472C4"/>
+            </a:solidFill>
+            <a:prstDash val="sysDash"/>
+          </a:ln>
+        </p:spPr>
+        <p:txBody>
+          <a:bodyPr wrap="square" lIns="72000" rIns="72000" rtlCol="0" anchor="ctr" anchorCtr="0">
+            <a:normAutofit/>
+          </a:bodyPr>
+          <a:lstStyle>
+            <a:defPPr>
+              <a:defRPr lang="zh-CN"/>
+            </a:defPPr>
+            <a:lvl1pPr algn="just">
+              <a:lnSpc>
+                <a:spcPct val="130000"/>
+              </a:lnSpc>
+              <a:defRPr sz="1400">
+                <a:solidFill>
+                  <a:schemeClr val="tx1">
+                    <a:lumMod val="65000"/>
+                    <a:lumOff val="35000"/>
+                  </a:schemeClr>
+                </a:solidFill>
+                <a:latin typeface="幼圆" panose="02010509060101010101" pitchFamily="49" charset="-122"/>
+                <a:ea typeface="幼圆" panose="02010509060101010101" pitchFamily="49" charset="-122"/>
+              </a:defRPr>
+            </a:lvl1pPr>
+          </a:lstStyle>
+          <a:p>
+            <a:pPr algn="ctr"/>
+            <a:r>
+              <a:rPr lang="zh-CN" altLang="pt-BR" b="1">
+                <a:solidFill>
+                  <a:schemeClr val="tx1"/>
+                </a:solidFill>
+              </a:rPr>
+              <a:t>资产梳理</a:t>
+            </a:r>
+          </a:p>
+          <a:p>
+            <a:pPr algn="ctr"/>
+            <a:r>
+              <a:rPr lang="zh-CN" altLang="pt-BR" b="1">
+                <a:solidFill>
+                  <a:schemeClr val="tx1"/>
+                </a:solidFill>
+              </a:rPr>
+              <a:t>缩小攻击面</a:t>
+            </a:r>
+            <a:endParaRPr lang="pt-BR" altLang="zh-CN" b="1" dirty="0" err="1">
+              <a:solidFill>
+                <a:schemeClr val="tx1"/>
+              </a:solidFill>
+            </a:endParaRPr>
+          </a:p>
+        </p:txBody>
+      </p:sp>
+      <p:sp>
+        <p:nvSpPr>
+          <p:cNvPr id="16" name="MH_Text_3">
+            <a:extLst>
+              <a:ext uri="{FF2B5EF4-FFF2-40B4-BE49-F238E27FC236}">
+                <a16:creationId xmlns:a16="http://schemas.microsoft.com/office/drawing/2014/main" id="{025F2582-229A-1AC3-14D4-DD92B38B1DA7}"/>
+              </a:ext>
+            </a:extLst>
+          </p:cNvPr>
+          <p:cNvSpPr txBox="1"/>
+          <p:nvPr>
+            <p:custDataLst>
+              <p:tags r:id="rId3"/>
+            </p:custDataLst>
+          </p:nvPr>
+        </p:nvSpPr>
+        <p:spPr>
+          <a:xfrm>
+            <a:off x="5448952" y="2270253"/>
+            <a:ext cx="1227470" cy="1505835"/>
+          </a:xfrm>
+          <a:prstGeom prst="rect">
+            <a:avLst/>
+          </a:prstGeom>
+          <a:noFill/>
+          <a:ln>
+            <a:solidFill>
+              <a:srgbClr val="C00000"/>
+            </a:solidFill>
+            <a:prstDash val="sysDash"/>
+          </a:ln>
+        </p:spPr>
+        <p:txBody>
+          <a:bodyPr wrap="square" lIns="72000" rIns="72000" rtlCol="0" anchor="ctr" anchorCtr="0">
+            <a:normAutofit/>
+          </a:bodyPr>
+          <a:lstStyle>
+            <a:defPPr>
+              <a:defRPr lang="zh-CN"/>
+            </a:defPPr>
+            <a:lvl1pPr algn="just">
+              <a:lnSpc>
+                <a:spcPct val="130000"/>
+              </a:lnSpc>
+              <a:defRPr sz="1400">
+                <a:solidFill>
+                  <a:schemeClr val="tx1">
+                    <a:lumMod val="65000"/>
+                    <a:lumOff val="35000"/>
+                  </a:schemeClr>
+                </a:solidFill>
+                <a:latin typeface="幼圆" panose="02010509060101010101" pitchFamily="49" charset="-122"/>
+                <a:ea typeface="幼圆" panose="02010509060101010101" pitchFamily="49" charset="-122"/>
+              </a:defRPr>
+            </a:lvl1pPr>
+          </a:lstStyle>
+          <a:p>
+            <a:pPr algn="ctr"/>
+            <a:r>
+              <a:rPr lang="zh-CN" altLang="pt-BR" b="1" dirty="0">
+                <a:solidFill>
+                  <a:schemeClr val="tx1"/>
+                </a:solidFill>
+              </a:rPr>
+              <a:t>安全检测</a:t>
+            </a:r>
+            <a:endParaRPr lang="pt-BR" altLang="zh-CN" b="1" dirty="0">
+              <a:solidFill>
+                <a:schemeClr val="tx1"/>
+              </a:solidFill>
+            </a:endParaRPr>
+          </a:p>
+          <a:p>
+            <a:pPr algn="ctr"/>
+            <a:r>
+              <a:rPr lang="zh-CN" altLang="pt-BR" b="1" dirty="0">
+                <a:solidFill>
+                  <a:schemeClr val="tx1"/>
+                </a:solidFill>
+              </a:rPr>
+              <a:t>整改加固</a:t>
+            </a:r>
+            <a:endParaRPr lang="pt-BR" altLang="zh-CN" b="1" dirty="0" err="1">
+              <a:solidFill>
+                <a:schemeClr val="tx1"/>
+              </a:solidFill>
+            </a:endParaRPr>
+          </a:p>
+        </p:txBody>
+      </p:sp>
+      <p:sp>
+        <p:nvSpPr>
+          <p:cNvPr id="17" name="MH_Text_4">
+            <a:extLst>
+              <a:ext uri="{FF2B5EF4-FFF2-40B4-BE49-F238E27FC236}">
+                <a16:creationId xmlns:a16="http://schemas.microsoft.com/office/drawing/2014/main" id="{952D375B-0BAF-174A-C5DC-D5C1EE37525C}"/>
+              </a:ext>
+            </a:extLst>
+          </p:cNvPr>
+          <p:cNvSpPr txBox="1"/>
+          <p:nvPr>
+            <p:custDataLst>
+              <p:tags r:id="rId4"/>
+            </p:custDataLst>
+          </p:nvPr>
+        </p:nvSpPr>
+        <p:spPr>
+          <a:xfrm>
+            <a:off x="6923525" y="2270253"/>
+            <a:ext cx="1227470" cy="1505835"/>
+          </a:xfrm>
+          <a:prstGeom prst="rect">
+            <a:avLst/>
+          </a:prstGeom>
+          <a:noFill/>
+          <a:ln>
+            <a:solidFill>
+              <a:srgbClr val="4472C4"/>
+            </a:solidFill>
+            <a:prstDash val="sysDash"/>
+          </a:ln>
+        </p:spPr>
+        <p:txBody>
+          <a:bodyPr wrap="square" lIns="72000" rIns="72000" rtlCol="0" anchor="ctr" anchorCtr="0">
+            <a:normAutofit fontScale="92500" lnSpcReduction="20000"/>
+          </a:bodyPr>
+          <a:lstStyle>
+            <a:defPPr>
+              <a:defRPr lang="zh-CN"/>
+            </a:defPPr>
+            <a:lvl1pPr algn="just">
+              <a:lnSpc>
+                <a:spcPct val="130000"/>
+              </a:lnSpc>
+              <a:defRPr sz="1400">
+                <a:solidFill>
+                  <a:schemeClr val="tx1">
+                    <a:lumMod val="65000"/>
+                    <a:lumOff val="35000"/>
+                  </a:schemeClr>
+                </a:solidFill>
+                <a:latin typeface="幼圆" panose="02010509060101010101" pitchFamily="49" charset="-122"/>
+                <a:ea typeface="幼圆" panose="02010509060101010101" pitchFamily="49" charset="-122"/>
+              </a:defRPr>
+            </a:lvl1pPr>
+          </a:lstStyle>
+          <a:p>
+            <a:pPr algn="ctr"/>
+            <a:endParaRPr lang="zh-CN" altLang="pt-BR" dirty="0">
+              <a:solidFill>
+                <a:schemeClr val="tx1"/>
+              </a:solidFill>
+            </a:endParaRPr>
+          </a:p>
+          <a:p>
+            <a:pPr algn="ctr"/>
+            <a:endParaRPr lang="zh-CN" altLang="pt-BR" sz="1500" dirty="0">
+              <a:solidFill>
+                <a:schemeClr val="tx1"/>
+              </a:solidFill>
+            </a:endParaRPr>
+          </a:p>
+          <a:p>
+            <a:pPr algn="ctr"/>
+            <a:r>
+              <a:rPr lang="zh-CN" altLang="pt-BR" sz="1500" b="1" dirty="0">
+                <a:solidFill>
+                  <a:schemeClr val="tx1"/>
+                </a:solidFill>
+              </a:rPr>
+              <a:t>动态防护</a:t>
+            </a:r>
+            <a:endParaRPr lang="pt-BR" altLang="zh-CN" sz="1500" b="1" dirty="0">
+              <a:solidFill>
+                <a:schemeClr val="tx1"/>
+              </a:solidFill>
+            </a:endParaRPr>
+          </a:p>
+          <a:p>
+            <a:pPr algn="ctr"/>
+            <a:r>
+              <a:rPr lang="zh-CN" altLang="pt-BR" sz="1500" b="1" dirty="0">
+                <a:solidFill>
+                  <a:schemeClr val="tx1"/>
+                </a:solidFill>
+              </a:rPr>
+              <a:t>下一代防火墙</a:t>
+            </a:r>
+            <a:endParaRPr lang="en-US" altLang="zh-CN" sz="1500" b="1" dirty="0">
+              <a:solidFill>
+                <a:schemeClr val="tx1"/>
+              </a:solidFill>
+            </a:endParaRPr>
+          </a:p>
+          <a:p>
+            <a:pPr algn="ctr"/>
+            <a:r>
+              <a:rPr lang="zh-CN" altLang="en-US" sz="1500" b="1" dirty="0">
+                <a:solidFill>
+                  <a:schemeClr val="tx1"/>
+                </a:solidFill>
+              </a:rPr>
+              <a:t>态势感知</a:t>
+            </a:r>
+            <a:endParaRPr lang="en-US" altLang="zh-CN" sz="1500" b="1" dirty="0">
+              <a:solidFill>
+                <a:schemeClr val="tx1"/>
+              </a:solidFill>
+            </a:endParaRPr>
+          </a:p>
+          <a:p>
+            <a:pPr algn="ctr"/>
+            <a:r>
+              <a:rPr lang="en-US" altLang="zh-CN" sz="1500" b="1" dirty="0">
+                <a:solidFill>
+                  <a:schemeClr val="tx1"/>
+                </a:solidFill>
+              </a:rPr>
+              <a:t>SOAR</a:t>
+            </a:r>
+            <a:endParaRPr lang="pt-BR" altLang="zh-CN" sz="1500" b="1" dirty="0">
+              <a:solidFill>
+                <a:schemeClr val="tx1"/>
+              </a:solidFill>
+            </a:endParaRPr>
+          </a:p>
+          <a:p>
+            <a:pPr algn="ctr"/>
+            <a:endParaRPr lang="pt-BR" altLang="zh-CN" dirty="0" err="1">
+              <a:solidFill>
+                <a:schemeClr val="tx1"/>
+              </a:solidFill>
+            </a:endParaRPr>
+          </a:p>
+          <a:p>
+            <a:pPr algn="ctr"/>
+            <a:endParaRPr lang="pt-BR" altLang="zh-CN" dirty="0" err="1">
+              <a:solidFill>
+                <a:schemeClr val="tx1"/>
+              </a:solidFill>
+            </a:endParaRPr>
+          </a:p>
+        </p:txBody>
+      </p:sp>
+      <p:sp>
+        <p:nvSpPr>
+          <p:cNvPr id="18" name="MH_Text_5">
+            <a:extLst>
+              <a:ext uri="{FF2B5EF4-FFF2-40B4-BE49-F238E27FC236}">
+                <a16:creationId xmlns:a16="http://schemas.microsoft.com/office/drawing/2014/main" id="{6D348BC5-6510-BAA3-D119-8FBAF1E3F5D0}"/>
+              </a:ext>
+            </a:extLst>
+          </p:cNvPr>
+          <p:cNvSpPr txBox="1"/>
+          <p:nvPr>
+            <p:custDataLst>
+              <p:tags r:id="rId5"/>
+            </p:custDataLst>
+          </p:nvPr>
+        </p:nvSpPr>
+        <p:spPr>
+          <a:xfrm>
+            <a:off x="8398098" y="2270253"/>
+            <a:ext cx="1227470" cy="1505835"/>
+          </a:xfrm>
+          <a:prstGeom prst="rect">
+            <a:avLst/>
+          </a:prstGeom>
+          <a:noFill/>
+          <a:ln>
+            <a:solidFill>
+              <a:srgbClr val="C00000"/>
+            </a:solidFill>
+            <a:prstDash val="sysDash"/>
+          </a:ln>
+        </p:spPr>
+        <p:txBody>
+          <a:bodyPr wrap="square" lIns="72000" rIns="72000" rtlCol="0" anchor="ctr" anchorCtr="0">
+            <a:normAutofit/>
+          </a:bodyPr>
+          <a:lstStyle>
+            <a:defPPr>
+              <a:defRPr lang="zh-CN"/>
+            </a:defPPr>
+            <a:lvl1pPr algn="just">
+              <a:lnSpc>
+                <a:spcPct val="130000"/>
+              </a:lnSpc>
+              <a:defRPr sz="1400">
+                <a:solidFill>
+                  <a:schemeClr val="tx1">
+                    <a:lumMod val="65000"/>
+                    <a:lumOff val="35000"/>
+                  </a:schemeClr>
+                </a:solidFill>
+                <a:latin typeface="幼圆" panose="02010509060101010101" pitchFamily="49" charset="-122"/>
+                <a:ea typeface="幼圆" panose="02010509060101010101" pitchFamily="49" charset="-122"/>
+              </a:defRPr>
+            </a:lvl1pPr>
+          </a:lstStyle>
+          <a:p>
+            <a:pPr algn="ctr"/>
+            <a:endParaRPr lang="zh-CN" altLang="pt-BR" dirty="0">
+              <a:solidFill>
+                <a:schemeClr val="tx1"/>
+              </a:solidFill>
+            </a:endParaRPr>
+          </a:p>
+          <a:p>
+            <a:pPr algn="ctr"/>
+            <a:r>
+              <a:rPr lang="zh-CN" altLang="pt-BR" b="1" dirty="0">
+                <a:solidFill>
+                  <a:schemeClr val="tx1"/>
+                </a:solidFill>
+              </a:rPr>
+              <a:t>现场值守</a:t>
+            </a:r>
+            <a:endParaRPr lang="pt-BR" altLang="zh-CN" b="1" dirty="0">
+              <a:solidFill>
+                <a:schemeClr val="tx1"/>
+              </a:solidFill>
+            </a:endParaRPr>
+          </a:p>
+          <a:p>
+            <a:pPr algn="ctr"/>
+            <a:r>
+              <a:rPr lang="zh-CN" altLang="pt-BR" b="1" dirty="0">
+                <a:solidFill>
+                  <a:schemeClr val="tx1"/>
+                </a:solidFill>
+              </a:rPr>
+              <a:t>力争得分</a:t>
+            </a:r>
+            <a:r>
+              <a:rPr lang="pt-BR" altLang="zh-CN" dirty="0">
+                <a:solidFill>
+                  <a:schemeClr val="tx1"/>
+                </a:solidFill>
+              </a:rPr>
+              <a:t> </a:t>
+            </a:r>
+          </a:p>
+          <a:p>
+            <a:pPr algn="ctr"/>
+            <a:endParaRPr lang="pt-BR" altLang="zh-CN" dirty="0" err="1">
+              <a:solidFill>
+                <a:schemeClr val="tx1"/>
+              </a:solidFill>
+            </a:endParaRPr>
+          </a:p>
+        </p:txBody>
+      </p:sp>
+      <p:sp>
+        <p:nvSpPr>
+          <p:cNvPr id="19" name="燕尾形 27">
+            <a:extLst>
+              <a:ext uri="{FF2B5EF4-FFF2-40B4-BE49-F238E27FC236}">
+                <a16:creationId xmlns:a16="http://schemas.microsoft.com/office/drawing/2014/main" id="{2C6B42FB-6693-F317-8425-7FFD1655E351}"/>
+              </a:ext>
+            </a:extLst>
+          </p:cNvPr>
+          <p:cNvSpPr/>
+          <p:nvPr/>
+        </p:nvSpPr>
+        <p:spPr>
+          <a:xfrm rot="16200000" flipV="1">
+            <a:off x="2927786" y="1594937"/>
+            <a:ext cx="324112" cy="728667"/>
+          </a:xfrm>
+          <a:prstGeom prst="chevron">
+            <a:avLst>
+              <a:gd name="adj" fmla="val 39402"/>
+            </a:avLst>
+          </a:prstGeom>
+          <a:gradFill>
+            <a:gsLst>
+              <a:gs pos="0">
+                <a:srgbClr val="E30000"/>
+              </a:gs>
+              <a:gs pos="100000">
+                <a:srgbClr val="760303"/>
+              </a:gs>
+            </a:gsLst>
+            <a:lin scaled="0"/>
+          </a:gradFill>
+          <a:ln w="9525" cap="flat" cmpd="sng" algn="ctr">
+            <a:noFill/>
+            <a:prstDash val="solid"/>
+            <a:round/>
+            <a:headEnd type="none" w="med" len="med"/>
+            <a:tailEnd type="none" w="med" len="med"/>
+          </a:ln>
+          <a:effectLst/>
+        </p:spPr>
+        <p:txBody>
+          <a:bodyPr vert="horz" wrap="square" lIns="103693" tIns="51846" rIns="103693" bIns="51846" numCol="1" rtlCol="0" anchor="t" anchorCtr="0" compatLnSpc="1"/>
+          <a:lstStyle/>
+          <a:p>
+            <a:endParaRPr lang="zh-CN" altLang="en-US" sz="100">
+              <a:solidFill>
+                <a:schemeClr val="accent2">
+                  <a:lumMod val="75000"/>
+                </a:schemeClr>
+              </a:solidFill>
+            </a:endParaRPr>
+          </a:p>
+        </p:txBody>
+      </p:sp>
+      <p:sp>
+        <p:nvSpPr>
+          <p:cNvPr id="20" name="燕尾形 2">
+            <a:extLst>
+              <a:ext uri="{FF2B5EF4-FFF2-40B4-BE49-F238E27FC236}">
+                <a16:creationId xmlns:a16="http://schemas.microsoft.com/office/drawing/2014/main" id="{D49095BB-B5B0-ADFB-FFE4-D774C0AFF319}"/>
+              </a:ext>
+            </a:extLst>
+          </p:cNvPr>
+          <p:cNvSpPr/>
+          <p:nvPr/>
+        </p:nvSpPr>
+        <p:spPr>
+          <a:xfrm rot="16200000" flipV="1">
+            <a:off x="4455476" y="1594937"/>
+            <a:ext cx="324112" cy="728667"/>
+          </a:xfrm>
+          <a:prstGeom prst="chevron">
+            <a:avLst>
+              <a:gd name="adj" fmla="val 39402"/>
+            </a:avLst>
+          </a:prstGeom>
+          <a:solidFill>
+            <a:srgbClr val="4472C4"/>
+          </a:solidFill>
+          <a:ln w="9525" cap="flat" cmpd="sng" algn="ctr">
+            <a:noFill/>
+            <a:prstDash val="solid"/>
+            <a:round/>
+            <a:headEnd type="none" w="med" len="med"/>
+            <a:tailEnd type="none" w="med" len="med"/>
+          </a:ln>
+          <a:effectLst/>
+        </p:spPr>
+        <p:txBody>
+          <a:bodyPr vert="horz" wrap="square" lIns="103693" tIns="51846" rIns="103693" bIns="51846" numCol="1" rtlCol="0" anchor="t" anchorCtr="0" compatLnSpc="1"/>
+          <a:lstStyle/>
+          <a:p>
+            <a:endParaRPr lang="zh-CN" altLang="en-US" sz="100">
+              <a:solidFill>
+                <a:schemeClr val="accent2">
+                  <a:lumMod val="75000"/>
+                </a:schemeClr>
+              </a:solidFill>
+            </a:endParaRPr>
+          </a:p>
+        </p:txBody>
+      </p:sp>
+      <p:sp>
+        <p:nvSpPr>
+          <p:cNvPr id="21" name="燕尾形 3">
+            <a:extLst>
+              <a:ext uri="{FF2B5EF4-FFF2-40B4-BE49-F238E27FC236}">
+                <a16:creationId xmlns:a16="http://schemas.microsoft.com/office/drawing/2014/main" id="{F45F40E9-DD1B-F316-B722-ED4E97B6C1B8}"/>
+              </a:ext>
+            </a:extLst>
+          </p:cNvPr>
+          <p:cNvSpPr/>
+          <p:nvPr/>
+        </p:nvSpPr>
+        <p:spPr>
+          <a:xfrm rot="16200000" flipV="1">
+            <a:off x="5933942" y="1594937"/>
+            <a:ext cx="324113" cy="728667"/>
+          </a:xfrm>
+          <a:prstGeom prst="chevron">
+            <a:avLst>
+              <a:gd name="adj" fmla="val 39402"/>
+            </a:avLst>
+          </a:prstGeom>
+          <a:gradFill>
+            <a:gsLst>
+              <a:gs pos="0">
+                <a:srgbClr val="E30000"/>
+              </a:gs>
+              <a:gs pos="100000">
+                <a:srgbClr val="760303"/>
+              </a:gs>
+            </a:gsLst>
+            <a:lin scaled="0"/>
+          </a:gradFill>
+          <a:ln w="9525" cap="flat" cmpd="sng" algn="ctr">
+            <a:noFill/>
+            <a:prstDash val="solid"/>
+            <a:round/>
+            <a:headEnd type="none" w="med" len="med"/>
+            <a:tailEnd type="none" w="med" len="med"/>
+          </a:ln>
+          <a:effectLst/>
+        </p:spPr>
+        <p:txBody>
+          <a:bodyPr vert="horz" wrap="square" lIns="103693" tIns="51846" rIns="103693" bIns="51846" numCol="1" rtlCol="0" anchor="t" anchorCtr="0" compatLnSpc="1"/>
+          <a:lstStyle/>
+          <a:p>
+            <a:endParaRPr lang="zh-CN" altLang="en-US" sz="100">
+              <a:solidFill>
+                <a:schemeClr val="accent2">
+                  <a:lumMod val="75000"/>
+                </a:schemeClr>
+              </a:solidFill>
+            </a:endParaRPr>
+          </a:p>
+        </p:txBody>
+      </p:sp>
+      <p:sp>
+        <p:nvSpPr>
+          <p:cNvPr id="22" name="燕尾形 4">
+            <a:extLst>
+              <a:ext uri="{FF2B5EF4-FFF2-40B4-BE49-F238E27FC236}">
+                <a16:creationId xmlns:a16="http://schemas.microsoft.com/office/drawing/2014/main" id="{6E6DE231-09D0-6374-919C-7F149DAF7478}"/>
+              </a:ext>
+            </a:extLst>
+          </p:cNvPr>
+          <p:cNvSpPr/>
+          <p:nvPr/>
+        </p:nvSpPr>
+        <p:spPr>
+          <a:xfrm rot="16200000" flipV="1">
+            <a:off x="7327581" y="1594937"/>
+            <a:ext cx="324112" cy="728667"/>
+          </a:xfrm>
+          <a:prstGeom prst="chevron">
+            <a:avLst>
+              <a:gd name="adj" fmla="val 39402"/>
+            </a:avLst>
+          </a:prstGeom>
+          <a:solidFill>
+            <a:srgbClr val="4472C4"/>
+          </a:solidFill>
+          <a:ln w="9525" cap="flat" cmpd="sng" algn="ctr">
+            <a:noFill/>
+            <a:prstDash val="solid"/>
+            <a:round/>
+            <a:headEnd type="none" w="med" len="med"/>
+            <a:tailEnd type="none" w="med" len="med"/>
+          </a:ln>
+          <a:effectLst/>
+        </p:spPr>
+        <p:txBody>
+          <a:bodyPr vert="horz" wrap="square" lIns="103693" tIns="51846" rIns="103693" bIns="51846" numCol="1" rtlCol="0" anchor="t" anchorCtr="0" compatLnSpc="1"/>
+          <a:lstStyle/>
+          <a:p>
+            <a:endParaRPr lang="zh-CN" altLang="en-US" sz="100">
+              <a:solidFill>
+                <a:schemeClr val="accent2">
+                  <a:lumMod val="75000"/>
+                </a:schemeClr>
+              </a:solidFill>
+            </a:endParaRPr>
+          </a:p>
+        </p:txBody>
+      </p:sp>
+      <p:sp>
+        <p:nvSpPr>
+          <p:cNvPr id="23" name="燕尾形 6">
+            <a:extLst>
+              <a:ext uri="{FF2B5EF4-FFF2-40B4-BE49-F238E27FC236}">
+                <a16:creationId xmlns:a16="http://schemas.microsoft.com/office/drawing/2014/main" id="{88C4EF26-11C8-F64B-EEAA-7BF17433D9E3}"/>
+              </a:ext>
+            </a:extLst>
+          </p:cNvPr>
+          <p:cNvSpPr/>
+          <p:nvPr/>
+        </p:nvSpPr>
+        <p:spPr>
+          <a:xfrm rot="16200000" flipV="1">
+            <a:off x="8815473" y="1594937"/>
+            <a:ext cx="324112" cy="728667"/>
+          </a:xfrm>
+          <a:prstGeom prst="chevron">
+            <a:avLst>
+              <a:gd name="adj" fmla="val 39402"/>
+            </a:avLst>
+          </a:prstGeom>
+          <a:gradFill>
+            <a:gsLst>
+              <a:gs pos="0">
+                <a:srgbClr val="E30000"/>
+              </a:gs>
+              <a:gs pos="100000">
+                <a:srgbClr val="760303"/>
+              </a:gs>
+            </a:gsLst>
+            <a:lin scaled="0"/>
+          </a:gradFill>
+          <a:ln w="9525" cap="flat" cmpd="sng" algn="ctr">
+            <a:noFill/>
+            <a:prstDash val="solid"/>
+            <a:round/>
+            <a:headEnd type="none" w="med" len="med"/>
+            <a:tailEnd type="none" w="med" len="med"/>
+          </a:ln>
+          <a:effectLst/>
+        </p:spPr>
+        <p:txBody>
+          <a:bodyPr vert="horz" wrap="square" lIns="103693" tIns="51846" rIns="103693" bIns="51846" numCol="1" rtlCol="0" anchor="t" anchorCtr="0" compatLnSpc="1"/>
+          <a:lstStyle/>
+          <a:p>
+            <a:endParaRPr lang="zh-CN" altLang="en-US" sz="100">
+              <a:solidFill>
+                <a:schemeClr val="accent2">
+                  <a:lumMod val="75000"/>
+                </a:schemeClr>
+              </a:solidFill>
+            </a:endParaRPr>
+          </a:p>
+        </p:txBody>
+      </p:sp>
+      <p:sp>
+        <p:nvSpPr>
+          <p:cNvPr id="24" name="矩形 23">
+            <a:extLst>
+              <a:ext uri="{FF2B5EF4-FFF2-40B4-BE49-F238E27FC236}">
+                <a16:creationId xmlns:a16="http://schemas.microsoft.com/office/drawing/2014/main" id="{47388CA2-D1E5-4B61-9EB3-910C282A7AE9}"/>
+              </a:ext>
+            </a:extLst>
+          </p:cNvPr>
+          <p:cNvSpPr/>
+          <p:nvPr/>
+        </p:nvSpPr>
+        <p:spPr bwMode="auto">
+          <a:xfrm>
+            <a:off x="2487775" y="1204162"/>
+            <a:ext cx="7125762" cy="410210"/>
+          </a:xfrm>
+          <a:prstGeom prst="rect">
+            <a:avLst/>
+          </a:prstGeom>
+          <a:solidFill>
+            <a:srgbClr val="4472C4"/>
+          </a:solidFill>
+          <a:ln w="28575">
+            <a:solidFill>
+              <a:srgbClr val="4472C4"/>
+            </a:solidFill>
+          </a:ln>
+          <a:scene3d>
+            <a:camera prst="orthographicFront"/>
+            <a:lightRig rig="threePt" dir="t"/>
+          </a:scene3d>
+          <a:sp3d/>
+        </p:spPr>
+        <p:txBody>
+          <a:bodyPr wrap="square" lIns="103693" tIns="51846" rIns="103693" bIns="51846">
+            <a:spAutoFit/>
+          </a:bodyPr>
+          <a:lstStyle/>
+          <a:p>
+            <a:pPr algn="ctr">
+              <a:tabLst>
+                <a:tab pos="7247255" algn="r"/>
+              </a:tabLst>
+              <a:defRPr/>
+            </a:pPr>
+            <a:r>
+              <a:rPr lang="en-US" altLang="zh-CN" sz="2000" b="1" dirty="0">
+                <a:solidFill>
+                  <a:schemeClr val="bg1"/>
+                </a:solidFill>
+                <a:latin typeface="微软雅黑" panose="020B0503020204020204" pitchFamily="34" charset="-122"/>
+                <a:ea typeface="微软雅黑" panose="020B0503020204020204" pitchFamily="34" charset="-122"/>
+              </a:rPr>
+              <a:t>HW</a:t>
+            </a:r>
+            <a:r>
+              <a:rPr lang="zh-CN" altLang="en-US" sz="2000" b="1" dirty="0">
+                <a:solidFill>
+                  <a:schemeClr val="bg1"/>
+                </a:solidFill>
+                <a:latin typeface="微软雅黑" panose="020B0503020204020204" pitchFamily="34" charset="-122"/>
+                <a:ea typeface="微软雅黑" panose="020B0503020204020204" pitchFamily="34" charset="-122"/>
+              </a:rPr>
+              <a:t>一体化保障</a:t>
+            </a:r>
+          </a:p>
+        </p:txBody>
+      </p:sp>
+      <p:sp>
+        <p:nvSpPr>
+          <p:cNvPr id="25" name="矩形 24">
+            <a:extLst>
+              <a:ext uri="{FF2B5EF4-FFF2-40B4-BE49-F238E27FC236}">
+                <a16:creationId xmlns:a16="http://schemas.microsoft.com/office/drawing/2014/main" id="{C5576E74-F1F1-4DC9-CDBD-E47732113908}"/>
+              </a:ext>
+            </a:extLst>
+          </p:cNvPr>
+          <p:cNvSpPr/>
+          <p:nvPr/>
+        </p:nvSpPr>
+        <p:spPr>
+          <a:xfrm>
+            <a:off x="2499806" y="3902108"/>
+            <a:ext cx="1227117" cy="475248"/>
+          </a:xfrm>
+          <a:prstGeom prst="rect">
+            <a:avLst/>
+          </a:prstGeom>
+          <a:solidFill>
+            <a:srgbClr val="C00000"/>
+          </a:solidFill>
+        </p:spPr>
+        <p:style>
+          <a:lnRef idx="2">
+            <a:schemeClr val="accent1">
+              <a:shade val="15000"/>
+            </a:schemeClr>
+          </a:lnRef>
+          <a:fillRef idx="1">
+            <a:schemeClr val="accent1"/>
+          </a:fillRef>
+          <a:effectRef idx="0">
+            <a:schemeClr val="accent1"/>
+          </a:effectRef>
+          <a:fontRef idx="minor">
+            <a:schemeClr val="lt1"/>
+          </a:fontRef>
+        </p:style>
+        <p:txBody>
+          <a:bodyPr rtlCol="0" anchor="ctr"/>
+          <a:lstStyle/>
+          <a:p>
+            <a:pPr algn="ctr"/>
+            <a:r>
+              <a:rPr lang="zh-CN" altLang="en-US" dirty="0"/>
+              <a:t>建意识</a:t>
+            </a:r>
+          </a:p>
+        </p:txBody>
+      </p:sp>
+      <p:sp>
+        <p:nvSpPr>
+          <p:cNvPr id="26" name="矩形 25">
+            <a:extLst>
+              <a:ext uri="{FF2B5EF4-FFF2-40B4-BE49-F238E27FC236}">
+                <a16:creationId xmlns:a16="http://schemas.microsoft.com/office/drawing/2014/main" id="{0A0D233F-F028-E188-782B-F380A2F8DE89}"/>
+              </a:ext>
+            </a:extLst>
+          </p:cNvPr>
+          <p:cNvSpPr/>
+          <p:nvPr/>
+        </p:nvSpPr>
+        <p:spPr>
+          <a:xfrm>
+            <a:off x="3974379" y="3902108"/>
+            <a:ext cx="1227117" cy="475248"/>
+          </a:xfrm>
+          <a:prstGeom prst="rect">
+            <a:avLst/>
+          </a:prstGeom>
+        </p:spPr>
+        <p:style>
+          <a:lnRef idx="2">
+            <a:schemeClr val="accent1">
+              <a:shade val="15000"/>
+            </a:schemeClr>
+          </a:lnRef>
+          <a:fillRef idx="1">
+            <a:schemeClr val="accent1"/>
+          </a:fillRef>
+          <a:effectRef idx="0">
+            <a:schemeClr val="accent1"/>
+          </a:effectRef>
+          <a:fontRef idx="minor">
+            <a:schemeClr val="lt1"/>
+          </a:fontRef>
+        </p:style>
+        <p:txBody>
+          <a:bodyPr rtlCol="0" anchor="ctr"/>
+          <a:lstStyle/>
+          <a:p>
+            <a:pPr algn="ctr"/>
+            <a:r>
+              <a:rPr lang="zh-CN" altLang="en-US" dirty="0"/>
+              <a:t>摸家底</a:t>
+            </a:r>
+          </a:p>
+        </p:txBody>
+      </p:sp>
+      <p:sp>
+        <p:nvSpPr>
+          <p:cNvPr id="27" name="矩形 26">
+            <a:extLst>
+              <a:ext uri="{FF2B5EF4-FFF2-40B4-BE49-F238E27FC236}">
+                <a16:creationId xmlns:a16="http://schemas.microsoft.com/office/drawing/2014/main" id="{8CC53FA0-F203-E559-54EE-55A40A18F366}"/>
+              </a:ext>
+            </a:extLst>
+          </p:cNvPr>
+          <p:cNvSpPr/>
+          <p:nvPr/>
+        </p:nvSpPr>
+        <p:spPr>
+          <a:xfrm>
+            <a:off x="5455321" y="3902108"/>
+            <a:ext cx="1227117" cy="475248"/>
+          </a:xfrm>
+          <a:prstGeom prst="rect">
+            <a:avLst/>
+          </a:prstGeom>
+          <a:solidFill>
+            <a:srgbClr val="C00000"/>
+          </a:solidFill>
+        </p:spPr>
+        <p:style>
+          <a:lnRef idx="2">
+            <a:schemeClr val="accent1">
+              <a:shade val="15000"/>
+            </a:schemeClr>
+          </a:lnRef>
+          <a:fillRef idx="1">
+            <a:schemeClr val="accent1"/>
+          </a:fillRef>
+          <a:effectRef idx="0">
+            <a:schemeClr val="accent1"/>
+          </a:effectRef>
+          <a:fontRef idx="minor">
+            <a:schemeClr val="lt1"/>
+          </a:fontRef>
+        </p:style>
+        <p:txBody>
+          <a:bodyPr rtlCol="0" anchor="ctr"/>
+          <a:lstStyle/>
+          <a:p>
+            <a:pPr algn="ctr"/>
+            <a:r>
+              <a:rPr lang="zh-CN" altLang="en-US" dirty="0"/>
+              <a:t>固城池</a:t>
+            </a:r>
+          </a:p>
+        </p:txBody>
+      </p:sp>
+      <p:sp>
+        <p:nvSpPr>
+          <p:cNvPr id="28" name="矩形 27">
+            <a:extLst>
+              <a:ext uri="{FF2B5EF4-FFF2-40B4-BE49-F238E27FC236}">
+                <a16:creationId xmlns:a16="http://schemas.microsoft.com/office/drawing/2014/main" id="{FF2BC147-4911-A133-3118-C181BBFE6F0C}"/>
+              </a:ext>
+            </a:extLst>
+          </p:cNvPr>
+          <p:cNvSpPr/>
+          <p:nvPr/>
+        </p:nvSpPr>
+        <p:spPr>
+          <a:xfrm>
+            <a:off x="6941348" y="3902108"/>
+            <a:ext cx="1227117" cy="475248"/>
+          </a:xfrm>
+          <a:prstGeom prst="rect">
+            <a:avLst/>
+          </a:prstGeom>
+          <a:solidFill>
+            <a:srgbClr val="0070C0"/>
+          </a:solidFill>
+        </p:spPr>
+        <p:style>
+          <a:lnRef idx="2">
+            <a:schemeClr val="accent1">
+              <a:shade val="15000"/>
+            </a:schemeClr>
+          </a:lnRef>
+          <a:fillRef idx="1">
+            <a:schemeClr val="accent1"/>
+          </a:fillRef>
+          <a:effectRef idx="0">
+            <a:schemeClr val="accent1"/>
+          </a:effectRef>
+          <a:fontRef idx="minor">
+            <a:schemeClr val="lt1"/>
+          </a:fontRef>
+        </p:style>
+        <p:txBody>
+          <a:bodyPr rtlCol="0" anchor="ctr"/>
+          <a:lstStyle/>
+          <a:p>
+            <a:pPr algn="ctr"/>
+            <a:r>
+              <a:rPr lang="zh-CN" altLang="en-US" dirty="0"/>
+              <a:t>配神器</a:t>
+            </a:r>
+          </a:p>
+        </p:txBody>
+      </p:sp>
+      <p:sp>
+        <p:nvSpPr>
+          <p:cNvPr id="29" name="矩形 28">
+            <a:extLst>
+              <a:ext uri="{FF2B5EF4-FFF2-40B4-BE49-F238E27FC236}">
+                <a16:creationId xmlns:a16="http://schemas.microsoft.com/office/drawing/2014/main" id="{1F940728-EFFF-B5C7-62F9-64BAEA78CB62}"/>
+              </a:ext>
+            </a:extLst>
+          </p:cNvPr>
+          <p:cNvSpPr/>
+          <p:nvPr/>
+        </p:nvSpPr>
+        <p:spPr>
+          <a:xfrm>
+            <a:off x="8420021" y="3902108"/>
+            <a:ext cx="1227117" cy="475248"/>
+          </a:xfrm>
+          <a:prstGeom prst="rect">
+            <a:avLst/>
+          </a:prstGeom>
+          <a:solidFill>
+            <a:srgbClr val="C00000"/>
+          </a:solidFill>
+        </p:spPr>
+        <p:style>
+          <a:lnRef idx="2">
+            <a:schemeClr val="accent1">
+              <a:shade val="15000"/>
+            </a:schemeClr>
+          </a:lnRef>
+          <a:fillRef idx="1">
+            <a:schemeClr val="accent1"/>
+          </a:fillRef>
+          <a:effectRef idx="0">
+            <a:schemeClr val="accent1"/>
+          </a:effectRef>
+          <a:fontRef idx="minor">
+            <a:schemeClr val="lt1"/>
+          </a:fontRef>
+        </p:style>
+        <p:txBody>
+          <a:bodyPr rtlCol="0" anchor="ctr"/>
+          <a:lstStyle/>
+          <a:p>
+            <a:pPr algn="ctr"/>
+            <a:r>
+              <a:rPr lang="zh-CN" altLang="en-US" dirty="0"/>
+              <a:t>增值守</a:t>
+            </a:r>
+          </a:p>
+        </p:txBody>
+      </p:sp>
+    </p:spTree>
+    <p:extLst>
+      <p:ext uri="{BB962C8B-B14F-4D97-AF65-F5344CB8AC3E}">
+        <p14:creationId xmlns:p14="http://schemas.microsoft.com/office/powerpoint/2010/main" val="28018256"/>
+      </p:ext>
+    </p:extLst>
+  </p:cSld>
+  <p:clrMapOvr>
+    <a:masterClrMapping/>
+  </p:clrMapOvr>
+</p:sld>
+</file>
+
+<file path=ppt/tags/tag1.xml><?xml version="1.0" encoding="utf-8"?>
+<p:tagLst xmlns:a="http://schemas.openxmlformats.org/drawingml/2006/main" xmlns:r="http://schemas.openxmlformats.org/officeDocument/2006/relationships" xmlns:p="http://schemas.openxmlformats.org/presentationml/2006/main">
+  <p:tag name="POCKET_APPLY_TIME" val="2020年5月23日"/>
+  <p:tag name="POCKET_APPLY_TYPE" val="Slide"/>
+  <p:tag name="APPLYTYPE" val="Other"/>
+  <p:tag name="APPLYORDER" val="1"/>
+</p:tagLst>
+</file>
+
+<file path=ppt/tags/tag10.xml><?xml version="1.0" encoding="utf-8"?>
+<p:tagLst xmlns:a="http://schemas.openxmlformats.org/drawingml/2006/main" xmlns:r="http://schemas.openxmlformats.org/officeDocument/2006/relationships" xmlns:p="http://schemas.openxmlformats.org/presentationml/2006/main">
+  <p:tag name="POCKET_APPLY_TIME" val="2020年5月23日"/>
+  <p:tag name="POCKET_APPLY_TYPE" val="Slide"/>
+  <p:tag name="APPLYTYPE" val="Other"/>
+  <p:tag name="APPLYORDER" val="7"/>
+</p:tagLst>
+</file>
+
+<file path=ppt/tags/tag11.xml><?xml version="1.0" encoding="utf-8"?>
+<p:tagLst xmlns:a="http://schemas.openxmlformats.org/drawingml/2006/main" xmlns:r="http://schemas.openxmlformats.org/officeDocument/2006/relationships" xmlns:p="http://schemas.openxmlformats.org/presentationml/2006/main">
+  <p:tag name="POCKET_APPLY_TIME" val="2020年5月23日"/>
+  <p:tag name="POCKET_APPLY_TYPE" val="Slide"/>
+  <p:tag name="APPLYTYPE" val="Other"/>
+  <p:tag name="APPLYORDER" val="8"/>
+</p:tagLst>
+</file>
+
+<file path=ppt/tags/tag12.xml><?xml version="1.0" encoding="utf-8"?>
+<p:tagLst xmlns:a="http://schemas.openxmlformats.org/drawingml/2006/main" xmlns:r="http://schemas.openxmlformats.org/officeDocument/2006/relationships" xmlns:p="http://schemas.openxmlformats.org/presentationml/2006/main">
+  <p:tag name="POCKET_APPLY_TIME" val="2020年5月23日"/>
+  <p:tag name="POCKET_APPLY_TYPE" val="Slide"/>
+  <p:tag name="APPLYTYPE" val="SubTitle"/>
+  <p:tag name="APPLYORDER" val="2"/>
+</p:tagLst>
+</file>
+
+<file path=ppt/tags/tag13.xml><?xml version="1.0" encoding="utf-8"?>
+<p:tagLst xmlns:a="http://schemas.openxmlformats.org/drawingml/2006/main" xmlns:r="http://schemas.openxmlformats.org/officeDocument/2006/relationships" xmlns:p="http://schemas.openxmlformats.org/presentationml/2006/main">
+  <p:tag name="POCKET_APPLY_TIME" val="2020年5月23日"/>
+  <p:tag name="POCKET_APPLY_TYPE" val="Slide"/>
+  <p:tag name="APPLYTYPE" val="Other"/>
+  <p:tag name="APPLYORDER" val="9"/>
+</p:tagLst>
+</file>
+
+<file path=ppt/tags/tag14.xml><?xml version="1.0" encoding="utf-8"?>
+<p:tagLst xmlns:a="http://schemas.openxmlformats.org/drawingml/2006/main" xmlns:r="http://schemas.openxmlformats.org/officeDocument/2006/relationships" xmlns:p="http://schemas.openxmlformats.org/presentationml/2006/main">
+  <p:tag name="POCKET_APPLY_TIME" val="2020年5月23日"/>
+  <p:tag name="POCKET_APPLY_TYPE" val="Slide"/>
+  <p:tag name="APPLYTYPE" val="Other"/>
+  <p:tag name="APPLYORDER" val="10"/>
+</p:tagLst>
+</file>
+
+<file path=ppt/tags/tag15.xml><?xml version="1.0" encoding="utf-8"?>
+<p:tagLst xmlns:a="http://schemas.openxmlformats.org/drawingml/2006/main" xmlns:r="http://schemas.openxmlformats.org/officeDocument/2006/relationships" xmlns:p="http://schemas.openxmlformats.org/presentationml/2006/main">
+  <p:tag name="POCKET_APPLY_TIME" val="2020年5月23日"/>
+  <p:tag name="POCKET_APPLY_TYPE" val="Slide"/>
+  <p:tag name="APPLYTYPE" val="SubTitle"/>
+  <p:tag name="APPLYORDER" val="4"/>
+</p:tagLst>
+</file>
+
+<file path=ppt/tags/tag16.xml><?xml version="1.0" encoding="utf-8"?>
+<p:tagLst xmlns:a="http://schemas.openxmlformats.org/drawingml/2006/main" xmlns:r="http://schemas.openxmlformats.org/officeDocument/2006/relationships" xmlns:p="http://schemas.openxmlformats.org/presentationml/2006/main">
+  <p:tag name="POCKET_APPLY_TIME" val="2020年5月23日"/>
+  <p:tag name="POCKET_APPLY_TYPE" val="Slide"/>
+  <p:tag name="APPLYTYPE" val="Other"/>
+  <p:tag name="APPLYORDER" val="11"/>
+</p:tagLst>
+</file>
+
+<file path=ppt/tags/tag17.xml><?xml version="1.0" encoding="utf-8"?>
+<p:tagLst xmlns:a="http://schemas.openxmlformats.org/drawingml/2006/main" xmlns:r="http://schemas.openxmlformats.org/officeDocument/2006/relationships" xmlns:p="http://schemas.openxmlformats.org/presentationml/2006/main">
+  <p:tag name="POCKET_APPLY_TIME" val="2020年5月23日"/>
+  <p:tag name="POCKET_APPLY_TYPE" val="Slide"/>
+  <p:tag name="APPLYTYPE" val="Other"/>
+  <p:tag name="APPLYORDER" val="12"/>
+</p:tagLst>
+</file>
+
+<file path=ppt/tags/tag18.xml><?xml version="1.0" encoding="utf-8"?>
+<p:tagLst xmlns:a="http://schemas.openxmlformats.org/drawingml/2006/main" xmlns:r="http://schemas.openxmlformats.org/officeDocument/2006/relationships" xmlns:p="http://schemas.openxmlformats.org/presentationml/2006/main">
+  <p:tag name="POCKET_APPLY_TIME" val="2020年5月23日"/>
+  <p:tag name="POCKET_APPLY_TYPE" val="Slide"/>
+  <p:tag name="APPLYTYPE" val="SubTitle"/>
+  <p:tag name="APPLYORDER" val="6"/>
+</p:tagLst>
+</file>
+
+<file path=ppt/tags/tag19.xml><?xml version="1.0" encoding="utf-8"?>
+<p:tagLst xmlns:a="http://schemas.openxmlformats.org/drawingml/2006/main" xmlns:r="http://schemas.openxmlformats.org/officeDocument/2006/relationships" xmlns:p="http://schemas.openxmlformats.org/presentationml/2006/main">
+  <p:tag name="POCKET_APPLY_TIME" val="2020年5月23日"/>
+  <p:tag name="POCKET_APPLY_TYPE" val="Slide"/>
+  <p:tag name="APPLYTYPE" val="Other"/>
+  <p:tag name="APPLYORDER" val="13"/>
+</p:tagLst>
+</file>
+
+<file path=ppt/tags/tag2.xml><?xml version="1.0" encoding="utf-8"?>
+<p:tagLst xmlns:a="http://schemas.openxmlformats.org/drawingml/2006/main" xmlns:r="http://schemas.openxmlformats.org/officeDocument/2006/relationships" xmlns:p="http://schemas.openxmlformats.org/presentationml/2006/main">
+  <p:tag name="POCKET_APPLY_TIME" val="2020年5月23日"/>
+  <p:tag name="POCKET_APPLY_TYPE" val="Slide"/>
+  <p:tag name="APPLYTYPE" val="Other"/>
+  <p:tag name="APPLYORDER" val="2"/>
+</p:tagLst>
+</file>
+
+<file path=ppt/tags/tag20.xml><?xml version="1.0" encoding="utf-8"?>
+<p:tagLst xmlns:a="http://schemas.openxmlformats.org/drawingml/2006/main" xmlns:r="http://schemas.openxmlformats.org/officeDocument/2006/relationships" xmlns:p="http://schemas.openxmlformats.org/presentationml/2006/main">
+  <p:tag name="POCKET_APPLY_TIME" val="2020年5月23日"/>
+  <p:tag name="POCKET_APPLY_TYPE" val="Slide"/>
+  <p:tag name="APPLYTYPE" val="Other"/>
+  <p:tag name="APPLYORDER" val="14"/>
+</p:tagLst>
+</file>
+
+<file path=ppt/tags/tag21.xml><?xml version="1.0" encoding="utf-8"?>
+<p:tagLst xmlns:a="http://schemas.openxmlformats.org/drawingml/2006/main" xmlns:r="http://schemas.openxmlformats.org/officeDocument/2006/relationships" xmlns:p="http://schemas.openxmlformats.org/presentationml/2006/main">
+  <p:tag name="POCKET_APPLY_TIME" val="2020年5月23日"/>
+  <p:tag name="POCKET_APPLY_TYPE" val="Slide"/>
+  <p:tag name="APPLYTYPE" val="Other"/>
+  <p:tag name="APPLYORDER" val="15"/>
+</p:tagLst>
+</file>
+
+<file path=ppt/tags/tag22.xml><?xml version="1.0" encoding="utf-8"?>
+<p:tagLst xmlns:a="http://schemas.openxmlformats.org/drawingml/2006/main" xmlns:r="http://schemas.openxmlformats.org/officeDocument/2006/relationships" xmlns:p="http://schemas.openxmlformats.org/presentationml/2006/main">
+  <p:tag name="POCKET_APPLY_TIME" val="2020年5月23日"/>
+  <p:tag name="POCKET_APPLY_TYPE" val="Slide"/>
+  <p:tag name="APPLYTYPE" val="Other"/>
+  <p:tag name="APPLYORDER" val="16"/>
+</p:tagLst>
+</file>
+
+<file path=ppt/tags/tag23.xml><?xml version="1.0" encoding="utf-8"?>
+<p:tagLst xmlns:a="http://schemas.openxmlformats.org/drawingml/2006/main" xmlns:r="http://schemas.openxmlformats.org/officeDocument/2006/relationships" xmlns:p="http://schemas.openxmlformats.org/presentationml/2006/main">
+  <p:tag name="POCKET_APPLY_TIME" val="2020年5月23日"/>
+  <p:tag name="POCKET_APPLY_TYPE" val="Slide"/>
+  <p:tag name="APPLYTYPE" val="Other"/>
+  <p:tag name="APPLYORDER" val="17"/>
+</p:tagLst>
+</file>
+
+<file path=ppt/tags/tag24.xml><?xml version="1.0" encoding="utf-8"?>
+<p:tagLst xmlns:a="http://schemas.openxmlformats.org/drawingml/2006/main" xmlns:r="http://schemas.openxmlformats.org/officeDocument/2006/relationships" xmlns:p="http://schemas.openxmlformats.org/presentationml/2006/main">
+  <p:tag name="POCKET_APPLY_TIME" val="2020年5月23日"/>
+  <p:tag name="POCKET_APPLY_TYPE" val="Slide"/>
+  <p:tag name="APPLYTYPE" val="Other"/>
+  <p:tag name="APPLYORDER" val="18"/>
+</p:tagLst>
+</file>
+
+<file path=ppt/tags/tag25.xml><?xml version="1.0" encoding="utf-8"?>
+<p:tagLst xmlns:a="http://schemas.openxmlformats.org/drawingml/2006/main" xmlns:r="http://schemas.openxmlformats.org/officeDocument/2006/relationships" xmlns:p="http://schemas.openxmlformats.org/presentationml/2006/main">
+  <p:tag name="POCKET_APPLY_TIME" val="2020年5月23日"/>
+  <p:tag name="POCKET_APPLY_TYPE" val="Slide"/>
+  <p:tag name="APPLYTYPE" val="Other"/>
+  <p:tag name="APPLYORDER" val="19"/>
+</p:tagLst>
+</file>
+
+<file path=ppt/tags/tag26.xml><?xml version="1.0" encoding="utf-8"?>
+<p:tagLst xmlns:a="http://schemas.openxmlformats.org/drawingml/2006/main" xmlns:r="http://schemas.openxmlformats.org/officeDocument/2006/relationships" xmlns:p="http://schemas.openxmlformats.org/presentationml/2006/main">
+  <p:tag name="POCKET_APPLY_TIME" val="2020年5月23日"/>
+  <p:tag name="POCKET_APPLY_TYPE" val="Slide"/>
+  <p:tag name="APPLYTYPE" val="Other"/>
+  <p:tag name="APPLYORDER" val="20"/>
+</p:tagLst>
+</file>
+
+<file path=ppt/tags/tag27.xml><?xml version="1.0" encoding="utf-8"?>
+<p:tagLst xmlns:a="http://schemas.openxmlformats.org/drawingml/2006/main" xmlns:r="http://schemas.openxmlformats.org/officeDocument/2006/relationships" xmlns:p="http://schemas.openxmlformats.org/presentationml/2006/main">
+  <p:tag name="POCKET_APPLY_TIME" val="2020年5月23日"/>
+  <p:tag name="POCKET_APPLY_TYPE" val="Slide"/>
+  <p:tag name="APPLYTYPE" val="Other"/>
+  <p:tag name="APPLYORDER" val="21"/>
+</p:tagLst>
+</file>
+
+<file path=ppt/tags/tag28.xml><?xml version="1.0" encoding="utf-8"?>
+<p:tagLst xmlns:a="http://schemas.openxmlformats.org/drawingml/2006/main" xmlns:r="http://schemas.openxmlformats.org/officeDocument/2006/relationships" xmlns:p="http://schemas.openxmlformats.org/presentationml/2006/main">
+  <p:tag name="POCKET_APPLY_TIME" val="2020年5月23日"/>
+  <p:tag name="POCKET_APPLY_TYPE" val="Slide"/>
+  <p:tag name="APPLYTYPE" val="Other"/>
+  <p:tag name="APPLYORDER" val="22"/>
+</p:tagLst>
+</file>
+
+<file path=ppt/tags/tag29.xml><?xml version="1.0" encoding="utf-8"?>
+<p:tagLst xmlns:a="http://schemas.openxmlformats.org/drawingml/2006/main" xmlns:r="http://schemas.openxmlformats.org/officeDocument/2006/relationships" xmlns:p="http://schemas.openxmlformats.org/presentationml/2006/main">
+  <p:tag name="POCKET_APPLY_TIME" val="2020年5月23日"/>
+  <p:tag name="POCKET_APPLY_TYPE" val="Slide"/>
+  <p:tag name="APPLYTYPE" val="Other"/>
+  <p:tag name="APPLYORDER" val="23"/>
+</p:tagLst>
+</file>
+
+<file path=ppt/tags/tag3.xml><?xml version="1.0" encoding="utf-8"?>
+<p:tagLst xmlns:a="http://schemas.openxmlformats.org/drawingml/2006/main" xmlns:r="http://schemas.openxmlformats.org/officeDocument/2006/relationships" xmlns:p="http://schemas.openxmlformats.org/presentationml/2006/main">
+  <p:tag name="POCKET_APPLY_TIME" val="2020年5月23日"/>
+  <p:tag name="POCKET_APPLY_TYPE" val="Slide"/>
+  <p:tag name="APPLYTYPE" val="SubTitle"/>
+  <p:tag name="APPLYORDER" val="1"/>
+</p:tagLst>
+</file>
+
+<file path=ppt/tags/tag30.xml><?xml version="1.0" encoding="utf-8"?>
+<p:tagLst xmlns:a="http://schemas.openxmlformats.org/drawingml/2006/main" xmlns:r="http://schemas.openxmlformats.org/officeDocument/2006/relationships" xmlns:p="http://schemas.openxmlformats.org/presentationml/2006/main">
+  <p:tag name="POCKET_APPLY_TIME" val="2020年5月23日"/>
+  <p:tag name="POCKET_APPLY_TYPE" val="Slide"/>
+  <p:tag name="APPLYTYPE" val="Other"/>
+  <p:tag name="APPLYORDER" val="24"/>
+</p:tagLst>
+</file>
+
+<file path=ppt/tags/tag31.xml><?xml version="1.0" encoding="utf-8"?>
+<p:tagLst xmlns:a="http://schemas.openxmlformats.org/drawingml/2006/main" xmlns:r="http://schemas.openxmlformats.org/officeDocument/2006/relationships" xmlns:p="http://schemas.openxmlformats.org/presentationml/2006/main">
+  <p:tag name="POCKET_APPLY_TIME" val="2020年5月23日"/>
+  <p:tag name="POCKET_APPLY_TYPE" val="Slide"/>
+  <p:tag name="APPLYTYPE" val="Other"/>
+  <p:tag name="APPLYORDER" val="25"/>
+</p:tagLst>
+</file>
+
+<file path=ppt/tags/tag32.xml><?xml version="1.0" encoding="utf-8"?>
+<p:tagLst xmlns:a="http://schemas.openxmlformats.org/drawingml/2006/main" xmlns:r="http://schemas.openxmlformats.org/officeDocument/2006/relationships" xmlns:p="http://schemas.openxmlformats.org/presentationml/2006/main">
+  <p:tag name="POCKET_APPLY_TIME" val="2020年5月23日"/>
+  <p:tag name="POCKET_APPLY_TYPE" val="Slide"/>
+  <p:tag name="APPLYTYPE" val="Other"/>
+  <p:tag name="APPLYORDER" val="25"/>
+</p:tagLst>
+</file>
+
+<file path=ppt/tags/tag33.xml><?xml version="1.0" encoding="utf-8"?>
+<p:tagLst xmlns:a="http://schemas.openxmlformats.org/drawingml/2006/main" xmlns:r="http://schemas.openxmlformats.org/officeDocument/2006/relationships" xmlns:p="http://schemas.openxmlformats.org/presentationml/2006/main">
+  <p:tag name="POCKET_APPLY_TIME" val="2020年5月23日"/>
+  <p:tag name="POCKET_APPLY_TYPE" val="Slide"/>
+  <p:tag name="APPLYTYPE" val="Other"/>
+  <p:tag name="APPLYORDER" val="10"/>
+</p:tagLst>
+</file>
+
+<file path=ppt/tags/tag34.xml><?xml version="1.0" encoding="utf-8"?>
+<p:tagLst xmlns:a="http://schemas.openxmlformats.org/drawingml/2006/main" xmlns:r="http://schemas.openxmlformats.org/officeDocument/2006/relationships" xmlns:p="http://schemas.openxmlformats.org/presentationml/2006/main">
+  <p:tag name="POCKET_APPLY_TIME" val="2020年5月23日"/>
+  <p:tag name="POCKET_APPLY_TYPE" val="Slide"/>
+  <p:tag name="APPLYTYPE" val="Other"/>
+  <p:tag name="APPLYORDER" val="9"/>
+</p:tagLst>
+</file>
+
+<file path=ppt/tags/tag35.xml><?xml version="1.0" encoding="utf-8"?>
+<p:tagLst xmlns:a="http://schemas.openxmlformats.org/drawingml/2006/main" xmlns:r="http://schemas.openxmlformats.org/officeDocument/2006/relationships" xmlns:p="http://schemas.openxmlformats.org/presentationml/2006/main">
+  <p:tag name="POCKET_APPLY_TIME" val="2020年5月23日"/>
+  <p:tag name="POCKET_APPLY_TYPE" val="Slide"/>
+  <p:tag name="APPLYTYPE" val="Other"/>
+  <p:tag name="APPLYORDER" val="5"/>
+</p:tagLst>
+</file>
+
+<file path=ppt/tags/tag36.xml><?xml version="1.0" encoding="utf-8"?>
+<p:tagLst xmlns:a="http://schemas.openxmlformats.org/drawingml/2006/main" xmlns:r="http://schemas.openxmlformats.org/officeDocument/2006/relationships" xmlns:p="http://schemas.openxmlformats.org/presentationml/2006/main">
+  <p:tag name="POCKET_APPLY_TIME" val="2020年5月23日"/>
+  <p:tag name="POCKET_APPLY_TYPE" val="Slide"/>
+  <p:tag name="APPLYTYPE" val="Other"/>
+  <p:tag name="APPLYORDER" val="6"/>
+</p:tagLst>
+</file>
+
+<file path=ppt/tags/tag37.xml><?xml version="1.0" encoding="utf-8"?>
+<p:tagLst xmlns:a="http://schemas.openxmlformats.org/drawingml/2006/main" xmlns:r="http://schemas.openxmlformats.org/officeDocument/2006/relationships" xmlns:p="http://schemas.openxmlformats.org/presentationml/2006/main">
+  <p:tag name="POCKET_APPLY_TIME" val="2020年5月23日"/>
+  <p:tag name="POCKET_APPLY_TYPE" val="Slide"/>
+  <p:tag name="APPLYTYPE" val="Other"/>
+  <p:tag name="APPLYORDER" val="9"/>
+</p:tagLst>
+</file>
+
+<file path=ppt/tags/tag38.xml><?xml version="1.0" encoding="utf-8"?>
+<p:tagLst xmlns:a="http://schemas.openxmlformats.org/drawingml/2006/main" xmlns:r="http://schemas.openxmlformats.org/officeDocument/2006/relationships" xmlns:p="http://schemas.openxmlformats.org/presentationml/2006/main">
+  <p:tag name="POCKET_APPLY_TIME" val="2020年5月23日"/>
+  <p:tag name="POCKET_APPLY_TYPE" val="Slide"/>
+  <p:tag name="APPLYTYPE" val="Other"/>
+  <p:tag name="APPLYORDER" val="10"/>
+</p:tagLst>
+</file>
+
+<file path=ppt/tags/tag39.xml><?xml version="1.0" encoding="utf-8"?>
+<p:tagLst xmlns:a="http://schemas.openxmlformats.org/drawingml/2006/main" xmlns:r="http://schemas.openxmlformats.org/officeDocument/2006/relationships" xmlns:p="http://schemas.openxmlformats.org/presentationml/2006/main">
+  <p:tag name="POCKET_APPLY_TIME" val="2020年5月23日"/>
+  <p:tag name="POCKET_APPLY_TYPE" val="Slide"/>
+  <p:tag name="APPLYTYPE" val="Other"/>
+  <p:tag name="APPLYORDER" val="11"/>
+</p:tagLst>
+</file>
+
+<file path=ppt/tags/tag4.xml><?xml version="1.0" encoding="utf-8"?>
+<p:tagLst xmlns:a="http://schemas.openxmlformats.org/drawingml/2006/main" xmlns:r="http://schemas.openxmlformats.org/officeDocument/2006/relationships" xmlns:p="http://schemas.openxmlformats.org/presentationml/2006/main">
+  <p:tag name="POCKET_APPLY_TIME" val="2020年5月23日"/>
+  <p:tag name="POCKET_APPLY_TYPE" val="Slide"/>
+  <p:tag name="APPLYTYPE" val="Other"/>
+  <p:tag name="APPLYORDER" val="3"/>
+</p:tagLst>
+</file>
+
+<file path=ppt/tags/tag40.xml><?xml version="1.0" encoding="utf-8"?>
+<p:tagLst xmlns:a="http://schemas.openxmlformats.org/drawingml/2006/main" xmlns:r="http://schemas.openxmlformats.org/officeDocument/2006/relationships" xmlns:p="http://schemas.openxmlformats.org/presentationml/2006/main">
+  <p:tag name="POCKET_APPLY_TIME" val="2020年5月23日"/>
+  <p:tag name="POCKET_APPLY_TYPE" val="Slide"/>
+  <p:tag name="APPLYTYPE" val="Other"/>
+  <p:tag name="APPLYORDER" val="12"/>
+</p:tagLst>
+</file>
+
+<file path=ppt/tags/tag41.xml><?xml version="1.0" encoding="utf-8"?>
+<p:tagLst xmlns:a="http://schemas.openxmlformats.org/drawingml/2006/main" xmlns:r="http://schemas.openxmlformats.org/officeDocument/2006/relationships" xmlns:p="http://schemas.openxmlformats.org/presentationml/2006/main">
+  <p:tag name="POCKET_APPLY_TIME" val="2020年5月23日"/>
+  <p:tag name="POCKET_APPLY_TYPE" val="Slide"/>
+  <p:tag name="APPLYTYPE" val="Other"/>
+  <p:tag name="APPLYORDER" val="17"/>
+</p:tagLst>
+</file>
+
+<file path=ppt/tags/tag42.xml><?xml version="1.0" encoding="utf-8"?>
+<p:tagLst xmlns:a="http://schemas.openxmlformats.org/drawingml/2006/main" xmlns:r="http://schemas.openxmlformats.org/officeDocument/2006/relationships" xmlns:p="http://schemas.openxmlformats.org/presentationml/2006/main">
+  <p:tag name="POCKET_APPLY_TIME" val="2020年5月23日"/>
+  <p:tag name="POCKET_APPLY_TYPE" val="Slide"/>
+  <p:tag name="APPLYTYPE" val="Other"/>
+  <p:tag name="APPLYORDER" val="19"/>
+</p:tagLst>
+</file>
+
+<file path=ppt/tags/tag43.xml><?xml version="1.0" encoding="utf-8"?>
+<p:tagLst xmlns:a="http://schemas.openxmlformats.org/drawingml/2006/main" xmlns:r="http://schemas.openxmlformats.org/officeDocument/2006/relationships" xmlns:p="http://schemas.openxmlformats.org/presentationml/2006/main">
+  <p:tag name="POCKET_APPLY_TIME" val="2020年5月23日"/>
+  <p:tag name="POCKET_APPLY_TYPE" val="Slide"/>
+  <p:tag name="APPLYTYPE" val="Other"/>
+  <p:tag name="APPLYORDER" val="20"/>
+</p:tagLst>
+</file>
+
+<file path=ppt/tags/tag44.xml><?xml version="1.0" encoding="utf-8"?>
+<p:tagLst xmlns:a="http://schemas.openxmlformats.org/drawingml/2006/main" xmlns:r="http://schemas.openxmlformats.org/officeDocument/2006/relationships" xmlns:p="http://schemas.openxmlformats.org/presentationml/2006/main">
+  <p:tag name="POCKET_APPLY_TIME" val="2020年5月23日"/>
+  <p:tag name="POCKET_APPLY_TYPE" val="Slide"/>
+  <p:tag name="APPLYTYPE" val="Other"/>
+  <p:tag name="APPLYORDER" val="24"/>
+</p:tagLst>
+</file>
+
+<file path=ppt/tags/tag45.xml><?xml version="1.0" encoding="utf-8"?>
+<p:tagLst xmlns:a="http://schemas.openxmlformats.org/drawingml/2006/main" xmlns:r="http://schemas.openxmlformats.org/officeDocument/2006/relationships" xmlns:p="http://schemas.openxmlformats.org/presentationml/2006/main">
+  <p:tag name="POCKET_APPLY_TIME" val="2020年5月23日"/>
+  <p:tag name="POCKET_APPLY_TYPE" val="Slide"/>
+  <p:tag name="APPLYTYPE" val="Other"/>
+  <p:tag name="APPLYORDER" val="25"/>
+</p:tagLst>
+</file>
+
+<file path=ppt/tags/tag46.xml><?xml version="1.0" encoding="utf-8"?>
+<p:tagLst xmlns:a="http://schemas.openxmlformats.org/drawingml/2006/main" xmlns:r="http://schemas.openxmlformats.org/officeDocument/2006/relationships" xmlns:p="http://schemas.openxmlformats.org/presentationml/2006/main">
+  <p:tag name="POCKET_APPLY_TIME" val="2020年5月23日"/>
+  <p:tag name="POCKET_APPLY_TYPE" val="Slide"/>
+  <p:tag name="APPLYTYPE" val="SubTitle"/>
+  <p:tag name="APPLYORDER" val="5"/>
+</p:tagLst>
+</file>
+
+<file path=ppt/tags/tag47.xml><?xml version="1.0" encoding="utf-8"?>
+<p:tagLst xmlns:a="http://schemas.openxmlformats.org/drawingml/2006/main" xmlns:r="http://schemas.openxmlformats.org/officeDocument/2006/relationships" xmlns:p="http://schemas.openxmlformats.org/presentationml/2006/main">
+  <p:tag name="POCKET_APPLY_TIME" val="2020年5月23日"/>
+  <p:tag name="POCKET_APPLY_TYPE" val="Slide"/>
+  <p:tag name="APPLYTYPE" val="SubTitle"/>
+  <p:tag name="APPLYORDER" val="5"/>
+</p:tagLst>
+</file>
+
+<file path=ppt/tags/tag48.xml><?xml version="1.0" encoding="utf-8"?>
+<p:tagLst xmlns:a="http://schemas.openxmlformats.org/drawingml/2006/main" xmlns:r="http://schemas.openxmlformats.org/officeDocument/2006/relationships" xmlns:p="http://schemas.openxmlformats.org/presentationml/2006/main">
+  <p:tag name="POCKET_APPLY_TIME" val="2020年5月23日"/>
+  <p:tag name="POCKET_APPLY_TYPE" val="Slide"/>
+  <p:tag name="APPLYTYPE" val="SubTitle"/>
+  <p:tag name="APPLYORDER" val="6"/>
+</p:tagLst>
+</file>
+
+<file path=ppt/tags/tag49.xml><?xml version="1.0" encoding="utf-8"?>
+<p:tagLst xmlns:a="http://schemas.openxmlformats.org/drawingml/2006/main" xmlns:r="http://schemas.openxmlformats.org/officeDocument/2006/relationships" xmlns:p="http://schemas.openxmlformats.org/presentationml/2006/main">
+  <p:tag name="POCKET_APPLY_TIME" val="2020年7月14日"/>
+  <p:tag name="POCKET_APPLY_TYPE" val="Slide"/>
+  <p:tag name="APPLYTYPE" val="Text"/>
+  <p:tag name="APPLYORDER" val="1"/>
+</p:tagLst>
+</file>
+
+<file path=ppt/tags/tag5.xml><?xml version="1.0" encoding="utf-8"?>
+<p:tagLst xmlns:a="http://schemas.openxmlformats.org/drawingml/2006/main" xmlns:r="http://schemas.openxmlformats.org/officeDocument/2006/relationships" xmlns:p="http://schemas.openxmlformats.org/presentationml/2006/main">
+  <p:tag name="POCKET_APPLY_TIME" val="2020年5月23日"/>
+  <p:tag name="POCKET_APPLY_TYPE" val="Slide"/>
+  <p:tag name="APPLYTYPE" val="Other"/>
+  <p:tag name="APPLYORDER" val="4"/>
+</p:tagLst>
+</file>
+
+<file path=ppt/tags/tag50.xml><?xml version="1.0" encoding="utf-8"?>
+<p:tagLst xmlns:a="http://schemas.openxmlformats.org/drawingml/2006/main" xmlns:r="http://schemas.openxmlformats.org/officeDocument/2006/relationships" xmlns:p="http://schemas.openxmlformats.org/presentationml/2006/main">
+  <p:tag name="POCKET_APPLY_TIME" val="2020年7月14日"/>
+  <p:tag name="POCKET_APPLY_TYPE" val="Slide"/>
+  <p:tag name="APPLYTYPE" val="Text"/>
+  <p:tag name="APPLYORDER" val="2"/>
+</p:tagLst>
+</file>
+
+<file path=ppt/tags/tag51.xml><?xml version="1.0" encoding="utf-8"?>
+<p:tagLst xmlns:a="http://schemas.openxmlformats.org/drawingml/2006/main" xmlns:r="http://schemas.openxmlformats.org/officeDocument/2006/relationships" xmlns:p="http://schemas.openxmlformats.org/presentationml/2006/main">
+  <p:tag name="POCKET_APPLY_TIME" val="2020年7月14日"/>
+  <p:tag name="POCKET_APPLY_TYPE" val="Slide"/>
+  <p:tag name="APPLYTYPE" val="Text"/>
+  <p:tag name="APPLYORDER" val="3"/>
+</p:tagLst>
+</file>
+
+<file path=ppt/tags/tag52.xml><?xml version="1.0" encoding="utf-8"?>
+<p:tagLst xmlns:a="http://schemas.openxmlformats.org/drawingml/2006/main" xmlns:r="http://schemas.openxmlformats.org/officeDocument/2006/relationships" xmlns:p="http://schemas.openxmlformats.org/presentationml/2006/main">
+  <p:tag name="POCKET_APPLY_TIME" val="2020年7月14日"/>
+  <p:tag name="POCKET_APPLY_TYPE" val="Slide"/>
+  <p:tag name="APPLYTYPE" val="Text"/>
+  <p:tag name="APPLYORDER" val="4"/>
+</p:tagLst>
+</file>
+
+<file path=ppt/tags/tag53.xml><?xml version="1.0" encoding="utf-8"?>
+<p:tagLst xmlns:a="http://schemas.openxmlformats.org/drawingml/2006/main" xmlns:r="http://schemas.openxmlformats.org/officeDocument/2006/relationships" xmlns:p="http://schemas.openxmlformats.org/presentationml/2006/main">
+  <p:tag name="POCKET_APPLY_TIME" val="2020年7月14日"/>
+  <p:tag name="POCKET_APPLY_TYPE" val="Slide"/>
+  <p:tag name="APPLYTYPE" val="Text"/>
+  <p:tag name="APPLYORDER" val="5"/>
+</p:tagLst>
+</file>
+
+<file path=ppt/tags/tag6.xml><?xml version="1.0" encoding="utf-8"?>
+<p:tagLst xmlns:a="http://schemas.openxmlformats.org/drawingml/2006/main" xmlns:r="http://schemas.openxmlformats.org/officeDocument/2006/relationships" xmlns:p="http://schemas.openxmlformats.org/presentationml/2006/main">
+  <p:tag name="POCKET_APPLY_TIME" val="2020年5月23日"/>
+  <p:tag name="POCKET_APPLY_TYPE" val="Slide"/>
+  <p:tag name="APPLYTYPE" val="SubTitle"/>
+  <p:tag name="APPLYORDER" val="3"/>
+</p:tagLst>
+</file>
+
+<file path=ppt/tags/tag7.xml><?xml version="1.0" encoding="utf-8"?>
+<p:tagLst xmlns:a="http://schemas.openxmlformats.org/drawingml/2006/main" xmlns:r="http://schemas.openxmlformats.org/officeDocument/2006/relationships" xmlns:p="http://schemas.openxmlformats.org/presentationml/2006/main">
+  <p:tag name="POCKET_APPLY_TIME" val="2020年5月23日"/>
+  <p:tag name="POCKET_APPLY_TYPE" val="Slide"/>
+  <p:tag name="APPLYTYPE" val="Other"/>
+  <p:tag name="APPLYORDER" val="5"/>
+</p:tagLst>
+</file>
+
+<file path=ppt/tags/tag8.xml><?xml version="1.0" encoding="utf-8"?>
+<p:tagLst xmlns:a="http://schemas.openxmlformats.org/drawingml/2006/main" xmlns:r="http://schemas.openxmlformats.org/officeDocument/2006/relationships" xmlns:p="http://schemas.openxmlformats.org/presentationml/2006/main">
+  <p:tag name="POCKET_APPLY_TIME" val="2020年5月23日"/>
+  <p:tag name="POCKET_APPLY_TYPE" val="Slide"/>
+  <p:tag name="APPLYTYPE" val="Other"/>
+  <p:tag name="APPLYORDER" val="6"/>
+</p:tagLst>
+</file>
+
+<file path=ppt/tags/tag9.xml><?xml version="1.0" encoding="utf-8"?>
+<p:tagLst xmlns:a="http://schemas.openxmlformats.org/drawingml/2006/main" xmlns:r="http://schemas.openxmlformats.org/officeDocument/2006/relationships" xmlns:p="http://schemas.openxmlformats.org/presentationml/2006/main">
+  <p:tag name="POCKET_APPLY_TIME" val="2020年5月23日"/>
+  <p:tag name="POCKET_APPLY_TYPE" val="Slide"/>
+  <p:tag name="APPLYTYPE" val="SubTitle"/>
+  <p:tag name="APPLYORDER" val="5"/>
+</p:tagLst>
+</file>
+
 <file path=ppt/theme/theme1.xml><?xml version="1.0" encoding="utf-8"?>
 <a:theme xmlns:a="http://schemas.openxmlformats.org/drawingml/2006/main" name="Office 主题">
   <a:themeElements>

--- a/images/2024/画图.pptx
+++ b/images/2024/画图.pptx
@@ -8,6 +8,7 @@
     <p:sldId id="256" r:id="rId2"/>
     <p:sldId id="257" r:id="rId3"/>
     <p:sldId id="258" r:id="rId4"/>
+    <p:sldId id="259" r:id="rId5"/>
   </p:sldIdLst>
   <p:sldSz cx="12192000" cy="6858000"/>
   <p:notesSz cx="6858000" cy="9144000"/>
@@ -243,7 +244,7 @@
           <a:p>
             <a:fld id="{D997B5FA-0921-464F-AAE1-844C04324D75}" type="datetimeFigureOut">
               <a:rPr lang="zh-CN" altLang="en-US" smtClean="0"/>
-              <a:t>2024/4/7</a:t>
+              <a:t>2024/4/10</a:t>
             </a:fld>
             <a:endParaRPr lang="zh-CN" altLang="en-US"/>
           </a:p>
@@ -411,7 +412,7 @@
           <a:p>
             <a:fld id="{D997B5FA-0921-464F-AAE1-844C04324D75}" type="datetimeFigureOut">
               <a:rPr lang="zh-CN" altLang="en-US" smtClean="0"/>
-              <a:t>2024/4/7</a:t>
+              <a:t>2024/4/10</a:t>
             </a:fld>
             <a:endParaRPr lang="zh-CN" altLang="en-US"/>
           </a:p>
@@ -589,7 +590,7 @@
           <a:p>
             <a:fld id="{D997B5FA-0921-464F-AAE1-844C04324D75}" type="datetimeFigureOut">
               <a:rPr lang="zh-CN" altLang="en-US" smtClean="0"/>
-              <a:t>2024/4/7</a:t>
+              <a:t>2024/4/10</a:t>
             </a:fld>
             <a:endParaRPr lang="zh-CN" altLang="en-US"/>
           </a:p>
@@ -757,7 +758,7 @@
           <a:p>
             <a:fld id="{D997B5FA-0921-464F-AAE1-844C04324D75}" type="datetimeFigureOut">
               <a:rPr lang="zh-CN" altLang="en-US" smtClean="0"/>
-              <a:t>2024/4/7</a:t>
+              <a:t>2024/4/10</a:t>
             </a:fld>
             <a:endParaRPr lang="zh-CN" altLang="en-US"/>
           </a:p>
@@ -1002,7 +1003,7 @@
           <a:p>
             <a:fld id="{D997B5FA-0921-464F-AAE1-844C04324D75}" type="datetimeFigureOut">
               <a:rPr lang="zh-CN" altLang="en-US" smtClean="0"/>
-              <a:t>2024/4/7</a:t>
+              <a:t>2024/4/10</a:t>
             </a:fld>
             <a:endParaRPr lang="zh-CN" altLang="en-US"/>
           </a:p>
@@ -1231,7 +1232,7 @@
           <a:p>
             <a:fld id="{D997B5FA-0921-464F-AAE1-844C04324D75}" type="datetimeFigureOut">
               <a:rPr lang="zh-CN" altLang="en-US" smtClean="0"/>
-              <a:t>2024/4/7</a:t>
+              <a:t>2024/4/10</a:t>
             </a:fld>
             <a:endParaRPr lang="zh-CN" altLang="en-US"/>
           </a:p>
@@ -1595,7 +1596,7 @@
           <a:p>
             <a:fld id="{D997B5FA-0921-464F-AAE1-844C04324D75}" type="datetimeFigureOut">
               <a:rPr lang="zh-CN" altLang="en-US" smtClean="0"/>
-              <a:t>2024/4/7</a:t>
+              <a:t>2024/4/10</a:t>
             </a:fld>
             <a:endParaRPr lang="zh-CN" altLang="en-US"/>
           </a:p>
@@ -1712,7 +1713,7 @@
           <a:p>
             <a:fld id="{D997B5FA-0921-464F-AAE1-844C04324D75}" type="datetimeFigureOut">
               <a:rPr lang="zh-CN" altLang="en-US" smtClean="0"/>
-              <a:t>2024/4/7</a:t>
+              <a:t>2024/4/10</a:t>
             </a:fld>
             <a:endParaRPr lang="zh-CN" altLang="en-US"/>
           </a:p>
@@ -1807,7 +1808,7 @@
           <a:p>
             <a:fld id="{D997B5FA-0921-464F-AAE1-844C04324D75}" type="datetimeFigureOut">
               <a:rPr lang="zh-CN" altLang="en-US" smtClean="0"/>
-              <a:t>2024/4/7</a:t>
+              <a:t>2024/4/10</a:t>
             </a:fld>
             <a:endParaRPr lang="zh-CN" altLang="en-US"/>
           </a:p>
@@ -2082,7 +2083,7 @@
           <a:p>
             <a:fld id="{D997B5FA-0921-464F-AAE1-844C04324D75}" type="datetimeFigureOut">
               <a:rPr lang="zh-CN" altLang="en-US" smtClean="0"/>
-              <a:t>2024/4/7</a:t>
+              <a:t>2024/4/10</a:t>
             </a:fld>
             <a:endParaRPr lang="zh-CN" altLang="en-US"/>
           </a:p>
@@ -2334,7 +2335,7 @@
           <a:p>
             <a:fld id="{D997B5FA-0921-464F-AAE1-844C04324D75}" type="datetimeFigureOut">
               <a:rPr lang="zh-CN" altLang="en-US" smtClean="0"/>
-              <a:t>2024/4/7</a:t>
+              <a:t>2024/4/10</a:t>
             </a:fld>
             <a:endParaRPr lang="zh-CN" altLang="en-US"/>
           </a:p>
@@ -2545,7 +2546,7 @@
           <a:p>
             <a:fld id="{D997B5FA-0921-464F-AAE1-844C04324D75}" type="datetimeFigureOut">
               <a:rPr lang="zh-CN" altLang="en-US" smtClean="0"/>
-              <a:t>2024/4/7</a:t>
+              <a:t>2024/4/10</a:t>
             </a:fld>
             <a:endParaRPr lang="zh-CN" altLang="en-US"/>
           </a:p>
@@ -6593,6 +6594,487 @@
     <p:extLst>
       <p:ext uri="{BB962C8B-B14F-4D97-AF65-F5344CB8AC3E}">
         <p14:creationId xmlns:p14="http://schemas.microsoft.com/office/powerpoint/2010/main" val="28018256"/>
+      </p:ext>
+    </p:extLst>
+  </p:cSld>
+  <p:clrMapOvr>
+    <a:masterClrMapping/>
+  </p:clrMapOvr>
+</p:sld>
+</file>
+
+<file path=ppt/slides/slide4.xml><?xml version="1.0" encoding="utf-8"?>
+<p:sld xmlns:a="http://schemas.openxmlformats.org/drawingml/2006/main" xmlns:r="http://schemas.openxmlformats.org/officeDocument/2006/relationships" xmlns:p="http://schemas.openxmlformats.org/presentationml/2006/main">
+  <p:cSld>
+    <p:spTree>
+      <p:nvGrpSpPr>
+        <p:cNvPr id="1" name=""/>
+        <p:cNvGrpSpPr/>
+        <p:nvPr/>
+      </p:nvGrpSpPr>
+      <p:grpSpPr>
+        <a:xfrm>
+          <a:off x="0" y="0"/>
+          <a:ext cx="0" cy="0"/>
+          <a:chOff x="0" y="0"/>
+          <a:chExt cx="0" cy="0"/>
+        </a:xfrm>
+      </p:grpSpPr>
+      <p:pic>
+        <p:nvPicPr>
+          <p:cNvPr id="1026" name="Picture 2">
+            <a:extLst>
+              <a:ext uri="{FF2B5EF4-FFF2-40B4-BE49-F238E27FC236}">
+                <a16:creationId xmlns:a16="http://schemas.microsoft.com/office/drawing/2014/main" id="{44AFCD62-25BA-6500-5096-67D28FACB2AE}"/>
+              </a:ext>
+            </a:extLst>
+          </p:cNvPr>
+          <p:cNvPicPr>
+            <a:picLocks noChangeAspect="1" noChangeArrowheads="1"/>
+          </p:cNvPicPr>
+          <p:nvPr/>
+        </p:nvPicPr>
+        <p:blipFill>
+          <a:blip r:embed="rId2">
+            <a:extLst>
+              <a:ext uri="{28A0092B-C50C-407E-A947-70E740481C1C}">
+                <a14:useLocalDpi xmlns:a14="http://schemas.microsoft.com/office/drawing/2010/main" val="0"/>
+              </a:ext>
+            </a:extLst>
+          </a:blip>
+          <a:srcRect/>
+          <a:stretch>
+            <a:fillRect/>
+          </a:stretch>
+        </p:blipFill>
+        <p:spPr bwMode="auto">
+          <a:xfrm>
+            <a:off x="419100" y="1042987"/>
+            <a:ext cx="11353800" cy="4772025"/>
+          </a:xfrm>
+          <a:prstGeom prst="rect">
+            <a:avLst/>
+          </a:prstGeom>
+          <a:noFill/>
+          <a:extLst>
+            <a:ext uri="{909E8E84-426E-40DD-AFC4-6F175D3DCCD1}">
+              <a14:hiddenFill xmlns:a14="http://schemas.microsoft.com/office/drawing/2010/main">
+                <a:solidFill>
+                  <a:srgbClr val="FFFFFF"/>
+                </a:solidFill>
+              </a14:hiddenFill>
+            </a:ext>
+          </a:extLst>
+        </p:spPr>
+      </p:pic>
+      <p:sp>
+        <p:nvSpPr>
+          <p:cNvPr id="4" name="文本框 3">
+            <a:extLst>
+              <a:ext uri="{FF2B5EF4-FFF2-40B4-BE49-F238E27FC236}">
+                <a16:creationId xmlns:a16="http://schemas.microsoft.com/office/drawing/2014/main" id="{1340FD13-A3F2-0BA6-DDE0-BC47C91F3283}"/>
+              </a:ext>
+            </a:extLst>
+          </p:cNvPr>
+          <p:cNvSpPr txBox="1"/>
+          <p:nvPr/>
+        </p:nvSpPr>
+        <p:spPr>
+          <a:xfrm>
+            <a:off x="3128211" y="4812631"/>
+            <a:ext cx="1005403" cy="338554"/>
+          </a:xfrm>
+          <a:prstGeom prst="rect">
+            <a:avLst/>
+          </a:prstGeom>
+          <a:noFill/>
+        </p:spPr>
+        <p:txBody>
+          <a:bodyPr wrap="none" rtlCol="0">
+            <a:spAutoFit/>
+          </a:bodyPr>
+          <a:lstStyle/>
+          <a:p>
+            <a:r>
+              <a:rPr lang="zh-CN" altLang="en-US" sz="1600" b="1" dirty="0">
+                <a:solidFill>
+                  <a:srgbClr val="2A2F88"/>
+                </a:solidFill>
+                <a:latin typeface="+mn-ea"/>
+              </a:rPr>
+              <a:t>规则定义</a:t>
+            </a:r>
+          </a:p>
+        </p:txBody>
+      </p:sp>
+      <p:sp>
+        <p:nvSpPr>
+          <p:cNvPr id="6" name="文本框 5">
+            <a:extLst>
+              <a:ext uri="{FF2B5EF4-FFF2-40B4-BE49-F238E27FC236}">
+                <a16:creationId xmlns:a16="http://schemas.microsoft.com/office/drawing/2014/main" id="{2D8E3F89-107E-358C-AB30-22004EDEEC8F}"/>
+              </a:ext>
+            </a:extLst>
+          </p:cNvPr>
+          <p:cNvSpPr txBox="1"/>
+          <p:nvPr/>
+        </p:nvSpPr>
+        <p:spPr>
+          <a:xfrm>
+            <a:off x="2942103" y="2775103"/>
+            <a:ext cx="1353553" cy="954107"/>
+          </a:xfrm>
+          <a:prstGeom prst="rect">
+            <a:avLst/>
+          </a:prstGeom>
+          <a:noFill/>
+        </p:spPr>
+        <p:txBody>
+          <a:bodyPr wrap="square">
+            <a:spAutoFit/>
+          </a:bodyPr>
+          <a:lstStyle/>
+          <a:p>
+            <a:r>
+              <a:rPr lang="zh-CN" altLang="en-US" sz="1400" dirty="0">
+                <a:solidFill>
+                  <a:srgbClr val="2A2F88"/>
+                </a:solidFill>
+                <a:effectLst/>
+              </a:rPr>
+              <a:t>指定如何转换敏感数据，以及哪些数据需要被脱敏</a:t>
+            </a:r>
+            <a:endParaRPr lang="zh-CN" altLang="en-US" sz="1400" dirty="0">
+              <a:solidFill>
+                <a:srgbClr val="2A2F88"/>
+              </a:solidFill>
+            </a:endParaRPr>
+          </a:p>
+        </p:txBody>
+      </p:sp>
+      <p:pic>
+        <p:nvPicPr>
+          <p:cNvPr id="8" name="图片 7">
+            <a:extLst>
+              <a:ext uri="{FF2B5EF4-FFF2-40B4-BE49-F238E27FC236}">
+                <a16:creationId xmlns:a16="http://schemas.microsoft.com/office/drawing/2014/main" id="{0B20A675-B76E-9905-7860-CA0A98268258}"/>
+              </a:ext>
+            </a:extLst>
+          </p:cNvPr>
+          <p:cNvPicPr>
+            <a:picLocks noChangeAspect="1"/>
+          </p:cNvPicPr>
+          <p:nvPr/>
+        </p:nvPicPr>
+        <p:blipFill>
+          <a:blip r:embed="rId3"/>
+          <a:stretch>
+            <a:fillRect/>
+          </a:stretch>
+        </p:blipFill>
+        <p:spPr>
+          <a:xfrm>
+            <a:off x="4508070" y="4587289"/>
+            <a:ext cx="3562350" cy="1304925"/>
+          </a:xfrm>
+          <a:prstGeom prst="rect">
+            <a:avLst/>
+          </a:prstGeom>
+        </p:spPr>
+      </p:pic>
+      <p:sp>
+        <p:nvSpPr>
+          <p:cNvPr id="9" name="文本框 8">
+            <a:extLst>
+              <a:ext uri="{FF2B5EF4-FFF2-40B4-BE49-F238E27FC236}">
+                <a16:creationId xmlns:a16="http://schemas.microsoft.com/office/drawing/2014/main" id="{D7EA93B9-181C-8C50-E8CA-38989353265C}"/>
+              </a:ext>
+            </a:extLst>
+          </p:cNvPr>
+          <p:cNvSpPr txBox="1"/>
+          <p:nvPr/>
+        </p:nvSpPr>
+        <p:spPr>
+          <a:xfrm>
+            <a:off x="5398880" y="4812631"/>
+            <a:ext cx="1415772" cy="338554"/>
+          </a:xfrm>
+          <a:prstGeom prst="rect">
+            <a:avLst/>
+          </a:prstGeom>
+          <a:noFill/>
+        </p:spPr>
+        <p:txBody>
+          <a:bodyPr wrap="none" rtlCol="0">
+            <a:spAutoFit/>
+          </a:bodyPr>
+          <a:lstStyle/>
+          <a:p>
+            <a:r>
+              <a:rPr lang="zh-CN" altLang="en-US" sz="1600" b="1" dirty="0">
+                <a:solidFill>
+                  <a:srgbClr val="2A2F88"/>
+                </a:solidFill>
+                <a:latin typeface="+mn-ea"/>
+              </a:rPr>
+              <a:t>脱敏算法应用</a:t>
+            </a:r>
+          </a:p>
+        </p:txBody>
+      </p:sp>
+      <p:pic>
+        <p:nvPicPr>
+          <p:cNvPr id="11" name="图片 10">
+            <a:extLst>
+              <a:ext uri="{FF2B5EF4-FFF2-40B4-BE49-F238E27FC236}">
+                <a16:creationId xmlns:a16="http://schemas.microsoft.com/office/drawing/2014/main" id="{71755A02-0350-55E8-A4B4-F44A7CC84A0F}"/>
+              </a:ext>
+            </a:extLst>
+          </p:cNvPr>
+          <p:cNvPicPr>
+            <a:picLocks noChangeAspect="1"/>
+          </p:cNvPicPr>
+          <p:nvPr/>
+        </p:nvPicPr>
+        <p:blipFill>
+          <a:blip r:embed="rId3"/>
+          <a:stretch>
+            <a:fillRect/>
+          </a:stretch>
+        </p:blipFill>
+        <p:spPr>
+          <a:xfrm>
+            <a:off x="682410" y="4779794"/>
+            <a:ext cx="2138995" cy="1304925"/>
+          </a:xfrm>
+          <a:prstGeom prst="rect">
+            <a:avLst/>
+          </a:prstGeom>
+        </p:spPr>
+      </p:pic>
+      <p:sp>
+        <p:nvSpPr>
+          <p:cNvPr id="12" name="文本框 11">
+            <a:extLst>
+              <a:ext uri="{FF2B5EF4-FFF2-40B4-BE49-F238E27FC236}">
+                <a16:creationId xmlns:a16="http://schemas.microsoft.com/office/drawing/2014/main" id="{4CADCD06-EADB-7A57-B7A2-1BBDF584536F}"/>
+              </a:ext>
+            </a:extLst>
+          </p:cNvPr>
+          <p:cNvSpPr txBox="1"/>
+          <p:nvPr/>
+        </p:nvSpPr>
+        <p:spPr>
+          <a:xfrm>
+            <a:off x="1152525" y="4812631"/>
+            <a:ext cx="1005403" cy="338554"/>
+          </a:xfrm>
+          <a:prstGeom prst="rect">
+            <a:avLst/>
+          </a:prstGeom>
+          <a:noFill/>
+        </p:spPr>
+        <p:txBody>
+          <a:bodyPr wrap="none" rtlCol="0">
+            <a:spAutoFit/>
+          </a:bodyPr>
+          <a:lstStyle/>
+          <a:p>
+            <a:r>
+              <a:rPr lang="zh-CN" altLang="en-US" sz="1600" b="1" dirty="0">
+                <a:solidFill>
+                  <a:srgbClr val="2A2F88"/>
+                </a:solidFill>
+                <a:latin typeface="+mn-ea"/>
+              </a:rPr>
+              <a:t>数据识别</a:t>
+            </a:r>
+          </a:p>
+        </p:txBody>
+      </p:sp>
+      <p:sp>
+        <p:nvSpPr>
+          <p:cNvPr id="13" name="文本框 12">
+            <a:extLst>
+              <a:ext uri="{FF2B5EF4-FFF2-40B4-BE49-F238E27FC236}">
+                <a16:creationId xmlns:a16="http://schemas.microsoft.com/office/drawing/2014/main" id="{ADCCADCE-510A-4EF5-3842-D845FF17AA9E}"/>
+              </a:ext>
+            </a:extLst>
+          </p:cNvPr>
+          <p:cNvSpPr txBox="1"/>
+          <p:nvPr/>
+        </p:nvSpPr>
+        <p:spPr>
+          <a:xfrm>
+            <a:off x="7843827" y="4812631"/>
+            <a:ext cx="1005403" cy="338554"/>
+          </a:xfrm>
+          <a:prstGeom prst="rect">
+            <a:avLst/>
+          </a:prstGeom>
+          <a:noFill/>
+        </p:spPr>
+        <p:txBody>
+          <a:bodyPr wrap="none" rtlCol="0">
+            <a:spAutoFit/>
+          </a:bodyPr>
+          <a:lstStyle/>
+          <a:p>
+            <a:r>
+              <a:rPr lang="zh-CN" altLang="en-US" sz="1600" b="1" dirty="0">
+                <a:solidFill>
+                  <a:srgbClr val="2A2F88"/>
+                </a:solidFill>
+                <a:latin typeface="+mn-ea"/>
+              </a:rPr>
+              <a:t>数据转换</a:t>
+            </a:r>
+          </a:p>
+        </p:txBody>
+      </p:sp>
+      <p:sp>
+        <p:nvSpPr>
+          <p:cNvPr id="15" name="文本框 14">
+            <a:extLst>
+              <a:ext uri="{FF2B5EF4-FFF2-40B4-BE49-F238E27FC236}">
+                <a16:creationId xmlns:a16="http://schemas.microsoft.com/office/drawing/2014/main" id="{64CDB329-BB18-0008-C0AF-D760DD2908CB}"/>
+              </a:ext>
+            </a:extLst>
+          </p:cNvPr>
+          <p:cNvSpPr txBox="1"/>
+          <p:nvPr/>
+        </p:nvSpPr>
+        <p:spPr>
+          <a:xfrm>
+            <a:off x="7833180" y="2962291"/>
+            <a:ext cx="1416717" cy="738664"/>
+          </a:xfrm>
+          <a:prstGeom prst="rect">
+            <a:avLst/>
+          </a:prstGeom>
+          <a:noFill/>
+        </p:spPr>
+        <p:txBody>
+          <a:bodyPr wrap="square">
+            <a:spAutoFit/>
+          </a:bodyPr>
+          <a:lstStyle/>
+          <a:p>
+            <a:r>
+              <a:rPr lang="zh-CN" altLang="en-US" sz="1400" dirty="0">
+                <a:solidFill>
+                  <a:srgbClr val="2A2F88"/>
+                </a:solidFill>
+              </a:rPr>
+              <a:t>敏感数据将被转换成非敏感数据</a:t>
+            </a:r>
+          </a:p>
+        </p:txBody>
+      </p:sp>
+      <p:pic>
+        <p:nvPicPr>
+          <p:cNvPr id="16" name="图片 15">
+            <a:extLst>
+              <a:ext uri="{FF2B5EF4-FFF2-40B4-BE49-F238E27FC236}">
+                <a16:creationId xmlns:a16="http://schemas.microsoft.com/office/drawing/2014/main" id="{80F545B1-2093-AA69-2681-106D62ACFA0C}"/>
+              </a:ext>
+            </a:extLst>
+          </p:cNvPr>
+          <p:cNvPicPr>
+            <a:picLocks noChangeAspect="1"/>
+          </p:cNvPicPr>
+          <p:nvPr/>
+        </p:nvPicPr>
+        <p:blipFill>
+          <a:blip r:embed="rId3"/>
+          <a:stretch>
+            <a:fillRect/>
+          </a:stretch>
+        </p:blipFill>
+        <p:spPr>
+          <a:xfrm>
+            <a:off x="9407740" y="5432256"/>
+            <a:ext cx="2138995" cy="1304925"/>
+          </a:xfrm>
+          <a:prstGeom prst="rect">
+            <a:avLst/>
+          </a:prstGeom>
+        </p:spPr>
+      </p:pic>
+      <p:pic>
+        <p:nvPicPr>
+          <p:cNvPr id="19" name="图片 18">
+            <a:extLst>
+              <a:ext uri="{FF2B5EF4-FFF2-40B4-BE49-F238E27FC236}">
+                <a16:creationId xmlns:a16="http://schemas.microsoft.com/office/drawing/2014/main" id="{42BB2B1F-4273-7124-B4C8-C71C0C1C782F}"/>
+              </a:ext>
+            </a:extLst>
+          </p:cNvPr>
+          <p:cNvPicPr>
+            <a:picLocks noChangeAspect="1"/>
+          </p:cNvPicPr>
+          <p:nvPr/>
+        </p:nvPicPr>
+        <p:blipFill>
+          <a:blip r:embed="rId3"/>
+          <a:stretch>
+            <a:fillRect/>
+          </a:stretch>
+        </p:blipFill>
+        <p:spPr>
+          <a:xfrm>
+            <a:off x="9407739" y="4779793"/>
+            <a:ext cx="2138995" cy="1304925"/>
+          </a:xfrm>
+          <a:prstGeom prst="rect">
+            <a:avLst/>
+          </a:prstGeom>
+        </p:spPr>
+      </p:pic>
+      <p:sp>
+        <p:nvSpPr>
+          <p:cNvPr id="20" name="文本框 19">
+            <a:extLst>
+              <a:ext uri="{FF2B5EF4-FFF2-40B4-BE49-F238E27FC236}">
+                <a16:creationId xmlns:a16="http://schemas.microsoft.com/office/drawing/2014/main" id="{7AC4E19A-8F7B-A2C5-438A-7AC0D1034B60}"/>
+              </a:ext>
+            </a:extLst>
+          </p:cNvPr>
+          <p:cNvSpPr txBox="1"/>
+          <p:nvPr/>
+        </p:nvSpPr>
+        <p:spPr>
+          <a:xfrm>
+            <a:off x="9974534" y="4812631"/>
+            <a:ext cx="1005403" cy="338554"/>
+          </a:xfrm>
+          <a:prstGeom prst="rect">
+            <a:avLst/>
+          </a:prstGeom>
+          <a:noFill/>
+        </p:spPr>
+        <p:txBody>
+          <a:bodyPr wrap="none" rtlCol="0">
+            <a:spAutoFit/>
+          </a:bodyPr>
+          <a:lstStyle/>
+          <a:p>
+            <a:r>
+              <a:rPr lang="zh-CN" altLang="en-US" sz="1600" b="1" dirty="0">
+                <a:solidFill>
+                  <a:srgbClr val="2A2F88"/>
+                </a:solidFill>
+                <a:latin typeface="+mn-ea"/>
+              </a:rPr>
+              <a:t>数据使用</a:t>
+            </a:r>
+          </a:p>
+        </p:txBody>
+      </p:sp>
+    </p:spTree>
+    <p:extLst>
+      <p:ext uri="{BB962C8B-B14F-4D97-AF65-F5344CB8AC3E}">
+        <p14:creationId xmlns:p14="http://schemas.microsoft.com/office/powerpoint/2010/main" val="3818468108"/>
       </p:ext>
     </p:extLst>
   </p:cSld>

--- a/images/2024/画图.pptx
+++ b/images/2024/画图.pptx
@@ -9,6 +9,7 @@
     <p:sldId id="257" r:id="rId3"/>
     <p:sldId id="258" r:id="rId4"/>
     <p:sldId id="259" r:id="rId5"/>
+    <p:sldId id="260" r:id="rId6"/>
   </p:sldIdLst>
   <p:sldSz cx="12192000" cy="6858000"/>
   <p:notesSz cx="6858000" cy="9144000"/>
@@ -115,6 +116,3439 @@
 </p:presentation>
 </file>
 
+<file path=ppt/diagrams/colors1.xml><?xml version="1.0" encoding="utf-8"?>
+<dgm:colorsDef xmlns:dgm="http://schemas.openxmlformats.org/drawingml/2006/diagram" xmlns:a="http://schemas.openxmlformats.org/drawingml/2006/main" uniqueId="urn:microsoft.com/office/officeart/2005/8/colors/colorful5">
+  <dgm:title val=""/>
+  <dgm:desc val=""/>
+  <dgm:catLst>
+    <dgm:cat type="colorful" pri="10500"/>
+  </dgm:catLst>
+  <dgm:styleLbl name="node0">
+    <dgm:fillClrLst meth="repeat">
+      <a:schemeClr val="accent4"/>
+    </dgm:fillClrLst>
+    <dgm:linClrLst meth="repeat">
+      <a:schemeClr val="lt1"/>
+    </dgm:linClrLst>
+    <dgm:effectClrLst/>
+    <dgm:txLinClrLst/>
+    <dgm:txFillClrLst/>
+    <dgm:txEffectClrLst/>
+  </dgm:styleLbl>
+  <dgm:styleLbl name="node1">
+    <dgm:fillClrLst>
+      <a:schemeClr val="accent5"/>
+      <a:schemeClr val="accent6"/>
+    </dgm:fillClrLst>
+    <dgm:linClrLst meth="repeat">
+      <a:schemeClr val="lt1"/>
+    </dgm:linClrLst>
+    <dgm:effectClrLst/>
+    <dgm:txLinClrLst/>
+    <dgm:txFillClrLst/>
+    <dgm:txEffectClrLst/>
+  </dgm:styleLbl>
+  <dgm:styleLbl name="alignNode1">
+    <dgm:fillClrLst>
+      <a:schemeClr val="accent5"/>
+      <a:schemeClr val="accent6"/>
+    </dgm:fillClrLst>
+    <dgm:linClrLst>
+      <a:schemeClr val="accent5"/>
+      <a:schemeClr val="accent6"/>
+    </dgm:linClrLst>
+    <dgm:effectClrLst/>
+    <dgm:txLinClrLst/>
+    <dgm:txFillClrLst/>
+    <dgm:txEffectClrLst/>
+  </dgm:styleLbl>
+  <dgm:styleLbl name="lnNode1">
+    <dgm:fillClrLst>
+      <a:schemeClr val="accent5"/>
+      <a:schemeClr val="accent6"/>
+    </dgm:fillClrLst>
+    <dgm:linClrLst meth="repeat">
+      <a:schemeClr val="lt1"/>
+    </dgm:linClrLst>
+    <dgm:effectClrLst/>
+    <dgm:txLinClrLst/>
+    <dgm:txFillClrLst/>
+    <dgm:txEffectClrLst/>
+  </dgm:styleLbl>
+  <dgm:styleLbl name="vennNode1">
+    <dgm:fillClrLst>
+      <a:schemeClr val="accent5">
+        <a:alpha val="50000"/>
+      </a:schemeClr>
+      <a:schemeClr val="accent6">
+        <a:alpha val="50000"/>
+      </a:schemeClr>
+    </dgm:fillClrLst>
+    <dgm:linClrLst meth="repeat">
+      <a:schemeClr val="lt1"/>
+    </dgm:linClrLst>
+    <dgm:effectClrLst/>
+    <dgm:txLinClrLst/>
+    <dgm:txFillClrLst/>
+    <dgm:txEffectClrLst/>
+  </dgm:styleLbl>
+  <dgm:styleLbl name="node2">
+    <dgm:fillClrLst>
+      <a:schemeClr val="accent6"/>
+    </dgm:fillClrLst>
+    <dgm:linClrLst meth="repeat">
+      <a:schemeClr val="lt1"/>
+    </dgm:linClrLst>
+    <dgm:effectClrLst/>
+    <dgm:txLinClrLst/>
+    <dgm:txFillClrLst/>
+    <dgm:txEffectClrLst/>
+  </dgm:styleLbl>
+  <dgm:styleLbl name="node3">
+    <dgm:fillClrLst>
+      <a:schemeClr val="accent1"/>
+    </dgm:fillClrLst>
+    <dgm:linClrLst meth="repeat">
+      <a:schemeClr val="lt1"/>
+    </dgm:linClrLst>
+    <dgm:effectClrLst/>
+    <dgm:txLinClrLst/>
+    <dgm:txFillClrLst/>
+    <dgm:txEffectClrLst/>
+  </dgm:styleLbl>
+  <dgm:styleLbl name="node4">
+    <dgm:fillClrLst>
+      <a:schemeClr val="accent2"/>
+    </dgm:fillClrLst>
+    <dgm:linClrLst meth="repeat">
+      <a:schemeClr val="lt1"/>
+    </dgm:linClrLst>
+    <dgm:effectClrLst/>
+    <dgm:txLinClrLst/>
+    <dgm:txFillClrLst/>
+    <dgm:txEffectClrLst/>
+  </dgm:styleLbl>
+  <dgm:styleLbl name="fgImgPlace1">
+    <dgm:fillClrLst>
+      <a:schemeClr val="accent5">
+        <a:tint val="50000"/>
+      </a:schemeClr>
+      <a:schemeClr val="accent6">
+        <a:tint val="50000"/>
+      </a:schemeClr>
+    </dgm:fillClrLst>
+    <dgm:linClrLst meth="repeat">
+      <a:schemeClr val="lt1"/>
+    </dgm:linClrLst>
+    <dgm:effectClrLst/>
+    <dgm:txLinClrLst/>
+    <dgm:txFillClrLst meth="repeat">
+      <a:schemeClr val="lt1"/>
+    </dgm:txFillClrLst>
+    <dgm:txEffectClrLst/>
+  </dgm:styleLbl>
+  <dgm:styleLbl name="alignImgPlace1">
+    <dgm:fillClrLst>
+      <a:schemeClr val="accent5">
+        <a:tint val="50000"/>
+      </a:schemeClr>
+      <a:schemeClr val="accent6">
+        <a:tint val="20000"/>
+      </a:schemeClr>
+    </dgm:fillClrLst>
+    <dgm:linClrLst meth="repeat">
+      <a:schemeClr val="lt1"/>
+    </dgm:linClrLst>
+    <dgm:effectClrLst/>
+    <dgm:txLinClrLst/>
+    <dgm:txFillClrLst meth="repeat">
+      <a:schemeClr val="lt1"/>
+    </dgm:txFillClrLst>
+    <dgm:txEffectClrLst/>
+  </dgm:styleLbl>
+  <dgm:styleLbl name="bgImgPlace1">
+    <dgm:fillClrLst>
+      <a:schemeClr val="accent5">
+        <a:tint val="50000"/>
+      </a:schemeClr>
+      <a:schemeClr val="accent6">
+        <a:tint val="20000"/>
+      </a:schemeClr>
+    </dgm:fillClrLst>
+    <dgm:linClrLst meth="repeat">
+      <a:schemeClr val="lt1"/>
+    </dgm:linClrLst>
+    <dgm:effectClrLst/>
+    <dgm:txLinClrLst/>
+    <dgm:txFillClrLst meth="repeat">
+      <a:schemeClr val="lt1"/>
+    </dgm:txFillClrLst>
+    <dgm:txEffectClrLst/>
+  </dgm:styleLbl>
+  <dgm:styleLbl name="sibTrans2D1">
+    <dgm:fillClrLst>
+      <a:schemeClr val="accent5"/>
+      <a:schemeClr val="accent6"/>
+    </dgm:fillClrLst>
+    <dgm:linClrLst meth="repeat">
+      <a:schemeClr val="lt1"/>
+    </dgm:linClrLst>
+    <dgm:effectClrLst/>
+    <dgm:txLinClrLst/>
+    <dgm:txFillClrLst/>
+    <dgm:txEffectClrLst/>
+  </dgm:styleLbl>
+  <dgm:styleLbl name="fgSibTrans2D1">
+    <dgm:fillClrLst>
+      <a:schemeClr val="accent5"/>
+      <a:schemeClr val="accent6"/>
+    </dgm:fillClrLst>
+    <dgm:linClrLst meth="repeat">
+      <a:schemeClr val="lt1"/>
+    </dgm:linClrLst>
+    <dgm:effectClrLst/>
+    <dgm:txLinClrLst/>
+    <dgm:txFillClrLst meth="repeat">
+      <a:schemeClr val="lt1"/>
+    </dgm:txFillClrLst>
+    <dgm:txEffectClrLst/>
+  </dgm:styleLbl>
+  <dgm:styleLbl name="bgSibTrans2D1">
+    <dgm:fillClrLst>
+      <a:schemeClr val="accent5"/>
+      <a:schemeClr val="accent6"/>
+    </dgm:fillClrLst>
+    <dgm:linClrLst meth="repeat">
+      <a:schemeClr val="lt1"/>
+    </dgm:linClrLst>
+    <dgm:effectClrLst/>
+    <dgm:txLinClrLst/>
+    <dgm:txFillClrLst meth="repeat">
+      <a:schemeClr val="lt1"/>
+    </dgm:txFillClrLst>
+    <dgm:txEffectClrLst/>
+  </dgm:styleLbl>
+  <dgm:styleLbl name="sibTrans1D1">
+    <dgm:fillClrLst/>
+    <dgm:linClrLst>
+      <a:schemeClr val="accent5"/>
+      <a:schemeClr val="accent6"/>
+    </dgm:linClrLst>
+    <dgm:effectClrLst/>
+    <dgm:txLinClrLst/>
+    <dgm:txFillClrLst meth="repeat">
+      <a:schemeClr val="tx1"/>
+    </dgm:txFillClrLst>
+    <dgm:txEffectClrLst/>
+  </dgm:styleLbl>
+  <dgm:styleLbl name="callout">
+    <dgm:fillClrLst meth="repeat">
+      <a:schemeClr val="accent5"/>
+    </dgm:fillClrLst>
+    <dgm:linClrLst meth="repeat">
+      <a:schemeClr val="accent5">
+        <a:tint val="50000"/>
+      </a:schemeClr>
+    </dgm:linClrLst>
+    <dgm:effectClrLst/>
+    <dgm:txLinClrLst/>
+    <dgm:txFillClrLst meth="repeat">
+      <a:schemeClr val="tx1"/>
+    </dgm:txFillClrLst>
+    <dgm:txEffectClrLst/>
+  </dgm:styleLbl>
+  <dgm:styleLbl name="asst0">
+    <dgm:fillClrLst meth="repeat">
+      <a:schemeClr val="accent5"/>
+    </dgm:fillClrLst>
+    <dgm:linClrLst meth="repeat">
+      <a:schemeClr val="lt1">
+        <a:shade val="80000"/>
+      </a:schemeClr>
+    </dgm:linClrLst>
+    <dgm:effectClrLst/>
+    <dgm:txLinClrLst/>
+    <dgm:txFillClrLst/>
+    <dgm:txEffectClrLst/>
+  </dgm:styleLbl>
+  <dgm:styleLbl name="asst1">
+    <dgm:fillClrLst meth="repeat">
+      <a:schemeClr val="accent6"/>
+    </dgm:fillClrLst>
+    <dgm:linClrLst meth="repeat">
+      <a:schemeClr val="lt1">
+        <a:shade val="80000"/>
+      </a:schemeClr>
+    </dgm:linClrLst>
+    <dgm:effectClrLst/>
+    <dgm:txLinClrLst/>
+    <dgm:txFillClrLst/>
+    <dgm:txEffectClrLst/>
+  </dgm:styleLbl>
+  <dgm:styleLbl name="asst2">
+    <dgm:fillClrLst>
+      <a:schemeClr val="accent1"/>
+    </dgm:fillClrLst>
+    <dgm:linClrLst meth="repeat">
+      <a:schemeClr val="lt1"/>
+    </dgm:linClrLst>
+    <dgm:effectClrLst/>
+    <dgm:txLinClrLst/>
+    <dgm:txFillClrLst/>
+    <dgm:txEffectClrLst/>
+  </dgm:styleLbl>
+  <dgm:styleLbl name="asst3">
+    <dgm:fillClrLst>
+      <a:schemeClr val="accent2"/>
+    </dgm:fillClrLst>
+    <dgm:linClrLst meth="repeat">
+      <a:schemeClr val="lt1"/>
+    </dgm:linClrLst>
+    <dgm:effectClrLst/>
+    <dgm:txLinClrLst/>
+    <dgm:txFillClrLst/>
+    <dgm:txEffectClrLst/>
+  </dgm:styleLbl>
+  <dgm:styleLbl name="asst4">
+    <dgm:fillClrLst>
+      <a:schemeClr val="accent3"/>
+    </dgm:fillClrLst>
+    <dgm:linClrLst meth="repeat">
+      <a:schemeClr val="lt1"/>
+    </dgm:linClrLst>
+    <dgm:effectClrLst/>
+    <dgm:txLinClrLst/>
+    <dgm:txFillClrLst/>
+    <dgm:txEffectClrLst/>
+  </dgm:styleLbl>
+  <dgm:styleLbl name="parChTrans2D1">
+    <dgm:fillClrLst meth="repeat">
+      <a:schemeClr val="accent5"/>
+    </dgm:fillClrLst>
+    <dgm:linClrLst meth="repeat">
+      <a:schemeClr val="lt1"/>
+    </dgm:linClrLst>
+    <dgm:effectClrLst/>
+    <dgm:txLinClrLst/>
+    <dgm:txFillClrLst meth="repeat">
+      <a:schemeClr val="lt1"/>
+    </dgm:txFillClrLst>
+    <dgm:txEffectClrLst/>
+  </dgm:styleLbl>
+  <dgm:styleLbl name="parChTrans2D2">
+    <dgm:fillClrLst meth="repeat">
+      <a:schemeClr val="accent6"/>
+    </dgm:fillClrLst>
+    <dgm:linClrLst meth="repeat">
+      <a:schemeClr val="lt1"/>
+    </dgm:linClrLst>
+    <dgm:effectClrLst/>
+    <dgm:txLinClrLst/>
+    <dgm:txFillClrLst/>
+    <dgm:txEffectClrLst/>
+  </dgm:styleLbl>
+  <dgm:styleLbl name="parChTrans2D3">
+    <dgm:fillClrLst meth="repeat">
+      <a:schemeClr val="accent6"/>
+    </dgm:fillClrLst>
+    <dgm:linClrLst meth="repeat">
+      <a:schemeClr val="lt1"/>
+    </dgm:linClrLst>
+    <dgm:effectClrLst/>
+    <dgm:txLinClrLst/>
+    <dgm:txFillClrLst/>
+    <dgm:txEffectClrLst/>
+  </dgm:styleLbl>
+  <dgm:styleLbl name="parChTrans2D4">
+    <dgm:fillClrLst meth="repeat">
+      <a:schemeClr val="accent1"/>
+    </dgm:fillClrLst>
+    <dgm:linClrLst meth="repeat">
+      <a:schemeClr val="lt1"/>
+    </dgm:linClrLst>
+    <dgm:effectClrLst/>
+    <dgm:txLinClrLst/>
+    <dgm:txFillClrLst meth="repeat">
+      <a:schemeClr val="lt1"/>
+    </dgm:txFillClrLst>
+    <dgm:txEffectClrLst/>
+  </dgm:styleLbl>
+  <dgm:styleLbl name="parChTrans1D1">
+    <dgm:fillClrLst meth="repeat">
+      <a:schemeClr val="accent5"/>
+    </dgm:fillClrLst>
+    <dgm:linClrLst meth="repeat">
+      <a:schemeClr val="accent5"/>
+    </dgm:linClrLst>
+    <dgm:effectClrLst/>
+    <dgm:txLinClrLst/>
+    <dgm:txFillClrLst meth="repeat">
+      <a:schemeClr val="tx1"/>
+    </dgm:txFillClrLst>
+    <dgm:txEffectClrLst/>
+  </dgm:styleLbl>
+  <dgm:styleLbl name="parChTrans1D2">
+    <dgm:fillClrLst meth="repeat">
+      <a:schemeClr val="accent6">
+        <a:tint val="90000"/>
+      </a:schemeClr>
+    </dgm:fillClrLst>
+    <dgm:linClrLst meth="repeat">
+      <a:schemeClr val="accent6"/>
+    </dgm:linClrLst>
+    <dgm:effectClrLst/>
+    <dgm:txLinClrLst/>
+    <dgm:txFillClrLst meth="repeat">
+      <a:schemeClr val="tx1"/>
+    </dgm:txFillClrLst>
+    <dgm:txEffectClrLst/>
+  </dgm:styleLbl>
+  <dgm:styleLbl name="parChTrans1D3">
+    <dgm:fillClrLst meth="repeat">
+      <a:schemeClr val="accent6">
+        <a:tint val="70000"/>
+      </a:schemeClr>
+    </dgm:fillClrLst>
+    <dgm:linClrLst meth="repeat">
+      <a:schemeClr val="accent1"/>
+    </dgm:linClrLst>
+    <dgm:effectClrLst/>
+    <dgm:txLinClrLst/>
+    <dgm:txFillClrLst meth="repeat">
+      <a:schemeClr val="tx1"/>
+    </dgm:txFillClrLst>
+    <dgm:txEffectClrLst/>
+  </dgm:styleLbl>
+  <dgm:styleLbl name="parChTrans1D4">
+    <dgm:fillClrLst meth="repeat">
+      <a:schemeClr val="accent6">
+        <a:tint val="50000"/>
+      </a:schemeClr>
+    </dgm:fillClrLst>
+    <dgm:linClrLst meth="repeat">
+      <a:schemeClr val="accent2"/>
+    </dgm:linClrLst>
+    <dgm:effectClrLst/>
+    <dgm:txLinClrLst/>
+    <dgm:txFillClrLst meth="repeat">
+      <a:schemeClr val="tx1"/>
+    </dgm:txFillClrLst>
+    <dgm:txEffectClrLst/>
+  </dgm:styleLbl>
+  <dgm:styleLbl name="fgAcc1">
+    <dgm:fillClrLst meth="repeat">
+      <a:schemeClr val="lt1">
+        <a:alpha val="90000"/>
+      </a:schemeClr>
+    </dgm:fillClrLst>
+    <dgm:linClrLst>
+      <a:schemeClr val="accent5"/>
+      <a:schemeClr val="accent6"/>
+    </dgm:linClrLst>
+    <dgm:effectClrLst/>
+    <dgm:txLinClrLst/>
+    <dgm:txFillClrLst meth="repeat">
+      <a:schemeClr val="dk1"/>
+    </dgm:txFillClrLst>
+    <dgm:txEffectClrLst/>
+  </dgm:styleLbl>
+  <dgm:styleLbl name="conFgAcc1">
+    <dgm:fillClrLst meth="repeat">
+      <a:schemeClr val="lt1">
+        <a:alpha val="90000"/>
+      </a:schemeClr>
+    </dgm:fillClrLst>
+    <dgm:linClrLst>
+      <a:schemeClr val="accent5"/>
+      <a:schemeClr val="accent6"/>
+    </dgm:linClrLst>
+    <dgm:effectClrLst/>
+    <dgm:txLinClrLst/>
+    <dgm:txFillClrLst meth="repeat">
+      <a:schemeClr val="dk1"/>
+    </dgm:txFillClrLst>
+    <dgm:txEffectClrLst/>
+  </dgm:styleLbl>
+  <dgm:styleLbl name="alignAcc1">
+    <dgm:fillClrLst meth="repeat">
+      <a:schemeClr val="lt1">
+        <a:alpha val="90000"/>
+      </a:schemeClr>
+    </dgm:fillClrLst>
+    <dgm:linClrLst>
+      <a:schemeClr val="accent5"/>
+      <a:schemeClr val="accent6"/>
+    </dgm:linClrLst>
+    <dgm:effectClrLst/>
+    <dgm:txLinClrLst/>
+    <dgm:txFillClrLst meth="repeat">
+      <a:schemeClr val="dk1"/>
+    </dgm:txFillClrLst>
+    <dgm:txEffectClrLst/>
+  </dgm:styleLbl>
+  <dgm:styleLbl name="trAlignAcc1">
+    <dgm:fillClrLst meth="repeat">
+      <a:schemeClr val="lt1">
+        <a:alpha val="40000"/>
+      </a:schemeClr>
+    </dgm:fillClrLst>
+    <dgm:linClrLst meth="repeat">
+      <a:schemeClr val="accent5"/>
+    </dgm:linClrLst>
+    <dgm:effectClrLst/>
+    <dgm:txLinClrLst/>
+    <dgm:txFillClrLst meth="repeat">
+      <a:schemeClr val="dk1"/>
+    </dgm:txFillClrLst>
+    <dgm:txEffectClrLst/>
+  </dgm:styleLbl>
+  <dgm:styleLbl name="bgAcc1">
+    <dgm:fillClrLst meth="repeat">
+      <a:schemeClr val="lt1">
+        <a:alpha val="90000"/>
+      </a:schemeClr>
+    </dgm:fillClrLst>
+    <dgm:linClrLst>
+      <a:schemeClr val="accent5"/>
+      <a:schemeClr val="accent6"/>
+    </dgm:linClrLst>
+    <dgm:effectClrLst/>
+    <dgm:txLinClrLst/>
+    <dgm:txFillClrLst meth="repeat">
+      <a:schemeClr val="dk1"/>
+    </dgm:txFillClrLst>
+    <dgm:txEffectClrLst/>
+  </dgm:styleLbl>
+  <dgm:styleLbl name="solidFgAcc1">
+    <dgm:fillClrLst meth="repeat">
+      <a:schemeClr val="lt1"/>
+    </dgm:fillClrLst>
+    <dgm:linClrLst>
+      <a:schemeClr val="accent5"/>
+      <a:schemeClr val="accent6"/>
+    </dgm:linClrLst>
+    <dgm:effectClrLst/>
+    <dgm:txLinClrLst/>
+    <dgm:txFillClrLst meth="repeat">
+      <a:schemeClr val="dk1"/>
+    </dgm:txFillClrLst>
+    <dgm:txEffectClrLst/>
+  </dgm:styleLbl>
+  <dgm:styleLbl name="solidAlignAcc1">
+    <dgm:fillClrLst meth="repeat">
+      <a:schemeClr val="lt1"/>
+    </dgm:fillClrLst>
+    <dgm:linClrLst>
+      <a:schemeClr val="accent5"/>
+      <a:schemeClr val="accent6"/>
+    </dgm:linClrLst>
+    <dgm:effectClrLst/>
+    <dgm:txLinClrLst/>
+    <dgm:txFillClrLst meth="repeat">
+      <a:schemeClr val="dk1"/>
+    </dgm:txFillClrLst>
+    <dgm:txEffectClrLst/>
+  </dgm:styleLbl>
+  <dgm:styleLbl name="solidBgAcc1">
+    <dgm:fillClrLst meth="repeat">
+      <a:schemeClr val="lt1"/>
+    </dgm:fillClrLst>
+    <dgm:linClrLst>
+      <a:schemeClr val="accent5"/>
+      <a:schemeClr val="accent6"/>
+    </dgm:linClrLst>
+    <dgm:effectClrLst/>
+    <dgm:txLinClrLst/>
+    <dgm:txFillClrLst meth="repeat">
+      <a:schemeClr val="dk1"/>
+    </dgm:txFillClrLst>
+    <dgm:txEffectClrLst/>
+  </dgm:styleLbl>
+  <dgm:styleLbl name="fgAccFollowNode1">
+    <dgm:fillClrLst>
+      <a:schemeClr val="accent5">
+        <a:tint val="40000"/>
+        <a:alpha val="90000"/>
+      </a:schemeClr>
+      <a:schemeClr val="accent6">
+        <a:tint val="40000"/>
+        <a:alpha val="90000"/>
+      </a:schemeClr>
+    </dgm:fillClrLst>
+    <dgm:linClrLst>
+      <a:schemeClr val="accent5">
+        <a:tint val="40000"/>
+        <a:alpha val="90000"/>
+      </a:schemeClr>
+      <a:schemeClr val="accent5">
+        <a:tint val="40000"/>
+        <a:alpha val="90000"/>
+      </a:schemeClr>
+    </dgm:linClrLst>
+    <dgm:effectClrLst/>
+    <dgm:txLinClrLst/>
+    <dgm:txFillClrLst meth="repeat">
+      <a:schemeClr val="dk1"/>
+    </dgm:txFillClrLst>
+    <dgm:txEffectClrLst/>
+  </dgm:styleLbl>
+  <dgm:styleLbl name="alignAccFollowNode1">
+    <dgm:fillClrLst>
+      <a:schemeClr val="accent5">
+        <a:tint val="40000"/>
+        <a:alpha val="90000"/>
+      </a:schemeClr>
+      <a:schemeClr val="accent6">
+        <a:tint val="40000"/>
+        <a:alpha val="90000"/>
+      </a:schemeClr>
+    </dgm:fillClrLst>
+    <dgm:linClrLst>
+      <a:schemeClr val="accent5">
+        <a:tint val="40000"/>
+        <a:alpha val="90000"/>
+      </a:schemeClr>
+      <a:schemeClr val="accent6">
+        <a:tint val="40000"/>
+        <a:alpha val="90000"/>
+      </a:schemeClr>
+    </dgm:linClrLst>
+    <dgm:effectClrLst/>
+    <dgm:txLinClrLst/>
+    <dgm:txFillClrLst meth="repeat">
+      <a:schemeClr val="dk1"/>
+    </dgm:txFillClrLst>
+    <dgm:txEffectClrLst/>
+  </dgm:styleLbl>
+  <dgm:styleLbl name="bgAccFollowNode1">
+    <dgm:fillClrLst>
+      <a:schemeClr val="accent5">
+        <a:tint val="40000"/>
+        <a:alpha val="90000"/>
+      </a:schemeClr>
+      <a:schemeClr val="accent6">
+        <a:tint val="40000"/>
+        <a:alpha val="90000"/>
+      </a:schemeClr>
+    </dgm:fillClrLst>
+    <dgm:linClrLst>
+      <a:schemeClr val="accent5">
+        <a:tint val="40000"/>
+        <a:alpha val="90000"/>
+      </a:schemeClr>
+      <a:schemeClr val="accent6">
+        <a:tint val="40000"/>
+        <a:alpha val="90000"/>
+      </a:schemeClr>
+    </dgm:linClrLst>
+    <dgm:effectClrLst/>
+    <dgm:txLinClrLst/>
+    <dgm:txFillClrLst meth="repeat">
+      <a:schemeClr val="dk1"/>
+    </dgm:txFillClrLst>
+    <dgm:txEffectClrLst/>
+  </dgm:styleLbl>
+  <dgm:styleLbl name="fgAcc0">
+    <dgm:fillClrLst meth="repeat">
+      <a:schemeClr val="lt1">
+        <a:alpha val="90000"/>
+      </a:schemeClr>
+    </dgm:fillClrLst>
+    <dgm:linClrLst>
+      <a:schemeClr val="accent4"/>
+    </dgm:linClrLst>
+    <dgm:effectClrLst/>
+    <dgm:txLinClrLst/>
+    <dgm:txFillClrLst meth="repeat">
+      <a:schemeClr val="dk1"/>
+    </dgm:txFillClrLst>
+    <dgm:txEffectClrLst/>
+  </dgm:styleLbl>
+  <dgm:styleLbl name="fgAcc2">
+    <dgm:fillClrLst meth="repeat">
+      <a:schemeClr val="lt1">
+        <a:alpha val="90000"/>
+      </a:schemeClr>
+    </dgm:fillClrLst>
+    <dgm:linClrLst>
+      <a:schemeClr val="accent6"/>
+    </dgm:linClrLst>
+    <dgm:effectClrLst/>
+    <dgm:txLinClrLst/>
+    <dgm:txFillClrLst meth="repeat">
+      <a:schemeClr val="dk1"/>
+    </dgm:txFillClrLst>
+    <dgm:txEffectClrLst/>
+  </dgm:styleLbl>
+  <dgm:styleLbl name="fgAcc3">
+    <dgm:fillClrLst meth="repeat">
+      <a:schemeClr val="lt1">
+        <a:alpha val="90000"/>
+      </a:schemeClr>
+    </dgm:fillClrLst>
+    <dgm:linClrLst>
+      <a:schemeClr val="accent1"/>
+    </dgm:linClrLst>
+    <dgm:effectClrLst/>
+    <dgm:txLinClrLst/>
+    <dgm:txFillClrLst meth="repeat">
+      <a:schemeClr val="dk1"/>
+    </dgm:txFillClrLst>
+    <dgm:txEffectClrLst/>
+  </dgm:styleLbl>
+  <dgm:styleLbl name="fgAcc4">
+    <dgm:fillClrLst meth="repeat">
+      <a:schemeClr val="lt1">
+        <a:alpha val="90000"/>
+      </a:schemeClr>
+    </dgm:fillClrLst>
+    <dgm:linClrLst>
+      <a:schemeClr val="accent2"/>
+    </dgm:linClrLst>
+    <dgm:effectClrLst/>
+    <dgm:txLinClrLst/>
+    <dgm:txFillClrLst meth="repeat">
+      <a:schemeClr val="dk1"/>
+    </dgm:txFillClrLst>
+    <dgm:txEffectClrLst/>
+  </dgm:styleLbl>
+  <dgm:styleLbl name="bgShp">
+    <dgm:fillClrLst meth="repeat">
+      <a:schemeClr val="accent5">
+        <a:tint val="40000"/>
+      </a:schemeClr>
+    </dgm:fillClrLst>
+    <dgm:linClrLst meth="repeat">
+      <a:schemeClr val="dk1"/>
+    </dgm:linClrLst>
+    <dgm:effectClrLst/>
+    <dgm:txLinClrLst/>
+    <dgm:txFillClrLst meth="repeat">
+      <a:schemeClr val="dk1"/>
+    </dgm:txFillClrLst>
+    <dgm:txEffectClrLst/>
+  </dgm:styleLbl>
+  <dgm:styleLbl name="dkBgShp">
+    <dgm:fillClrLst meth="repeat">
+      <a:schemeClr val="accent5">
+        <a:shade val="90000"/>
+      </a:schemeClr>
+    </dgm:fillClrLst>
+    <dgm:linClrLst meth="repeat">
+      <a:schemeClr val="dk1"/>
+    </dgm:linClrLst>
+    <dgm:effectClrLst/>
+    <dgm:txLinClrLst/>
+    <dgm:txFillClrLst meth="repeat">
+      <a:schemeClr val="lt1"/>
+    </dgm:txFillClrLst>
+    <dgm:txEffectClrLst/>
+  </dgm:styleLbl>
+  <dgm:styleLbl name="trBgShp">
+    <dgm:fillClrLst meth="repeat">
+      <a:schemeClr val="accent5">
+        <a:tint val="50000"/>
+        <a:alpha val="40000"/>
+      </a:schemeClr>
+    </dgm:fillClrLst>
+    <dgm:linClrLst meth="repeat">
+      <a:schemeClr val="accent5"/>
+    </dgm:linClrLst>
+    <dgm:effectClrLst/>
+    <dgm:txLinClrLst/>
+    <dgm:txFillClrLst meth="repeat">
+      <a:schemeClr val="lt1"/>
+    </dgm:txFillClrLst>
+    <dgm:txEffectClrLst/>
+  </dgm:styleLbl>
+  <dgm:styleLbl name="fgShp">
+    <dgm:fillClrLst meth="repeat">
+      <a:schemeClr val="accent5">
+        <a:tint val="40000"/>
+      </a:schemeClr>
+    </dgm:fillClrLst>
+    <dgm:linClrLst meth="repeat">
+      <a:schemeClr val="lt1"/>
+    </dgm:linClrLst>
+    <dgm:effectClrLst/>
+    <dgm:txLinClrLst/>
+    <dgm:txFillClrLst meth="repeat">
+      <a:schemeClr val="dk1"/>
+    </dgm:txFillClrLst>
+    <dgm:txEffectClrLst/>
+  </dgm:styleLbl>
+  <dgm:styleLbl name="revTx">
+    <dgm:fillClrLst meth="repeat">
+      <a:schemeClr val="lt1">
+        <a:alpha val="0"/>
+      </a:schemeClr>
+    </dgm:fillClrLst>
+    <dgm:linClrLst meth="repeat">
+      <a:schemeClr val="dk1">
+        <a:alpha val="0"/>
+      </a:schemeClr>
+    </dgm:linClrLst>
+    <dgm:effectClrLst/>
+    <dgm:txLinClrLst/>
+    <dgm:txFillClrLst meth="repeat">
+      <a:schemeClr val="tx1"/>
+    </dgm:txFillClrLst>
+    <dgm:txEffectClrLst/>
+  </dgm:styleLbl>
+</dgm:colorsDef>
+</file>
+
+<file path=ppt/diagrams/data1.xml><?xml version="1.0" encoding="utf-8"?>
+<dgm:dataModel xmlns:dgm="http://schemas.openxmlformats.org/drawingml/2006/diagram" xmlns:a="http://schemas.openxmlformats.org/drawingml/2006/main">
+  <dgm:ptLst>
+    <dgm:pt modelId="{F47DBFBC-939C-498B-AE33-73EB116DC26D}" type="doc">
+      <dgm:prSet loTypeId="urn:microsoft.com/office/officeart/2005/8/layout/hChevron3" loCatId="process" qsTypeId="urn:microsoft.com/office/officeart/2005/8/quickstyle/simple1" qsCatId="simple" csTypeId="urn:microsoft.com/office/officeart/2005/8/colors/colorful5" csCatId="colorful" phldr="1"/>
+      <dgm:spPr/>
+    </dgm:pt>
+    <dgm:pt modelId="{69E58F7D-AEC4-4BB4-BA39-00177D4F3572}">
+      <dgm:prSet phldrT="[文本]"/>
+      <dgm:spPr/>
+      <dgm:t>
+        <a:bodyPr/>
+        <a:lstStyle/>
+        <a:p>
+          <a:pPr>
+            <a:lnSpc>
+              <a:spcPct val="90000"/>
+            </a:lnSpc>
+          </a:pPr>
+          <a:r>
+            <a:rPr lang="zh-CN" altLang="en-US" dirty="0">
+              <a:latin typeface="+mn-ea"/>
+              <a:ea typeface="+mn-ea"/>
+            </a:rPr>
+            <a:t>规划</a:t>
+          </a:r>
+          <a:br>
+            <a:rPr lang="en-US" altLang="zh-CN" dirty="0">
+              <a:latin typeface="+mn-ea"/>
+              <a:ea typeface="+mn-ea"/>
+            </a:rPr>
+          </a:br>
+          <a:r>
+            <a:rPr lang="en-US" altLang="zh-CN" dirty="0">
+              <a:latin typeface="+mn-ea"/>
+              <a:ea typeface="+mn-ea"/>
+            </a:rPr>
+            <a:t>Plan</a:t>
+          </a:r>
+          <a:endParaRPr lang="zh-CN" altLang="en-US" dirty="0">
+            <a:latin typeface="+mn-ea"/>
+            <a:ea typeface="+mn-ea"/>
+          </a:endParaRPr>
+        </a:p>
+      </dgm:t>
+    </dgm:pt>
+    <dgm:pt modelId="{1C721550-67CC-4779-BC2A-FED5A624197E}" type="parTrans" cxnId="{EFBA2B49-5328-4A2C-8242-F412F69BBD6A}">
+      <dgm:prSet/>
+      <dgm:spPr/>
+      <dgm:t>
+        <a:bodyPr/>
+        <a:lstStyle/>
+        <a:p>
+          <a:endParaRPr lang="zh-CN" altLang="en-US"/>
+        </a:p>
+      </dgm:t>
+    </dgm:pt>
+    <dgm:pt modelId="{DEEC40C6-59EB-4440-9B7A-AB9890B1F154}" type="sibTrans" cxnId="{EFBA2B49-5328-4A2C-8242-F412F69BBD6A}">
+      <dgm:prSet/>
+      <dgm:spPr/>
+      <dgm:t>
+        <a:bodyPr/>
+        <a:lstStyle/>
+        <a:p>
+          <a:endParaRPr lang="zh-CN" altLang="en-US"/>
+        </a:p>
+      </dgm:t>
+    </dgm:pt>
+    <dgm:pt modelId="{DD62B4C8-6EDF-49AC-89D7-B2F688225DAA}">
+      <dgm:prSet phldrT="[文本]" custT="1"/>
+      <dgm:spPr>
+        <a:solidFill>
+          <a:srgbClr val="4472C4">
+            <a:hueOff val="0"/>
+            <a:satOff val="0"/>
+            <a:lumOff val="0"/>
+            <a:alphaOff val="0"/>
+          </a:srgbClr>
+        </a:solidFill>
+        <a:ln w="12700" cap="flat" cmpd="sng" algn="ctr">
+          <a:solidFill>
+            <a:prstClr val="white">
+              <a:hueOff val="0"/>
+              <a:satOff val="0"/>
+              <a:lumOff val="0"/>
+              <a:alphaOff val="0"/>
+            </a:prstClr>
+          </a:solidFill>
+          <a:prstDash val="solid"/>
+          <a:miter lim="800000"/>
+        </a:ln>
+        <a:effectLst/>
+      </dgm:spPr>
+      <dgm:t>
+        <a:bodyPr spcFirstLastPara="0" vert="horz" wrap="square" lIns="64008" tIns="32004" rIns="16002" bIns="32004" numCol="1" spcCol="1270" anchor="ctr" anchorCtr="0"/>
+        <a:lstStyle/>
+        <a:p>
+          <a:pPr marL="0" lvl="0" indent="0" algn="ctr" defTabSz="533400">
+            <a:lnSpc>
+              <a:spcPct val="90000"/>
+            </a:lnSpc>
+            <a:spcBef>
+              <a:spcPct val="0"/>
+            </a:spcBef>
+            <a:spcAft>
+              <a:spcPct val="35000"/>
+            </a:spcAft>
+            <a:buNone/>
+          </a:pPr>
+          <a:r>
+            <a:rPr lang="zh-CN" altLang="en-US" sz="1200" kern="1200" dirty="0">
+              <a:solidFill>
+                <a:prstClr val="white"/>
+              </a:solidFill>
+              <a:latin typeface="微软雅黑" panose="020B0503020204020204" pitchFamily="34" charset="-122"/>
+              <a:ea typeface="微软雅黑" panose="020B0503020204020204" pitchFamily="34" charset="-122"/>
+              <a:cs typeface="+mn-cs"/>
+            </a:rPr>
+            <a:t>代码</a:t>
+          </a:r>
+          <a:br>
+            <a:rPr lang="en-US" altLang="zh-CN" sz="1200" kern="1200" dirty="0">
+              <a:solidFill>
+                <a:prstClr val="white"/>
+              </a:solidFill>
+              <a:latin typeface="微软雅黑" panose="020B0503020204020204" pitchFamily="34" charset="-122"/>
+              <a:ea typeface="微软雅黑" panose="020B0503020204020204" pitchFamily="34" charset="-122"/>
+              <a:cs typeface="+mn-cs"/>
+            </a:rPr>
+          </a:br>
+          <a:r>
+            <a:rPr lang="en-US" altLang="zh-CN" sz="1200" kern="1200" dirty="0">
+              <a:solidFill>
+                <a:prstClr val="white"/>
+              </a:solidFill>
+              <a:latin typeface="微软雅黑" panose="020B0503020204020204" pitchFamily="34" charset="-122"/>
+              <a:ea typeface="微软雅黑" panose="020B0503020204020204" pitchFamily="34" charset="-122"/>
+              <a:cs typeface="+mn-cs"/>
+            </a:rPr>
+            <a:t>Code</a:t>
+          </a:r>
+          <a:endParaRPr lang="zh-CN" altLang="en-US" sz="1200" kern="1200" dirty="0">
+            <a:solidFill>
+              <a:prstClr val="white"/>
+            </a:solidFill>
+            <a:latin typeface="微软雅黑" panose="020B0503020204020204" pitchFamily="34" charset="-122"/>
+            <a:ea typeface="微软雅黑" panose="020B0503020204020204" pitchFamily="34" charset="-122"/>
+            <a:cs typeface="+mn-cs"/>
+          </a:endParaRPr>
+        </a:p>
+      </dgm:t>
+    </dgm:pt>
+    <dgm:pt modelId="{9FB5D8BC-06A9-4F4B-9200-B5F9CDE8A049}" type="parTrans" cxnId="{AA5CE257-3D43-4119-8360-948C186396C9}">
+      <dgm:prSet/>
+      <dgm:spPr/>
+      <dgm:t>
+        <a:bodyPr/>
+        <a:lstStyle/>
+        <a:p>
+          <a:endParaRPr lang="zh-CN" altLang="en-US"/>
+        </a:p>
+      </dgm:t>
+    </dgm:pt>
+    <dgm:pt modelId="{F2955F7D-68E0-44E7-B006-DABB99ECC0A4}" type="sibTrans" cxnId="{AA5CE257-3D43-4119-8360-948C186396C9}">
+      <dgm:prSet/>
+      <dgm:spPr/>
+      <dgm:t>
+        <a:bodyPr/>
+        <a:lstStyle/>
+        <a:p>
+          <a:endParaRPr lang="zh-CN" altLang="en-US"/>
+        </a:p>
+      </dgm:t>
+    </dgm:pt>
+    <dgm:pt modelId="{04EA7EA7-ECA4-4601-8443-0DE41F5F448C}">
+      <dgm:prSet phldrT="[文本]" custT="1"/>
+      <dgm:spPr>
+        <a:solidFill>
+          <a:srgbClr val="4472C4">
+            <a:hueOff val="0"/>
+            <a:satOff val="0"/>
+            <a:lumOff val="0"/>
+            <a:alphaOff val="0"/>
+          </a:srgbClr>
+        </a:solidFill>
+        <a:ln w="12700" cap="flat" cmpd="sng" algn="ctr">
+          <a:solidFill>
+            <a:prstClr val="white">
+              <a:hueOff val="0"/>
+              <a:satOff val="0"/>
+              <a:lumOff val="0"/>
+              <a:alphaOff val="0"/>
+            </a:prstClr>
+          </a:solidFill>
+          <a:prstDash val="solid"/>
+          <a:miter lim="800000"/>
+        </a:ln>
+        <a:effectLst/>
+      </dgm:spPr>
+      <dgm:t>
+        <a:bodyPr spcFirstLastPara="0" vert="horz" wrap="square" lIns="64008" tIns="32004" rIns="16002" bIns="32004" numCol="1" spcCol="1270" anchor="ctr" anchorCtr="0"/>
+        <a:lstStyle/>
+        <a:p>
+          <a:pPr marL="0" lvl="0" indent="0" algn="ctr" defTabSz="533400">
+            <a:lnSpc>
+              <a:spcPct val="90000"/>
+            </a:lnSpc>
+            <a:spcBef>
+              <a:spcPct val="0"/>
+            </a:spcBef>
+            <a:spcAft>
+              <a:spcPct val="35000"/>
+            </a:spcAft>
+            <a:buNone/>
+          </a:pPr>
+          <a:r>
+            <a:rPr lang="zh-CN" altLang="en-US" sz="1200" kern="1200" dirty="0">
+              <a:solidFill>
+                <a:prstClr val="white"/>
+              </a:solidFill>
+              <a:latin typeface="微软雅黑" panose="020B0503020204020204" pitchFamily="34" charset="-122"/>
+              <a:ea typeface="微软雅黑" panose="020B0503020204020204" pitchFamily="34" charset="-122"/>
+              <a:cs typeface="+mn-cs"/>
+            </a:rPr>
+            <a:t>构建</a:t>
+          </a:r>
+          <a:br>
+            <a:rPr lang="en-US" altLang="zh-CN" sz="1200" kern="1200" dirty="0">
+              <a:solidFill>
+                <a:prstClr val="white"/>
+              </a:solidFill>
+              <a:latin typeface="微软雅黑" panose="020B0503020204020204" pitchFamily="34" charset="-122"/>
+              <a:ea typeface="微软雅黑" panose="020B0503020204020204" pitchFamily="34" charset="-122"/>
+              <a:cs typeface="+mn-cs"/>
+            </a:rPr>
+          </a:br>
+          <a:r>
+            <a:rPr lang="en-US" altLang="zh-CN" sz="1200" kern="1200" dirty="0">
+              <a:solidFill>
+                <a:prstClr val="white"/>
+              </a:solidFill>
+              <a:latin typeface="微软雅黑" panose="020B0503020204020204" pitchFamily="34" charset="-122"/>
+              <a:ea typeface="微软雅黑" panose="020B0503020204020204" pitchFamily="34" charset="-122"/>
+              <a:cs typeface="+mn-cs"/>
+            </a:rPr>
+            <a:t>Build</a:t>
+          </a:r>
+          <a:endParaRPr lang="zh-CN" altLang="en-US" sz="1200" kern="1200" dirty="0">
+            <a:solidFill>
+              <a:prstClr val="white"/>
+            </a:solidFill>
+            <a:latin typeface="微软雅黑" panose="020B0503020204020204" pitchFamily="34" charset="-122"/>
+            <a:ea typeface="微软雅黑" panose="020B0503020204020204" pitchFamily="34" charset="-122"/>
+            <a:cs typeface="+mn-cs"/>
+          </a:endParaRPr>
+        </a:p>
+      </dgm:t>
+    </dgm:pt>
+    <dgm:pt modelId="{13017441-E12A-4AF5-956C-A34A2B241AE2}" type="parTrans" cxnId="{022FB2C8-D84C-4F73-9B3A-7C522C567D3E}">
+      <dgm:prSet/>
+      <dgm:spPr/>
+      <dgm:t>
+        <a:bodyPr/>
+        <a:lstStyle/>
+        <a:p>
+          <a:endParaRPr lang="zh-CN" altLang="en-US"/>
+        </a:p>
+      </dgm:t>
+    </dgm:pt>
+    <dgm:pt modelId="{16355B28-02B7-4F3D-B8C2-832183EF1664}" type="sibTrans" cxnId="{022FB2C8-D84C-4F73-9B3A-7C522C567D3E}">
+      <dgm:prSet/>
+      <dgm:spPr/>
+      <dgm:t>
+        <a:bodyPr/>
+        <a:lstStyle/>
+        <a:p>
+          <a:endParaRPr lang="zh-CN" altLang="en-US"/>
+        </a:p>
+      </dgm:t>
+    </dgm:pt>
+    <dgm:pt modelId="{44FC922A-3ABD-43B4-B66A-5418531A094C}">
+      <dgm:prSet phldrT="[文本]"/>
+      <dgm:spPr>
+        <a:solidFill>
+          <a:srgbClr val="FFC000"/>
+        </a:solidFill>
+      </dgm:spPr>
+      <dgm:t>
+        <a:bodyPr/>
+        <a:lstStyle/>
+        <a:p>
+          <a:r>
+            <a:rPr lang="zh-CN" altLang="en-US" dirty="0"/>
+            <a:t>测试</a:t>
+          </a:r>
+          <a:br>
+            <a:rPr lang="en-US" altLang="zh-CN" dirty="0"/>
+          </a:br>
+          <a:r>
+            <a:rPr lang="en-US" altLang="zh-CN" dirty="0"/>
+            <a:t>Test</a:t>
+          </a:r>
+          <a:endParaRPr lang="zh-CN" altLang="en-US" dirty="0"/>
+        </a:p>
+      </dgm:t>
+    </dgm:pt>
+    <dgm:pt modelId="{A53DBFA9-5DB6-446B-9775-DCF3C0041663}" type="parTrans" cxnId="{022ED5AA-E67C-4DFC-AE3C-6E62A9D627DA}">
+      <dgm:prSet/>
+      <dgm:spPr/>
+      <dgm:t>
+        <a:bodyPr/>
+        <a:lstStyle/>
+        <a:p>
+          <a:endParaRPr lang="zh-CN" altLang="en-US"/>
+        </a:p>
+      </dgm:t>
+    </dgm:pt>
+    <dgm:pt modelId="{19D1BC88-ED89-4BA2-B2E7-90B3BC88F53B}" type="sibTrans" cxnId="{022ED5AA-E67C-4DFC-AE3C-6E62A9D627DA}">
+      <dgm:prSet/>
+      <dgm:spPr/>
+      <dgm:t>
+        <a:bodyPr/>
+        <a:lstStyle/>
+        <a:p>
+          <a:endParaRPr lang="zh-CN" altLang="en-US"/>
+        </a:p>
+      </dgm:t>
+    </dgm:pt>
+    <dgm:pt modelId="{0345F351-F16B-4EFC-9FE7-765486BED2B6}">
+      <dgm:prSet phldrT="[文本]" custT="1"/>
+      <dgm:spPr>
+        <a:solidFill>
+          <a:srgbClr val="4472C4">
+            <a:hueOff val="-7353344"/>
+            <a:satOff val="-10228"/>
+            <a:lumOff val="-3922"/>
+            <a:alphaOff val="0"/>
+          </a:srgbClr>
+        </a:solidFill>
+        <a:ln w="12700" cap="flat" cmpd="sng" algn="ctr">
+          <a:solidFill>
+            <a:prstClr val="white">
+              <a:hueOff val="0"/>
+              <a:satOff val="0"/>
+              <a:lumOff val="0"/>
+              <a:alphaOff val="0"/>
+            </a:prstClr>
+          </a:solidFill>
+          <a:prstDash val="solid"/>
+          <a:miter lim="800000"/>
+        </a:ln>
+        <a:effectLst/>
+      </dgm:spPr>
+      <dgm:t>
+        <a:bodyPr spcFirstLastPara="0" vert="horz" wrap="square" lIns="48006" tIns="32004" rIns="16002" bIns="32004" numCol="1" spcCol="1270" anchor="ctr" anchorCtr="0"/>
+        <a:lstStyle/>
+        <a:p>
+          <a:r>
+            <a:rPr lang="zh-CN" altLang="en-US" sz="1200" kern="1200" dirty="0">
+              <a:solidFill>
+                <a:prstClr val="white"/>
+              </a:solidFill>
+              <a:latin typeface="Calibri"/>
+              <a:ea typeface="微软雅黑" panose="020B0503020204020204" pitchFamily="34" charset="-122"/>
+              <a:cs typeface="+mn-cs"/>
+            </a:rPr>
+            <a:t>发布</a:t>
+          </a:r>
+          <a:r>
+            <a:rPr lang="en-US" altLang="zh-CN" sz="1200" kern="1200" dirty="0"/>
+            <a:t>Release</a:t>
+          </a:r>
+          <a:endParaRPr lang="zh-CN" altLang="en-US" sz="1200" kern="1200" dirty="0"/>
+        </a:p>
+      </dgm:t>
+    </dgm:pt>
+    <dgm:pt modelId="{DB10ACBF-D3BF-4094-B4EF-423826270C00}" type="parTrans" cxnId="{887D8900-2196-4B1F-98FC-B5AE3F2E0C6B}">
+      <dgm:prSet/>
+      <dgm:spPr/>
+      <dgm:t>
+        <a:bodyPr/>
+        <a:lstStyle/>
+        <a:p>
+          <a:endParaRPr lang="zh-CN" altLang="en-US"/>
+        </a:p>
+      </dgm:t>
+    </dgm:pt>
+    <dgm:pt modelId="{4A8E34B4-CEFC-4C9A-AC7A-9E01280B65A3}" type="sibTrans" cxnId="{887D8900-2196-4B1F-98FC-B5AE3F2E0C6B}">
+      <dgm:prSet/>
+      <dgm:spPr/>
+      <dgm:t>
+        <a:bodyPr/>
+        <a:lstStyle/>
+        <a:p>
+          <a:endParaRPr lang="zh-CN" altLang="en-US"/>
+        </a:p>
+      </dgm:t>
+    </dgm:pt>
+    <dgm:pt modelId="{5D249C33-9A86-4033-B608-1FE67485554B}">
+      <dgm:prSet phldrT="[文本]"/>
+      <dgm:spPr>
+        <a:solidFill>
+          <a:srgbClr val="4472C4">
+            <a:hueOff val="-7353344"/>
+            <a:satOff val="-10228"/>
+            <a:lumOff val="-3922"/>
+            <a:alphaOff val="0"/>
+          </a:srgbClr>
+        </a:solidFill>
+        <a:ln w="12700" cap="flat" cmpd="sng" algn="ctr">
+          <a:solidFill>
+            <a:prstClr val="white">
+              <a:hueOff val="0"/>
+              <a:satOff val="0"/>
+              <a:lumOff val="0"/>
+              <a:alphaOff val="0"/>
+            </a:prstClr>
+          </a:solidFill>
+          <a:prstDash val="solid"/>
+          <a:miter lim="800000"/>
+        </a:ln>
+        <a:effectLst/>
+      </dgm:spPr>
+      <dgm:t>
+        <a:bodyPr spcFirstLastPara="0" vert="horz" wrap="square" lIns="48006" tIns="32004" rIns="16002" bIns="32004" numCol="1" spcCol="1270" anchor="ctr" anchorCtr="0"/>
+        <a:lstStyle/>
+        <a:p>
+          <a:r>
+            <a:rPr lang="zh-CN" altLang="en-US" dirty="0"/>
+            <a:t>部署</a:t>
+          </a:r>
+          <a:br>
+            <a:rPr lang="en-US" altLang="zh-CN" dirty="0"/>
+          </a:br>
+          <a:r>
+            <a:rPr lang="en-US" altLang="zh-CN" dirty="0"/>
+            <a:t>Deploy</a:t>
+          </a:r>
+          <a:endParaRPr lang="zh-CN" altLang="en-US" dirty="0"/>
+        </a:p>
+      </dgm:t>
+    </dgm:pt>
+    <dgm:pt modelId="{912C706E-508B-472D-BFE5-71CC911B1A76}" type="parTrans" cxnId="{916E6E44-6D3A-458F-A3E2-CE8EF1FCAEE8}">
+      <dgm:prSet/>
+      <dgm:spPr/>
+      <dgm:t>
+        <a:bodyPr/>
+        <a:lstStyle/>
+        <a:p>
+          <a:endParaRPr lang="zh-CN" altLang="en-US"/>
+        </a:p>
+      </dgm:t>
+    </dgm:pt>
+    <dgm:pt modelId="{7B4FB415-2EA7-49DA-B28A-6E2DBE440E25}" type="sibTrans" cxnId="{916E6E44-6D3A-458F-A3E2-CE8EF1FCAEE8}">
+      <dgm:prSet/>
+      <dgm:spPr/>
+      <dgm:t>
+        <a:bodyPr/>
+        <a:lstStyle/>
+        <a:p>
+          <a:endParaRPr lang="zh-CN" altLang="en-US"/>
+        </a:p>
+      </dgm:t>
+    </dgm:pt>
+    <dgm:pt modelId="{FE55BD6C-D7F4-4BD5-A2CB-2242E42B3298}">
+      <dgm:prSet phldrT="[文本]"/>
+      <dgm:spPr/>
+      <dgm:t>
+        <a:bodyPr/>
+        <a:lstStyle/>
+        <a:p>
+          <a:r>
+            <a:rPr lang="zh-CN" altLang="en-US" dirty="0"/>
+            <a:t>维护</a:t>
+          </a:r>
+          <a:r>
+            <a:rPr lang="en-US" altLang="zh-CN" dirty="0"/>
+            <a:t>Operate</a:t>
+          </a:r>
+          <a:endParaRPr lang="zh-CN" altLang="en-US" dirty="0"/>
+        </a:p>
+      </dgm:t>
+    </dgm:pt>
+    <dgm:pt modelId="{7E646AA2-41B9-47F6-9D83-A82C009F9FC0}" type="parTrans" cxnId="{78BE0744-D556-417E-9AA1-0024DAC03AB1}">
+      <dgm:prSet/>
+      <dgm:spPr/>
+      <dgm:t>
+        <a:bodyPr/>
+        <a:lstStyle/>
+        <a:p>
+          <a:endParaRPr lang="zh-CN" altLang="en-US"/>
+        </a:p>
+      </dgm:t>
+    </dgm:pt>
+    <dgm:pt modelId="{B8E4DB40-C0A8-498B-8832-A4471E358162}" type="sibTrans" cxnId="{78BE0744-D556-417E-9AA1-0024DAC03AB1}">
+      <dgm:prSet/>
+      <dgm:spPr/>
+      <dgm:t>
+        <a:bodyPr/>
+        <a:lstStyle/>
+        <a:p>
+          <a:endParaRPr lang="zh-CN" altLang="en-US"/>
+        </a:p>
+      </dgm:t>
+    </dgm:pt>
+    <dgm:pt modelId="{9EB7BC82-F123-4517-973A-373D0FFDEA6E}" type="pres">
+      <dgm:prSet presAssocID="{F47DBFBC-939C-498B-AE33-73EB116DC26D}" presName="Name0" presStyleCnt="0">
+        <dgm:presLayoutVars>
+          <dgm:dir/>
+          <dgm:resizeHandles val="exact"/>
+        </dgm:presLayoutVars>
+      </dgm:prSet>
+      <dgm:spPr/>
+    </dgm:pt>
+    <dgm:pt modelId="{7CC47591-9642-4628-8297-54FFC8C34197}" type="pres">
+      <dgm:prSet presAssocID="{69E58F7D-AEC4-4BB4-BA39-00177D4F3572}" presName="parTxOnly" presStyleLbl="node1" presStyleIdx="0" presStyleCnt="7">
+        <dgm:presLayoutVars>
+          <dgm:bulletEnabled val="1"/>
+        </dgm:presLayoutVars>
+      </dgm:prSet>
+      <dgm:spPr/>
+    </dgm:pt>
+    <dgm:pt modelId="{01CFF1DD-B135-4D41-8873-1E6027FD13A9}" type="pres">
+      <dgm:prSet presAssocID="{DEEC40C6-59EB-4440-9B7A-AB9890B1F154}" presName="parSpace" presStyleCnt="0"/>
+      <dgm:spPr/>
+    </dgm:pt>
+    <dgm:pt modelId="{8097CF76-6B34-4978-9129-A2635EB52EFC}" type="pres">
+      <dgm:prSet presAssocID="{DD62B4C8-6EDF-49AC-89D7-B2F688225DAA}" presName="parTxOnly" presStyleLbl="node1" presStyleIdx="1" presStyleCnt="7">
+        <dgm:presLayoutVars>
+          <dgm:bulletEnabled val="1"/>
+        </dgm:presLayoutVars>
+      </dgm:prSet>
+      <dgm:spPr>
+        <a:xfrm>
+          <a:off x="1121965" y="2429139"/>
+          <a:ext cx="1400968" cy="560387"/>
+        </a:xfrm>
+        <a:prstGeom prst="chevron">
+          <a:avLst/>
+        </a:prstGeom>
+      </dgm:spPr>
+    </dgm:pt>
+    <dgm:pt modelId="{FA0FB4FB-E00C-4346-9280-DFB594B25077}" type="pres">
+      <dgm:prSet presAssocID="{F2955F7D-68E0-44E7-B006-DABB99ECC0A4}" presName="parSpace" presStyleCnt="0"/>
+      <dgm:spPr/>
+    </dgm:pt>
+    <dgm:pt modelId="{3EAADBFB-9D66-483E-8B04-B104A6AE19C0}" type="pres">
+      <dgm:prSet presAssocID="{04EA7EA7-ECA4-4601-8443-0DE41F5F448C}" presName="parTxOnly" presStyleLbl="node1" presStyleIdx="2" presStyleCnt="7">
+        <dgm:presLayoutVars>
+          <dgm:bulletEnabled val="1"/>
+        </dgm:presLayoutVars>
+      </dgm:prSet>
+      <dgm:spPr>
+        <a:xfrm>
+          <a:off x="2242740" y="2429139"/>
+          <a:ext cx="1400968" cy="560387"/>
+        </a:xfrm>
+        <a:prstGeom prst="chevron">
+          <a:avLst/>
+        </a:prstGeom>
+      </dgm:spPr>
+    </dgm:pt>
+    <dgm:pt modelId="{DF0B7AE4-9372-4825-8847-978D57E6DAFF}" type="pres">
+      <dgm:prSet presAssocID="{16355B28-02B7-4F3D-B8C2-832183EF1664}" presName="parSpace" presStyleCnt="0"/>
+      <dgm:spPr/>
+    </dgm:pt>
+    <dgm:pt modelId="{B3F86757-91E6-497B-BD5F-8619E2C21AA5}" type="pres">
+      <dgm:prSet presAssocID="{44FC922A-3ABD-43B4-B66A-5418531A094C}" presName="parTxOnly" presStyleLbl="node1" presStyleIdx="3" presStyleCnt="7">
+        <dgm:presLayoutVars>
+          <dgm:bulletEnabled val="1"/>
+        </dgm:presLayoutVars>
+      </dgm:prSet>
+      <dgm:spPr/>
+    </dgm:pt>
+    <dgm:pt modelId="{AB6EB0D8-5AFA-4AEA-A475-5FCE01BE60A4}" type="pres">
+      <dgm:prSet presAssocID="{19D1BC88-ED89-4BA2-B2E7-90B3BC88F53B}" presName="parSpace" presStyleCnt="0"/>
+      <dgm:spPr/>
+    </dgm:pt>
+    <dgm:pt modelId="{118485E7-462E-4B1C-BB3D-6F10A939D48A}" type="pres">
+      <dgm:prSet presAssocID="{0345F351-F16B-4EFC-9FE7-765486BED2B6}" presName="parTxOnly" presStyleLbl="node1" presStyleIdx="4" presStyleCnt="7">
+        <dgm:presLayoutVars>
+          <dgm:bulletEnabled val="1"/>
+        </dgm:presLayoutVars>
+      </dgm:prSet>
+      <dgm:spPr>
+        <a:xfrm>
+          <a:off x="4484290" y="2429139"/>
+          <a:ext cx="1400968" cy="560387"/>
+        </a:xfrm>
+        <a:prstGeom prst="chevron">
+          <a:avLst/>
+        </a:prstGeom>
+      </dgm:spPr>
+    </dgm:pt>
+    <dgm:pt modelId="{2654C7E4-B878-48A9-9309-C7745529C566}" type="pres">
+      <dgm:prSet presAssocID="{4A8E34B4-CEFC-4C9A-AC7A-9E01280B65A3}" presName="parSpace" presStyleCnt="0"/>
+      <dgm:spPr/>
+    </dgm:pt>
+    <dgm:pt modelId="{85F911D0-762A-4889-B108-749CB7080921}" type="pres">
+      <dgm:prSet presAssocID="{5D249C33-9A86-4033-B608-1FE67485554B}" presName="parTxOnly" presStyleLbl="node1" presStyleIdx="5" presStyleCnt="7">
+        <dgm:presLayoutVars>
+          <dgm:bulletEnabled val="1"/>
+        </dgm:presLayoutVars>
+      </dgm:prSet>
+      <dgm:spPr>
+        <a:xfrm>
+          <a:off x="5605065" y="2429139"/>
+          <a:ext cx="1400968" cy="560387"/>
+        </a:xfrm>
+        <a:prstGeom prst="chevron">
+          <a:avLst/>
+        </a:prstGeom>
+      </dgm:spPr>
+    </dgm:pt>
+    <dgm:pt modelId="{18AFF404-0082-4461-ACEA-39FE92D82E4B}" type="pres">
+      <dgm:prSet presAssocID="{7B4FB415-2EA7-49DA-B28A-6E2DBE440E25}" presName="parSpace" presStyleCnt="0"/>
+      <dgm:spPr/>
+    </dgm:pt>
+    <dgm:pt modelId="{4C32F56A-B2B4-42E8-A67E-F892B13FC55D}" type="pres">
+      <dgm:prSet presAssocID="{FE55BD6C-D7F4-4BD5-A2CB-2242E42B3298}" presName="parTxOnly" presStyleLbl="node1" presStyleIdx="6" presStyleCnt="7">
+        <dgm:presLayoutVars>
+          <dgm:bulletEnabled val="1"/>
+        </dgm:presLayoutVars>
+      </dgm:prSet>
+      <dgm:spPr/>
+    </dgm:pt>
+  </dgm:ptLst>
+  <dgm:cxnLst>
+    <dgm:cxn modelId="{887D8900-2196-4B1F-98FC-B5AE3F2E0C6B}" srcId="{F47DBFBC-939C-498B-AE33-73EB116DC26D}" destId="{0345F351-F16B-4EFC-9FE7-765486BED2B6}" srcOrd="4" destOrd="0" parTransId="{DB10ACBF-D3BF-4094-B4EF-423826270C00}" sibTransId="{4A8E34B4-CEFC-4C9A-AC7A-9E01280B65A3}"/>
+    <dgm:cxn modelId="{78BE0744-D556-417E-9AA1-0024DAC03AB1}" srcId="{F47DBFBC-939C-498B-AE33-73EB116DC26D}" destId="{FE55BD6C-D7F4-4BD5-A2CB-2242E42B3298}" srcOrd="6" destOrd="0" parTransId="{7E646AA2-41B9-47F6-9D83-A82C009F9FC0}" sibTransId="{B8E4DB40-C0A8-498B-8832-A4471E358162}"/>
+    <dgm:cxn modelId="{916E6E44-6D3A-458F-A3E2-CE8EF1FCAEE8}" srcId="{F47DBFBC-939C-498B-AE33-73EB116DC26D}" destId="{5D249C33-9A86-4033-B608-1FE67485554B}" srcOrd="5" destOrd="0" parTransId="{912C706E-508B-472D-BFE5-71CC911B1A76}" sibTransId="{7B4FB415-2EA7-49DA-B28A-6E2DBE440E25}"/>
+    <dgm:cxn modelId="{EFBA2B49-5328-4A2C-8242-F412F69BBD6A}" srcId="{F47DBFBC-939C-498B-AE33-73EB116DC26D}" destId="{69E58F7D-AEC4-4BB4-BA39-00177D4F3572}" srcOrd="0" destOrd="0" parTransId="{1C721550-67CC-4779-BC2A-FED5A624197E}" sibTransId="{DEEC40C6-59EB-4440-9B7A-AB9890B1F154}"/>
+    <dgm:cxn modelId="{AA5CE257-3D43-4119-8360-948C186396C9}" srcId="{F47DBFBC-939C-498B-AE33-73EB116DC26D}" destId="{DD62B4C8-6EDF-49AC-89D7-B2F688225DAA}" srcOrd="1" destOrd="0" parTransId="{9FB5D8BC-06A9-4F4B-9200-B5F9CDE8A049}" sibTransId="{F2955F7D-68E0-44E7-B006-DABB99ECC0A4}"/>
+    <dgm:cxn modelId="{B440C486-A4F0-4976-BFE1-3725D5662FF5}" type="presOf" srcId="{0345F351-F16B-4EFC-9FE7-765486BED2B6}" destId="{118485E7-462E-4B1C-BB3D-6F10A939D48A}" srcOrd="0" destOrd="0" presId="urn:microsoft.com/office/officeart/2005/8/layout/hChevron3"/>
+    <dgm:cxn modelId="{09A48F99-4C16-4C70-BDD7-44A089C1E88F}" type="presOf" srcId="{F47DBFBC-939C-498B-AE33-73EB116DC26D}" destId="{9EB7BC82-F123-4517-973A-373D0FFDEA6E}" srcOrd="0" destOrd="0" presId="urn:microsoft.com/office/officeart/2005/8/layout/hChevron3"/>
+    <dgm:cxn modelId="{67A96C9D-C36B-4393-9D47-2E92BC4B237F}" type="presOf" srcId="{69E58F7D-AEC4-4BB4-BA39-00177D4F3572}" destId="{7CC47591-9642-4628-8297-54FFC8C34197}" srcOrd="0" destOrd="0" presId="urn:microsoft.com/office/officeart/2005/8/layout/hChevron3"/>
+    <dgm:cxn modelId="{022ED5AA-E67C-4DFC-AE3C-6E62A9D627DA}" srcId="{F47DBFBC-939C-498B-AE33-73EB116DC26D}" destId="{44FC922A-3ABD-43B4-B66A-5418531A094C}" srcOrd="3" destOrd="0" parTransId="{A53DBFA9-5DB6-446B-9775-DCF3C0041663}" sibTransId="{19D1BC88-ED89-4BA2-B2E7-90B3BC88F53B}"/>
+    <dgm:cxn modelId="{984A9CB9-B434-43C9-AF28-114841F76E55}" type="presOf" srcId="{5D249C33-9A86-4033-B608-1FE67485554B}" destId="{85F911D0-762A-4889-B108-749CB7080921}" srcOrd="0" destOrd="0" presId="urn:microsoft.com/office/officeart/2005/8/layout/hChevron3"/>
+    <dgm:cxn modelId="{022FB2C8-D84C-4F73-9B3A-7C522C567D3E}" srcId="{F47DBFBC-939C-498B-AE33-73EB116DC26D}" destId="{04EA7EA7-ECA4-4601-8443-0DE41F5F448C}" srcOrd="2" destOrd="0" parTransId="{13017441-E12A-4AF5-956C-A34A2B241AE2}" sibTransId="{16355B28-02B7-4F3D-B8C2-832183EF1664}"/>
+    <dgm:cxn modelId="{B29756CB-C48B-46E6-AAB9-DD431B45E27C}" type="presOf" srcId="{04EA7EA7-ECA4-4601-8443-0DE41F5F448C}" destId="{3EAADBFB-9D66-483E-8B04-B104A6AE19C0}" srcOrd="0" destOrd="0" presId="urn:microsoft.com/office/officeart/2005/8/layout/hChevron3"/>
+    <dgm:cxn modelId="{3E5BEED7-95AD-4863-8B7F-83B1D05F0CD0}" type="presOf" srcId="{44FC922A-3ABD-43B4-B66A-5418531A094C}" destId="{B3F86757-91E6-497B-BD5F-8619E2C21AA5}" srcOrd="0" destOrd="0" presId="urn:microsoft.com/office/officeart/2005/8/layout/hChevron3"/>
+    <dgm:cxn modelId="{C6EA11D8-851B-458B-AA3A-70EBDCA71365}" type="presOf" srcId="{FE55BD6C-D7F4-4BD5-A2CB-2242E42B3298}" destId="{4C32F56A-B2B4-42E8-A67E-F892B13FC55D}" srcOrd="0" destOrd="0" presId="urn:microsoft.com/office/officeart/2005/8/layout/hChevron3"/>
+    <dgm:cxn modelId="{D5F3CAED-D46F-46EA-AC25-516230722C6E}" type="presOf" srcId="{DD62B4C8-6EDF-49AC-89D7-B2F688225DAA}" destId="{8097CF76-6B34-4978-9129-A2635EB52EFC}" srcOrd="0" destOrd="0" presId="urn:microsoft.com/office/officeart/2005/8/layout/hChevron3"/>
+    <dgm:cxn modelId="{B54E5C09-57BA-4F7B-A437-7B3202E1058C}" type="presParOf" srcId="{9EB7BC82-F123-4517-973A-373D0FFDEA6E}" destId="{7CC47591-9642-4628-8297-54FFC8C34197}" srcOrd="0" destOrd="0" presId="urn:microsoft.com/office/officeart/2005/8/layout/hChevron3"/>
+    <dgm:cxn modelId="{8ECB4B2E-A653-413D-BA42-7C05AB28971E}" type="presParOf" srcId="{9EB7BC82-F123-4517-973A-373D0FFDEA6E}" destId="{01CFF1DD-B135-4D41-8873-1E6027FD13A9}" srcOrd="1" destOrd="0" presId="urn:microsoft.com/office/officeart/2005/8/layout/hChevron3"/>
+    <dgm:cxn modelId="{F4E90232-C3F0-48FC-82DF-1630AD9CFE0C}" type="presParOf" srcId="{9EB7BC82-F123-4517-973A-373D0FFDEA6E}" destId="{8097CF76-6B34-4978-9129-A2635EB52EFC}" srcOrd="2" destOrd="0" presId="urn:microsoft.com/office/officeart/2005/8/layout/hChevron3"/>
+    <dgm:cxn modelId="{B4D089C0-E6A1-42E4-95BD-2EDC42F0595F}" type="presParOf" srcId="{9EB7BC82-F123-4517-973A-373D0FFDEA6E}" destId="{FA0FB4FB-E00C-4346-9280-DFB594B25077}" srcOrd="3" destOrd="0" presId="urn:microsoft.com/office/officeart/2005/8/layout/hChevron3"/>
+    <dgm:cxn modelId="{5ECE57BA-389F-4B5A-959A-4A79482344C0}" type="presParOf" srcId="{9EB7BC82-F123-4517-973A-373D0FFDEA6E}" destId="{3EAADBFB-9D66-483E-8B04-B104A6AE19C0}" srcOrd="4" destOrd="0" presId="urn:microsoft.com/office/officeart/2005/8/layout/hChevron3"/>
+    <dgm:cxn modelId="{76CFFE2F-55F5-4702-865D-0542A9CE33DC}" type="presParOf" srcId="{9EB7BC82-F123-4517-973A-373D0FFDEA6E}" destId="{DF0B7AE4-9372-4825-8847-978D57E6DAFF}" srcOrd="5" destOrd="0" presId="urn:microsoft.com/office/officeart/2005/8/layout/hChevron3"/>
+    <dgm:cxn modelId="{FBB2AF90-EEA4-4C89-A4CA-108AD8046801}" type="presParOf" srcId="{9EB7BC82-F123-4517-973A-373D0FFDEA6E}" destId="{B3F86757-91E6-497B-BD5F-8619E2C21AA5}" srcOrd="6" destOrd="0" presId="urn:microsoft.com/office/officeart/2005/8/layout/hChevron3"/>
+    <dgm:cxn modelId="{B7D39DA2-48CB-4709-AAC6-8484106299FA}" type="presParOf" srcId="{9EB7BC82-F123-4517-973A-373D0FFDEA6E}" destId="{AB6EB0D8-5AFA-4AEA-A475-5FCE01BE60A4}" srcOrd="7" destOrd="0" presId="urn:microsoft.com/office/officeart/2005/8/layout/hChevron3"/>
+    <dgm:cxn modelId="{13609BCD-B981-4250-8847-C38A692C1FFA}" type="presParOf" srcId="{9EB7BC82-F123-4517-973A-373D0FFDEA6E}" destId="{118485E7-462E-4B1C-BB3D-6F10A939D48A}" srcOrd="8" destOrd="0" presId="urn:microsoft.com/office/officeart/2005/8/layout/hChevron3"/>
+    <dgm:cxn modelId="{23E40F85-FF3B-47BF-AAC4-3B8F76B0E813}" type="presParOf" srcId="{9EB7BC82-F123-4517-973A-373D0FFDEA6E}" destId="{2654C7E4-B878-48A9-9309-C7745529C566}" srcOrd="9" destOrd="0" presId="urn:microsoft.com/office/officeart/2005/8/layout/hChevron3"/>
+    <dgm:cxn modelId="{55345821-E28D-4100-8B50-031F74276D10}" type="presParOf" srcId="{9EB7BC82-F123-4517-973A-373D0FFDEA6E}" destId="{85F911D0-762A-4889-B108-749CB7080921}" srcOrd="10" destOrd="0" presId="urn:microsoft.com/office/officeart/2005/8/layout/hChevron3"/>
+    <dgm:cxn modelId="{AB72329B-8CCE-4D54-85D8-229DDC440264}" type="presParOf" srcId="{9EB7BC82-F123-4517-973A-373D0FFDEA6E}" destId="{18AFF404-0082-4461-ACEA-39FE92D82E4B}" srcOrd="11" destOrd="0" presId="urn:microsoft.com/office/officeart/2005/8/layout/hChevron3"/>
+    <dgm:cxn modelId="{5A2B4B08-BDC9-48E1-B0D9-6B139407AD8E}" type="presParOf" srcId="{9EB7BC82-F123-4517-973A-373D0FFDEA6E}" destId="{4C32F56A-B2B4-42E8-A67E-F892B13FC55D}" srcOrd="12" destOrd="0" presId="urn:microsoft.com/office/officeart/2005/8/layout/hChevron3"/>
+  </dgm:cxnLst>
+  <dgm:bg/>
+  <dgm:whole/>
+  <dgm:extLst>
+    <a:ext uri="http://schemas.microsoft.com/office/drawing/2008/diagram">
+      <dsp:dataModelExt xmlns:dsp="http://schemas.microsoft.com/office/drawing/2008/diagram" relId="rId6" minVer="http://schemas.openxmlformats.org/drawingml/2006/diagram"/>
+    </a:ext>
+  </dgm:extLst>
+</dgm:dataModel>
+</file>
+
+<file path=ppt/diagrams/drawing1.xml><?xml version="1.0" encoding="utf-8"?>
+<dsp:drawing xmlns:dgm="http://schemas.openxmlformats.org/drawingml/2006/diagram" xmlns:dsp="http://schemas.microsoft.com/office/drawing/2008/diagram" xmlns:a="http://schemas.openxmlformats.org/drawingml/2006/main">
+  <dsp:spTree>
+    <dsp:nvGrpSpPr>
+      <dsp:cNvPr id="0" name=""/>
+      <dsp:cNvGrpSpPr/>
+    </dsp:nvGrpSpPr>
+    <dsp:grpSpPr/>
+    <dsp:sp modelId="{7CC47591-9642-4628-8297-54FFC8C34197}">
+      <dsp:nvSpPr>
+        <dsp:cNvPr id="0" name=""/>
+        <dsp:cNvSpPr/>
+      </dsp:nvSpPr>
+      <dsp:spPr>
+        <a:xfrm>
+          <a:off x="1190" y="268356"/>
+          <a:ext cx="1400968" cy="560387"/>
+        </a:xfrm>
+        <a:prstGeom prst="homePlate">
+          <a:avLst/>
+        </a:prstGeom>
+        <a:solidFill>
+          <a:schemeClr val="accent5">
+            <a:hueOff val="0"/>
+            <a:satOff val="0"/>
+            <a:lumOff val="0"/>
+            <a:alphaOff val="0"/>
+          </a:schemeClr>
+        </a:solidFill>
+        <a:ln w="12700" cap="flat" cmpd="sng" algn="ctr">
+          <a:solidFill>
+            <a:schemeClr val="lt1">
+              <a:hueOff val="0"/>
+              <a:satOff val="0"/>
+              <a:lumOff val="0"/>
+              <a:alphaOff val="0"/>
+            </a:schemeClr>
+          </a:solidFill>
+          <a:prstDash val="solid"/>
+          <a:miter lim="800000"/>
+        </a:ln>
+        <a:effectLst/>
+      </dsp:spPr>
+      <dsp:style>
+        <a:lnRef idx="2">
+          <a:scrgbClr r="0" g="0" b="0"/>
+        </a:lnRef>
+        <a:fillRef idx="1">
+          <a:scrgbClr r="0" g="0" b="0"/>
+        </a:fillRef>
+        <a:effectRef idx="0">
+          <a:scrgbClr r="0" g="0" b="0"/>
+        </a:effectRef>
+        <a:fontRef idx="minor">
+          <a:schemeClr val="lt1"/>
+        </a:fontRef>
+      </dsp:style>
+      <dsp:txBody>
+        <a:bodyPr spcFirstLastPara="0" vert="horz" wrap="square" lIns="64008" tIns="32004" rIns="16002" bIns="32004" numCol="1" spcCol="1270" anchor="ctr" anchorCtr="0">
+          <a:noAutofit/>
+        </a:bodyPr>
+        <a:lstStyle/>
+        <a:p>
+          <a:pPr marL="0" lvl="0" indent="0" algn="ctr" defTabSz="533400">
+            <a:lnSpc>
+              <a:spcPct val="90000"/>
+            </a:lnSpc>
+            <a:spcBef>
+              <a:spcPct val="0"/>
+            </a:spcBef>
+            <a:spcAft>
+              <a:spcPct val="35000"/>
+            </a:spcAft>
+            <a:buNone/>
+          </a:pPr>
+          <a:r>
+            <a:rPr lang="zh-CN" altLang="en-US" sz="1200" kern="1200" dirty="0">
+              <a:latin typeface="+mn-ea"/>
+              <a:ea typeface="+mn-ea"/>
+            </a:rPr>
+            <a:t>规划</a:t>
+          </a:r>
+          <a:br>
+            <a:rPr lang="en-US" altLang="zh-CN" sz="1200" kern="1200" dirty="0">
+              <a:latin typeface="+mn-ea"/>
+              <a:ea typeface="+mn-ea"/>
+            </a:rPr>
+          </a:br>
+          <a:r>
+            <a:rPr lang="en-US" altLang="zh-CN" sz="1200" kern="1200" dirty="0">
+              <a:latin typeface="+mn-ea"/>
+              <a:ea typeface="+mn-ea"/>
+            </a:rPr>
+            <a:t>Plan</a:t>
+          </a:r>
+          <a:endParaRPr lang="zh-CN" altLang="en-US" sz="1200" kern="1200" dirty="0">
+            <a:latin typeface="+mn-ea"/>
+            <a:ea typeface="+mn-ea"/>
+          </a:endParaRPr>
+        </a:p>
+      </dsp:txBody>
+      <dsp:txXfrm>
+        <a:off x="1190" y="268356"/>
+        <a:ext cx="1260871" cy="560387"/>
+      </dsp:txXfrm>
+    </dsp:sp>
+    <dsp:sp modelId="{8097CF76-6B34-4978-9129-A2635EB52EFC}">
+      <dsp:nvSpPr>
+        <dsp:cNvPr id="0" name=""/>
+        <dsp:cNvSpPr/>
+      </dsp:nvSpPr>
+      <dsp:spPr>
+        <a:xfrm>
+          <a:off x="1121965" y="268356"/>
+          <a:ext cx="1400968" cy="560387"/>
+        </a:xfrm>
+        <a:prstGeom prst="chevron">
+          <a:avLst/>
+        </a:prstGeom>
+        <a:solidFill>
+          <a:srgbClr val="4472C4">
+            <a:hueOff val="0"/>
+            <a:satOff val="0"/>
+            <a:lumOff val="0"/>
+            <a:alphaOff val="0"/>
+          </a:srgbClr>
+        </a:solidFill>
+        <a:ln w="12700" cap="flat" cmpd="sng" algn="ctr">
+          <a:solidFill>
+            <a:prstClr val="white">
+              <a:hueOff val="0"/>
+              <a:satOff val="0"/>
+              <a:lumOff val="0"/>
+              <a:alphaOff val="0"/>
+            </a:prstClr>
+          </a:solidFill>
+          <a:prstDash val="solid"/>
+          <a:miter lim="800000"/>
+        </a:ln>
+        <a:effectLst/>
+      </dsp:spPr>
+      <dsp:style>
+        <a:lnRef idx="2">
+          <a:scrgbClr r="0" g="0" b="0"/>
+        </a:lnRef>
+        <a:fillRef idx="1">
+          <a:scrgbClr r="0" g="0" b="0"/>
+        </a:fillRef>
+        <a:effectRef idx="0">
+          <a:scrgbClr r="0" g="0" b="0"/>
+        </a:effectRef>
+        <a:fontRef idx="minor">
+          <a:schemeClr val="lt1"/>
+        </a:fontRef>
+      </dsp:style>
+      <dsp:txBody>
+        <a:bodyPr spcFirstLastPara="0" vert="horz" wrap="square" lIns="64008" tIns="32004" rIns="16002" bIns="32004" numCol="1" spcCol="1270" anchor="ctr" anchorCtr="0">
+          <a:noAutofit/>
+        </a:bodyPr>
+        <a:lstStyle/>
+        <a:p>
+          <a:pPr marL="0" lvl="0" indent="0" algn="ctr" defTabSz="533400">
+            <a:lnSpc>
+              <a:spcPct val="90000"/>
+            </a:lnSpc>
+            <a:spcBef>
+              <a:spcPct val="0"/>
+            </a:spcBef>
+            <a:spcAft>
+              <a:spcPct val="35000"/>
+            </a:spcAft>
+            <a:buNone/>
+          </a:pPr>
+          <a:r>
+            <a:rPr lang="zh-CN" altLang="en-US" sz="1200" kern="1200" dirty="0">
+              <a:solidFill>
+                <a:prstClr val="white"/>
+              </a:solidFill>
+              <a:latin typeface="微软雅黑" panose="020B0503020204020204" pitchFamily="34" charset="-122"/>
+              <a:ea typeface="微软雅黑" panose="020B0503020204020204" pitchFamily="34" charset="-122"/>
+              <a:cs typeface="+mn-cs"/>
+            </a:rPr>
+            <a:t>代码</a:t>
+          </a:r>
+          <a:br>
+            <a:rPr lang="en-US" altLang="zh-CN" sz="1200" kern="1200" dirty="0">
+              <a:solidFill>
+                <a:prstClr val="white"/>
+              </a:solidFill>
+              <a:latin typeface="微软雅黑" panose="020B0503020204020204" pitchFamily="34" charset="-122"/>
+              <a:ea typeface="微软雅黑" panose="020B0503020204020204" pitchFamily="34" charset="-122"/>
+              <a:cs typeface="+mn-cs"/>
+            </a:rPr>
+          </a:br>
+          <a:r>
+            <a:rPr lang="en-US" altLang="zh-CN" sz="1200" kern="1200" dirty="0">
+              <a:solidFill>
+                <a:prstClr val="white"/>
+              </a:solidFill>
+              <a:latin typeface="微软雅黑" panose="020B0503020204020204" pitchFamily="34" charset="-122"/>
+              <a:ea typeface="微软雅黑" panose="020B0503020204020204" pitchFamily="34" charset="-122"/>
+              <a:cs typeface="+mn-cs"/>
+            </a:rPr>
+            <a:t>Code</a:t>
+          </a:r>
+          <a:endParaRPr lang="zh-CN" altLang="en-US" sz="1200" kern="1200" dirty="0">
+            <a:solidFill>
+              <a:prstClr val="white"/>
+            </a:solidFill>
+            <a:latin typeface="微软雅黑" panose="020B0503020204020204" pitchFamily="34" charset="-122"/>
+            <a:ea typeface="微软雅黑" panose="020B0503020204020204" pitchFamily="34" charset="-122"/>
+            <a:cs typeface="+mn-cs"/>
+          </a:endParaRPr>
+        </a:p>
+      </dsp:txBody>
+      <dsp:txXfrm>
+        <a:off x="1402159" y="268356"/>
+        <a:ext cx="840581" cy="560387"/>
+      </dsp:txXfrm>
+    </dsp:sp>
+    <dsp:sp modelId="{3EAADBFB-9D66-483E-8B04-B104A6AE19C0}">
+      <dsp:nvSpPr>
+        <dsp:cNvPr id="0" name=""/>
+        <dsp:cNvSpPr/>
+      </dsp:nvSpPr>
+      <dsp:spPr>
+        <a:xfrm>
+          <a:off x="2242740" y="268356"/>
+          <a:ext cx="1400968" cy="560387"/>
+        </a:xfrm>
+        <a:prstGeom prst="chevron">
+          <a:avLst/>
+        </a:prstGeom>
+        <a:solidFill>
+          <a:srgbClr val="4472C4">
+            <a:hueOff val="0"/>
+            <a:satOff val="0"/>
+            <a:lumOff val="0"/>
+            <a:alphaOff val="0"/>
+          </a:srgbClr>
+        </a:solidFill>
+        <a:ln w="12700" cap="flat" cmpd="sng" algn="ctr">
+          <a:solidFill>
+            <a:prstClr val="white">
+              <a:hueOff val="0"/>
+              <a:satOff val="0"/>
+              <a:lumOff val="0"/>
+              <a:alphaOff val="0"/>
+            </a:prstClr>
+          </a:solidFill>
+          <a:prstDash val="solid"/>
+          <a:miter lim="800000"/>
+        </a:ln>
+        <a:effectLst/>
+      </dsp:spPr>
+      <dsp:style>
+        <a:lnRef idx="2">
+          <a:scrgbClr r="0" g="0" b="0"/>
+        </a:lnRef>
+        <a:fillRef idx="1">
+          <a:scrgbClr r="0" g="0" b="0"/>
+        </a:fillRef>
+        <a:effectRef idx="0">
+          <a:scrgbClr r="0" g="0" b="0"/>
+        </a:effectRef>
+        <a:fontRef idx="minor">
+          <a:schemeClr val="lt1"/>
+        </a:fontRef>
+      </dsp:style>
+      <dsp:txBody>
+        <a:bodyPr spcFirstLastPara="0" vert="horz" wrap="square" lIns="64008" tIns="32004" rIns="16002" bIns="32004" numCol="1" spcCol="1270" anchor="ctr" anchorCtr="0">
+          <a:noAutofit/>
+        </a:bodyPr>
+        <a:lstStyle/>
+        <a:p>
+          <a:pPr marL="0" lvl="0" indent="0" algn="ctr" defTabSz="533400">
+            <a:lnSpc>
+              <a:spcPct val="90000"/>
+            </a:lnSpc>
+            <a:spcBef>
+              <a:spcPct val="0"/>
+            </a:spcBef>
+            <a:spcAft>
+              <a:spcPct val="35000"/>
+            </a:spcAft>
+            <a:buNone/>
+          </a:pPr>
+          <a:r>
+            <a:rPr lang="zh-CN" altLang="en-US" sz="1200" kern="1200" dirty="0">
+              <a:solidFill>
+                <a:prstClr val="white"/>
+              </a:solidFill>
+              <a:latin typeface="微软雅黑" panose="020B0503020204020204" pitchFamily="34" charset="-122"/>
+              <a:ea typeface="微软雅黑" panose="020B0503020204020204" pitchFamily="34" charset="-122"/>
+              <a:cs typeface="+mn-cs"/>
+            </a:rPr>
+            <a:t>构建</a:t>
+          </a:r>
+          <a:br>
+            <a:rPr lang="en-US" altLang="zh-CN" sz="1200" kern="1200" dirty="0">
+              <a:solidFill>
+                <a:prstClr val="white"/>
+              </a:solidFill>
+              <a:latin typeface="微软雅黑" panose="020B0503020204020204" pitchFamily="34" charset="-122"/>
+              <a:ea typeface="微软雅黑" panose="020B0503020204020204" pitchFamily="34" charset="-122"/>
+              <a:cs typeface="+mn-cs"/>
+            </a:rPr>
+          </a:br>
+          <a:r>
+            <a:rPr lang="en-US" altLang="zh-CN" sz="1200" kern="1200" dirty="0">
+              <a:solidFill>
+                <a:prstClr val="white"/>
+              </a:solidFill>
+              <a:latin typeface="微软雅黑" panose="020B0503020204020204" pitchFamily="34" charset="-122"/>
+              <a:ea typeface="微软雅黑" panose="020B0503020204020204" pitchFamily="34" charset="-122"/>
+              <a:cs typeface="+mn-cs"/>
+            </a:rPr>
+            <a:t>Build</a:t>
+          </a:r>
+          <a:endParaRPr lang="zh-CN" altLang="en-US" sz="1200" kern="1200" dirty="0">
+            <a:solidFill>
+              <a:prstClr val="white"/>
+            </a:solidFill>
+            <a:latin typeface="微软雅黑" panose="020B0503020204020204" pitchFamily="34" charset="-122"/>
+            <a:ea typeface="微软雅黑" panose="020B0503020204020204" pitchFamily="34" charset="-122"/>
+            <a:cs typeface="+mn-cs"/>
+          </a:endParaRPr>
+        </a:p>
+      </dsp:txBody>
+      <dsp:txXfrm>
+        <a:off x="2522934" y="268356"/>
+        <a:ext cx="840581" cy="560387"/>
+      </dsp:txXfrm>
+    </dsp:sp>
+    <dsp:sp modelId="{B3F86757-91E6-497B-BD5F-8619E2C21AA5}">
+      <dsp:nvSpPr>
+        <dsp:cNvPr id="0" name=""/>
+        <dsp:cNvSpPr/>
+      </dsp:nvSpPr>
+      <dsp:spPr>
+        <a:xfrm>
+          <a:off x="3363515" y="268356"/>
+          <a:ext cx="1400968" cy="560387"/>
+        </a:xfrm>
+        <a:prstGeom prst="chevron">
+          <a:avLst/>
+        </a:prstGeom>
+        <a:solidFill>
+          <a:srgbClr val="FFC000"/>
+        </a:solidFill>
+        <a:ln w="12700" cap="flat" cmpd="sng" algn="ctr">
+          <a:solidFill>
+            <a:schemeClr val="lt1">
+              <a:hueOff val="0"/>
+              <a:satOff val="0"/>
+              <a:lumOff val="0"/>
+              <a:alphaOff val="0"/>
+            </a:schemeClr>
+          </a:solidFill>
+          <a:prstDash val="solid"/>
+          <a:miter lim="800000"/>
+        </a:ln>
+        <a:effectLst/>
+      </dsp:spPr>
+      <dsp:style>
+        <a:lnRef idx="2">
+          <a:scrgbClr r="0" g="0" b="0"/>
+        </a:lnRef>
+        <a:fillRef idx="1">
+          <a:scrgbClr r="0" g="0" b="0"/>
+        </a:fillRef>
+        <a:effectRef idx="0">
+          <a:scrgbClr r="0" g="0" b="0"/>
+        </a:effectRef>
+        <a:fontRef idx="minor">
+          <a:schemeClr val="lt1"/>
+        </a:fontRef>
+      </dsp:style>
+      <dsp:txBody>
+        <a:bodyPr spcFirstLastPara="0" vert="horz" wrap="square" lIns="48006" tIns="32004" rIns="16002" bIns="32004" numCol="1" spcCol="1270" anchor="ctr" anchorCtr="0">
+          <a:noAutofit/>
+        </a:bodyPr>
+        <a:lstStyle/>
+        <a:p>
+          <a:pPr marL="0" lvl="0" indent="0" algn="ctr" defTabSz="533400">
+            <a:lnSpc>
+              <a:spcPct val="90000"/>
+            </a:lnSpc>
+            <a:spcBef>
+              <a:spcPct val="0"/>
+            </a:spcBef>
+            <a:spcAft>
+              <a:spcPct val="35000"/>
+            </a:spcAft>
+            <a:buNone/>
+          </a:pPr>
+          <a:r>
+            <a:rPr lang="zh-CN" altLang="en-US" sz="1200" kern="1200" dirty="0"/>
+            <a:t>测试</a:t>
+          </a:r>
+          <a:br>
+            <a:rPr lang="en-US" altLang="zh-CN" sz="1200" kern="1200" dirty="0"/>
+          </a:br>
+          <a:r>
+            <a:rPr lang="en-US" altLang="zh-CN" sz="1200" kern="1200" dirty="0"/>
+            <a:t>Test</a:t>
+          </a:r>
+          <a:endParaRPr lang="zh-CN" altLang="en-US" sz="1200" kern="1200" dirty="0"/>
+        </a:p>
+      </dsp:txBody>
+      <dsp:txXfrm>
+        <a:off x="3643709" y="268356"/>
+        <a:ext cx="840581" cy="560387"/>
+      </dsp:txXfrm>
+    </dsp:sp>
+    <dsp:sp modelId="{118485E7-462E-4B1C-BB3D-6F10A939D48A}">
+      <dsp:nvSpPr>
+        <dsp:cNvPr id="0" name=""/>
+        <dsp:cNvSpPr/>
+      </dsp:nvSpPr>
+      <dsp:spPr>
+        <a:xfrm>
+          <a:off x="4484290" y="268356"/>
+          <a:ext cx="1400968" cy="560387"/>
+        </a:xfrm>
+        <a:prstGeom prst="chevron">
+          <a:avLst/>
+        </a:prstGeom>
+        <a:solidFill>
+          <a:srgbClr val="4472C4">
+            <a:hueOff val="-7353344"/>
+            <a:satOff val="-10228"/>
+            <a:lumOff val="-3922"/>
+            <a:alphaOff val="0"/>
+          </a:srgbClr>
+        </a:solidFill>
+        <a:ln w="12700" cap="flat" cmpd="sng" algn="ctr">
+          <a:solidFill>
+            <a:prstClr val="white">
+              <a:hueOff val="0"/>
+              <a:satOff val="0"/>
+              <a:lumOff val="0"/>
+              <a:alphaOff val="0"/>
+            </a:prstClr>
+          </a:solidFill>
+          <a:prstDash val="solid"/>
+          <a:miter lim="800000"/>
+        </a:ln>
+        <a:effectLst/>
+      </dsp:spPr>
+      <dsp:style>
+        <a:lnRef idx="2">
+          <a:scrgbClr r="0" g="0" b="0"/>
+        </a:lnRef>
+        <a:fillRef idx="1">
+          <a:scrgbClr r="0" g="0" b="0"/>
+        </a:fillRef>
+        <a:effectRef idx="0">
+          <a:scrgbClr r="0" g="0" b="0"/>
+        </a:effectRef>
+        <a:fontRef idx="minor">
+          <a:schemeClr val="lt1"/>
+        </a:fontRef>
+      </dsp:style>
+      <dsp:txBody>
+        <a:bodyPr spcFirstLastPara="0" vert="horz" wrap="square" lIns="48006" tIns="32004" rIns="16002" bIns="32004" numCol="1" spcCol="1270" anchor="ctr" anchorCtr="0">
+          <a:noAutofit/>
+        </a:bodyPr>
+        <a:lstStyle/>
+        <a:p>
+          <a:pPr marL="0" lvl="0" indent="0" algn="ctr" defTabSz="533400">
+            <a:lnSpc>
+              <a:spcPct val="90000"/>
+            </a:lnSpc>
+            <a:spcBef>
+              <a:spcPct val="0"/>
+            </a:spcBef>
+            <a:spcAft>
+              <a:spcPct val="35000"/>
+            </a:spcAft>
+            <a:buNone/>
+          </a:pPr>
+          <a:r>
+            <a:rPr lang="zh-CN" altLang="en-US" sz="1200" kern="1200" dirty="0">
+              <a:solidFill>
+                <a:prstClr val="white"/>
+              </a:solidFill>
+              <a:latin typeface="Calibri"/>
+              <a:ea typeface="微软雅黑" panose="020B0503020204020204" pitchFamily="34" charset="-122"/>
+              <a:cs typeface="+mn-cs"/>
+            </a:rPr>
+            <a:t>发布</a:t>
+          </a:r>
+          <a:r>
+            <a:rPr lang="en-US" altLang="zh-CN" sz="1200" kern="1200" dirty="0"/>
+            <a:t>Release</a:t>
+          </a:r>
+          <a:endParaRPr lang="zh-CN" altLang="en-US" sz="1200" kern="1200" dirty="0"/>
+        </a:p>
+      </dsp:txBody>
+      <dsp:txXfrm>
+        <a:off x="4764484" y="268356"/>
+        <a:ext cx="840581" cy="560387"/>
+      </dsp:txXfrm>
+    </dsp:sp>
+    <dsp:sp modelId="{85F911D0-762A-4889-B108-749CB7080921}">
+      <dsp:nvSpPr>
+        <dsp:cNvPr id="0" name=""/>
+        <dsp:cNvSpPr/>
+      </dsp:nvSpPr>
+      <dsp:spPr>
+        <a:xfrm>
+          <a:off x="5605065" y="268356"/>
+          <a:ext cx="1400968" cy="560387"/>
+        </a:xfrm>
+        <a:prstGeom prst="chevron">
+          <a:avLst/>
+        </a:prstGeom>
+        <a:solidFill>
+          <a:srgbClr val="4472C4">
+            <a:hueOff val="-7353344"/>
+            <a:satOff val="-10228"/>
+            <a:lumOff val="-3922"/>
+            <a:alphaOff val="0"/>
+          </a:srgbClr>
+        </a:solidFill>
+        <a:ln w="12700" cap="flat" cmpd="sng" algn="ctr">
+          <a:solidFill>
+            <a:prstClr val="white">
+              <a:hueOff val="0"/>
+              <a:satOff val="0"/>
+              <a:lumOff val="0"/>
+              <a:alphaOff val="0"/>
+            </a:prstClr>
+          </a:solidFill>
+          <a:prstDash val="solid"/>
+          <a:miter lim="800000"/>
+        </a:ln>
+        <a:effectLst/>
+      </dsp:spPr>
+      <dsp:style>
+        <a:lnRef idx="2">
+          <a:scrgbClr r="0" g="0" b="0"/>
+        </a:lnRef>
+        <a:fillRef idx="1">
+          <a:scrgbClr r="0" g="0" b="0"/>
+        </a:fillRef>
+        <a:effectRef idx="0">
+          <a:scrgbClr r="0" g="0" b="0"/>
+        </a:effectRef>
+        <a:fontRef idx="minor">
+          <a:schemeClr val="lt1"/>
+        </a:fontRef>
+      </dsp:style>
+      <dsp:txBody>
+        <a:bodyPr spcFirstLastPara="0" vert="horz" wrap="square" lIns="48006" tIns="32004" rIns="16002" bIns="32004" numCol="1" spcCol="1270" anchor="ctr" anchorCtr="0">
+          <a:noAutofit/>
+        </a:bodyPr>
+        <a:lstStyle/>
+        <a:p>
+          <a:pPr marL="0" lvl="0" indent="0" algn="ctr" defTabSz="533400">
+            <a:lnSpc>
+              <a:spcPct val="90000"/>
+            </a:lnSpc>
+            <a:spcBef>
+              <a:spcPct val="0"/>
+            </a:spcBef>
+            <a:spcAft>
+              <a:spcPct val="35000"/>
+            </a:spcAft>
+            <a:buNone/>
+          </a:pPr>
+          <a:r>
+            <a:rPr lang="zh-CN" altLang="en-US" sz="1200" kern="1200" dirty="0"/>
+            <a:t>部署</a:t>
+          </a:r>
+          <a:br>
+            <a:rPr lang="en-US" altLang="zh-CN" sz="1200" kern="1200" dirty="0"/>
+          </a:br>
+          <a:r>
+            <a:rPr lang="en-US" altLang="zh-CN" sz="1200" kern="1200" dirty="0"/>
+            <a:t>Deploy</a:t>
+          </a:r>
+          <a:endParaRPr lang="zh-CN" altLang="en-US" sz="1200" kern="1200" dirty="0"/>
+        </a:p>
+      </dsp:txBody>
+      <dsp:txXfrm>
+        <a:off x="5885259" y="268356"/>
+        <a:ext cx="840581" cy="560387"/>
+      </dsp:txXfrm>
+    </dsp:sp>
+    <dsp:sp modelId="{4C32F56A-B2B4-42E8-A67E-F892B13FC55D}">
+      <dsp:nvSpPr>
+        <dsp:cNvPr id="0" name=""/>
+        <dsp:cNvSpPr/>
+      </dsp:nvSpPr>
+      <dsp:spPr>
+        <a:xfrm>
+          <a:off x="6725840" y="268356"/>
+          <a:ext cx="1400968" cy="560387"/>
+        </a:xfrm>
+        <a:prstGeom prst="chevron">
+          <a:avLst/>
+        </a:prstGeom>
+        <a:solidFill>
+          <a:schemeClr val="accent5">
+            <a:hueOff val="-7353344"/>
+            <a:satOff val="-10228"/>
+            <a:lumOff val="-3922"/>
+            <a:alphaOff val="0"/>
+          </a:schemeClr>
+        </a:solidFill>
+        <a:ln w="12700" cap="flat" cmpd="sng" algn="ctr">
+          <a:solidFill>
+            <a:schemeClr val="lt1">
+              <a:hueOff val="0"/>
+              <a:satOff val="0"/>
+              <a:lumOff val="0"/>
+              <a:alphaOff val="0"/>
+            </a:schemeClr>
+          </a:solidFill>
+          <a:prstDash val="solid"/>
+          <a:miter lim="800000"/>
+        </a:ln>
+        <a:effectLst/>
+      </dsp:spPr>
+      <dsp:style>
+        <a:lnRef idx="2">
+          <a:scrgbClr r="0" g="0" b="0"/>
+        </a:lnRef>
+        <a:fillRef idx="1">
+          <a:scrgbClr r="0" g="0" b="0"/>
+        </a:fillRef>
+        <a:effectRef idx="0">
+          <a:scrgbClr r="0" g="0" b="0"/>
+        </a:effectRef>
+        <a:fontRef idx="minor">
+          <a:schemeClr val="lt1"/>
+        </a:fontRef>
+      </dsp:style>
+      <dsp:txBody>
+        <a:bodyPr spcFirstLastPara="0" vert="horz" wrap="square" lIns="48006" tIns="32004" rIns="16002" bIns="32004" numCol="1" spcCol="1270" anchor="ctr" anchorCtr="0">
+          <a:noAutofit/>
+        </a:bodyPr>
+        <a:lstStyle/>
+        <a:p>
+          <a:pPr marL="0" lvl="0" indent="0" algn="ctr" defTabSz="533400">
+            <a:lnSpc>
+              <a:spcPct val="90000"/>
+            </a:lnSpc>
+            <a:spcBef>
+              <a:spcPct val="0"/>
+            </a:spcBef>
+            <a:spcAft>
+              <a:spcPct val="35000"/>
+            </a:spcAft>
+            <a:buNone/>
+          </a:pPr>
+          <a:r>
+            <a:rPr lang="zh-CN" altLang="en-US" sz="1200" kern="1200" dirty="0"/>
+            <a:t>维护</a:t>
+          </a:r>
+          <a:r>
+            <a:rPr lang="en-US" altLang="zh-CN" sz="1200" kern="1200" dirty="0"/>
+            <a:t>Operate</a:t>
+          </a:r>
+          <a:endParaRPr lang="zh-CN" altLang="en-US" sz="1200" kern="1200" dirty="0"/>
+        </a:p>
+      </dsp:txBody>
+      <dsp:txXfrm>
+        <a:off x="7006034" y="268356"/>
+        <a:ext cx="840581" cy="560387"/>
+      </dsp:txXfrm>
+    </dsp:sp>
+  </dsp:spTree>
+</dsp:drawing>
+</file>
+
+<file path=ppt/diagrams/layout1.xml><?xml version="1.0" encoding="utf-8"?>
+<dgm:layoutDef xmlns:dgm="http://schemas.openxmlformats.org/drawingml/2006/diagram" xmlns:a="http://schemas.openxmlformats.org/drawingml/2006/main" uniqueId="urn:microsoft.com/office/officeart/2005/8/layout/hChevron3">
+  <dgm:title val=""/>
+  <dgm:desc val=""/>
+  <dgm:catLst>
+    <dgm:cat type="process" pri="10000"/>
+  </dgm:catLst>
+  <dgm:sampData useDef="1">
+    <dgm:dataModel>
+      <dgm:ptLst/>
+      <dgm:bg/>
+      <dgm:whole/>
+    </dgm:dataModel>
+  </dgm:sampData>
+  <dgm:styleData>
+    <dgm:dataModel>
+      <dgm:ptLst>
+        <dgm:pt modelId="0" type="doc"/>
+        <dgm:pt modelId="1"/>
+        <dgm:pt modelId="2"/>
+      </dgm:ptLst>
+      <dgm:cxnLst>
+        <dgm:cxn modelId="3" srcId="0" destId="1" srcOrd="0" destOrd="0"/>
+        <dgm:cxn modelId="4" srcId="0" destId="2" srcOrd="1" destOrd="0"/>
+      </dgm:cxnLst>
+      <dgm:bg/>
+      <dgm:whole/>
+    </dgm:dataModel>
+  </dgm:styleData>
+  <dgm:clrData>
+    <dgm:dataModel>
+      <dgm:ptLst>
+        <dgm:pt modelId="0" type="doc"/>
+        <dgm:pt modelId="1"/>
+        <dgm:pt modelId="2"/>
+        <dgm:pt modelId="3"/>
+        <dgm:pt modelId="4"/>
+      </dgm:ptLst>
+      <dgm:cxnLst>
+        <dgm:cxn modelId="5" srcId="0" destId="1" srcOrd="0" destOrd="0"/>
+        <dgm:cxn modelId="6" srcId="0" destId="2" srcOrd="1" destOrd="0"/>
+        <dgm:cxn modelId="7" srcId="0" destId="3" srcOrd="2" destOrd="0"/>
+        <dgm:cxn modelId="8" srcId="0" destId="4" srcOrd="3" destOrd="0"/>
+      </dgm:cxnLst>
+      <dgm:bg/>
+      <dgm:whole/>
+    </dgm:dataModel>
+  </dgm:clrData>
+  <dgm:layoutNode name="Name0">
+    <dgm:varLst>
+      <dgm:dir/>
+      <dgm:resizeHandles val="exact"/>
+    </dgm:varLst>
+    <dgm:choose name="Name1">
+      <dgm:if name="Name2" func="var" arg="dir" op="equ" val="norm">
+        <dgm:alg type="lin"/>
+      </dgm:if>
+      <dgm:else name="Name3">
+        <dgm:alg type="lin">
+          <dgm:param type="linDir" val="fromR"/>
+        </dgm:alg>
+      </dgm:else>
+    </dgm:choose>
+    <dgm:shape xmlns:r="http://schemas.openxmlformats.org/officeDocument/2006/relationships" r:blip="">
+      <dgm:adjLst/>
+    </dgm:shape>
+    <dgm:presOf/>
+    <dgm:choose name="Name4">
+      <dgm:if name="Name5" axis="root des" func="maxDepth" op="gte" val="2">
+        <dgm:constrLst>
+          <dgm:constr type="w" for="ch" forName="parAndChTx" refType="w"/>
+          <dgm:constr type="primFontSz" for="ch" ptType="node" op="equ"/>
+          <dgm:constr type="w" for="ch" forName="parAndChSpace" refType="w" refFor="ch" refForName="parAndChTx" fact="-0.2"/>
+          <dgm:constr type="w" for="ch" ptType="sibTrans" op="equ"/>
+        </dgm:constrLst>
+        <dgm:ruleLst/>
+        <dgm:forEach name="Name6" axis="ch" ptType="node">
+          <dgm:layoutNode name="parAndChTx">
+            <dgm:varLst>
+              <dgm:bulletEnabled val="1"/>
+            </dgm:varLst>
+            <dgm:alg type="tx"/>
+            <dgm:choose name="Name7">
+              <dgm:if name="Name8" func="var" arg="dir" op="equ" val="norm">
+                <dgm:choose name="Name9">
+                  <dgm:if name="Name10" axis="self" ptType="node" func="pos" op="equ" val="1">
+                    <dgm:shape xmlns:r="http://schemas.openxmlformats.org/officeDocument/2006/relationships" type="homePlate" r:blip="">
+                      <dgm:adjLst>
+                        <dgm:adj idx="1" val="0.25"/>
+                      </dgm:adjLst>
+                    </dgm:shape>
+                    <dgm:presOf axis="desOrSelf" ptType="node"/>
+                    <dgm:constrLst>
+                      <dgm:constr type="h" refType="w" op="equ" fact="0.8"/>
+                      <dgm:constr type="primFontSz" val="65"/>
+                      <dgm:constr type="tMarg" refType="primFontSz" fact="0.2"/>
+                      <dgm:constr type="bMarg" refType="primFontSz" fact="0.2"/>
+                      <dgm:constr type="lMarg" refType="w" fact="0.1"/>
+                      <dgm:constr type="rMarg" refType="w" fact="0.4"/>
+                    </dgm:constrLst>
+                  </dgm:if>
+                  <dgm:else name="Name11">
+                    <dgm:shape xmlns:r="http://schemas.openxmlformats.org/officeDocument/2006/relationships" type="chevron" r:blip="">
+                      <dgm:adjLst>
+                        <dgm:adj idx="1" val="0.25"/>
+                      </dgm:adjLst>
+                    </dgm:shape>
+                    <dgm:presOf axis="desOrSelf" ptType="node"/>
+                    <dgm:constrLst>
+                      <dgm:constr type="h" refType="w" op="equ" fact="0.8"/>
+                      <dgm:constr type="primFontSz" val="65"/>
+                      <dgm:constr type="tMarg" refType="primFontSz" fact="0.2"/>
+                      <dgm:constr type="bMarg" refType="primFontSz" fact="0.2"/>
+                      <dgm:constr type="lMarg" refType="w" fact="0.1"/>
+                      <dgm:constr type="rMarg" refType="w" fact="0.1"/>
+                    </dgm:constrLst>
+                  </dgm:else>
+                </dgm:choose>
+              </dgm:if>
+              <dgm:else name="Name12">
+                <dgm:choose name="Name13">
+                  <dgm:if name="Name14" axis="self" ptType="node" func="pos" op="equ" val="1">
+                    <dgm:shape xmlns:r="http://schemas.openxmlformats.org/officeDocument/2006/relationships" rot="180" type="homePlate" r:blip="">
+                      <dgm:adjLst>
+                        <dgm:adj idx="1" val="0.25"/>
+                      </dgm:adjLst>
+                    </dgm:shape>
+                    <dgm:presOf axis="desOrSelf" ptType="node"/>
+                    <dgm:constrLst>
+                      <dgm:constr type="h" refType="w" op="equ" fact="0.8"/>
+                      <dgm:constr type="primFontSz" val="65"/>
+                      <dgm:constr type="tMarg" refType="primFontSz" fact="0.2"/>
+                      <dgm:constr type="bMarg" refType="primFontSz" fact="0.2"/>
+                      <dgm:constr type="lMarg" refType="w" fact="0.4"/>
+                      <dgm:constr type="rMarg" refType="w" fact="0.1"/>
+                    </dgm:constrLst>
+                  </dgm:if>
+                  <dgm:else name="Name15">
+                    <dgm:shape xmlns:r="http://schemas.openxmlformats.org/officeDocument/2006/relationships" rot="180" type="chevron" r:blip="">
+                      <dgm:adjLst>
+                        <dgm:adj idx="1" val="0.25"/>
+                      </dgm:adjLst>
+                    </dgm:shape>
+                    <dgm:presOf axis="desOrSelf" ptType="node"/>
+                    <dgm:constrLst>
+                      <dgm:constr type="h" refType="w" op="equ" fact="0.8"/>
+                      <dgm:constr type="primFontSz" val="65"/>
+                      <dgm:constr type="tMarg" refType="primFontSz" fact="0.2"/>
+                      <dgm:constr type="bMarg" refType="primFontSz" fact="0.2"/>
+                      <dgm:constr type="lMarg" refType="w" fact="0.1"/>
+                      <dgm:constr type="rMarg" refType="w" fact="0.1"/>
+                    </dgm:constrLst>
+                  </dgm:else>
+                </dgm:choose>
+              </dgm:else>
+            </dgm:choose>
+            <dgm:ruleLst>
+              <dgm:rule type="primFontSz" val="5" fact="NaN" max="NaN"/>
+            </dgm:ruleLst>
+          </dgm:layoutNode>
+          <dgm:forEach name="Name16" axis="followSib" ptType="sibTrans" cnt="1">
+            <dgm:layoutNode name="parAndChSpace">
+              <dgm:alg type="sp"/>
+              <dgm:shape xmlns:r="http://schemas.openxmlformats.org/officeDocument/2006/relationships" r:blip="">
+                <dgm:adjLst/>
+              </dgm:shape>
+              <dgm:presOf/>
+              <dgm:constrLst/>
+              <dgm:ruleLst/>
+            </dgm:layoutNode>
+          </dgm:forEach>
+        </dgm:forEach>
+      </dgm:if>
+      <dgm:else name="Name17">
+        <dgm:constrLst>
+          <dgm:constr type="w" for="ch" forName="parTxOnly" refType="w"/>
+          <dgm:constr type="primFontSz" for="ch" ptType="node" op="equ"/>
+          <dgm:constr type="w" for="ch" forName="parSpace" refType="w" refFor="ch" refForName="parTxOnly" fact="-0.2"/>
+          <dgm:constr type="w" for="ch" ptType="sibTrans" op="equ"/>
+        </dgm:constrLst>
+        <dgm:ruleLst/>
+        <dgm:forEach name="Name18" axis="ch" ptType="node">
+          <dgm:layoutNode name="parTxOnly">
+            <dgm:varLst>
+              <dgm:bulletEnabled val="1"/>
+            </dgm:varLst>
+            <dgm:alg type="tx"/>
+            <dgm:presOf axis="desOrSelf" ptType="node"/>
+            <dgm:choose name="Name19">
+              <dgm:if name="Name20" func="var" arg="dir" op="equ" val="norm">
+                <dgm:choose name="Name21">
+                  <dgm:if name="Name22" axis="self" ptType="node" func="pos" op="equ" val="1">
+                    <dgm:shape xmlns:r="http://schemas.openxmlformats.org/officeDocument/2006/relationships" type="homePlate" r:blip="">
+                      <dgm:adjLst/>
+                    </dgm:shape>
+                    <dgm:constrLst>
+                      <dgm:constr type="h" refType="w" op="equ" fact="0.4"/>
+                      <dgm:constr type="primFontSz" val="65"/>
+                      <dgm:constr type="tMarg" refType="primFontSz" fact="0.21"/>
+                      <dgm:constr type="bMarg" refType="primFontSz" fact="0.21"/>
+                      <dgm:constr type="lMarg" refType="primFontSz" fact="0.42"/>
+                      <dgm:constr type="rMarg" refType="primFontSz" fact="0.105"/>
+                    </dgm:constrLst>
+                  </dgm:if>
+                  <dgm:else name="Name23">
+                    <dgm:shape xmlns:r="http://schemas.openxmlformats.org/officeDocument/2006/relationships" type="chevron" r:blip="">
+                      <dgm:adjLst/>
+                    </dgm:shape>
+                    <dgm:constrLst>
+                      <dgm:constr type="h" refType="w" op="equ" fact="0.4"/>
+                      <dgm:constr type="primFontSz" val="65"/>
+                      <dgm:constr type="tMarg" refType="primFontSz" fact="0.21"/>
+                      <dgm:constr type="bMarg" refType="primFontSz" fact="0.21"/>
+                      <dgm:constr type="lMarg" refType="primFontSz" fact="0.315"/>
+                      <dgm:constr type="rMarg" refType="primFontSz" fact="0.105"/>
+                    </dgm:constrLst>
+                  </dgm:else>
+                </dgm:choose>
+              </dgm:if>
+              <dgm:else name="Name24">
+                <dgm:choose name="Name25">
+                  <dgm:if name="Name26" axis="self" ptType="node" func="pos" op="equ" val="1">
+                    <dgm:shape xmlns:r="http://schemas.openxmlformats.org/officeDocument/2006/relationships" rot="180" type="homePlate" r:blip="">
+                      <dgm:adjLst/>
+                    </dgm:shape>
+                    <dgm:constrLst>
+                      <dgm:constr type="h" refType="w" op="equ" fact="0.4"/>
+                      <dgm:constr type="primFontSz" val="65"/>
+                      <dgm:constr type="tMarg" refType="primFontSz" fact="0.21"/>
+                      <dgm:constr type="bMarg" refType="primFontSz" fact="0.21"/>
+                      <dgm:constr type="lMarg" refType="primFontSz" fact="0.105"/>
+                      <dgm:constr type="rMarg" refType="primFontSz" fact="0.42"/>
+                    </dgm:constrLst>
+                  </dgm:if>
+                  <dgm:else name="Name27">
+                    <dgm:shape xmlns:r="http://schemas.openxmlformats.org/officeDocument/2006/relationships" rot="180" type="chevron" r:blip="">
+                      <dgm:adjLst/>
+                    </dgm:shape>
+                    <dgm:constrLst>
+                      <dgm:constr type="h" refType="w" op="equ" fact="0.4"/>
+                      <dgm:constr type="primFontSz" val="65"/>
+                      <dgm:constr type="tMarg" refType="primFontSz" fact="0.21"/>
+                      <dgm:constr type="bMarg" refType="primFontSz" fact="0.21"/>
+                      <dgm:constr type="lMarg" refType="primFontSz" fact="0.105"/>
+                      <dgm:constr type="rMarg" refType="primFontSz" fact="0.315"/>
+                    </dgm:constrLst>
+                  </dgm:else>
+                </dgm:choose>
+              </dgm:else>
+            </dgm:choose>
+            <dgm:ruleLst>
+              <dgm:rule type="primFontSz" val="5" fact="NaN" max="NaN"/>
+            </dgm:ruleLst>
+          </dgm:layoutNode>
+          <dgm:forEach name="Name28" axis="followSib" ptType="sibTrans" cnt="1">
+            <dgm:layoutNode name="parSpace">
+              <dgm:alg type="sp"/>
+              <dgm:shape xmlns:r="http://schemas.openxmlformats.org/officeDocument/2006/relationships" r:blip="">
+                <dgm:adjLst/>
+              </dgm:shape>
+              <dgm:presOf/>
+              <dgm:constrLst/>
+              <dgm:ruleLst/>
+            </dgm:layoutNode>
+          </dgm:forEach>
+        </dgm:forEach>
+      </dgm:else>
+    </dgm:choose>
+  </dgm:layoutNode>
+</dgm:layoutDef>
+</file>
+
+<file path=ppt/diagrams/quickStyle1.xml><?xml version="1.0" encoding="utf-8"?>
+<dgm:styleDef xmlns:dgm="http://schemas.openxmlformats.org/drawingml/2006/diagram" xmlns:a="http://schemas.openxmlformats.org/drawingml/2006/main" uniqueId="urn:microsoft.com/office/officeart/2005/8/quickstyle/simple1">
+  <dgm:title val=""/>
+  <dgm:desc val=""/>
+  <dgm:catLst>
+    <dgm:cat type="simple" pri="10100"/>
+  </dgm:catLst>
+  <dgm:scene3d>
+    <a:camera prst="orthographicFront"/>
+    <a:lightRig rig="threePt" dir="t"/>
+  </dgm:scene3d>
+  <dgm:styleLbl name="node0">
+    <dgm:scene3d>
+      <a:camera prst="orthographicFront"/>
+      <a:lightRig rig="threePt" dir="t"/>
+    </dgm:scene3d>
+    <dgm:sp3d/>
+    <dgm:txPr/>
+    <dgm:style>
+      <a:lnRef idx="2">
+        <a:scrgbClr r="0" g="0" b="0"/>
+      </a:lnRef>
+      <a:fillRef idx="1">
+        <a:scrgbClr r="0" g="0" b="0"/>
+      </a:fillRef>
+      <a:effectRef idx="0">
+        <a:scrgbClr r="0" g="0" b="0"/>
+      </a:effectRef>
+      <a:fontRef idx="minor">
+        <a:schemeClr val="lt1"/>
+      </a:fontRef>
+    </dgm:style>
+  </dgm:styleLbl>
+  <dgm:styleLbl name="lnNode1">
+    <dgm:scene3d>
+      <a:camera prst="orthographicFront"/>
+      <a:lightRig rig="threePt" dir="t"/>
+    </dgm:scene3d>
+    <dgm:sp3d/>
+    <dgm:txPr/>
+    <dgm:style>
+      <a:lnRef idx="2">
+        <a:scrgbClr r="0" g="0" b="0"/>
+      </a:lnRef>
+      <a:fillRef idx="1">
+        <a:scrgbClr r="0" g="0" b="0"/>
+      </a:fillRef>
+      <a:effectRef idx="0">
+        <a:scrgbClr r="0" g="0" b="0"/>
+      </a:effectRef>
+      <a:fontRef idx="minor">
+        <a:schemeClr val="lt1"/>
+      </a:fontRef>
+    </dgm:style>
+  </dgm:styleLbl>
+  <dgm:styleLbl name="vennNode1">
+    <dgm:scene3d>
+      <a:camera prst="orthographicFront"/>
+      <a:lightRig rig="threePt" dir="t"/>
+    </dgm:scene3d>
+    <dgm:sp3d/>
+    <dgm:txPr/>
+    <dgm:style>
+      <a:lnRef idx="2">
+        <a:scrgbClr r="0" g="0" b="0"/>
+      </a:lnRef>
+      <a:fillRef idx="1">
+        <a:scrgbClr r="0" g="0" b="0"/>
+      </a:fillRef>
+      <a:effectRef idx="0">
+        <a:scrgbClr r="0" g="0" b="0"/>
+      </a:effectRef>
+      <a:fontRef idx="minor">
+        <a:schemeClr val="tx1"/>
+      </a:fontRef>
+    </dgm:style>
+  </dgm:styleLbl>
+  <dgm:styleLbl name="alignNode1">
+    <dgm:scene3d>
+      <a:camera prst="orthographicFront"/>
+      <a:lightRig rig="threePt" dir="t"/>
+    </dgm:scene3d>
+    <dgm:sp3d/>
+    <dgm:txPr/>
+    <dgm:style>
+      <a:lnRef idx="2">
+        <a:scrgbClr r="0" g="0" b="0"/>
+      </a:lnRef>
+      <a:fillRef idx="1">
+        <a:scrgbClr r="0" g="0" b="0"/>
+      </a:fillRef>
+      <a:effectRef idx="0">
+        <a:scrgbClr r="0" g="0" b="0"/>
+      </a:effectRef>
+      <a:fontRef idx="minor">
+        <a:schemeClr val="lt1"/>
+      </a:fontRef>
+    </dgm:style>
+  </dgm:styleLbl>
+  <dgm:styleLbl name="node1">
+    <dgm:scene3d>
+      <a:camera prst="orthographicFront"/>
+      <a:lightRig rig="threePt" dir="t"/>
+    </dgm:scene3d>
+    <dgm:sp3d/>
+    <dgm:txPr/>
+    <dgm:style>
+      <a:lnRef idx="2">
+        <a:scrgbClr r="0" g="0" b="0"/>
+      </a:lnRef>
+      <a:fillRef idx="1">
+        <a:scrgbClr r="0" g="0" b="0"/>
+      </a:fillRef>
+      <a:effectRef idx="0">
+        <a:scrgbClr r="0" g="0" b="0"/>
+      </a:effectRef>
+      <a:fontRef idx="minor">
+        <a:schemeClr val="lt1"/>
+      </a:fontRef>
+    </dgm:style>
+  </dgm:styleLbl>
+  <dgm:styleLbl name="node2">
+    <dgm:scene3d>
+      <a:camera prst="orthographicFront"/>
+      <a:lightRig rig="threePt" dir="t"/>
+    </dgm:scene3d>
+    <dgm:sp3d/>
+    <dgm:txPr/>
+    <dgm:style>
+      <a:lnRef idx="2">
+        <a:scrgbClr r="0" g="0" b="0"/>
+      </a:lnRef>
+      <a:fillRef idx="1">
+        <a:scrgbClr r="0" g="0" b="0"/>
+      </a:fillRef>
+      <a:effectRef idx="0">
+        <a:scrgbClr r="0" g="0" b="0"/>
+      </a:effectRef>
+      <a:fontRef idx="minor">
+        <a:schemeClr val="lt1"/>
+      </a:fontRef>
+    </dgm:style>
+  </dgm:styleLbl>
+  <dgm:styleLbl name="node3">
+    <dgm:scene3d>
+      <a:camera prst="orthographicFront"/>
+      <a:lightRig rig="threePt" dir="t"/>
+    </dgm:scene3d>
+    <dgm:sp3d/>
+    <dgm:txPr/>
+    <dgm:style>
+      <a:lnRef idx="2">
+        <a:scrgbClr r="0" g="0" b="0"/>
+      </a:lnRef>
+      <a:fillRef idx="1">
+        <a:scrgbClr r="0" g="0" b="0"/>
+      </a:fillRef>
+      <a:effectRef idx="0">
+        <a:scrgbClr r="0" g="0" b="0"/>
+      </a:effectRef>
+      <a:fontRef idx="minor">
+        <a:schemeClr val="lt1"/>
+      </a:fontRef>
+    </dgm:style>
+  </dgm:styleLbl>
+  <dgm:styleLbl name="node4">
+    <dgm:scene3d>
+      <a:camera prst="orthographicFront"/>
+      <a:lightRig rig="threePt" dir="t"/>
+    </dgm:scene3d>
+    <dgm:sp3d/>
+    <dgm:txPr/>
+    <dgm:style>
+      <a:lnRef idx="2">
+        <a:scrgbClr r="0" g="0" b="0"/>
+      </a:lnRef>
+      <a:fillRef idx="1">
+        <a:scrgbClr r="0" g="0" b="0"/>
+      </a:fillRef>
+      <a:effectRef idx="0">
+        <a:scrgbClr r="0" g="0" b="0"/>
+      </a:effectRef>
+      <a:fontRef idx="minor">
+        <a:schemeClr val="lt1"/>
+      </a:fontRef>
+    </dgm:style>
+  </dgm:styleLbl>
+  <dgm:styleLbl name="fgImgPlace1">
+    <dgm:scene3d>
+      <a:camera prst="orthographicFront"/>
+      <a:lightRig rig="threePt" dir="t"/>
+    </dgm:scene3d>
+    <dgm:sp3d/>
+    <dgm:txPr/>
+    <dgm:style>
+      <a:lnRef idx="2">
+        <a:scrgbClr r="0" g="0" b="0"/>
+      </a:lnRef>
+      <a:fillRef idx="1">
+        <a:scrgbClr r="0" g="0" b="0"/>
+      </a:fillRef>
+      <a:effectRef idx="0">
+        <a:scrgbClr r="0" g="0" b="0"/>
+      </a:effectRef>
+      <a:fontRef idx="minor"/>
+    </dgm:style>
+  </dgm:styleLbl>
+  <dgm:styleLbl name="alignImgPlace1">
+    <dgm:scene3d>
+      <a:camera prst="orthographicFront"/>
+      <a:lightRig rig="threePt" dir="t"/>
+    </dgm:scene3d>
+    <dgm:sp3d/>
+    <dgm:txPr/>
+    <dgm:style>
+      <a:lnRef idx="2">
+        <a:scrgbClr r="0" g="0" b="0"/>
+      </a:lnRef>
+      <a:fillRef idx="1">
+        <a:scrgbClr r="0" g="0" b="0"/>
+      </a:fillRef>
+      <a:effectRef idx="0">
+        <a:scrgbClr r="0" g="0" b="0"/>
+      </a:effectRef>
+      <a:fontRef idx="minor"/>
+    </dgm:style>
+  </dgm:styleLbl>
+  <dgm:styleLbl name="bgImgPlace1">
+    <dgm:scene3d>
+      <a:camera prst="orthographicFront"/>
+      <a:lightRig rig="threePt" dir="t"/>
+    </dgm:scene3d>
+    <dgm:sp3d/>
+    <dgm:txPr/>
+    <dgm:style>
+      <a:lnRef idx="2">
+        <a:scrgbClr r="0" g="0" b="0"/>
+      </a:lnRef>
+      <a:fillRef idx="1">
+        <a:scrgbClr r="0" g="0" b="0"/>
+      </a:fillRef>
+      <a:effectRef idx="0">
+        <a:scrgbClr r="0" g="0" b="0"/>
+      </a:effectRef>
+      <a:fontRef idx="minor"/>
+    </dgm:style>
+  </dgm:styleLbl>
+  <dgm:styleLbl name="sibTrans2D1">
+    <dgm:scene3d>
+      <a:camera prst="orthographicFront"/>
+      <a:lightRig rig="threePt" dir="t"/>
+    </dgm:scene3d>
+    <dgm:sp3d/>
+    <dgm:txPr/>
+    <dgm:style>
+      <a:lnRef idx="0">
+        <a:scrgbClr r="0" g="0" b="0"/>
+      </a:lnRef>
+      <a:fillRef idx="1">
+        <a:scrgbClr r="0" g="0" b="0"/>
+      </a:fillRef>
+      <a:effectRef idx="0">
+        <a:scrgbClr r="0" g="0" b="0"/>
+      </a:effectRef>
+      <a:fontRef idx="minor">
+        <a:schemeClr val="lt1"/>
+      </a:fontRef>
+    </dgm:style>
+  </dgm:styleLbl>
+  <dgm:styleLbl name="fgSibTrans2D1">
+    <dgm:scene3d>
+      <a:camera prst="orthographicFront"/>
+      <a:lightRig rig="threePt" dir="t"/>
+    </dgm:scene3d>
+    <dgm:sp3d/>
+    <dgm:txPr/>
+    <dgm:style>
+      <a:lnRef idx="0">
+        <a:scrgbClr r="0" g="0" b="0"/>
+      </a:lnRef>
+      <a:fillRef idx="1">
+        <a:scrgbClr r="0" g="0" b="0"/>
+      </a:fillRef>
+      <a:effectRef idx="0">
+        <a:scrgbClr r="0" g="0" b="0"/>
+      </a:effectRef>
+      <a:fontRef idx="minor">
+        <a:schemeClr val="lt1"/>
+      </a:fontRef>
+    </dgm:style>
+  </dgm:styleLbl>
+  <dgm:styleLbl name="bgSibTrans2D1">
+    <dgm:scene3d>
+      <a:camera prst="orthographicFront"/>
+      <a:lightRig rig="threePt" dir="t"/>
+    </dgm:scene3d>
+    <dgm:sp3d/>
+    <dgm:txPr/>
+    <dgm:style>
+      <a:lnRef idx="0">
+        <a:scrgbClr r="0" g="0" b="0"/>
+      </a:lnRef>
+      <a:fillRef idx="1">
+        <a:scrgbClr r="0" g="0" b="0"/>
+      </a:fillRef>
+      <a:effectRef idx="0">
+        <a:scrgbClr r="0" g="0" b="0"/>
+      </a:effectRef>
+      <a:fontRef idx="minor">
+        <a:schemeClr val="lt1"/>
+      </a:fontRef>
+    </dgm:style>
+  </dgm:styleLbl>
+  <dgm:styleLbl name="sibTrans1D1">
+    <dgm:scene3d>
+      <a:camera prst="orthographicFront"/>
+      <a:lightRig rig="threePt" dir="t"/>
+    </dgm:scene3d>
+    <dgm:sp3d/>
+    <dgm:txPr/>
+    <dgm:style>
+      <a:lnRef idx="1">
+        <a:scrgbClr r="0" g="0" b="0"/>
+      </a:lnRef>
+      <a:fillRef idx="0">
+        <a:scrgbClr r="0" g="0" b="0"/>
+      </a:fillRef>
+      <a:effectRef idx="0">
+        <a:scrgbClr r="0" g="0" b="0"/>
+      </a:effectRef>
+      <a:fontRef idx="minor"/>
+    </dgm:style>
+  </dgm:styleLbl>
+  <dgm:styleLbl name="callout">
+    <dgm:scene3d>
+      <a:camera prst="orthographicFront"/>
+      <a:lightRig rig="threePt" dir="t"/>
+    </dgm:scene3d>
+    <dgm:sp3d/>
+    <dgm:txPr/>
+    <dgm:style>
+      <a:lnRef idx="2">
+        <a:scrgbClr r="0" g="0" b="0"/>
+      </a:lnRef>
+      <a:fillRef idx="1">
+        <a:scrgbClr r="0" g="0" b="0"/>
+      </a:fillRef>
+      <a:effectRef idx="0">
+        <a:scrgbClr r="0" g="0" b="0"/>
+      </a:effectRef>
+      <a:fontRef idx="minor"/>
+    </dgm:style>
+  </dgm:styleLbl>
+  <dgm:styleLbl name="asst0">
+    <dgm:scene3d>
+      <a:camera prst="orthographicFront"/>
+      <a:lightRig rig="threePt" dir="t"/>
+    </dgm:scene3d>
+    <dgm:sp3d/>
+    <dgm:txPr/>
+    <dgm:style>
+      <a:lnRef idx="2">
+        <a:scrgbClr r="0" g="0" b="0"/>
+      </a:lnRef>
+      <a:fillRef idx="1">
+        <a:scrgbClr r="0" g="0" b="0"/>
+      </a:fillRef>
+      <a:effectRef idx="0">
+        <a:scrgbClr r="0" g="0" b="0"/>
+      </a:effectRef>
+      <a:fontRef idx="minor">
+        <a:schemeClr val="lt1"/>
+      </a:fontRef>
+    </dgm:style>
+  </dgm:styleLbl>
+  <dgm:styleLbl name="asst1">
+    <dgm:scene3d>
+      <a:camera prst="orthographicFront"/>
+      <a:lightRig rig="threePt" dir="t"/>
+    </dgm:scene3d>
+    <dgm:sp3d/>
+    <dgm:txPr/>
+    <dgm:style>
+      <a:lnRef idx="2">
+        <a:scrgbClr r="0" g="0" b="0"/>
+      </a:lnRef>
+      <a:fillRef idx="1">
+        <a:scrgbClr r="0" g="0" b="0"/>
+      </a:fillRef>
+      <a:effectRef idx="0">
+        <a:scrgbClr r="0" g="0" b="0"/>
+      </a:effectRef>
+      <a:fontRef idx="minor">
+        <a:schemeClr val="lt1"/>
+      </a:fontRef>
+    </dgm:style>
+  </dgm:styleLbl>
+  <dgm:styleLbl name="asst2">
+    <dgm:scene3d>
+      <a:camera prst="orthographicFront"/>
+      <a:lightRig rig="threePt" dir="t"/>
+    </dgm:scene3d>
+    <dgm:sp3d/>
+    <dgm:txPr/>
+    <dgm:style>
+      <a:lnRef idx="2">
+        <a:scrgbClr r="0" g="0" b="0"/>
+      </a:lnRef>
+      <a:fillRef idx="1">
+        <a:scrgbClr r="0" g="0" b="0"/>
+      </a:fillRef>
+      <a:effectRef idx="0">
+        <a:scrgbClr r="0" g="0" b="0"/>
+      </a:effectRef>
+      <a:fontRef idx="minor">
+        <a:schemeClr val="lt1"/>
+      </a:fontRef>
+    </dgm:style>
+  </dgm:styleLbl>
+  <dgm:styleLbl name="asst3">
+    <dgm:scene3d>
+      <a:camera prst="orthographicFront"/>
+      <a:lightRig rig="threePt" dir="t"/>
+    </dgm:scene3d>
+    <dgm:sp3d/>
+    <dgm:txPr/>
+    <dgm:style>
+      <a:lnRef idx="2">
+        <a:scrgbClr r="0" g="0" b="0"/>
+      </a:lnRef>
+      <a:fillRef idx="1">
+        <a:scrgbClr r="0" g="0" b="0"/>
+      </a:fillRef>
+      <a:effectRef idx="0">
+        <a:scrgbClr r="0" g="0" b="0"/>
+      </a:effectRef>
+      <a:fontRef idx="minor">
+        <a:schemeClr val="lt1"/>
+      </a:fontRef>
+    </dgm:style>
+  </dgm:styleLbl>
+  <dgm:styleLbl name="asst4">
+    <dgm:scene3d>
+      <a:camera prst="orthographicFront"/>
+      <a:lightRig rig="threePt" dir="t"/>
+    </dgm:scene3d>
+    <dgm:sp3d/>
+    <dgm:txPr/>
+    <dgm:style>
+      <a:lnRef idx="2">
+        <a:scrgbClr r="0" g="0" b="0"/>
+      </a:lnRef>
+      <a:fillRef idx="1">
+        <a:scrgbClr r="0" g="0" b="0"/>
+      </a:fillRef>
+      <a:effectRef idx="0">
+        <a:scrgbClr r="0" g="0" b="0"/>
+      </a:effectRef>
+      <a:fontRef idx="minor">
+        <a:schemeClr val="lt1"/>
+      </a:fontRef>
+    </dgm:style>
+  </dgm:styleLbl>
+  <dgm:styleLbl name="parChTrans2D1">
+    <dgm:scene3d>
+      <a:camera prst="orthographicFront"/>
+      <a:lightRig rig="threePt" dir="t"/>
+    </dgm:scene3d>
+    <dgm:sp3d/>
+    <dgm:txPr/>
+    <dgm:style>
+      <a:lnRef idx="2">
+        <a:scrgbClr r="0" g="0" b="0"/>
+      </a:lnRef>
+      <a:fillRef idx="1">
+        <a:scrgbClr r="0" g="0" b="0"/>
+      </a:fillRef>
+      <a:effectRef idx="0">
+        <a:scrgbClr r="0" g="0" b="0"/>
+      </a:effectRef>
+      <a:fontRef idx="minor">
+        <a:schemeClr val="lt1"/>
+      </a:fontRef>
+    </dgm:style>
+  </dgm:styleLbl>
+  <dgm:styleLbl name="parChTrans2D2">
+    <dgm:scene3d>
+      <a:camera prst="orthographicFront"/>
+      <a:lightRig rig="threePt" dir="t"/>
+    </dgm:scene3d>
+    <dgm:sp3d/>
+    <dgm:txPr/>
+    <dgm:style>
+      <a:lnRef idx="2">
+        <a:scrgbClr r="0" g="0" b="0"/>
+      </a:lnRef>
+      <a:fillRef idx="1">
+        <a:scrgbClr r="0" g="0" b="0"/>
+      </a:fillRef>
+      <a:effectRef idx="0">
+        <a:scrgbClr r="0" g="0" b="0"/>
+      </a:effectRef>
+      <a:fontRef idx="minor">
+        <a:schemeClr val="lt1"/>
+      </a:fontRef>
+    </dgm:style>
+  </dgm:styleLbl>
+  <dgm:styleLbl name="parChTrans2D3">
+    <dgm:scene3d>
+      <a:camera prst="orthographicFront"/>
+      <a:lightRig rig="threePt" dir="t"/>
+    </dgm:scene3d>
+    <dgm:sp3d/>
+    <dgm:txPr/>
+    <dgm:style>
+      <a:lnRef idx="2">
+        <a:scrgbClr r="0" g="0" b="0"/>
+      </a:lnRef>
+      <a:fillRef idx="1">
+        <a:scrgbClr r="0" g="0" b="0"/>
+      </a:fillRef>
+      <a:effectRef idx="0">
+        <a:scrgbClr r="0" g="0" b="0"/>
+      </a:effectRef>
+      <a:fontRef idx="minor">
+        <a:schemeClr val="lt1"/>
+      </a:fontRef>
+    </dgm:style>
+  </dgm:styleLbl>
+  <dgm:styleLbl name="parChTrans2D4">
+    <dgm:scene3d>
+      <a:camera prst="orthographicFront"/>
+      <a:lightRig rig="threePt" dir="t"/>
+    </dgm:scene3d>
+    <dgm:sp3d/>
+    <dgm:txPr/>
+    <dgm:style>
+      <a:lnRef idx="2">
+        <a:scrgbClr r="0" g="0" b="0"/>
+      </a:lnRef>
+      <a:fillRef idx="1">
+        <a:scrgbClr r="0" g="0" b="0"/>
+      </a:fillRef>
+      <a:effectRef idx="0">
+        <a:scrgbClr r="0" g="0" b="0"/>
+      </a:effectRef>
+      <a:fontRef idx="minor">
+        <a:schemeClr val="lt1"/>
+      </a:fontRef>
+    </dgm:style>
+  </dgm:styleLbl>
+  <dgm:styleLbl name="parChTrans1D1">
+    <dgm:scene3d>
+      <a:camera prst="orthographicFront"/>
+      <a:lightRig rig="threePt" dir="t"/>
+    </dgm:scene3d>
+    <dgm:sp3d/>
+    <dgm:txPr/>
+    <dgm:style>
+      <a:lnRef idx="2">
+        <a:scrgbClr r="0" g="0" b="0"/>
+      </a:lnRef>
+      <a:fillRef idx="0">
+        <a:scrgbClr r="0" g="0" b="0"/>
+      </a:fillRef>
+      <a:effectRef idx="0">
+        <a:scrgbClr r="0" g="0" b="0"/>
+      </a:effectRef>
+      <a:fontRef idx="minor"/>
+    </dgm:style>
+  </dgm:styleLbl>
+  <dgm:styleLbl name="parChTrans1D2">
+    <dgm:scene3d>
+      <a:camera prst="orthographicFront"/>
+      <a:lightRig rig="threePt" dir="t"/>
+    </dgm:scene3d>
+    <dgm:sp3d/>
+    <dgm:txPr/>
+    <dgm:style>
+      <a:lnRef idx="2">
+        <a:scrgbClr r="0" g="0" b="0"/>
+      </a:lnRef>
+      <a:fillRef idx="0">
+        <a:scrgbClr r="0" g="0" b="0"/>
+      </a:fillRef>
+      <a:effectRef idx="0">
+        <a:scrgbClr r="0" g="0" b="0"/>
+      </a:effectRef>
+      <a:fontRef idx="minor"/>
+    </dgm:style>
+  </dgm:styleLbl>
+  <dgm:styleLbl name="parChTrans1D3">
+    <dgm:scene3d>
+      <a:camera prst="orthographicFront"/>
+      <a:lightRig rig="threePt" dir="t"/>
+    </dgm:scene3d>
+    <dgm:sp3d/>
+    <dgm:txPr/>
+    <dgm:style>
+      <a:lnRef idx="2">
+        <a:scrgbClr r="0" g="0" b="0"/>
+      </a:lnRef>
+      <a:fillRef idx="0">
+        <a:scrgbClr r="0" g="0" b="0"/>
+      </a:fillRef>
+      <a:effectRef idx="0">
+        <a:scrgbClr r="0" g="0" b="0"/>
+      </a:effectRef>
+      <a:fontRef idx="minor"/>
+    </dgm:style>
+  </dgm:styleLbl>
+  <dgm:styleLbl name="parChTrans1D4">
+    <dgm:scene3d>
+      <a:camera prst="orthographicFront"/>
+      <a:lightRig rig="threePt" dir="t"/>
+    </dgm:scene3d>
+    <dgm:sp3d/>
+    <dgm:txPr/>
+    <dgm:style>
+      <a:lnRef idx="2">
+        <a:scrgbClr r="0" g="0" b="0"/>
+      </a:lnRef>
+      <a:fillRef idx="0">
+        <a:scrgbClr r="0" g="0" b="0"/>
+      </a:fillRef>
+      <a:effectRef idx="0">
+        <a:scrgbClr r="0" g="0" b="0"/>
+      </a:effectRef>
+      <a:fontRef idx="minor"/>
+    </dgm:style>
+  </dgm:styleLbl>
+  <dgm:styleLbl name="fgAcc1">
+    <dgm:scene3d>
+      <a:camera prst="orthographicFront"/>
+      <a:lightRig rig="threePt" dir="t"/>
+    </dgm:scene3d>
+    <dgm:sp3d/>
+    <dgm:txPr/>
+    <dgm:style>
+      <a:lnRef idx="2">
+        <a:scrgbClr r="0" g="0" b="0"/>
+      </a:lnRef>
+      <a:fillRef idx="1">
+        <a:scrgbClr r="0" g="0" b="0"/>
+      </a:fillRef>
+      <a:effectRef idx="0">
+        <a:scrgbClr r="0" g="0" b="0"/>
+      </a:effectRef>
+      <a:fontRef idx="minor"/>
+    </dgm:style>
+  </dgm:styleLbl>
+  <dgm:styleLbl name="conFgAcc1">
+    <dgm:scene3d>
+      <a:camera prst="orthographicFront"/>
+      <a:lightRig rig="threePt" dir="t"/>
+    </dgm:scene3d>
+    <dgm:sp3d/>
+    <dgm:txPr/>
+    <dgm:style>
+      <a:lnRef idx="2">
+        <a:scrgbClr r="0" g="0" b="0"/>
+      </a:lnRef>
+      <a:fillRef idx="1">
+        <a:scrgbClr r="0" g="0" b="0"/>
+      </a:fillRef>
+      <a:effectRef idx="0">
+        <a:scrgbClr r="0" g="0" b="0"/>
+      </a:effectRef>
+      <a:fontRef idx="minor"/>
+    </dgm:style>
+  </dgm:styleLbl>
+  <dgm:styleLbl name="alignAcc1">
+    <dgm:scene3d>
+      <a:camera prst="orthographicFront"/>
+      <a:lightRig rig="threePt" dir="t"/>
+    </dgm:scene3d>
+    <dgm:sp3d/>
+    <dgm:txPr/>
+    <dgm:style>
+      <a:lnRef idx="2">
+        <a:scrgbClr r="0" g="0" b="0"/>
+      </a:lnRef>
+      <a:fillRef idx="1">
+        <a:scrgbClr r="0" g="0" b="0"/>
+      </a:fillRef>
+      <a:effectRef idx="0">
+        <a:scrgbClr r="0" g="0" b="0"/>
+      </a:effectRef>
+      <a:fontRef idx="minor"/>
+    </dgm:style>
+  </dgm:styleLbl>
+  <dgm:styleLbl name="trAlignAcc1">
+    <dgm:scene3d>
+      <a:camera prst="orthographicFront"/>
+      <a:lightRig rig="threePt" dir="t"/>
+    </dgm:scene3d>
+    <dgm:sp3d/>
+    <dgm:txPr/>
+    <dgm:style>
+      <a:lnRef idx="1">
+        <a:scrgbClr r="0" g="0" b="0"/>
+      </a:lnRef>
+      <a:fillRef idx="1">
+        <a:scrgbClr r="0" g="0" b="0"/>
+      </a:fillRef>
+      <a:effectRef idx="0">
+        <a:scrgbClr r="0" g="0" b="0"/>
+      </a:effectRef>
+      <a:fontRef idx="minor"/>
+    </dgm:style>
+  </dgm:styleLbl>
+  <dgm:styleLbl name="bgAcc1">
+    <dgm:scene3d>
+      <a:camera prst="orthographicFront"/>
+      <a:lightRig rig="threePt" dir="t"/>
+    </dgm:scene3d>
+    <dgm:sp3d/>
+    <dgm:txPr/>
+    <dgm:style>
+      <a:lnRef idx="2">
+        <a:scrgbClr r="0" g="0" b="0"/>
+      </a:lnRef>
+      <a:fillRef idx="1">
+        <a:scrgbClr r="0" g="0" b="0"/>
+      </a:fillRef>
+      <a:effectRef idx="0">
+        <a:scrgbClr r="0" g="0" b="0"/>
+      </a:effectRef>
+      <a:fontRef idx="minor"/>
+    </dgm:style>
+  </dgm:styleLbl>
+  <dgm:styleLbl name="solidFgAcc1">
+    <dgm:scene3d>
+      <a:camera prst="orthographicFront"/>
+      <a:lightRig rig="threePt" dir="t"/>
+    </dgm:scene3d>
+    <dgm:sp3d/>
+    <dgm:txPr/>
+    <dgm:style>
+      <a:lnRef idx="2">
+        <a:scrgbClr r="0" g="0" b="0"/>
+      </a:lnRef>
+      <a:fillRef idx="1">
+        <a:scrgbClr r="0" g="0" b="0"/>
+      </a:fillRef>
+      <a:effectRef idx="0">
+        <a:scrgbClr r="0" g="0" b="0"/>
+      </a:effectRef>
+      <a:fontRef idx="minor"/>
+    </dgm:style>
+  </dgm:styleLbl>
+  <dgm:styleLbl name="solidAlignAcc1">
+    <dgm:scene3d>
+      <a:camera prst="orthographicFront"/>
+      <a:lightRig rig="threePt" dir="t"/>
+    </dgm:scene3d>
+    <dgm:sp3d/>
+    <dgm:txPr/>
+    <dgm:style>
+      <a:lnRef idx="2">
+        <a:scrgbClr r="0" g="0" b="0"/>
+      </a:lnRef>
+      <a:fillRef idx="1">
+        <a:scrgbClr r="0" g="0" b="0"/>
+      </a:fillRef>
+      <a:effectRef idx="0">
+        <a:scrgbClr r="0" g="0" b="0"/>
+      </a:effectRef>
+      <a:fontRef idx="minor"/>
+    </dgm:style>
+  </dgm:styleLbl>
+  <dgm:styleLbl name="solidBgAcc1">
+    <dgm:scene3d>
+      <a:camera prst="orthographicFront"/>
+      <a:lightRig rig="threePt" dir="t"/>
+    </dgm:scene3d>
+    <dgm:sp3d/>
+    <dgm:txPr/>
+    <dgm:style>
+      <a:lnRef idx="2">
+        <a:scrgbClr r="0" g="0" b="0"/>
+      </a:lnRef>
+      <a:fillRef idx="1">
+        <a:scrgbClr r="0" g="0" b="0"/>
+      </a:fillRef>
+      <a:effectRef idx="0">
+        <a:scrgbClr r="0" g="0" b="0"/>
+      </a:effectRef>
+      <a:fontRef idx="minor"/>
+    </dgm:style>
+  </dgm:styleLbl>
+  <dgm:styleLbl name="fgAccFollowNode1">
+    <dgm:scene3d>
+      <a:camera prst="orthographicFront"/>
+      <a:lightRig rig="threePt" dir="t"/>
+    </dgm:scene3d>
+    <dgm:sp3d/>
+    <dgm:txPr/>
+    <dgm:style>
+      <a:lnRef idx="2">
+        <a:scrgbClr r="0" g="0" b="0"/>
+      </a:lnRef>
+      <a:fillRef idx="1">
+        <a:scrgbClr r="0" g="0" b="0"/>
+      </a:fillRef>
+      <a:effectRef idx="0">
+        <a:scrgbClr r="0" g="0" b="0"/>
+      </a:effectRef>
+      <a:fontRef idx="minor"/>
+    </dgm:style>
+  </dgm:styleLbl>
+  <dgm:styleLbl name="alignAccFollowNode1">
+    <dgm:scene3d>
+      <a:camera prst="orthographicFront"/>
+      <a:lightRig rig="threePt" dir="t"/>
+    </dgm:scene3d>
+    <dgm:sp3d/>
+    <dgm:txPr/>
+    <dgm:style>
+      <a:lnRef idx="2">
+        <a:scrgbClr r="0" g="0" b="0"/>
+      </a:lnRef>
+      <a:fillRef idx="1">
+        <a:scrgbClr r="0" g="0" b="0"/>
+      </a:fillRef>
+      <a:effectRef idx="0">
+        <a:scrgbClr r="0" g="0" b="0"/>
+      </a:effectRef>
+      <a:fontRef idx="minor"/>
+    </dgm:style>
+  </dgm:styleLbl>
+  <dgm:styleLbl name="bgAccFollowNode1">
+    <dgm:scene3d>
+      <a:camera prst="orthographicFront"/>
+      <a:lightRig rig="threePt" dir="t"/>
+    </dgm:scene3d>
+    <dgm:sp3d/>
+    <dgm:txPr/>
+    <dgm:style>
+      <a:lnRef idx="2">
+        <a:scrgbClr r="0" g="0" b="0"/>
+      </a:lnRef>
+      <a:fillRef idx="1">
+        <a:scrgbClr r="0" g="0" b="0"/>
+      </a:fillRef>
+      <a:effectRef idx="0">
+        <a:scrgbClr r="0" g="0" b="0"/>
+      </a:effectRef>
+      <a:fontRef idx="minor"/>
+    </dgm:style>
+  </dgm:styleLbl>
+  <dgm:styleLbl name="fgAcc0">
+    <dgm:scene3d>
+      <a:camera prst="orthographicFront"/>
+      <a:lightRig rig="threePt" dir="t"/>
+    </dgm:scene3d>
+    <dgm:sp3d/>
+    <dgm:txPr/>
+    <dgm:style>
+      <a:lnRef idx="2">
+        <a:scrgbClr r="0" g="0" b="0"/>
+      </a:lnRef>
+      <a:fillRef idx="1">
+        <a:scrgbClr r="0" g="0" b="0"/>
+      </a:fillRef>
+      <a:effectRef idx="0">
+        <a:scrgbClr r="0" g="0" b="0"/>
+      </a:effectRef>
+      <a:fontRef idx="minor"/>
+    </dgm:style>
+  </dgm:styleLbl>
+  <dgm:styleLbl name="fgAcc2">
+    <dgm:scene3d>
+      <a:camera prst="orthographicFront"/>
+      <a:lightRig rig="threePt" dir="t"/>
+    </dgm:scene3d>
+    <dgm:sp3d/>
+    <dgm:txPr/>
+    <dgm:style>
+      <a:lnRef idx="2">
+        <a:scrgbClr r="0" g="0" b="0"/>
+      </a:lnRef>
+      <a:fillRef idx="1">
+        <a:scrgbClr r="0" g="0" b="0"/>
+      </a:fillRef>
+      <a:effectRef idx="0">
+        <a:scrgbClr r="0" g="0" b="0"/>
+      </a:effectRef>
+      <a:fontRef idx="minor"/>
+    </dgm:style>
+  </dgm:styleLbl>
+  <dgm:styleLbl name="fgAcc3">
+    <dgm:scene3d>
+      <a:camera prst="orthographicFront"/>
+      <a:lightRig rig="threePt" dir="t"/>
+    </dgm:scene3d>
+    <dgm:sp3d/>
+    <dgm:txPr/>
+    <dgm:style>
+      <a:lnRef idx="2">
+        <a:scrgbClr r="0" g="0" b="0"/>
+      </a:lnRef>
+      <a:fillRef idx="1">
+        <a:scrgbClr r="0" g="0" b="0"/>
+      </a:fillRef>
+      <a:effectRef idx="0">
+        <a:scrgbClr r="0" g="0" b="0"/>
+      </a:effectRef>
+      <a:fontRef idx="minor"/>
+    </dgm:style>
+  </dgm:styleLbl>
+  <dgm:styleLbl name="fgAcc4">
+    <dgm:scene3d>
+      <a:camera prst="orthographicFront"/>
+      <a:lightRig rig="threePt" dir="t"/>
+    </dgm:scene3d>
+    <dgm:sp3d/>
+    <dgm:txPr/>
+    <dgm:style>
+      <a:lnRef idx="2">
+        <a:scrgbClr r="0" g="0" b="0"/>
+      </a:lnRef>
+      <a:fillRef idx="1">
+        <a:scrgbClr r="0" g="0" b="0"/>
+      </a:fillRef>
+      <a:effectRef idx="0">
+        <a:scrgbClr r="0" g="0" b="0"/>
+      </a:effectRef>
+      <a:fontRef idx="minor"/>
+    </dgm:style>
+  </dgm:styleLbl>
+  <dgm:styleLbl name="bgShp">
+    <dgm:scene3d>
+      <a:camera prst="orthographicFront"/>
+      <a:lightRig rig="threePt" dir="t"/>
+    </dgm:scene3d>
+    <dgm:sp3d/>
+    <dgm:txPr/>
+    <dgm:style>
+      <a:lnRef idx="0">
+        <a:scrgbClr r="0" g="0" b="0"/>
+      </a:lnRef>
+      <a:fillRef idx="1">
+        <a:scrgbClr r="0" g="0" b="0"/>
+      </a:fillRef>
+      <a:effectRef idx="0">
+        <a:scrgbClr r="0" g="0" b="0"/>
+      </a:effectRef>
+      <a:fontRef idx="minor"/>
+    </dgm:style>
+  </dgm:styleLbl>
+  <dgm:styleLbl name="dkBgShp">
+    <dgm:scene3d>
+      <a:camera prst="orthographicFront"/>
+      <a:lightRig rig="threePt" dir="t"/>
+    </dgm:scene3d>
+    <dgm:sp3d/>
+    <dgm:txPr/>
+    <dgm:style>
+      <a:lnRef idx="0">
+        <a:scrgbClr r="0" g="0" b="0"/>
+      </a:lnRef>
+      <a:fillRef idx="1">
+        <a:scrgbClr r="0" g="0" b="0"/>
+      </a:fillRef>
+      <a:effectRef idx="0">
+        <a:scrgbClr r="0" g="0" b="0"/>
+      </a:effectRef>
+      <a:fontRef idx="minor"/>
+    </dgm:style>
+  </dgm:styleLbl>
+  <dgm:styleLbl name="trBgShp">
+    <dgm:scene3d>
+      <a:camera prst="orthographicFront"/>
+      <a:lightRig rig="threePt" dir="t"/>
+    </dgm:scene3d>
+    <dgm:sp3d/>
+    <dgm:txPr/>
+    <dgm:style>
+      <a:lnRef idx="0">
+        <a:scrgbClr r="0" g="0" b="0"/>
+      </a:lnRef>
+      <a:fillRef idx="1">
+        <a:scrgbClr r="0" g="0" b="0"/>
+      </a:fillRef>
+      <a:effectRef idx="0">
+        <a:scrgbClr r="0" g="0" b="0"/>
+      </a:effectRef>
+      <a:fontRef idx="minor"/>
+    </dgm:style>
+  </dgm:styleLbl>
+  <dgm:styleLbl name="fgShp">
+    <dgm:scene3d>
+      <a:camera prst="orthographicFront"/>
+      <a:lightRig rig="threePt" dir="t"/>
+    </dgm:scene3d>
+    <dgm:sp3d/>
+    <dgm:txPr/>
+    <dgm:style>
+      <a:lnRef idx="2">
+        <a:scrgbClr r="0" g="0" b="0"/>
+      </a:lnRef>
+      <a:fillRef idx="1">
+        <a:scrgbClr r="0" g="0" b="0"/>
+      </a:fillRef>
+      <a:effectRef idx="0">
+        <a:scrgbClr r="0" g="0" b="0"/>
+      </a:effectRef>
+      <a:fontRef idx="minor"/>
+    </dgm:style>
+  </dgm:styleLbl>
+  <dgm:styleLbl name="revTx">
+    <dgm:scene3d>
+      <a:camera prst="orthographicFront"/>
+      <a:lightRig rig="threePt" dir="t"/>
+    </dgm:scene3d>
+    <dgm:sp3d/>
+    <dgm:txPr/>
+    <dgm:style>
+      <a:lnRef idx="0">
+        <a:scrgbClr r="0" g="0" b="0"/>
+      </a:lnRef>
+      <a:fillRef idx="0">
+        <a:scrgbClr r="0" g="0" b="0"/>
+      </a:fillRef>
+      <a:effectRef idx="0">
+        <a:scrgbClr r="0" g="0" b="0"/>
+      </a:effectRef>
+      <a:fontRef idx="minor"/>
+    </dgm:style>
+  </dgm:styleLbl>
+</dgm:styleDef>
+</file>
+
 <file path=ppt/slideLayouts/slideLayout1.xml><?xml version="1.0" encoding="utf-8"?>
 <p:sldLayout xmlns:a="http://schemas.openxmlformats.org/drawingml/2006/main" xmlns:r="http://schemas.openxmlformats.org/officeDocument/2006/relationships" xmlns:p="http://schemas.openxmlformats.org/presentationml/2006/main" type="title" preserve="1">
   <p:cSld name="标题幻灯片">
@@ -244,7 +3678,7 @@
           <a:p>
             <a:fld id="{D997B5FA-0921-464F-AAE1-844C04324D75}" type="datetimeFigureOut">
               <a:rPr lang="zh-CN" altLang="en-US" smtClean="0"/>
-              <a:t>2024/4/10</a:t>
+              <a:t>2024/5/14</a:t>
             </a:fld>
             <a:endParaRPr lang="zh-CN" altLang="en-US"/>
           </a:p>
@@ -412,7 +3846,7 @@
           <a:p>
             <a:fld id="{D997B5FA-0921-464F-AAE1-844C04324D75}" type="datetimeFigureOut">
               <a:rPr lang="zh-CN" altLang="en-US" smtClean="0"/>
-              <a:t>2024/4/10</a:t>
+              <a:t>2024/5/14</a:t>
             </a:fld>
             <a:endParaRPr lang="zh-CN" altLang="en-US"/>
           </a:p>
@@ -590,7 +4024,7 @@
           <a:p>
             <a:fld id="{D997B5FA-0921-464F-AAE1-844C04324D75}" type="datetimeFigureOut">
               <a:rPr lang="zh-CN" altLang="en-US" smtClean="0"/>
-              <a:t>2024/4/10</a:t>
+              <a:t>2024/5/14</a:t>
             </a:fld>
             <a:endParaRPr lang="zh-CN" altLang="en-US"/>
           </a:p>
@@ -758,7 +4192,7 @@
           <a:p>
             <a:fld id="{D997B5FA-0921-464F-AAE1-844C04324D75}" type="datetimeFigureOut">
               <a:rPr lang="zh-CN" altLang="en-US" smtClean="0"/>
-              <a:t>2024/4/10</a:t>
+              <a:t>2024/5/14</a:t>
             </a:fld>
             <a:endParaRPr lang="zh-CN" altLang="en-US"/>
           </a:p>
@@ -1003,7 +4437,7 @@
           <a:p>
             <a:fld id="{D997B5FA-0921-464F-AAE1-844C04324D75}" type="datetimeFigureOut">
               <a:rPr lang="zh-CN" altLang="en-US" smtClean="0"/>
-              <a:t>2024/4/10</a:t>
+              <a:t>2024/5/14</a:t>
             </a:fld>
             <a:endParaRPr lang="zh-CN" altLang="en-US"/>
           </a:p>
@@ -1232,7 +4666,7 @@
           <a:p>
             <a:fld id="{D997B5FA-0921-464F-AAE1-844C04324D75}" type="datetimeFigureOut">
               <a:rPr lang="zh-CN" altLang="en-US" smtClean="0"/>
-              <a:t>2024/4/10</a:t>
+              <a:t>2024/5/14</a:t>
             </a:fld>
             <a:endParaRPr lang="zh-CN" altLang="en-US"/>
           </a:p>
@@ -1596,7 +5030,7 @@
           <a:p>
             <a:fld id="{D997B5FA-0921-464F-AAE1-844C04324D75}" type="datetimeFigureOut">
               <a:rPr lang="zh-CN" altLang="en-US" smtClean="0"/>
-              <a:t>2024/4/10</a:t>
+              <a:t>2024/5/14</a:t>
             </a:fld>
             <a:endParaRPr lang="zh-CN" altLang="en-US"/>
           </a:p>
@@ -1713,7 +5147,7 @@
           <a:p>
             <a:fld id="{D997B5FA-0921-464F-AAE1-844C04324D75}" type="datetimeFigureOut">
               <a:rPr lang="zh-CN" altLang="en-US" smtClean="0"/>
-              <a:t>2024/4/10</a:t>
+              <a:t>2024/5/14</a:t>
             </a:fld>
             <a:endParaRPr lang="zh-CN" altLang="en-US"/>
           </a:p>
@@ -1808,7 +5242,7 @@
           <a:p>
             <a:fld id="{D997B5FA-0921-464F-AAE1-844C04324D75}" type="datetimeFigureOut">
               <a:rPr lang="zh-CN" altLang="en-US" smtClean="0"/>
-              <a:t>2024/4/10</a:t>
+              <a:t>2024/5/14</a:t>
             </a:fld>
             <a:endParaRPr lang="zh-CN" altLang="en-US"/>
           </a:p>
@@ -2083,7 +5517,7 @@
           <a:p>
             <a:fld id="{D997B5FA-0921-464F-AAE1-844C04324D75}" type="datetimeFigureOut">
               <a:rPr lang="zh-CN" altLang="en-US" smtClean="0"/>
-              <a:t>2024/4/10</a:t>
+              <a:t>2024/5/14</a:t>
             </a:fld>
             <a:endParaRPr lang="zh-CN" altLang="en-US"/>
           </a:p>
@@ -2335,7 +5769,7 @@
           <a:p>
             <a:fld id="{D997B5FA-0921-464F-AAE1-844C04324D75}" type="datetimeFigureOut">
               <a:rPr lang="zh-CN" altLang="en-US" smtClean="0"/>
-              <a:t>2024/4/10</a:t>
+              <a:t>2024/5/14</a:t>
             </a:fld>
             <a:endParaRPr lang="zh-CN" altLang="en-US"/>
           </a:p>
@@ -2546,7 +5980,7 @@
           <a:p>
             <a:fld id="{D997B5FA-0921-464F-AAE1-844C04324D75}" type="datetimeFigureOut">
               <a:rPr lang="zh-CN" altLang="en-US" smtClean="0"/>
-              <a:t>2024/4/10</a:t>
+              <a:t>2024/5/14</a:t>
             </a:fld>
             <a:endParaRPr lang="zh-CN" altLang="en-US"/>
           </a:p>
@@ -7075,6 +10509,1467 @@
     <p:extLst>
       <p:ext uri="{BB962C8B-B14F-4D97-AF65-F5344CB8AC3E}">
         <p14:creationId xmlns:p14="http://schemas.microsoft.com/office/powerpoint/2010/main" val="3818468108"/>
+      </p:ext>
+    </p:extLst>
+  </p:cSld>
+  <p:clrMapOvr>
+    <a:masterClrMapping/>
+  </p:clrMapOvr>
+</p:sld>
+</file>
+
+<file path=ppt/slides/slide5.xml><?xml version="1.0" encoding="utf-8"?>
+<p:sld xmlns:a="http://schemas.openxmlformats.org/drawingml/2006/main" xmlns:r="http://schemas.openxmlformats.org/officeDocument/2006/relationships" xmlns:p="http://schemas.openxmlformats.org/presentationml/2006/main">
+  <p:cSld>
+    <p:spTree>
+      <p:nvGrpSpPr>
+        <p:cNvPr id="1" name=""/>
+        <p:cNvGrpSpPr/>
+        <p:nvPr/>
+      </p:nvGrpSpPr>
+      <p:grpSpPr>
+        <a:xfrm>
+          <a:off x="0" y="0"/>
+          <a:ext cx="0" cy="0"/>
+          <a:chOff x="0" y="0"/>
+          <a:chExt cx="0" cy="0"/>
+        </a:xfrm>
+      </p:grpSpPr>
+      <p:grpSp>
+        <p:nvGrpSpPr>
+          <p:cNvPr id="25" name="组合 24">
+            <a:extLst>
+              <a:ext uri="{FF2B5EF4-FFF2-40B4-BE49-F238E27FC236}">
+                <a16:creationId xmlns:a16="http://schemas.microsoft.com/office/drawing/2014/main" id="{5F3B301F-E08B-F86E-AD8B-2696EE54E03F}"/>
+              </a:ext>
+            </a:extLst>
+          </p:cNvPr>
+          <p:cNvGrpSpPr/>
+          <p:nvPr/>
+        </p:nvGrpSpPr>
+        <p:grpSpPr>
+          <a:xfrm>
+            <a:off x="1328153" y="1982980"/>
+            <a:ext cx="8128000" cy="1365480"/>
+            <a:chOff x="1689100" y="406846"/>
+            <a:chExt cx="8128000" cy="1365480"/>
+          </a:xfrm>
+        </p:grpSpPr>
+        <p:graphicFrame>
+          <p:nvGraphicFramePr>
+            <p:cNvPr id="4" name="图示 3">
+              <a:extLst>
+                <a:ext uri="{FF2B5EF4-FFF2-40B4-BE49-F238E27FC236}">
+                  <a16:creationId xmlns:a16="http://schemas.microsoft.com/office/drawing/2014/main" id="{21BF18B8-B163-7F02-8B4C-9F3DD3ECD817}"/>
+                </a:ext>
+              </a:extLst>
+            </p:cNvPr>
+            <p:cNvGraphicFramePr/>
+            <p:nvPr>
+              <p:extLst>
+                <p:ext uri="{D42A27DB-BD31-4B8C-83A1-F6EECF244321}">
+                  <p14:modId xmlns:p14="http://schemas.microsoft.com/office/powerpoint/2010/main" val="1971292641"/>
+                </p:ext>
+              </p:extLst>
+            </p:nvPr>
+          </p:nvGraphicFramePr>
+          <p:xfrm>
+            <a:off x="1689100" y="406846"/>
+            <a:ext cx="8128000" cy="1097101"/>
+          </p:xfrm>
+          <a:graphic>
+            <a:graphicData uri="http://schemas.openxmlformats.org/drawingml/2006/diagram">
+              <dgm:relIds xmlns:dgm="http://schemas.openxmlformats.org/drawingml/2006/diagram" xmlns:r="http://schemas.openxmlformats.org/officeDocument/2006/relationships" r:dm="rId2" r:lo="rId3" r:qs="rId4" r:cs="rId5"/>
+            </a:graphicData>
+          </a:graphic>
+        </p:graphicFrame>
+        <p:sp>
+          <p:nvSpPr>
+            <p:cNvPr id="11" name="文本框 10">
+              <a:extLst>
+                <a:ext uri="{FF2B5EF4-FFF2-40B4-BE49-F238E27FC236}">
+                  <a16:creationId xmlns:a16="http://schemas.microsoft.com/office/drawing/2014/main" id="{628BDEA1-F5A5-205B-EB05-D909D5D3F5B1}"/>
+                </a:ext>
+              </a:extLst>
+            </p:cNvPr>
+            <p:cNvSpPr txBox="1"/>
+            <p:nvPr/>
+          </p:nvSpPr>
+          <p:spPr>
+            <a:xfrm>
+              <a:off x="2665928" y="1464549"/>
+              <a:ext cx="1291528" cy="307777"/>
+            </a:xfrm>
+            <a:prstGeom prst="rect">
+              <a:avLst/>
+            </a:prstGeom>
+            <a:noFill/>
+          </p:spPr>
+          <p:txBody>
+            <a:bodyPr wrap="square" rtlCol="0">
+              <a:spAutoFit/>
+            </a:bodyPr>
+            <a:lstStyle/>
+            <a:p>
+              <a:pPr algn="ctr"/>
+              <a:r>
+                <a:rPr lang="zh-CN" altLang="en-US" sz="1400" dirty="0"/>
+                <a:t>开发</a:t>
+              </a:r>
+            </a:p>
+          </p:txBody>
+        </p:sp>
+        <p:sp>
+          <p:nvSpPr>
+            <p:cNvPr id="13" name="文本框 12">
+              <a:extLst>
+                <a:ext uri="{FF2B5EF4-FFF2-40B4-BE49-F238E27FC236}">
+                  <a16:creationId xmlns:a16="http://schemas.microsoft.com/office/drawing/2014/main" id="{E8289B8F-77ED-E799-88DC-EC9A6B4630B4}"/>
+                </a:ext>
+              </a:extLst>
+            </p:cNvPr>
+            <p:cNvSpPr txBox="1"/>
+            <p:nvPr/>
+          </p:nvSpPr>
+          <p:spPr>
+            <a:xfrm>
+              <a:off x="4990958" y="1464549"/>
+              <a:ext cx="1291528" cy="307777"/>
+            </a:xfrm>
+            <a:prstGeom prst="rect">
+              <a:avLst/>
+            </a:prstGeom>
+            <a:noFill/>
+          </p:spPr>
+          <p:txBody>
+            <a:bodyPr wrap="square" rtlCol="0">
+              <a:spAutoFit/>
+            </a:bodyPr>
+            <a:lstStyle/>
+            <a:p>
+              <a:pPr algn="ctr"/>
+              <a:r>
+                <a:rPr lang="zh-CN" altLang="en-US" sz="1400" dirty="0"/>
+                <a:t>测试</a:t>
+              </a:r>
+            </a:p>
+          </p:txBody>
+        </p:sp>
+        <p:sp>
+          <p:nvSpPr>
+            <p:cNvPr id="16" name="左大括号 15">
+              <a:extLst>
+                <a:ext uri="{FF2B5EF4-FFF2-40B4-BE49-F238E27FC236}">
+                  <a16:creationId xmlns:a16="http://schemas.microsoft.com/office/drawing/2014/main" id="{C01C1B81-9D66-9502-71DF-FA477841ECA8}"/>
+                </a:ext>
+              </a:extLst>
+            </p:cNvPr>
+            <p:cNvSpPr/>
+            <p:nvPr/>
+          </p:nvSpPr>
+          <p:spPr>
+            <a:xfrm rot="16200000">
+              <a:off x="3206416" y="149210"/>
+              <a:ext cx="210552" cy="2472490"/>
+            </a:xfrm>
+            <a:prstGeom prst="leftBrace">
+              <a:avLst/>
+            </a:prstGeom>
+          </p:spPr>
+          <p:style>
+            <a:lnRef idx="1">
+              <a:schemeClr val="accent1"/>
+            </a:lnRef>
+            <a:fillRef idx="0">
+              <a:schemeClr val="accent1"/>
+            </a:fillRef>
+            <a:effectRef idx="0">
+              <a:schemeClr val="accent1"/>
+            </a:effectRef>
+            <a:fontRef idx="minor">
+              <a:schemeClr val="tx1"/>
+            </a:fontRef>
+          </p:style>
+          <p:txBody>
+            <a:bodyPr rtlCol="0" anchor="ctr"/>
+            <a:lstStyle/>
+            <a:p>
+              <a:pPr algn="ctr"/>
+              <a:endParaRPr lang="zh-CN" altLang="en-US"/>
+            </a:p>
+          </p:txBody>
+        </p:sp>
+        <p:sp>
+          <p:nvSpPr>
+            <p:cNvPr id="17" name="文本框 16">
+              <a:extLst>
+                <a:ext uri="{FF2B5EF4-FFF2-40B4-BE49-F238E27FC236}">
+                  <a16:creationId xmlns:a16="http://schemas.microsoft.com/office/drawing/2014/main" id="{7AD226C2-AB0D-6206-2343-95EFA14F29E8}"/>
+                </a:ext>
+              </a:extLst>
+            </p:cNvPr>
+            <p:cNvSpPr txBox="1"/>
+            <p:nvPr/>
+          </p:nvSpPr>
+          <p:spPr>
+            <a:xfrm>
+              <a:off x="7451921" y="1464549"/>
+              <a:ext cx="1291528" cy="307777"/>
+            </a:xfrm>
+            <a:prstGeom prst="rect">
+              <a:avLst/>
+            </a:prstGeom>
+            <a:noFill/>
+          </p:spPr>
+          <p:txBody>
+            <a:bodyPr wrap="square" rtlCol="0">
+              <a:spAutoFit/>
+            </a:bodyPr>
+            <a:lstStyle/>
+            <a:p>
+              <a:pPr algn="ctr"/>
+              <a:r>
+                <a:rPr lang="zh-CN" altLang="en-US" sz="1400" dirty="0"/>
+                <a:t>运维</a:t>
+              </a:r>
+            </a:p>
+          </p:txBody>
+        </p:sp>
+        <p:sp>
+          <p:nvSpPr>
+            <p:cNvPr id="18" name="左大括号 17">
+              <a:extLst>
+                <a:ext uri="{FF2B5EF4-FFF2-40B4-BE49-F238E27FC236}">
+                  <a16:creationId xmlns:a16="http://schemas.microsoft.com/office/drawing/2014/main" id="{8003CE5E-AD8F-1F2C-B13C-696042251228}"/>
+                </a:ext>
+              </a:extLst>
+            </p:cNvPr>
+            <p:cNvSpPr/>
+            <p:nvPr/>
+          </p:nvSpPr>
+          <p:spPr>
+            <a:xfrm rot="16200000">
+              <a:off x="5557627" y="808736"/>
+              <a:ext cx="158191" cy="1153435"/>
+            </a:xfrm>
+            <a:prstGeom prst="leftBrace">
+              <a:avLst/>
+            </a:prstGeom>
+          </p:spPr>
+          <p:style>
+            <a:lnRef idx="1">
+              <a:schemeClr val="accent1"/>
+            </a:lnRef>
+            <a:fillRef idx="0">
+              <a:schemeClr val="accent1"/>
+            </a:fillRef>
+            <a:effectRef idx="0">
+              <a:schemeClr val="accent1"/>
+            </a:effectRef>
+            <a:fontRef idx="minor">
+              <a:schemeClr val="tx1"/>
+            </a:fontRef>
+          </p:style>
+          <p:txBody>
+            <a:bodyPr rtlCol="0" anchor="ctr"/>
+            <a:lstStyle/>
+            <a:p>
+              <a:pPr algn="ctr"/>
+              <a:endParaRPr lang="zh-CN" altLang="en-US"/>
+            </a:p>
+          </p:txBody>
+        </p:sp>
+        <p:sp>
+          <p:nvSpPr>
+            <p:cNvPr id="19" name="左大括号 18">
+              <a:extLst>
+                <a:ext uri="{FF2B5EF4-FFF2-40B4-BE49-F238E27FC236}">
+                  <a16:creationId xmlns:a16="http://schemas.microsoft.com/office/drawing/2014/main" id="{7BCCFF41-28EB-A821-2C43-5EE1692ACA4F}"/>
+                </a:ext>
+              </a:extLst>
+            </p:cNvPr>
+            <p:cNvSpPr/>
+            <p:nvPr/>
+          </p:nvSpPr>
+          <p:spPr>
+            <a:xfrm rot="16200000">
+              <a:off x="7980377" y="149210"/>
+              <a:ext cx="210552" cy="2472490"/>
+            </a:xfrm>
+            <a:prstGeom prst="leftBrace">
+              <a:avLst/>
+            </a:prstGeom>
+          </p:spPr>
+          <p:style>
+            <a:lnRef idx="1">
+              <a:schemeClr val="accent1"/>
+            </a:lnRef>
+            <a:fillRef idx="0">
+              <a:schemeClr val="accent1"/>
+            </a:fillRef>
+            <a:effectRef idx="0">
+              <a:schemeClr val="accent1"/>
+            </a:effectRef>
+            <a:fontRef idx="minor">
+              <a:schemeClr val="tx1"/>
+            </a:fontRef>
+          </p:style>
+          <p:txBody>
+            <a:bodyPr rtlCol="0" anchor="ctr"/>
+            <a:lstStyle/>
+            <a:p>
+              <a:pPr algn="ctr"/>
+              <a:endParaRPr lang="zh-CN" altLang="en-US"/>
+            </a:p>
+          </p:txBody>
+        </p:sp>
+      </p:grpSp>
+      <p:sp>
+        <p:nvSpPr>
+          <p:cNvPr id="20" name="矩形: 圆角 19">
+            <a:extLst>
+              <a:ext uri="{FF2B5EF4-FFF2-40B4-BE49-F238E27FC236}">
+                <a16:creationId xmlns:a16="http://schemas.microsoft.com/office/drawing/2014/main" id="{BED308F2-69C1-DE55-DF4D-B50E5576A760}"/>
+              </a:ext>
+            </a:extLst>
+          </p:cNvPr>
+          <p:cNvSpPr/>
+          <p:nvPr/>
+        </p:nvSpPr>
+        <p:spPr>
+          <a:xfrm>
+            <a:off x="2414136" y="439411"/>
+            <a:ext cx="1283769" cy="794085"/>
+          </a:xfrm>
+          <a:prstGeom prst="roundRect">
+            <a:avLst/>
+          </a:prstGeom>
+          <a:solidFill>
+            <a:srgbClr val="4472C4">
+              <a:hueOff val="0"/>
+              <a:satOff val="0"/>
+              <a:lumOff val="0"/>
+              <a:alphaOff val="0"/>
+            </a:srgbClr>
+          </a:solidFill>
+          <a:ln w="12700" cap="flat" cmpd="sng" algn="ctr">
+            <a:solidFill>
+              <a:prstClr val="white">
+                <a:hueOff val="0"/>
+                <a:satOff val="0"/>
+                <a:lumOff val="0"/>
+                <a:alphaOff val="0"/>
+              </a:prstClr>
+            </a:solidFill>
+            <a:prstDash val="solid"/>
+            <a:miter lim="800000"/>
+          </a:ln>
+          <a:effectLst/>
+        </p:spPr>
+        <p:txBody>
+          <a:bodyPr spcFirstLastPara="0" vert="horz" wrap="square" lIns="64008" tIns="32004" rIns="16002" bIns="32004" numCol="1" spcCol="1270" anchor="ctr" anchorCtr="0">
+            <a:noAutofit/>
+          </a:bodyPr>
+          <a:lstStyle/>
+          <a:p>
+            <a:pPr algn="ctr" defTabSz="533400">
+              <a:lnSpc>
+                <a:spcPct val="90000"/>
+              </a:lnSpc>
+              <a:spcBef>
+                <a:spcPct val="0"/>
+              </a:spcBef>
+              <a:spcAft>
+                <a:spcPct val="35000"/>
+              </a:spcAft>
+            </a:pPr>
+            <a:r>
+              <a:rPr lang="zh-CN" altLang="en-US" sz="1600" dirty="0">
+                <a:solidFill>
+                  <a:prstClr val="white"/>
+                </a:solidFill>
+                <a:latin typeface="微软雅黑" panose="020B0503020204020204" pitchFamily="34" charset="-122"/>
+                <a:ea typeface="微软雅黑" panose="020B0503020204020204" pitchFamily="34" charset="-122"/>
+              </a:rPr>
+              <a:t>传统瀑布</a:t>
+            </a:r>
+            <a:endParaRPr lang="en-US" altLang="zh-CN" sz="1600" dirty="0">
+              <a:solidFill>
+                <a:prstClr val="white"/>
+              </a:solidFill>
+              <a:latin typeface="微软雅黑" panose="020B0503020204020204" pitchFamily="34" charset="-122"/>
+              <a:ea typeface="微软雅黑" panose="020B0503020204020204" pitchFamily="34" charset="-122"/>
+            </a:endParaRPr>
+          </a:p>
+          <a:p>
+            <a:pPr algn="ctr" defTabSz="533400">
+              <a:lnSpc>
+                <a:spcPct val="90000"/>
+              </a:lnSpc>
+              <a:spcBef>
+                <a:spcPct val="0"/>
+              </a:spcBef>
+              <a:spcAft>
+                <a:spcPct val="35000"/>
+              </a:spcAft>
+            </a:pPr>
+            <a:r>
+              <a:rPr lang="zh-CN" altLang="en-US" sz="1600" dirty="0">
+                <a:solidFill>
+                  <a:prstClr val="white"/>
+                </a:solidFill>
+                <a:latin typeface="微软雅黑" panose="020B0503020204020204" pitchFamily="34" charset="-122"/>
+                <a:ea typeface="微软雅黑" panose="020B0503020204020204" pitchFamily="34" charset="-122"/>
+              </a:rPr>
+              <a:t>开发模型</a:t>
+            </a:r>
+          </a:p>
+        </p:txBody>
+      </p:sp>
+      <p:sp>
+        <p:nvSpPr>
+          <p:cNvPr id="21" name="矩形: 圆角 20">
+            <a:extLst>
+              <a:ext uri="{FF2B5EF4-FFF2-40B4-BE49-F238E27FC236}">
+                <a16:creationId xmlns:a16="http://schemas.microsoft.com/office/drawing/2014/main" id="{1767D6CE-3DFD-75AE-CDD1-631B67DD07EA}"/>
+              </a:ext>
+            </a:extLst>
+          </p:cNvPr>
+          <p:cNvSpPr/>
+          <p:nvPr/>
+        </p:nvSpPr>
+        <p:spPr>
+          <a:xfrm>
+            <a:off x="4483571" y="439410"/>
+            <a:ext cx="1283769" cy="794085"/>
+          </a:xfrm>
+          <a:prstGeom prst="roundRect">
+            <a:avLst/>
+          </a:prstGeom>
+          <a:solidFill>
+            <a:srgbClr val="4472C4">
+              <a:hueOff val="0"/>
+              <a:satOff val="0"/>
+              <a:lumOff val="0"/>
+              <a:alphaOff val="0"/>
+            </a:srgbClr>
+          </a:solidFill>
+          <a:ln w="12700" cap="flat" cmpd="sng" algn="ctr">
+            <a:solidFill>
+              <a:prstClr val="white">
+                <a:hueOff val="0"/>
+                <a:satOff val="0"/>
+                <a:lumOff val="0"/>
+                <a:alphaOff val="0"/>
+              </a:prstClr>
+            </a:solidFill>
+            <a:prstDash val="solid"/>
+            <a:miter lim="800000"/>
+          </a:ln>
+          <a:effectLst/>
+        </p:spPr>
+        <p:txBody>
+          <a:bodyPr spcFirstLastPara="0" vert="horz" wrap="square" lIns="64008" tIns="32004" rIns="16002" bIns="32004" numCol="1" spcCol="1270" anchor="ctr" anchorCtr="0">
+            <a:noAutofit/>
+          </a:bodyPr>
+          <a:lstStyle/>
+          <a:p>
+            <a:pPr algn="ctr" defTabSz="533400">
+              <a:lnSpc>
+                <a:spcPct val="90000"/>
+              </a:lnSpc>
+              <a:spcBef>
+                <a:spcPct val="0"/>
+              </a:spcBef>
+              <a:spcAft>
+                <a:spcPct val="35000"/>
+              </a:spcAft>
+            </a:pPr>
+            <a:r>
+              <a:rPr lang="zh-CN" altLang="en-US" sz="1600" dirty="0">
+                <a:solidFill>
+                  <a:prstClr val="white"/>
+                </a:solidFill>
+                <a:latin typeface="微软雅黑" panose="020B0503020204020204" pitchFamily="34" charset="-122"/>
+                <a:ea typeface="微软雅黑" panose="020B0503020204020204" pitchFamily="34" charset="-122"/>
+              </a:rPr>
+              <a:t>敏捷</a:t>
+            </a:r>
+            <a:endParaRPr lang="en-US" altLang="zh-CN" sz="1600" dirty="0">
+              <a:solidFill>
+                <a:prstClr val="white"/>
+              </a:solidFill>
+              <a:latin typeface="微软雅黑" panose="020B0503020204020204" pitchFamily="34" charset="-122"/>
+              <a:ea typeface="微软雅黑" panose="020B0503020204020204" pitchFamily="34" charset="-122"/>
+            </a:endParaRPr>
+          </a:p>
+          <a:p>
+            <a:pPr algn="ctr" defTabSz="533400">
+              <a:lnSpc>
+                <a:spcPct val="90000"/>
+              </a:lnSpc>
+              <a:spcBef>
+                <a:spcPct val="0"/>
+              </a:spcBef>
+              <a:spcAft>
+                <a:spcPct val="35000"/>
+              </a:spcAft>
+            </a:pPr>
+            <a:r>
+              <a:rPr lang="zh-CN" altLang="en-US" sz="1600" dirty="0">
+                <a:solidFill>
+                  <a:prstClr val="white"/>
+                </a:solidFill>
+                <a:latin typeface="微软雅黑" panose="020B0503020204020204" pitchFamily="34" charset="-122"/>
+                <a:ea typeface="微软雅黑" panose="020B0503020204020204" pitchFamily="34" charset="-122"/>
+              </a:rPr>
+              <a:t>开发模型</a:t>
+            </a:r>
+          </a:p>
+        </p:txBody>
+      </p:sp>
+      <p:sp>
+        <p:nvSpPr>
+          <p:cNvPr id="22" name="矩形: 圆角 21">
+            <a:extLst>
+              <a:ext uri="{FF2B5EF4-FFF2-40B4-BE49-F238E27FC236}">
+                <a16:creationId xmlns:a16="http://schemas.microsoft.com/office/drawing/2014/main" id="{F7024D17-CEBA-BECE-C315-B6FC69CA88F0}"/>
+              </a:ext>
+            </a:extLst>
+          </p:cNvPr>
+          <p:cNvSpPr/>
+          <p:nvPr/>
+        </p:nvSpPr>
+        <p:spPr>
+          <a:xfrm>
+            <a:off x="6498857" y="439410"/>
+            <a:ext cx="1283769" cy="794085"/>
+          </a:xfrm>
+          <a:prstGeom prst="roundRect">
+            <a:avLst/>
+          </a:prstGeom>
+          <a:solidFill>
+            <a:srgbClr val="4472C4">
+              <a:hueOff val="0"/>
+              <a:satOff val="0"/>
+              <a:lumOff val="0"/>
+              <a:alphaOff val="0"/>
+            </a:srgbClr>
+          </a:solidFill>
+          <a:ln w="12700" cap="flat" cmpd="sng" algn="ctr">
+            <a:solidFill>
+              <a:prstClr val="white">
+                <a:hueOff val="0"/>
+                <a:satOff val="0"/>
+                <a:lumOff val="0"/>
+                <a:alphaOff val="0"/>
+              </a:prstClr>
+            </a:solidFill>
+            <a:prstDash val="solid"/>
+            <a:miter lim="800000"/>
+          </a:ln>
+          <a:effectLst/>
+        </p:spPr>
+        <p:txBody>
+          <a:bodyPr spcFirstLastPara="0" vert="horz" wrap="square" lIns="64008" tIns="32004" rIns="16002" bIns="32004" numCol="1" spcCol="1270" anchor="ctr" anchorCtr="0">
+            <a:noAutofit/>
+          </a:bodyPr>
+          <a:lstStyle/>
+          <a:p>
+            <a:pPr algn="ctr" defTabSz="533400">
+              <a:lnSpc>
+                <a:spcPct val="90000"/>
+              </a:lnSpc>
+              <a:spcBef>
+                <a:spcPct val="0"/>
+              </a:spcBef>
+              <a:spcAft>
+                <a:spcPct val="35000"/>
+              </a:spcAft>
+            </a:pPr>
+            <a:r>
+              <a:rPr lang="en-US" altLang="zh-CN" sz="1600" dirty="0">
+                <a:solidFill>
+                  <a:prstClr val="white"/>
+                </a:solidFill>
+                <a:latin typeface="微软雅黑" panose="020B0503020204020204" pitchFamily="34" charset="-122"/>
+                <a:ea typeface="微软雅黑" panose="020B0503020204020204" pitchFamily="34" charset="-122"/>
+              </a:rPr>
+              <a:t>DevOps</a:t>
+            </a:r>
+          </a:p>
+          <a:p>
+            <a:pPr algn="ctr" defTabSz="533400">
+              <a:lnSpc>
+                <a:spcPct val="90000"/>
+              </a:lnSpc>
+              <a:spcBef>
+                <a:spcPct val="0"/>
+              </a:spcBef>
+              <a:spcAft>
+                <a:spcPct val="35000"/>
+              </a:spcAft>
+            </a:pPr>
+            <a:r>
+              <a:rPr lang="zh-CN" altLang="en-US" sz="1600" dirty="0">
+                <a:solidFill>
+                  <a:prstClr val="white"/>
+                </a:solidFill>
+                <a:latin typeface="微软雅黑" panose="020B0503020204020204" pitchFamily="34" charset="-122"/>
+                <a:ea typeface="微软雅黑" panose="020B0503020204020204" pitchFamily="34" charset="-122"/>
+              </a:rPr>
+              <a:t>开发模型</a:t>
+            </a:r>
+          </a:p>
+        </p:txBody>
+      </p:sp>
+      <p:sp>
+        <p:nvSpPr>
+          <p:cNvPr id="23" name="箭头: 右 22">
+            <a:extLst>
+              <a:ext uri="{FF2B5EF4-FFF2-40B4-BE49-F238E27FC236}">
+                <a16:creationId xmlns:a16="http://schemas.microsoft.com/office/drawing/2014/main" id="{D4E0B894-0D63-DBD5-6C03-2CE4F79AA0F3}"/>
+              </a:ext>
+            </a:extLst>
+          </p:cNvPr>
+          <p:cNvSpPr/>
+          <p:nvPr/>
+        </p:nvSpPr>
+        <p:spPr>
+          <a:xfrm>
+            <a:off x="3940343" y="651786"/>
+            <a:ext cx="415089" cy="369332"/>
+          </a:xfrm>
+          <a:prstGeom prst="rightArrow">
+            <a:avLst/>
+          </a:prstGeom>
+          <a:ln>
+            <a:noFill/>
+          </a:ln>
+        </p:spPr>
+        <p:style>
+          <a:lnRef idx="2">
+            <a:schemeClr val="accent1">
+              <a:shade val="15000"/>
+            </a:schemeClr>
+          </a:lnRef>
+          <a:fillRef idx="1">
+            <a:schemeClr val="accent1"/>
+          </a:fillRef>
+          <a:effectRef idx="0">
+            <a:schemeClr val="accent1"/>
+          </a:effectRef>
+          <a:fontRef idx="minor">
+            <a:schemeClr val="lt1"/>
+          </a:fontRef>
+        </p:style>
+        <p:txBody>
+          <a:bodyPr rtlCol="0" anchor="ctr"/>
+          <a:lstStyle/>
+          <a:p>
+            <a:pPr algn="ctr"/>
+            <a:endParaRPr lang="zh-CN" altLang="en-US"/>
+          </a:p>
+        </p:txBody>
+      </p:sp>
+      <p:sp>
+        <p:nvSpPr>
+          <p:cNvPr id="24" name="箭头: 右 23">
+            <a:extLst>
+              <a:ext uri="{FF2B5EF4-FFF2-40B4-BE49-F238E27FC236}">
+                <a16:creationId xmlns:a16="http://schemas.microsoft.com/office/drawing/2014/main" id="{B6CCD718-D5F7-B90A-1247-49E1DB0DC4C0}"/>
+              </a:ext>
+            </a:extLst>
+          </p:cNvPr>
+          <p:cNvSpPr/>
+          <p:nvPr/>
+        </p:nvSpPr>
+        <p:spPr>
+          <a:xfrm>
+            <a:off x="5925554" y="651786"/>
+            <a:ext cx="415089" cy="369332"/>
+          </a:xfrm>
+          <a:prstGeom prst="rightArrow">
+            <a:avLst/>
+          </a:prstGeom>
+          <a:ln>
+            <a:noFill/>
+          </a:ln>
+        </p:spPr>
+        <p:style>
+          <a:lnRef idx="2">
+            <a:schemeClr val="accent1">
+              <a:shade val="15000"/>
+            </a:schemeClr>
+          </a:lnRef>
+          <a:fillRef idx="1">
+            <a:schemeClr val="accent1"/>
+          </a:fillRef>
+          <a:effectRef idx="0">
+            <a:schemeClr val="accent1"/>
+          </a:effectRef>
+          <a:fontRef idx="minor">
+            <a:schemeClr val="lt1"/>
+          </a:fontRef>
+        </p:style>
+        <p:txBody>
+          <a:bodyPr rtlCol="0" anchor="ctr"/>
+          <a:lstStyle/>
+          <a:p>
+            <a:pPr algn="ctr"/>
+            <a:endParaRPr lang="zh-CN" altLang="en-US"/>
+          </a:p>
+        </p:txBody>
+      </p:sp>
+      <p:sp>
+        <p:nvSpPr>
+          <p:cNvPr id="26" name="箭头: 左右 25">
+            <a:extLst>
+              <a:ext uri="{FF2B5EF4-FFF2-40B4-BE49-F238E27FC236}">
+                <a16:creationId xmlns:a16="http://schemas.microsoft.com/office/drawing/2014/main" id="{1FAD7406-424A-FA2B-01EC-AF729B2D32DF}"/>
+              </a:ext>
+            </a:extLst>
+          </p:cNvPr>
+          <p:cNvSpPr/>
+          <p:nvPr/>
+        </p:nvSpPr>
+        <p:spPr>
+          <a:xfrm>
+            <a:off x="1461836" y="5197643"/>
+            <a:ext cx="3320715" cy="210552"/>
+          </a:xfrm>
+          <a:prstGeom prst="leftRightArrow">
+            <a:avLst/>
+          </a:prstGeom>
+          <a:ln>
+            <a:noFill/>
+          </a:ln>
+        </p:spPr>
+        <p:style>
+          <a:lnRef idx="2">
+            <a:schemeClr val="accent1">
+              <a:shade val="15000"/>
+            </a:schemeClr>
+          </a:lnRef>
+          <a:fillRef idx="1">
+            <a:schemeClr val="accent1"/>
+          </a:fillRef>
+          <a:effectRef idx="0">
+            <a:schemeClr val="accent1"/>
+          </a:effectRef>
+          <a:fontRef idx="minor">
+            <a:schemeClr val="lt1"/>
+          </a:fontRef>
+        </p:style>
+        <p:txBody>
+          <a:bodyPr rtlCol="0" anchor="ctr"/>
+          <a:lstStyle/>
+          <a:p>
+            <a:pPr algn="ctr"/>
+            <a:endParaRPr lang="zh-CN" altLang="en-US"/>
+          </a:p>
+        </p:txBody>
+      </p:sp>
+      <p:sp>
+        <p:nvSpPr>
+          <p:cNvPr id="27" name="文本框 26">
+            <a:extLst>
+              <a:ext uri="{FF2B5EF4-FFF2-40B4-BE49-F238E27FC236}">
+                <a16:creationId xmlns:a16="http://schemas.microsoft.com/office/drawing/2014/main" id="{E997BE56-E20E-F9CE-4157-3AD5BE279E64}"/>
+              </a:ext>
+            </a:extLst>
+          </p:cNvPr>
+          <p:cNvSpPr txBox="1"/>
+          <p:nvPr/>
+        </p:nvSpPr>
+        <p:spPr>
+          <a:xfrm>
+            <a:off x="2851968" y="5118253"/>
+            <a:ext cx="646331" cy="369332"/>
+          </a:xfrm>
+          <a:prstGeom prst="rect">
+            <a:avLst/>
+          </a:prstGeom>
+          <a:ln>
+            <a:noFill/>
+          </a:ln>
+        </p:spPr>
+        <p:style>
+          <a:lnRef idx="2">
+            <a:schemeClr val="dk1"/>
+          </a:lnRef>
+          <a:fillRef idx="1">
+            <a:schemeClr val="lt1"/>
+          </a:fillRef>
+          <a:effectRef idx="0">
+            <a:schemeClr val="dk1"/>
+          </a:effectRef>
+          <a:fontRef idx="minor">
+            <a:schemeClr val="dk1"/>
+          </a:fontRef>
+        </p:style>
+        <p:txBody>
+          <a:bodyPr wrap="none" rtlCol="0">
+            <a:spAutoFit/>
+          </a:bodyPr>
+          <a:lstStyle/>
+          <a:p>
+            <a:pPr algn="ctr"/>
+            <a:r>
+              <a:rPr lang="zh-CN" altLang="en-US" sz="900" b="1" dirty="0"/>
+              <a:t>敏捷开发</a:t>
+            </a:r>
+            <a:br>
+              <a:rPr lang="en-US" altLang="zh-CN" sz="900" b="1" dirty="0"/>
+            </a:br>
+            <a:r>
+              <a:rPr lang="en-US" altLang="zh-CN" sz="900" b="1" dirty="0"/>
+              <a:t>XP</a:t>
+            </a:r>
+            <a:endParaRPr lang="zh-CN" altLang="en-US" sz="900" b="1" dirty="0"/>
+          </a:p>
+        </p:txBody>
+      </p:sp>
+      <p:sp>
+        <p:nvSpPr>
+          <p:cNvPr id="28" name="箭头: 左右 27">
+            <a:extLst>
+              <a:ext uri="{FF2B5EF4-FFF2-40B4-BE49-F238E27FC236}">
+                <a16:creationId xmlns:a16="http://schemas.microsoft.com/office/drawing/2014/main" id="{51773507-0B06-88BF-6318-93B300ED25A3}"/>
+              </a:ext>
+            </a:extLst>
+          </p:cNvPr>
+          <p:cNvSpPr/>
+          <p:nvPr/>
+        </p:nvSpPr>
+        <p:spPr>
+          <a:xfrm>
+            <a:off x="1461836" y="4620408"/>
+            <a:ext cx="4553953" cy="210552"/>
+          </a:xfrm>
+          <a:prstGeom prst="leftRightArrow">
+            <a:avLst/>
+          </a:prstGeom>
+          <a:ln>
+            <a:noFill/>
+          </a:ln>
+        </p:spPr>
+        <p:style>
+          <a:lnRef idx="2">
+            <a:schemeClr val="accent1">
+              <a:shade val="15000"/>
+            </a:schemeClr>
+          </a:lnRef>
+          <a:fillRef idx="1">
+            <a:schemeClr val="accent1"/>
+          </a:fillRef>
+          <a:effectRef idx="0">
+            <a:schemeClr val="accent1"/>
+          </a:effectRef>
+          <a:fontRef idx="minor">
+            <a:schemeClr val="lt1"/>
+          </a:fontRef>
+        </p:style>
+        <p:txBody>
+          <a:bodyPr rtlCol="0" anchor="ctr"/>
+          <a:lstStyle/>
+          <a:p>
+            <a:pPr algn="ctr"/>
+            <a:endParaRPr lang="zh-CN" altLang="en-US"/>
+          </a:p>
+        </p:txBody>
+      </p:sp>
+      <p:sp>
+        <p:nvSpPr>
+          <p:cNvPr id="29" name="文本框 28">
+            <a:extLst>
+              <a:ext uri="{FF2B5EF4-FFF2-40B4-BE49-F238E27FC236}">
+                <a16:creationId xmlns:a16="http://schemas.microsoft.com/office/drawing/2014/main" id="{4867E689-70DB-F53A-658E-3D5A73B2F539}"/>
+              </a:ext>
+            </a:extLst>
+          </p:cNvPr>
+          <p:cNvSpPr txBox="1"/>
+          <p:nvPr/>
+        </p:nvSpPr>
+        <p:spPr>
+          <a:xfrm>
+            <a:off x="3175133" y="4586248"/>
+            <a:ext cx="646332" cy="369332"/>
+          </a:xfrm>
+          <a:prstGeom prst="rect">
+            <a:avLst/>
+          </a:prstGeom>
+          <a:ln>
+            <a:noFill/>
+          </a:ln>
+        </p:spPr>
+        <p:style>
+          <a:lnRef idx="2">
+            <a:schemeClr val="dk1"/>
+          </a:lnRef>
+          <a:fillRef idx="1">
+            <a:schemeClr val="lt1"/>
+          </a:fillRef>
+          <a:effectRef idx="0">
+            <a:schemeClr val="dk1"/>
+          </a:effectRef>
+          <a:fontRef idx="minor">
+            <a:schemeClr val="dk1"/>
+          </a:fontRef>
+        </p:style>
+        <p:txBody>
+          <a:bodyPr wrap="none" rtlCol="0">
+            <a:spAutoFit/>
+          </a:bodyPr>
+          <a:lstStyle/>
+          <a:p>
+            <a:pPr algn="ctr"/>
+            <a:r>
+              <a:rPr lang="zh-CN" altLang="en-US" sz="900" b="1" dirty="0"/>
+              <a:t>持续集成</a:t>
+            </a:r>
+            <a:br>
+              <a:rPr lang="en-US" altLang="zh-CN" sz="900" b="1" dirty="0"/>
+            </a:br>
+            <a:r>
+              <a:rPr lang="en-US" altLang="zh-CN" sz="900" b="1" dirty="0"/>
+              <a:t>CI</a:t>
+            </a:r>
+            <a:endParaRPr lang="zh-CN" altLang="en-US" sz="900" b="1" dirty="0"/>
+          </a:p>
+        </p:txBody>
+      </p:sp>
+      <p:sp>
+        <p:nvSpPr>
+          <p:cNvPr id="30" name="箭头: 左右 29">
+            <a:extLst>
+              <a:ext uri="{FF2B5EF4-FFF2-40B4-BE49-F238E27FC236}">
+                <a16:creationId xmlns:a16="http://schemas.microsoft.com/office/drawing/2014/main" id="{DC5D9B41-F2B6-CDE0-5322-5F836FE6F0B2}"/>
+              </a:ext>
+            </a:extLst>
+          </p:cNvPr>
+          <p:cNvSpPr/>
+          <p:nvPr/>
+        </p:nvSpPr>
+        <p:spPr>
+          <a:xfrm>
+            <a:off x="1461837" y="4043172"/>
+            <a:ext cx="5420226" cy="210552"/>
+          </a:xfrm>
+          <a:prstGeom prst="leftRightArrow">
+            <a:avLst/>
+          </a:prstGeom>
+          <a:ln>
+            <a:noFill/>
+          </a:ln>
+        </p:spPr>
+        <p:style>
+          <a:lnRef idx="2">
+            <a:schemeClr val="accent1">
+              <a:shade val="15000"/>
+            </a:schemeClr>
+          </a:lnRef>
+          <a:fillRef idx="1">
+            <a:schemeClr val="accent1"/>
+          </a:fillRef>
+          <a:effectRef idx="0">
+            <a:schemeClr val="accent1"/>
+          </a:effectRef>
+          <a:fontRef idx="minor">
+            <a:schemeClr val="lt1"/>
+          </a:fontRef>
+        </p:style>
+        <p:txBody>
+          <a:bodyPr rtlCol="0" anchor="ctr"/>
+          <a:lstStyle/>
+          <a:p>
+            <a:pPr algn="ctr"/>
+            <a:endParaRPr lang="zh-CN" altLang="en-US"/>
+          </a:p>
+        </p:txBody>
+      </p:sp>
+      <p:sp>
+        <p:nvSpPr>
+          <p:cNvPr id="31" name="文本框 30">
+            <a:extLst>
+              <a:ext uri="{FF2B5EF4-FFF2-40B4-BE49-F238E27FC236}">
+                <a16:creationId xmlns:a16="http://schemas.microsoft.com/office/drawing/2014/main" id="{54AFCDD1-CC58-1B78-220E-34C7A71EA557}"/>
+              </a:ext>
+            </a:extLst>
+          </p:cNvPr>
+          <p:cNvSpPr txBox="1"/>
+          <p:nvPr/>
+        </p:nvSpPr>
+        <p:spPr>
+          <a:xfrm>
+            <a:off x="3702265" y="3994341"/>
+            <a:ext cx="646332" cy="369332"/>
+          </a:xfrm>
+          <a:prstGeom prst="rect">
+            <a:avLst/>
+          </a:prstGeom>
+          <a:ln>
+            <a:noFill/>
+          </a:ln>
+        </p:spPr>
+        <p:style>
+          <a:lnRef idx="2">
+            <a:schemeClr val="dk1"/>
+          </a:lnRef>
+          <a:fillRef idx="1">
+            <a:schemeClr val="lt1"/>
+          </a:fillRef>
+          <a:effectRef idx="0">
+            <a:schemeClr val="dk1"/>
+          </a:effectRef>
+          <a:fontRef idx="minor">
+            <a:schemeClr val="dk1"/>
+          </a:fontRef>
+        </p:style>
+        <p:txBody>
+          <a:bodyPr wrap="none" rtlCol="0">
+            <a:spAutoFit/>
+          </a:bodyPr>
+          <a:lstStyle/>
+          <a:p>
+            <a:pPr algn="ctr"/>
+            <a:r>
+              <a:rPr lang="zh-CN" altLang="en-US" sz="900" b="1" dirty="0"/>
+              <a:t>持续交付</a:t>
+            </a:r>
+            <a:br>
+              <a:rPr lang="en-US" altLang="zh-CN" sz="900" b="1" dirty="0"/>
+            </a:br>
+            <a:r>
+              <a:rPr lang="en-US" altLang="zh-CN" sz="900" b="1" dirty="0"/>
+              <a:t>CD</a:t>
+            </a:r>
+            <a:endParaRPr lang="zh-CN" altLang="en-US" sz="900" b="1" dirty="0"/>
+          </a:p>
+        </p:txBody>
+      </p:sp>
+      <p:sp>
+        <p:nvSpPr>
+          <p:cNvPr id="32" name="箭头: 左右 31">
+            <a:extLst>
+              <a:ext uri="{FF2B5EF4-FFF2-40B4-BE49-F238E27FC236}">
+                <a16:creationId xmlns:a16="http://schemas.microsoft.com/office/drawing/2014/main" id="{1F4FE191-DF87-6034-A84E-EC407C47809D}"/>
+              </a:ext>
+            </a:extLst>
+          </p:cNvPr>
+          <p:cNvSpPr/>
+          <p:nvPr/>
+        </p:nvSpPr>
+        <p:spPr>
+          <a:xfrm>
+            <a:off x="1461837" y="3465936"/>
+            <a:ext cx="7357310" cy="210552"/>
+          </a:xfrm>
+          <a:prstGeom prst="leftRightArrow">
+            <a:avLst/>
+          </a:prstGeom>
+          <a:ln>
+            <a:noFill/>
+          </a:ln>
+        </p:spPr>
+        <p:style>
+          <a:lnRef idx="2">
+            <a:schemeClr val="accent1">
+              <a:shade val="15000"/>
+            </a:schemeClr>
+          </a:lnRef>
+          <a:fillRef idx="1">
+            <a:schemeClr val="accent1"/>
+          </a:fillRef>
+          <a:effectRef idx="0">
+            <a:schemeClr val="accent1"/>
+          </a:effectRef>
+          <a:fontRef idx="minor">
+            <a:schemeClr val="lt1"/>
+          </a:fontRef>
+        </p:style>
+        <p:txBody>
+          <a:bodyPr rtlCol="0" anchor="ctr"/>
+          <a:lstStyle/>
+          <a:p>
+            <a:pPr algn="ctr"/>
+            <a:endParaRPr lang="zh-CN" altLang="en-US"/>
+          </a:p>
+        </p:txBody>
+      </p:sp>
+      <p:sp>
+        <p:nvSpPr>
+          <p:cNvPr id="33" name="文本框 32">
+            <a:extLst>
+              <a:ext uri="{FF2B5EF4-FFF2-40B4-BE49-F238E27FC236}">
+                <a16:creationId xmlns:a16="http://schemas.microsoft.com/office/drawing/2014/main" id="{8D2C55FE-4C48-C8E7-0F7B-17F3E35B7310}"/>
+              </a:ext>
+            </a:extLst>
+          </p:cNvPr>
+          <p:cNvSpPr txBox="1"/>
+          <p:nvPr/>
+        </p:nvSpPr>
+        <p:spPr>
+          <a:xfrm>
+            <a:off x="4481326" y="3415914"/>
+            <a:ext cx="862737" cy="307777"/>
+          </a:xfrm>
+          <a:prstGeom prst="rect">
+            <a:avLst/>
+          </a:prstGeom>
+          <a:ln>
+            <a:noFill/>
+          </a:ln>
+        </p:spPr>
+        <p:style>
+          <a:lnRef idx="2">
+            <a:schemeClr val="dk1"/>
+          </a:lnRef>
+          <a:fillRef idx="1">
+            <a:schemeClr val="lt1"/>
+          </a:fillRef>
+          <a:effectRef idx="0">
+            <a:schemeClr val="dk1"/>
+          </a:effectRef>
+          <a:fontRef idx="minor">
+            <a:schemeClr val="dk1"/>
+          </a:fontRef>
+        </p:style>
+        <p:txBody>
+          <a:bodyPr wrap="none" rtlCol="0">
+            <a:spAutoFit/>
+          </a:bodyPr>
+          <a:lstStyle/>
+          <a:p>
+            <a:pPr algn="ctr"/>
+            <a:r>
+              <a:rPr lang="en-US" altLang="zh-CN" sz="1400" dirty="0">
+                <a:solidFill>
+                  <a:srgbClr val="FF0000"/>
+                </a:solidFill>
+                <a:latin typeface="+mn-ea"/>
+              </a:rPr>
+              <a:t>DevOps</a:t>
+            </a:r>
+            <a:endParaRPr lang="zh-CN" altLang="en-US" sz="1400" dirty="0">
+              <a:solidFill>
+                <a:srgbClr val="FF0000"/>
+              </a:solidFill>
+              <a:latin typeface="+mn-ea"/>
+            </a:endParaRPr>
+          </a:p>
+        </p:txBody>
+      </p:sp>
+      <p:sp>
+        <p:nvSpPr>
+          <p:cNvPr id="43" name="任意多边形: 形状 42">
+            <a:extLst>
+              <a:ext uri="{FF2B5EF4-FFF2-40B4-BE49-F238E27FC236}">
+                <a16:creationId xmlns:a16="http://schemas.microsoft.com/office/drawing/2014/main" id="{38FCF92A-1C03-B6EB-E4C5-2D1984A8C9A2}"/>
+              </a:ext>
+            </a:extLst>
+          </p:cNvPr>
+          <p:cNvSpPr/>
+          <p:nvPr/>
+        </p:nvSpPr>
+        <p:spPr>
+          <a:xfrm>
+            <a:off x="1528011" y="3454993"/>
+            <a:ext cx="7842631" cy="2368291"/>
+          </a:xfrm>
+          <a:custGeom>
+            <a:avLst/>
+            <a:gdLst>
+              <a:gd name="connsiteX0" fmla="*/ 0 w 7842631"/>
+              <a:gd name="connsiteY0" fmla="*/ 2368291 h 2368291"/>
+              <a:gd name="connsiteX1" fmla="*/ 3525252 w 7842631"/>
+              <a:gd name="connsiteY1" fmla="*/ 1844917 h 2368291"/>
+              <a:gd name="connsiteX2" fmla="*/ 4590047 w 7842631"/>
+              <a:gd name="connsiteY2" fmla="*/ 1243338 h 2368291"/>
+              <a:gd name="connsiteX3" fmla="*/ 5684921 w 7842631"/>
+              <a:gd name="connsiteY3" fmla="*/ 659807 h 2368291"/>
+              <a:gd name="connsiteX4" fmla="*/ 7579894 w 7842631"/>
+              <a:gd name="connsiteY4" fmla="*/ 82291 h 2368291"/>
+              <a:gd name="connsiteX5" fmla="*/ 7826542 w 7842631"/>
+              <a:gd name="connsiteY5" fmla="*/ 4086 h 2368291"/>
+              <a:gd name="connsiteX6" fmla="*/ 7826542 w 7842631"/>
+              <a:gd name="connsiteY6" fmla="*/ 4086 h 2368291"/>
+              <a:gd name="connsiteX7" fmla="*/ 7826542 w 7842631"/>
+              <a:gd name="connsiteY7" fmla="*/ 4086 h 2368291"/>
+              <a:gd name="connsiteX8" fmla="*/ 7826542 w 7842631"/>
+              <a:gd name="connsiteY8" fmla="*/ 4086 h 2368291"/>
+            </a:gdLst>
+            <a:ahLst/>
+            <a:cxnLst>
+              <a:cxn ang="0">
+                <a:pos x="connsiteX0" y="connsiteY0"/>
+              </a:cxn>
+              <a:cxn ang="0">
+                <a:pos x="connsiteX1" y="connsiteY1"/>
+              </a:cxn>
+              <a:cxn ang="0">
+                <a:pos x="connsiteX2" y="connsiteY2"/>
+              </a:cxn>
+              <a:cxn ang="0">
+                <a:pos x="connsiteX3" y="connsiteY3"/>
+              </a:cxn>
+              <a:cxn ang="0">
+                <a:pos x="connsiteX4" y="connsiteY4"/>
+              </a:cxn>
+              <a:cxn ang="0">
+                <a:pos x="connsiteX5" y="connsiteY5"/>
+              </a:cxn>
+              <a:cxn ang="0">
+                <a:pos x="connsiteX6" y="connsiteY6"/>
+              </a:cxn>
+              <a:cxn ang="0">
+                <a:pos x="connsiteX7" y="connsiteY7"/>
+              </a:cxn>
+              <a:cxn ang="0">
+                <a:pos x="connsiteX8" y="connsiteY8"/>
+              </a:cxn>
+            </a:cxnLst>
+            <a:rect l="l" t="t" r="r" b="b"/>
+            <a:pathLst>
+              <a:path w="7842631" h="2368291">
+                <a:moveTo>
+                  <a:pt x="0" y="2368291"/>
+                </a:moveTo>
+                <a:cubicBezTo>
+                  <a:pt x="1380122" y="2200350"/>
+                  <a:pt x="2760244" y="2032409"/>
+                  <a:pt x="3525252" y="1844917"/>
+                </a:cubicBezTo>
+                <a:cubicBezTo>
+                  <a:pt x="4290260" y="1657425"/>
+                  <a:pt x="4230102" y="1440856"/>
+                  <a:pt x="4590047" y="1243338"/>
+                </a:cubicBezTo>
+                <a:cubicBezTo>
+                  <a:pt x="4949992" y="1045820"/>
+                  <a:pt x="5186613" y="853315"/>
+                  <a:pt x="5684921" y="659807"/>
+                </a:cubicBezTo>
+                <a:cubicBezTo>
+                  <a:pt x="6183229" y="466299"/>
+                  <a:pt x="7222957" y="191578"/>
+                  <a:pt x="7579894" y="82291"/>
+                </a:cubicBezTo>
+                <a:cubicBezTo>
+                  <a:pt x="7936831" y="-26996"/>
+                  <a:pt x="7826542" y="4086"/>
+                  <a:pt x="7826542" y="4086"/>
+                </a:cubicBezTo>
+                <a:lnTo>
+                  <a:pt x="7826542" y="4086"/>
+                </a:lnTo>
+                <a:lnTo>
+                  <a:pt x="7826542" y="4086"/>
+                </a:lnTo>
+                <a:lnTo>
+                  <a:pt x="7826542" y="4086"/>
+                </a:lnTo>
+              </a:path>
+            </a:pathLst>
+          </a:custGeom>
+          <a:noFill/>
+          <a:ln>
+            <a:solidFill>
+              <a:srgbClr val="C00000"/>
+            </a:solidFill>
+          </a:ln>
+        </p:spPr>
+        <p:style>
+          <a:lnRef idx="2">
+            <a:schemeClr val="accent1">
+              <a:shade val="15000"/>
+            </a:schemeClr>
+          </a:lnRef>
+          <a:fillRef idx="1">
+            <a:schemeClr val="accent1"/>
+          </a:fillRef>
+          <a:effectRef idx="0">
+            <a:schemeClr val="accent1"/>
+          </a:effectRef>
+          <a:fontRef idx="minor">
+            <a:schemeClr val="lt1"/>
+          </a:fontRef>
+        </p:style>
+        <p:txBody>
+          <a:bodyPr rtlCol="0" anchor="ctr"/>
+          <a:lstStyle/>
+          <a:p>
+            <a:pPr algn="ctr"/>
+            <a:endParaRPr lang="zh-CN" altLang="en-US"/>
+          </a:p>
+        </p:txBody>
+      </p:sp>
+      <p:sp>
+        <p:nvSpPr>
+          <p:cNvPr id="44" name="文本框 43">
+            <a:extLst>
+              <a:ext uri="{FF2B5EF4-FFF2-40B4-BE49-F238E27FC236}">
+                <a16:creationId xmlns:a16="http://schemas.microsoft.com/office/drawing/2014/main" id="{68AA2E3A-0DAE-D142-908E-C19DD113E45F}"/>
+              </a:ext>
+            </a:extLst>
+          </p:cNvPr>
+          <p:cNvSpPr txBox="1"/>
+          <p:nvPr/>
+        </p:nvSpPr>
+        <p:spPr>
+          <a:xfrm>
+            <a:off x="916782" y="4173163"/>
+            <a:ext cx="676725" cy="523220"/>
+          </a:xfrm>
+          <a:prstGeom prst="rect">
+            <a:avLst/>
+          </a:prstGeom>
+          <a:noFill/>
+        </p:spPr>
+        <p:txBody>
+          <a:bodyPr wrap="none" rtlCol="0">
+            <a:spAutoFit/>
+          </a:bodyPr>
+          <a:lstStyle/>
+          <a:p>
+            <a:pPr algn="ctr"/>
+            <a:r>
+              <a:rPr lang="en-US" altLang="zh-CN" sz="1400" b="1" dirty="0">
+                <a:latin typeface="+mn-ea"/>
+              </a:rPr>
+              <a:t>Value</a:t>
+            </a:r>
+          </a:p>
+          <a:p>
+            <a:pPr algn="ctr"/>
+            <a:r>
+              <a:rPr lang="zh-CN" altLang="en-US" sz="1400" b="1" dirty="0">
+                <a:latin typeface="+mn-ea"/>
+              </a:rPr>
+              <a:t>价值</a:t>
+            </a:r>
+            <a:endParaRPr lang="en-US" altLang="zh-CN" sz="1400" b="1" dirty="0">
+              <a:latin typeface="+mn-ea"/>
+            </a:endParaRPr>
+          </a:p>
+        </p:txBody>
+      </p:sp>
+      <p:cxnSp>
+        <p:nvCxnSpPr>
+          <p:cNvPr id="46" name="直接连接符 45">
+            <a:extLst>
+              <a:ext uri="{FF2B5EF4-FFF2-40B4-BE49-F238E27FC236}">
+                <a16:creationId xmlns:a16="http://schemas.microsoft.com/office/drawing/2014/main" id="{B6E21437-36B8-B156-6CC8-45074CF507F2}"/>
+              </a:ext>
+            </a:extLst>
+          </p:cNvPr>
+          <p:cNvCxnSpPr>
+            <a:cxnSpLocks/>
+          </p:cNvCxnSpPr>
+          <p:nvPr/>
+        </p:nvCxnSpPr>
+        <p:spPr>
+          <a:xfrm>
+            <a:off x="6882063" y="2232185"/>
+            <a:ext cx="0" cy="3294049"/>
+          </a:xfrm>
+          <a:prstGeom prst="line">
+            <a:avLst/>
+          </a:prstGeom>
+          <a:ln w="19050" cap="flat" cmpd="sng" algn="ctr">
+            <a:solidFill>
+              <a:schemeClr val="accent2"/>
+            </a:solidFill>
+            <a:prstDash val="dash"/>
+            <a:round/>
+            <a:headEnd type="none" w="med" len="med"/>
+            <a:tailEnd type="none" w="med" len="med"/>
+          </a:ln>
+        </p:spPr>
+        <p:style>
+          <a:lnRef idx="0">
+            <a:scrgbClr r="0" g="0" b="0"/>
+          </a:lnRef>
+          <a:fillRef idx="0">
+            <a:scrgbClr r="0" g="0" b="0"/>
+          </a:fillRef>
+          <a:effectRef idx="0">
+            <a:scrgbClr r="0" g="0" b="0"/>
+          </a:effectRef>
+          <a:fontRef idx="minor">
+            <a:schemeClr val="tx1"/>
+          </a:fontRef>
+        </p:style>
+      </p:cxnSp>
+      <p:sp>
+        <p:nvSpPr>
+          <p:cNvPr id="48" name="文本框 47">
+            <a:extLst>
+              <a:ext uri="{FF2B5EF4-FFF2-40B4-BE49-F238E27FC236}">
+                <a16:creationId xmlns:a16="http://schemas.microsoft.com/office/drawing/2014/main" id="{A5982DE5-1493-A696-5F5F-36143DFD602E}"/>
+              </a:ext>
+            </a:extLst>
+          </p:cNvPr>
+          <p:cNvSpPr txBox="1"/>
+          <p:nvPr/>
+        </p:nvSpPr>
+        <p:spPr>
+          <a:xfrm>
+            <a:off x="6328065" y="5577318"/>
+            <a:ext cx="1107996" cy="415498"/>
+          </a:xfrm>
+          <a:prstGeom prst="rect">
+            <a:avLst/>
+          </a:prstGeom>
+          <a:noFill/>
+        </p:spPr>
+        <p:txBody>
+          <a:bodyPr wrap="none" rtlCol="0">
+            <a:spAutoFit/>
+          </a:bodyPr>
+          <a:lstStyle/>
+          <a:p>
+            <a:pPr algn="ctr"/>
+            <a:r>
+              <a:rPr lang="en-US" altLang="zh-CN" sz="1050" b="1" dirty="0">
+                <a:solidFill>
+                  <a:schemeClr val="accent2">
+                    <a:lumMod val="75000"/>
+                  </a:schemeClr>
+                </a:solidFill>
+                <a:latin typeface="+mn-ea"/>
+              </a:rPr>
+              <a:t>Collaboration</a:t>
+            </a:r>
+          </a:p>
+          <a:p>
+            <a:pPr algn="ctr"/>
+            <a:r>
+              <a:rPr lang="zh-CN" altLang="en-US" sz="1050" b="1" dirty="0">
+                <a:solidFill>
+                  <a:schemeClr val="accent2">
+                    <a:lumMod val="75000"/>
+                  </a:schemeClr>
+                </a:solidFill>
+                <a:latin typeface="+mn-ea"/>
+              </a:rPr>
+              <a:t>协作</a:t>
+            </a:r>
+            <a:endParaRPr lang="en-US" altLang="zh-CN" sz="1050" b="1" dirty="0">
+              <a:solidFill>
+                <a:schemeClr val="accent2">
+                  <a:lumMod val="75000"/>
+                </a:schemeClr>
+              </a:solidFill>
+              <a:latin typeface="+mn-ea"/>
+            </a:endParaRPr>
+          </a:p>
+        </p:txBody>
+      </p:sp>
+    </p:spTree>
+    <p:extLst>
+      <p:ext uri="{BB962C8B-B14F-4D97-AF65-F5344CB8AC3E}">
+        <p14:creationId xmlns:p14="http://schemas.microsoft.com/office/powerpoint/2010/main" val="30899931"/>
       </p:ext>
     </p:extLst>
   </p:cSld>

--- a/images/2024/画图.pptx
+++ b/images/2024/画图.pptx
@@ -10,6 +10,7 @@
     <p:sldId id="258" r:id="rId4"/>
     <p:sldId id="259" r:id="rId5"/>
     <p:sldId id="260" r:id="rId6"/>
+    <p:sldId id="261" r:id="rId7"/>
   </p:sldIdLst>
   <p:sldSz cx="12192000" cy="6858000"/>
   <p:notesSz cx="6858000" cy="9144000"/>
@@ -3678,7 +3679,7 @@
           <a:p>
             <a:fld id="{D997B5FA-0921-464F-AAE1-844C04324D75}" type="datetimeFigureOut">
               <a:rPr lang="zh-CN" altLang="en-US" smtClean="0"/>
-              <a:t>2024/5/14</a:t>
+              <a:t>2024/5/19</a:t>
             </a:fld>
             <a:endParaRPr lang="zh-CN" altLang="en-US"/>
           </a:p>
@@ -3846,7 +3847,7 @@
           <a:p>
             <a:fld id="{D997B5FA-0921-464F-AAE1-844C04324D75}" type="datetimeFigureOut">
               <a:rPr lang="zh-CN" altLang="en-US" smtClean="0"/>
-              <a:t>2024/5/14</a:t>
+              <a:t>2024/5/19</a:t>
             </a:fld>
             <a:endParaRPr lang="zh-CN" altLang="en-US"/>
           </a:p>
@@ -4024,7 +4025,7 @@
           <a:p>
             <a:fld id="{D997B5FA-0921-464F-AAE1-844C04324D75}" type="datetimeFigureOut">
               <a:rPr lang="zh-CN" altLang="en-US" smtClean="0"/>
-              <a:t>2024/5/14</a:t>
+              <a:t>2024/5/19</a:t>
             </a:fld>
             <a:endParaRPr lang="zh-CN" altLang="en-US"/>
           </a:p>
@@ -4192,7 +4193,7 @@
           <a:p>
             <a:fld id="{D997B5FA-0921-464F-AAE1-844C04324D75}" type="datetimeFigureOut">
               <a:rPr lang="zh-CN" altLang="en-US" smtClean="0"/>
-              <a:t>2024/5/14</a:t>
+              <a:t>2024/5/19</a:t>
             </a:fld>
             <a:endParaRPr lang="zh-CN" altLang="en-US"/>
           </a:p>
@@ -4437,7 +4438,7 @@
           <a:p>
             <a:fld id="{D997B5FA-0921-464F-AAE1-844C04324D75}" type="datetimeFigureOut">
               <a:rPr lang="zh-CN" altLang="en-US" smtClean="0"/>
-              <a:t>2024/5/14</a:t>
+              <a:t>2024/5/19</a:t>
             </a:fld>
             <a:endParaRPr lang="zh-CN" altLang="en-US"/>
           </a:p>
@@ -4666,7 +4667,7 @@
           <a:p>
             <a:fld id="{D997B5FA-0921-464F-AAE1-844C04324D75}" type="datetimeFigureOut">
               <a:rPr lang="zh-CN" altLang="en-US" smtClean="0"/>
-              <a:t>2024/5/14</a:t>
+              <a:t>2024/5/19</a:t>
             </a:fld>
             <a:endParaRPr lang="zh-CN" altLang="en-US"/>
           </a:p>
@@ -5030,7 +5031,7 @@
           <a:p>
             <a:fld id="{D997B5FA-0921-464F-AAE1-844C04324D75}" type="datetimeFigureOut">
               <a:rPr lang="zh-CN" altLang="en-US" smtClean="0"/>
-              <a:t>2024/5/14</a:t>
+              <a:t>2024/5/19</a:t>
             </a:fld>
             <a:endParaRPr lang="zh-CN" altLang="en-US"/>
           </a:p>
@@ -5147,7 +5148,7 @@
           <a:p>
             <a:fld id="{D997B5FA-0921-464F-AAE1-844C04324D75}" type="datetimeFigureOut">
               <a:rPr lang="zh-CN" altLang="en-US" smtClean="0"/>
-              <a:t>2024/5/14</a:t>
+              <a:t>2024/5/19</a:t>
             </a:fld>
             <a:endParaRPr lang="zh-CN" altLang="en-US"/>
           </a:p>
@@ -5242,7 +5243,7 @@
           <a:p>
             <a:fld id="{D997B5FA-0921-464F-AAE1-844C04324D75}" type="datetimeFigureOut">
               <a:rPr lang="zh-CN" altLang="en-US" smtClean="0"/>
-              <a:t>2024/5/14</a:t>
+              <a:t>2024/5/19</a:t>
             </a:fld>
             <a:endParaRPr lang="zh-CN" altLang="en-US"/>
           </a:p>
@@ -5517,7 +5518,7 @@
           <a:p>
             <a:fld id="{D997B5FA-0921-464F-AAE1-844C04324D75}" type="datetimeFigureOut">
               <a:rPr lang="zh-CN" altLang="en-US" smtClean="0"/>
-              <a:t>2024/5/14</a:t>
+              <a:t>2024/5/19</a:t>
             </a:fld>
             <a:endParaRPr lang="zh-CN" altLang="en-US"/>
           </a:p>
@@ -5769,7 +5770,7 @@
           <a:p>
             <a:fld id="{D997B5FA-0921-464F-AAE1-844C04324D75}" type="datetimeFigureOut">
               <a:rPr lang="zh-CN" altLang="en-US" smtClean="0"/>
-              <a:t>2024/5/14</a:t>
+              <a:t>2024/5/19</a:t>
             </a:fld>
             <a:endParaRPr lang="zh-CN" altLang="en-US"/>
           </a:p>
@@ -5980,7 +5981,7 @@
           <a:p>
             <a:fld id="{D997B5FA-0921-464F-AAE1-844C04324D75}" type="datetimeFigureOut">
               <a:rPr lang="zh-CN" altLang="en-US" smtClean="0"/>
-              <a:t>2024/5/14</a:t>
+              <a:t>2024/5/19</a:t>
             </a:fld>
             <a:endParaRPr lang="zh-CN" altLang="en-US"/>
           </a:p>
@@ -11970,6 +11971,717 @@
     <p:extLst>
       <p:ext uri="{BB962C8B-B14F-4D97-AF65-F5344CB8AC3E}">
         <p14:creationId xmlns:p14="http://schemas.microsoft.com/office/powerpoint/2010/main" val="30899931"/>
+      </p:ext>
+    </p:extLst>
+  </p:cSld>
+  <p:clrMapOvr>
+    <a:masterClrMapping/>
+  </p:clrMapOvr>
+</p:sld>
+</file>
+
+<file path=ppt/slides/slide6.xml><?xml version="1.0" encoding="utf-8"?>
+<p:sld xmlns:a="http://schemas.openxmlformats.org/drawingml/2006/main" xmlns:r="http://schemas.openxmlformats.org/officeDocument/2006/relationships" xmlns:p="http://schemas.openxmlformats.org/presentationml/2006/main">
+  <p:cSld>
+    <p:spTree>
+      <p:nvGrpSpPr>
+        <p:cNvPr id="1" name=""/>
+        <p:cNvGrpSpPr/>
+        <p:nvPr/>
+      </p:nvGrpSpPr>
+      <p:grpSpPr>
+        <a:xfrm>
+          <a:off x="0" y="0"/>
+          <a:ext cx="0" cy="0"/>
+          <a:chOff x="0" y="0"/>
+          <a:chExt cx="0" cy="0"/>
+        </a:xfrm>
+      </p:grpSpPr>
+      <p:sp>
+        <p:nvSpPr>
+          <p:cNvPr id="5" name="矩形 4">
+            <a:extLst>
+              <a:ext uri="{FF2B5EF4-FFF2-40B4-BE49-F238E27FC236}">
+                <a16:creationId xmlns:a16="http://schemas.microsoft.com/office/drawing/2014/main" id="{E80D975A-4681-3DED-735D-20894CE7130B}"/>
+              </a:ext>
+            </a:extLst>
+          </p:cNvPr>
+          <p:cNvSpPr/>
+          <p:nvPr/>
+        </p:nvSpPr>
+        <p:spPr>
+          <a:xfrm>
+            <a:off x="1780671" y="2592806"/>
+            <a:ext cx="1179094" cy="643689"/>
+          </a:xfrm>
+          <a:prstGeom prst="rect">
+            <a:avLst/>
+          </a:prstGeom>
+          <a:solidFill>
+            <a:srgbClr val="0070C0"/>
+          </a:solidFill>
+          <a:ln>
+            <a:solidFill>
+              <a:srgbClr val="0070C0"/>
+            </a:solidFill>
+          </a:ln>
+        </p:spPr>
+        <p:style>
+          <a:lnRef idx="2">
+            <a:schemeClr val="accent2">
+              <a:shade val="15000"/>
+            </a:schemeClr>
+          </a:lnRef>
+          <a:fillRef idx="1">
+            <a:schemeClr val="accent2"/>
+          </a:fillRef>
+          <a:effectRef idx="0">
+            <a:schemeClr val="accent2"/>
+          </a:effectRef>
+          <a:fontRef idx="minor">
+            <a:schemeClr val="lt1"/>
+          </a:fontRef>
+        </p:style>
+        <p:txBody>
+          <a:bodyPr rtlCol="0" anchor="ctr"/>
+          <a:lstStyle/>
+          <a:p>
+            <a:pPr algn="ctr"/>
+            <a:r>
+              <a:rPr lang="zh-CN" altLang="en-US" sz="1100" dirty="0"/>
+              <a:t>本地编辑</a:t>
+            </a:r>
+            <a:r>
+              <a:rPr lang="en-US" altLang="zh-CN" sz="1100" dirty="0" err="1"/>
+              <a:t>Hexo</a:t>
+            </a:r>
+            <a:r>
+              <a:rPr lang="zh-CN" altLang="en-US" sz="1100" dirty="0"/>
+              <a:t>的</a:t>
+            </a:r>
+            <a:r>
+              <a:rPr lang="en-US" altLang="zh-CN" sz="1100" dirty="0"/>
+              <a:t>markdown</a:t>
+            </a:r>
+            <a:r>
+              <a:rPr lang="zh-CN" altLang="en-US" sz="1100" dirty="0"/>
+              <a:t>文件</a:t>
+            </a:r>
+          </a:p>
+        </p:txBody>
+      </p:sp>
+      <p:sp>
+        <p:nvSpPr>
+          <p:cNvPr id="6" name="矩形 5">
+            <a:extLst>
+              <a:ext uri="{FF2B5EF4-FFF2-40B4-BE49-F238E27FC236}">
+                <a16:creationId xmlns:a16="http://schemas.microsoft.com/office/drawing/2014/main" id="{C39CD450-F446-E444-0744-90B5DD1F87E4}"/>
+              </a:ext>
+            </a:extLst>
+          </p:cNvPr>
+          <p:cNvSpPr/>
+          <p:nvPr/>
+        </p:nvSpPr>
+        <p:spPr>
+          <a:xfrm>
+            <a:off x="3621502" y="2592806"/>
+            <a:ext cx="1179094" cy="643689"/>
+          </a:xfrm>
+          <a:prstGeom prst="rect">
+            <a:avLst/>
+          </a:prstGeom>
+          <a:solidFill>
+            <a:srgbClr val="0070C0"/>
+          </a:solidFill>
+          <a:ln>
+            <a:solidFill>
+              <a:srgbClr val="0070C0"/>
+            </a:solidFill>
+          </a:ln>
+        </p:spPr>
+        <p:style>
+          <a:lnRef idx="2">
+            <a:schemeClr val="accent2">
+              <a:shade val="15000"/>
+            </a:schemeClr>
+          </a:lnRef>
+          <a:fillRef idx="1">
+            <a:schemeClr val="accent2"/>
+          </a:fillRef>
+          <a:effectRef idx="0">
+            <a:schemeClr val="accent2"/>
+          </a:effectRef>
+          <a:fontRef idx="minor">
+            <a:schemeClr val="lt1"/>
+          </a:fontRef>
+        </p:style>
+        <p:txBody>
+          <a:bodyPr rtlCol="0" anchor="ctr"/>
+          <a:lstStyle/>
+          <a:p>
+            <a:pPr algn="ctr"/>
+            <a:r>
+              <a:rPr lang="zh-CN" altLang="en-US" sz="1100" dirty="0"/>
+              <a:t>提交至远程代码仓库</a:t>
+            </a:r>
+          </a:p>
+        </p:txBody>
+      </p:sp>
+      <p:sp>
+        <p:nvSpPr>
+          <p:cNvPr id="7" name="箭头: 右 6">
+            <a:extLst>
+              <a:ext uri="{FF2B5EF4-FFF2-40B4-BE49-F238E27FC236}">
+                <a16:creationId xmlns:a16="http://schemas.microsoft.com/office/drawing/2014/main" id="{6503635A-1606-AC9A-40A5-93930864E74F}"/>
+              </a:ext>
+            </a:extLst>
+          </p:cNvPr>
+          <p:cNvSpPr/>
+          <p:nvPr/>
+        </p:nvSpPr>
+        <p:spPr>
+          <a:xfrm>
+            <a:off x="3182350" y="2785311"/>
+            <a:ext cx="270710" cy="252663"/>
+          </a:xfrm>
+          <a:prstGeom prst="rightArrow">
+            <a:avLst/>
+          </a:prstGeom>
+          <a:ln>
+            <a:noFill/>
+          </a:ln>
+        </p:spPr>
+        <p:style>
+          <a:lnRef idx="2">
+            <a:schemeClr val="accent1">
+              <a:shade val="15000"/>
+            </a:schemeClr>
+          </a:lnRef>
+          <a:fillRef idx="1">
+            <a:schemeClr val="accent1"/>
+          </a:fillRef>
+          <a:effectRef idx="0">
+            <a:schemeClr val="accent1"/>
+          </a:effectRef>
+          <a:fontRef idx="minor">
+            <a:schemeClr val="lt1"/>
+          </a:fontRef>
+        </p:style>
+        <p:txBody>
+          <a:bodyPr rtlCol="0" anchor="ctr"/>
+          <a:lstStyle/>
+          <a:p>
+            <a:pPr algn="ctr"/>
+            <a:endParaRPr lang="zh-CN" altLang="en-US"/>
+          </a:p>
+        </p:txBody>
+      </p:sp>
+      <p:sp>
+        <p:nvSpPr>
+          <p:cNvPr id="8" name="矩形 7">
+            <a:extLst>
+              <a:ext uri="{FF2B5EF4-FFF2-40B4-BE49-F238E27FC236}">
+                <a16:creationId xmlns:a16="http://schemas.microsoft.com/office/drawing/2014/main" id="{733DAF37-F67A-8984-EC5B-48E784D783D5}"/>
+              </a:ext>
+            </a:extLst>
+          </p:cNvPr>
+          <p:cNvSpPr/>
+          <p:nvPr/>
+        </p:nvSpPr>
+        <p:spPr>
+          <a:xfrm>
+            <a:off x="5317955" y="2589797"/>
+            <a:ext cx="1179094" cy="643689"/>
+          </a:xfrm>
+          <a:prstGeom prst="rect">
+            <a:avLst/>
+          </a:prstGeom>
+          <a:solidFill>
+            <a:srgbClr val="00B050"/>
+          </a:solidFill>
+          <a:ln>
+            <a:solidFill>
+              <a:srgbClr val="00B050"/>
+            </a:solidFill>
+          </a:ln>
+        </p:spPr>
+        <p:style>
+          <a:lnRef idx="2">
+            <a:schemeClr val="accent2">
+              <a:shade val="15000"/>
+            </a:schemeClr>
+          </a:lnRef>
+          <a:fillRef idx="1">
+            <a:schemeClr val="accent2"/>
+          </a:fillRef>
+          <a:effectRef idx="0">
+            <a:schemeClr val="accent2"/>
+          </a:effectRef>
+          <a:fontRef idx="minor">
+            <a:schemeClr val="lt1"/>
+          </a:fontRef>
+        </p:style>
+        <p:txBody>
+          <a:bodyPr rtlCol="0" anchor="ctr"/>
+          <a:lstStyle/>
+          <a:p>
+            <a:pPr algn="ctr"/>
+            <a:r>
+              <a:rPr lang="en-US" altLang="zh-CN" sz="1100" dirty="0"/>
+              <a:t>Node.js</a:t>
+            </a:r>
+            <a:r>
+              <a:rPr lang="zh-CN" altLang="en-US" sz="1100" dirty="0"/>
+              <a:t>构建</a:t>
+            </a:r>
+            <a:r>
+              <a:rPr lang="en-US" altLang="zh-CN" sz="1100" dirty="0" err="1"/>
+              <a:t>Hexo</a:t>
+            </a:r>
+            <a:r>
+              <a:rPr lang="zh-CN" altLang="en-US" sz="1100" dirty="0"/>
+              <a:t>网站</a:t>
+            </a:r>
+          </a:p>
+        </p:txBody>
+      </p:sp>
+      <p:sp>
+        <p:nvSpPr>
+          <p:cNvPr id="9" name="矩形 8">
+            <a:extLst>
+              <a:ext uri="{FF2B5EF4-FFF2-40B4-BE49-F238E27FC236}">
+                <a16:creationId xmlns:a16="http://schemas.microsoft.com/office/drawing/2014/main" id="{D3927D53-B2D9-07DD-1848-BB4E968AB04B}"/>
+              </a:ext>
+            </a:extLst>
+          </p:cNvPr>
+          <p:cNvSpPr/>
+          <p:nvPr/>
+        </p:nvSpPr>
+        <p:spPr>
+          <a:xfrm>
+            <a:off x="6912139" y="2580773"/>
+            <a:ext cx="1179094" cy="643689"/>
+          </a:xfrm>
+          <a:prstGeom prst="rect">
+            <a:avLst/>
+          </a:prstGeom>
+          <a:solidFill>
+            <a:srgbClr val="00B050"/>
+          </a:solidFill>
+          <a:ln>
+            <a:solidFill>
+              <a:srgbClr val="00B050"/>
+            </a:solidFill>
+          </a:ln>
+        </p:spPr>
+        <p:style>
+          <a:lnRef idx="2">
+            <a:schemeClr val="accent2">
+              <a:shade val="15000"/>
+            </a:schemeClr>
+          </a:lnRef>
+          <a:fillRef idx="1">
+            <a:schemeClr val="accent2"/>
+          </a:fillRef>
+          <a:effectRef idx="0">
+            <a:schemeClr val="accent2"/>
+          </a:effectRef>
+          <a:fontRef idx="minor">
+            <a:schemeClr val="lt1"/>
+          </a:fontRef>
+        </p:style>
+        <p:txBody>
+          <a:bodyPr rtlCol="0" anchor="ctr"/>
+          <a:lstStyle/>
+          <a:p>
+            <a:pPr algn="ctr"/>
+            <a:r>
+              <a:rPr lang="zh-CN" altLang="en-US" sz="1100" dirty="0"/>
+              <a:t>将制品自动打包上传服务器</a:t>
+            </a:r>
+          </a:p>
+        </p:txBody>
+      </p:sp>
+      <p:sp>
+        <p:nvSpPr>
+          <p:cNvPr id="10" name="矩形 9">
+            <a:extLst>
+              <a:ext uri="{FF2B5EF4-FFF2-40B4-BE49-F238E27FC236}">
+                <a16:creationId xmlns:a16="http://schemas.microsoft.com/office/drawing/2014/main" id="{47012692-78EA-D8C9-6F60-A0B8CF4C2970}"/>
+              </a:ext>
+            </a:extLst>
+          </p:cNvPr>
+          <p:cNvSpPr/>
+          <p:nvPr/>
+        </p:nvSpPr>
+        <p:spPr>
+          <a:xfrm>
+            <a:off x="8500311" y="2580772"/>
+            <a:ext cx="1179094" cy="643689"/>
+          </a:xfrm>
+          <a:prstGeom prst="rect">
+            <a:avLst/>
+          </a:prstGeom>
+          <a:solidFill>
+            <a:srgbClr val="00B050"/>
+          </a:solidFill>
+          <a:ln>
+            <a:solidFill>
+              <a:srgbClr val="00B050"/>
+            </a:solidFill>
+          </a:ln>
+        </p:spPr>
+        <p:style>
+          <a:lnRef idx="2">
+            <a:schemeClr val="accent2">
+              <a:shade val="15000"/>
+            </a:schemeClr>
+          </a:lnRef>
+          <a:fillRef idx="1">
+            <a:schemeClr val="accent2"/>
+          </a:fillRef>
+          <a:effectRef idx="0">
+            <a:schemeClr val="accent2"/>
+          </a:effectRef>
+          <a:fontRef idx="minor">
+            <a:schemeClr val="lt1"/>
+          </a:fontRef>
+        </p:style>
+        <p:txBody>
+          <a:bodyPr rtlCol="0" anchor="ctr"/>
+          <a:lstStyle/>
+          <a:p>
+            <a:pPr algn="ctr"/>
+            <a:r>
+              <a:rPr lang="zh-CN" altLang="en-US" sz="1100" dirty="0"/>
+              <a:t>在服务器上</a:t>
+            </a:r>
+            <a:r>
+              <a:rPr lang="zh-CN" altLang="en-US" sz="1100"/>
+              <a:t>发布部署</a:t>
+            </a:r>
+            <a:r>
+              <a:rPr lang="en-US" altLang="zh-CN" sz="1100" dirty="0" err="1"/>
+              <a:t>Hexo</a:t>
+            </a:r>
+            <a:r>
+              <a:rPr lang="zh-CN" altLang="en-US" sz="1100" dirty="0"/>
+              <a:t>网站</a:t>
+            </a:r>
+          </a:p>
+        </p:txBody>
+      </p:sp>
+      <p:sp>
+        <p:nvSpPr>
+          <p:cNvPr id="11" name="箭头: 右 10">
+            <a:extLst>
+              <a:ext uri="{FF2B5EF4-FFF2-40B4-BE49-F238E27FC236}">
+                <a16:creationId xmlns:a16="http://schemas.microsoft.com/office/drawing/2014/main" id="{EBD09F8E-CA38-5EF1-F98C-E94726A4BF9C}"/>
+              </a:ext>
+            </a:extLst>
+          </p:cNvPr>
+          <p:cNvSpPr/>
+          <p:nvPr/>
+        </p:nvSpPr>
+        <p:spPr>
+          <a:xfrm>
+            <a:off x="4944976" y="2776284"/>
+            <a:ext cx="270710" cy="252663"/>
+          </a:xfrm>
+          <a:prstGeom prst="rightArrow">
+            <a:avLst/>
+          </a:prstGeom>
+          <a:ln>
+            <a:noFill/>
+          </a:ln>
+        </p:spPr>
+        <p:style>
+          <a:lnRef idx="2">
+            <a:schemeClr val="accent1">
+              <a:shade val="15000"/>
+            </a:schemeClr>
+          </a:lnRef>
+          <a:fillRef idx="1">
+            <a:schemeClr val="accent1"/>
+          </a:fillRef>
+          <a:effectRef idx="0">
+            <a:schemeClr val="accent1"/>
+          </a:effectRef>
+          <a:fontRef idx="minor">
+            <a:schemeClr val="lt1"/>
+          </a:fontRef>
+        </p:style>
+        <p:txBody>
+          <a:bodyPr rtlCol="0" anchor="ctr"/>
+          <a:lstStyle/>
+          <a:p>
+            <a:pPr algn="ctr"/>
+            <a:endParaRPr lang="zh-CN" altLang="en-US"/>
+          </a:p>
+        </p:txBody>
+      </p:sp>
+      <p:sp>
+        <p:nvSpPr>
+          <p:cNvPr id="12" name="箭头: 右 11">
+            <a:extLst>
+              <a:ext uri="{FF2B5EF4-FFF2-40B4-BE49-F238E27FC236}">
+                <a16:creationId xmlns:a16="http://schemas.microsoft.com/office/drawing/2014/main" id="{759CBCDA-51F3-1131-07AB-11D0BF4749DC}"/>
+              </a:ext>
+            </a:extLst>
+          </p:cNvPr>
+          <p:cNvSpPr/>
+          <p:nvPr/>
+        </p:nvSpPr>
+        <p:spPr>
+          <a:xfrm>
+            <a:off x="6569239" y="2785311"/>
+            <a:ext cx="270710" cy="252663"/>
+          </a:xfrm>
+          <a:prstGeom prst="rightArrow">
+            <a:avLst/>
+          </a:prstGeom>
+          <a:ln>
+            <a:noFill/>
+          </a:ln>
+        </p:spPr>
+        <p:style>
+          <a:lnRef idx="2">
+            <a:schemeClr val="accent1">
+              <a:shade val="15000"/>
+            </a:schemeClr>
+          </a:lnRef>
+          <a:fillRef idx="1">
+            <a:schemeClr val="accent1"/>
+          </a:fillRef>
+          <a:effectRef idx="0">
+            <a:schemeClr val="accent1"/>
+          </a:effectRef>
+          <a:fontRef idx="minor">
+            <a:schemeClr val="lt1"/>
+          </a:fontRef>
+        </p:style>
+        <p:txBody>
+          <a:bodyPr rtlCol="0" anchor="ctr"/>
+          <a:lstStyle/>
+          <a:p>
+            <a:pPr algn="ctr"/>
+            <a:endParaRPr lang="zh-CN" altLang="en-US"/>
+          </a:p>
+        </p:txBody>
+      </p:sp>
+      <p:sp>
+        <p:nvSpPr>
+          <p:cNvPr id="13" name="箭头: 右 12">
+            <a:extLst>
+              <a:ext uri="{FF2B5EF4-FFF2-40B4-BE49-F238E27FC236}">
+                <a16:creationId xmlns:a16="http://schemas.microsoft.com/office/drawing/2014/main" id="{DA8728DD-3A12-8214-6F56-E00E93E5EC24}"/>
+              </a:ext>
+            </a:extLst>
+          </p:cNvPr>
+          <p:cNvSpPr/>
+          <p:nvPr/>
+        </p:nvSpPr>
+        <p:spPr>
+          <a:xfrm>
+            <a:off x="8163423" y="2797336"/>
+            <a:ext cx="270710" cy="252663"/>
+          </a:xfrm>
+          <a:prstGeom prst="rightArrow">
+            <a:avLst/>
+          </a:prstGeom>
+          <a:ln>
+            <a:noFill/>
+          </a:ln>
+        </p:spPr>
+        <p:style>
+          <a:lnRef idx="2">
+            <a:schemeClr val="accent1">
+              <a:shade val="15000"/>
+            </a:schemeClr>
+          </a:lnRef>
+          <a:fillRef idx="1">
+            <a:schemeClr val="accent1"/>
+          </a:fillRef>
+          <a:effectRef idx="0">
+            <a:schemeClr val="accent1"/>
+          </a:effectRef>
+          <a:fontRef idx="minor">
+            <a:schemeClr val="lt1"/>
+          </a:fontRef>
+        </p:style>
+        <p:txBody>
+          <a:bodyPr rtlCol="0" anchor="ctr"/>
+          <a:lstStyle/>
+          <a:p>
+            <a:pPr algn="ctr"/>
+            <a:endParaRPr lang="zh-CN" altLang="en-US"/>
+          </a:p>
+        </p:txBody>
+      </p:sp>
+      <p:sp>
+        <p:nvSpPr>
+          <p:cNvPr id="14" name="文本框 13">
+            <a:extLst>
+              <a:ext uri="{FF2B5EF4-FFF2-40B4-BE49-F238E27FC236}">
+                <a16:creationId xmlns:a16="http://schemas.microsoft.com/office/drawing/2014/main" id="{68623BDA-5AA8-4E72-0897-1C4B7C0F2349}"/>
+              </a:ext>
+            </a:extLst>
+          </p:cNvPr>
+          <p:cNvSpPr txBox="1"/>
+          <p:nvPr/>
+        </p:nvSpPr>
+        <p:spPr>
+          <a:xfrm>
+            <a:off x="2536586" y="3595322"/>
+            <a:ext cx="1291528" cy="307777"/>
+          </a:xfrm>
+          <a:prstGeom prst="rect">
+            <a:avLst/>
+          </a:prstGeom>
+          <a:noFill/>
+        </p:spPr>
+        <p:txBody>
+          <a:bodyPr wrap="square" rtlCol="0">
+            <a:spAutoFit/>
+          </a:bodyPr>
+          <a:lstStyle/>
+          <a:p>
+            <a:pPr algn="ctr"/>
+            <a:r>
+              <a:rPr lang="zh-CN" altLang="en-US" sz="1400" dirty="0"/>
+              <a:t>开发</a:t>
+            </a:r>
+          </a:p>
+        </p:txBody>
+      </p:sp>
+      <p:sp>
+        <p:nvSpPr>
+          <p:cNvPr id="15" name="左大括号 14">
+            <a:extLst>
+              <a:ext uri="{FF2B5EF4-FFF2-40B4-BE49-F238E27FC236}">
+                <a16:creationId xmlns:a16="http://schemas.microsoft.com/office/drawing/2014/main" id="{0304811E-05AF-C776-2F2C-F0B176BA1A0F}"/>
+              </a:ext>
+            </a:extLst>
+          </p:cNvPr>
+          <p:cNvSpPr/>
+          <p:nvPr/>
+        </p:nvSpPr>
+        <p:spPr>
+          <a:xfrm rot="16200000">
+            <a:off x="3077074" y="2255919"/>
+            <a:ext cx="210552" cy="2472490"/>
+          </a:xfrm>
+          <a:prstGeom prst="leftBrace">
+            <a:avLst/>
+          </a:prstGeom>
+        </p:spPr>
+        <p:style>
+          <a:lnRef idx="1">
+            <a:schemeClr val="accent1"/>
+          </a:lnRef>
+          <a:fillRef idx="0">
+            <a:schemeClr val="accent1"/>
+          </a:fillRef>
+          <a:effectRef idx="0">
+            <a:schemeClr val="accent1"/>
+          </a:effectRef>
+          <a:fontRef idx="minor">
+            <a:schemeClr val="tx1"/>
+          </a:fontRef>
+        </p:style>
+        <p:txBody>
+          <a:bodyPr rtlCol="0" anchor="ctr"/>
+          <a:lstStyle/>
+          <a:p>
+            <a:pPr algn="ctr"/>
+            <a:endParaRPr lang="zh-CN" altLang="en-US"/>
+          </a:p>
+        </p:txBody>
+      </p:sp>
+      <p:sp>
+        <p:nvSpPr>
+          <p:cNvPr id="16" name="文本框 15">
+            <a:extLst>
+              <a:ext uri="{FF2B5EF4-FFF2-40B4-BE49-F238E27FC236}">
+                <a16:creationId xmlns:a16="http://schemas.microsoft.com/office/drawing/2014/main" id="{DF71AF2F-D18D-346D-99FB-75B0C9827CAC}"/>
+              </a:ext>
+            </a:extLst>
+          </p:cNvPr>
+          <p:cNvSpPr txBox="1"/>
+          <p:nvPr/>
+        </p:nvSpPr>
+        <p:spPr>
+          <a:xfrm>
+            <a:off x="6799705" y="3595322"/>
+            <a:ext cx="1291528" cy="307777"/>
+          </a:xfrm>
+          <a:prstGeom prst="rect">
+            <a:avLst/>
+          </a:prstGeom>
+          <a:noFill/>
+        </p:spPr>
+        <p:txBody>
+          <a:bodyPr wrap="square" rtlCol="0">
+            <a:spAutoFit/>
+          </a:bodyPr>
+          <a:lstStyle/>
+          <a:p>
+            <a:pPr algn="ctr"/>
+            <a:r>
+              <a:rPr lang="zh-CN" altLang="en-US" sz="1400" dirty="0"/>
+              <a:t>运维</a:t>
+            </a:r>
+          </a:p>
+        </p:txBody>
+      </p:sp>
+      <p:sp>
+        <p:nvSpPr>
+          <p:cNvPr id="17" name="左大括号 16">
+            <a:extLst>
+              <a:ext uri="{FF2B5EF4-FFF2-40B4-BE49-F238E27FC236}">
+                <a16:creationId xmlns:a16="http://schemas.microsoft.com/office/drawing/2014/main" id="{5F366933-2136-316D-44B5-830073104619}"/>
+              </a:ext>
+            </a:extLst>
+          </p:cNvPr>
+          <p:cNvSpPr/>
+          <p:nvPr/>
+        </p:nvSpPr>
+        <p:spPr>
+          <a:xfrm rot="16200000">
+            <a:off x="7328161" y="2255919"/>
+            <a:ext cx="210552" cy="2472490"/>
+          </a:xfrm>
+          <a:prstGeom prst="leftBrace">
+            <a:avLst/>
+          </a:prstGeom>
+        </p:spPr>
+        <p:style>
+          <a:lnRef idx="1">
+            <a:schemeClr val="accent1"/>
+          </a:lnRef>
+          <a:fillRef idx="0">
+            <a:schemeClr val="accent1"/>
+          </a:fillRef>
+          <a:effectRef idx="0">
+            <a:schemeClr val="accent1"/>
+          </a:effectRef>
+          <a:fontRef idx="minor">
+            <a:schemeClr val="tx1"/>
+          </a:fontRef>
+        </p:style>
+        <p:txBody>
+          <a:bodyPr rtlCol="0" anchor="ctr"/>
+          <a:lstStyle/>
+          <a:p>
+            <a:pPr algn="ctr"/>
+            <a:endParaRPr lang="zh-CN" altLang="en-US"/>
+          </a:p>
+        </p:txBody>
+      </p:sp>
+    </p:spTree>
+    <p:extLst>
+      <p:ext uri="{BB962C8B-B14F-4D97-AF65-F5344CB8AC3E}">
+        <p14:creationId xmlns:p14="http://schemas.microsoft.com/office/powerpoint/2010/main" val="58029566"/>
       </p:ext>
     </p:extLst>
   </p:cSld>

--- a/images/2024/画图.pptx
+++ b/images/2024/画图.pptx
@@ -11,6 +11,7 @@
     <p:sldId id="259" r:id="rId5"/>
     <p:sldId id="260" r:id="rId6"/>
     <p:sldId id="261" r:id="rId7"/>
+    <p:sldId id="262" r:id="rId8"/>
   </p:sldIdLst>
   <p:sldSz cx="12192000" cy="6858000"/>
   <p:notesSz cx="6858000" cy="9144000"/>
@@ -865,6 +866,925 @@
   <dgm:styleLbl name="fgShp">
     <dgm:fillClrLst meth="repeat">
       <a:schemeClr val="accent5">
+        <a:tint val="40000"/>
+      </a:schemeClr>
+    </dgm:fillClrLst>
+    <dgm:linClrLst meth="repeat">
+      <a:schemeClr val="lt1"/>
+    </dgm:linClrLst>
+    <dgm:effectClrLst/>
+    <dgm:txLinClrLst/>
+    <dgm:txFillClrLst meth="repeat">
+      <a:schemeClr val="dk1"/>
+    </dgm:txFillClrLst>
+    <dgm:txEffectClrLst/>
+  </dgm:styleLbl>
+  <dgm:styleLbl name="revTx">
+    <dgm:fillClrLst meth="repeat">
+      <a:schemeClr val="lt1">
+        <a:alpha val="0"/>
+      </a:schemeClr>
+    </dgm:fillClrLst>
+    <dgm:linClrLst meth="repeat">
+      <a:schemeClr val="dk1">
+        <a:alpha val="0"/>
+      </a:schemeClr>
+    </dgm:linClrLst>
+    <dgm:effectClrLst/>
+    <dgm:txLinClrLst/>
+    <dgm:txFillClrLst meth="repeat">
+      <a:schemeClr val="tx1"/>
+    </dgm:txFillClrLst>
+    <dgm:txEffectClrLst/>
+  </dgm:styleLbl>
+</dgm:colorsDef>
+</file>
+
+<file path=ppt/diagrams/colors2.xml><?xml version="1.0" encoding="utf-8"?>
+<dgm:colorsDef xmlns:dgm="http://schemas.openxmlformats.org/drawingml/2006/diagram" xmlns:a="http://schemas.openxmlformats.org/drawingml/2006/main" uniqueId="urn:microsoft.com/office/officeart/2005/8/colors/colorful1">
+  <dgm:title val=""/>
+  <dgm:desc val=""/>
+  <dgm:catLst>
+    <dgm:cat type="colorful" pri="10100"/>
+  </dgm:catLst>
+  <dgm:styleLbl name="node0">
+    <dgm:fillClrLst meth="repeat">
+      <a:schemeClr val="accent1"/>
+    </dgm:fillClrLst>
+    <dgm:linClrLst meth="repeat">
+      <a:schemeClr val="lt1"/>
+    </dgm:linClrLst>
+    <dgm:effectClrLst/>
+    <dgm:txLinClrLst/>
+    <dgm:txFillClrLst/>
+    <dgm:txEffectClrLst/>
+  </dgm:styleLbl>
+  <dgm:styleLbl name="node1">
+    <dgm:fillClrLst meth="repeat">
+      <a:schemeClr val="accent2"/>
+      <a:schemeClr val="accent3"/>
+      <a:schemeClr val="accent4"/>
+      <a:schemeClr val="accent5"/>
+      <a:schemeClr val="accent6"/>
+    </dgm:fillClrLst>
+    <dgm:linClrLst meth="repeat">
+      <a:schemeClr val="lt1"/>
+    </dgm:linClrLst>
+    <dgm:effectClrLst/>
+    <dgm:txLinClrLst/>
+    <dgm:txFillClrLst/>
+    <dgm:txEffectClrLst/>
+  </dgm:styleLbl>
+  <dgm:styleLbl name="alignNode1">
+    <dgm:fillClrLst meth="repeat">
+      <a:schemeClr val="accent2"/>
+      <a:schemeClr val="accent3"/>
+      <a:schemeClr val="accent4"/>
+      <a:schemeClr val="accent5"/>
+      <a:schemeClr val="accent6"/>
+    </dgm:fillClrLst>
+    <dgm:linClrLst meth="repeat">
+      <a:schemeClr val="accent2"/>
+      <a:schemeClr val="accent3"/>
+      <a:schemeClr val="accent4"/>
+      <a:schemeClr val="accent5"/>
+      <a:schemeClr val="accent6"/>
+    </dgm:linClrLst>
+    <dgm:effectClrLst/>
+    <dgm:txLinClrLst/>
+    <dgm:txFillClrLst/>
+    <dgm:txEffectClrLst/>
+  </dgm:styleLbl>
+  <dgm:styleLbl name="lnNode1">
+    <dgm:fillClrLst meth="repeat">
+      <a:schemeClr val="accent2"/>
+      <a:schemeClr val="accent3"/>
+      <a:schemeClr val="accent4"/>
+      <a:schemeClr val="accent5"/>
+      <a:schemeClr val="accent6"/>
+    </dgm:fillClrLst>
+    <dgm:linClrLst meth="repeat">
+      <a:schemeClr val="lt1"/>
+    </dgm:linClrLst>
+    <dgm:effectClrLst/>
+    <dgm:txLinClrLst/>
+    <dgm:txFillClrLst/>
+    <dgm:txEffectClrLst/>
+  </dgm:styleLbl>
+  <dgm:styleLbl name="vennNode1">
+    <dgm:fillClrLst meth="repeat">
+      <a:schemeClr val="accent2">
+        <a:alpha val="50000"/>
+      </a:schemeClr>
+      <a:schemeClr val="accent3">
+        <a:alpha val="50000"/>
+      </a:schemeClr>
+      <a:schemeClr val="accent4">
+        <a:alpha val="50000"/>
+      </a:schemeClr>
+      <a:schemeClr val="accent5">
+        <a:alpha val="50000"/>
+      </a:schemeClr>
+      <a:schemeClr val="accent6">
+        <a:alpha val="50000"/>
+      </a:schemeClr>
+    </dgm:fillClrLst>
+    <dgm:linClrLst meth="repeat">
+      <a:schemeClr val="lt1"/>
+    </dgm:linClrLst>
+    <dgm:effectClrLst/>
+    <dgm:txLinClrLst/>
+    <dgm:txFillClrLst/>
+    <dgm:txEffectClrLst/>
+  </dgm:styleLbl>
+  <dgm:styleLbl name="node2">
+    <dgm:fillClrLst>
+      <a:schemeClr val="accent2"/>
+    </dgm:fillClrLst>
+    <dgm:linClrLst meth="repeat">
+      <a:schemeClr val="lt1"/>
+    </dgm:linClrLst>
+    <dgm:effectClrLst/>
+    <dgm:txLinClrLst/>
+    <dgm:txFillClrLst/>
+    <dgm:txEffectClrLst/>
+  </dgm:styleLbl>
+  <dgm:styleLbl name="node3">
+    <dgm:fillClrLst>
+      <a:schemeClr val="accent3"/>
+    </dgm:fillClrLst>
+    <dgm:linClrLst meth="repeat">
+      <a:schemeClr val="lt1"/>
+    </dgm:linClrLst>
+    <dgm:effectClrLst/>
+    <dgm:txLinClrLst/>
+    <dgm:txFillClrLst/>
+    <dgm:txEffectClrLst/>
+  </dgm:styleLbl>
+  <dgm:styleLbl name="node4">
+    <dgm:fillClrLst>
+      <a:schemeClr val="accent4"/>
+    </dgm:fillClrLst>
+    <dgm:linClrLst meth="repeat">
+      <a:schemeClr val="lt1"/>
+    </dgm:linClrLst>
+    <dgm:effectClrLst/>
+    <dgm:txLinClrLst/>
+    <dgm:txFillClrLst/>
+    <dgm:txEffectClrLst/>
+  </dgm:styleLbl>
+  <dgm:styleLbl name="fgImgPlace1">
+    <dgm:fillClrLst meth="repeat">
+      <a:schemeClr val="accent2">
+        <a:tint val="50000"/>
+      </a:schemeClr>
+      <a:schemeClr val="accent3">
+        <a:tint val="50000"/>
+      </a:schemeClr>
+      <a:schemeClr val="accent4">
+        <a:tint val="50000"/>
+      </a:schemeClr>
+      <a:schemeClr val="accent5">
+        <a:tint val="50000"/>
+      </a:schemeClr>
+      <a:schemeClr val="accent6">
+        <a:tint val="50000"/>
+      </a:schemeClr>
+    </dgm:fillClrLst>
+    <dgm:linClrLst meth="repeat">
+      <a:schemeClr val="lt1"/>
+    </dgm:linClrLst>
+    <dgm:effectClrLst/>
+    <dgm:txLinClrLst/>
+    <dgm:txFillClrLst meth="repeat">
+      <a:schemeClr val="lt1"/>
+    </dgm:txFillClrLst>
+    <dgm:txEffectClrLst/>
+  </dgm:styleLbl>
+  <dgm:styleLbl name="alignImgPlace1">
+    <dgm:fillClrLst>
+      <a:schemeClr val="accent1">
+        <a:tint val="50000"/>
+      </a:schemeClr>
+      <a:schemeClr val="accent2">
+        <a:tint val="20000"/>
+      </a:schemeClr>
+    </dgm:fillClrLst>
+    <dgm:linClrLst meth="repeat">
+      <a:schemeClr val="lt1"/>
+    </dgm:linClrLst>
+    <dgm:effectClrLst/>
+    <dgm:txLinClrLst/>
+    <dgm:txFillClrLst meth="repeat">
+      <a:schemeClr val="lt1"/>
+    </dgm:txFillClrLst>
+    <dgm:txEffectClrLst/>
+  </dgm:styleLbl>
+  <dgm:styleLbl name="bgImgPlace1">
+    <dgm:fillClrLst>
+      <a:schemeClr val="accent1">
+        <a:tint val="50000"/>
+      </a:schemeClr>
+      <a:schemeClr val="accent2">
+        <a:tint val="20000"/>
+      </a:schemeClr>
+    </dgm:fillClrLst>
+    <dgm:linClrLst meth="repeat">
+      <a:schemeClr val="lt1"/>
+    </dgm:linClrLst>
+    <dgm:effectClrLst/>
+    <dgm:txLinClrLst/>
+    <dgm:txFillClrLst meth="repeat">
+      <a:schemeClr val="lt1"/>
+    </dgm:txFillClrLst>
+    <dgm:txEffectClrLst/>
+  </dgm:styleLbl>
+  <dgm:styleLbl name="sibTrans2D1">
+    <dgm:fillClrLst meth="repeat">
+      <a:schemeClr val="accent2"/>
+      <a:schemeClr val="accent3"/>
+      <a:schemeClr val="accent4"/>
+      <a:schemeClr val="accent5"/>
+      <a:schemeClr val="accent6"/>
+    </dgm:fillClrLst>
+    <dgm:linClrLst meth="cycle">
+      <a:schemeClr val="lt1"/>
+    </dgm:linClrLst>
+    <dgm:effectClrLst/>
+    <dgm:txLinClrLst/>
+    <dgm:txFillClrLst/>
+    <dgm:txEffectClrLst/>
+  </dgm:styleLbl>
+  <dgm:styleLbl name="fgSibTrans2D1">
+    <dgm:fillClrLst meth="repeat">
+      <a:schemeClr val="accent2"/>
+      <a:schemeClr val="accent3"/>
+      <a:schemeClr val="accent4"/>
+      <a:schemeClr val="accent5"/>
+      <a:schemeClr val="accent6"/>
+    </dgm:fillClrLst>
+    <dgm:linClrLst meth="cycle">
+      <a:schemeClr val="lt1"/>
+    </dgm:linClrLst>
+    <dgm:effectClrLst/>
+    <dgm:txLinClrLst/>
+    <dgm:txFillClrLst meth="repeat">
+      <a:schemeClr val="lt1"/>
+    </dgm:txFillClrLst>
+    <dgm:txEffectClrLst/>
+  </dgm:styleLbl>
+  <dgm:styleLbl name="bgSibTrans2D1">
+    <dgm:fillClrLst meth="repeat">
+      <a:schemeClr val="accent2"/>
+      <a:schemeClr val="accent3"/>
+      <a:schemeClr val="accent4"/>
+      <a:schemeClr val="accent5"/>
+      <a:schemeClr val="accent6"/>
+    </dgm:fillClrLst>
+    <dgm:linClrLst meth="cycle">
+      <a:schemeClr val="lt1"/>
+    </dgm:linClrLst>
+    <dgm:effectClrLst/>
+    <dgm:txLinClrLst/>
+    <dgm:txFillClrLst meth="repeat">
+      <a:schemeClr val="lt1"/>
+    </dgm:txFillClrLst>
+    <dgm:txEffectClrLst/>
+  </dgm:styleLbl>
+  <dgm:styleLbl name="sibTrans1D1">
+    <dgm:fillClrLst meth="repeat">
+      <a:schemeClr val="accent2"/>
+      <a:schemeClr val="accent3"/>
+      <a:schemeClr val="accent4"/>
+      <a:schemeClr val="accent5"/>
+      <a:schemeClr val="accent6"/>
+    </dgm:fillClrLst>
+    <dgm:linClrLst meth="repeat">
+      <a:schemeClr val="accent2"/>
+      <a:schemeClr val="accent3"/>
+      <a:schemeClr val="accent4"/>
+      <a:schemeClr val="accent5"/>
+      <a:schemeClr val="accent6"/>
+    </dgm:linClrLst>
+    <dgm:effectClrLst/>
+    <dgm:txLinClrLst/>
+    <dgm:txFillClrLst meth="repeat">
+      <a:schemeClr val="tx1"/>
+    </dgm:txFillClrLst>
+    <dgm:txEffectClrLst/>
+  </dgm:styleLbl>
+  <dgm:styleLbl name="callout">
+    <dgm:fillClrLst meth="repeat">
+      <a:schemeClr val="accent2"/>
+    </dgm:fillClrLst>
+    <dgm:linClrLst meth="repeat">
+      <a:schemeClr val="accent2">
+        <a:tint val="50000"/>
+      </a:schemeClr>
+    </dgm:linClrLst>
+    <dgm:effectClrLst/>
+    <dgm:txLinClrLst/>
+    <dgm:txFillClrLst meth="repeat">
+      <a:schemeClr val="tx1"/>
+    </dgm:txFillClrLst>
+    <dgm:txEffectClrLst/>
+  </dgm:styleLbl>
+  <dgm:styleLbl name="asst0">
+    <dgm:fillClrLst meth="repeat">
+      <a:schemeClr val="accent1"/>
+    </dgm:fillClrLst>
+    <dgm:linClrLst meth="repeat">
+      <a:schemeClr val="lt1"/>
+    </dgm:linClrLst>
+    <dgm:effectClrLst/>
+    <dgm:txLinClrLst/>
+    <dgm:txFillClrLst/>
+    <dgm:txEffectClrLst/>
+  </dgm:styleLbl>
+  <dgm:styleLbl name="asst1">
+    <dgm:fillClrLst meth="repeat">
+      <a:schemeClr val="accent2"/>
+    </dgm:fillClrLst>
+    <dgm:linClrLst meth="repeat">
+      <a:schemeClr val="lt1"/>
+    </dgm:linClrLst>
+    <dgm:effectClrLst/>
+    <dgm:txLinClrLst/>
+    <dgm:txFillClrLst/>
+    <dgm:txEffectClrLst/>
+  </dgm:styleLbl>
+  <dgm:styleLbl name="asst2">
+    <dgm:fillClrLst>
+      <a:schemeClr val="accent3"/>
+    </dgm:fillClrLst>
+    <dgm:linClrLst meth="repeat">
+      <a:schemeClr val="lt1"/>
+    </dgm:linClrLst>
+    <dgm:effectClrLst/>
+    <dgm:txLinClrLst/>
+    <dgm:txFillClrLst/>
+    <dgm:txEffectClrLst/>
+  </dgm:styleLbl>
+  <dgm:styleLbl name="asst3">
+    <dgm:fillClrLst>
+      <a:schemeClr val="accent4"/>
+    </dgm:fillClrLst>
+    <dgm:linClrLst meth="repeat">
+      <a:schemeClr val="lt1"/>
+    </dgm:linClrLst>
+    <dgm:effectClrLst/>
+    <dgm:txLinClrLst/>
+    <dgm:txFillClrLst/>
+    <dgm:txEffectClrLst/>
+  </dgm:styleLbl>
+  <dgm:styleLbl name="asst4">
+    <dgm:fillClrLst>
+      <a:schemeClr val="accent5"/>
+    </dgm:fillClrLst>
+    <dgm:linClrLst meth="repeat">
+      <a:schemeClr val="lt1"/>
+    </dgm:linClrLst>
+    <dgm:effectClrLst/>
+    <dgm:txLinClrLst/>
+    <dgm:txFillClrLst/>
+    <dgm:txEffectClrLst/>
+  </dgm:styleLbl>
+  <dgm:styleLbl name="parChTrans2D1">
+    <dgm:fillClrLst meth="repeat">
+      <a:schemeClr val="accent2"/>
+    </dgm:fillClrLst>
+    <dgm:linClrLst meth="repeat">
+      <a:schemeClr val="lt1"/>
+    </dgm:linClrLst>
+    <dgm:effectClrLst/>
+    <dgm:txLinClrLst/>
+    <dgm:txFillClrLst meth="repeat">
+      <a:schemeClr val="lt1"/>
+    </dgm:txFillClrLst>
+    <dgm:txEffectClrLst/>
+  </dgm:styleLbl>
+  <dgm:styleLbl name="parChTrans2D2">
+    <dgm:fillClrLst meth="repeat">
+      <a:schemeClr val="accent3"/>
+    </dgm:fillClrLst>
+    <dgm:linClrLst meth="repeat">
+      <a:schemeClr val="lt1"/>
+    </dgm:linClrLst>
+    <dgm:effectClrLst/>
+    <dgm:txLinClrLst/>
+    <dgm:txFillClrLst/>
+    <dgm:txEffectClrLst/>
+  </dgm:styleLbl>
+  <dgm:styleLbl name="parChTrans2D3">
+    <dgm:fillClrLst meth="repeat">
+      <a:schemeClr val="accent4"/>
+    </dgm:fillClrLst>
+    <dgm:linClrLst meth="repeat">
+      <a:schemeClr val="lt1"/>
+    </dgm:linClrLst>
+    <dgm:effectClrLst/>
+    <dgm:txLinClrLst/>
+    <dgm:txFillClrLst/>
+    <dgm:txEffectClrLst/>
+  </dgm:styleLbl>
+  <dgm:styleLbl name="parChTrans2D4">
+    <dgm:fillClrLst meth="repeat">
+      <a:schemeClr val="accent5"/>
+    </dgm:fillClrLst>
+    <dgm:linClrLst meth="repeat">
+      <a:schemeClr val="lt1"/>
+    </dgm:linClrLst>
+    <dgm:effectClrLst/>
+    <dgm:txLinClrLst/>
+    <dgm:txFillClrLst meth="repeat">
+      <a:schemeClr val="lt1"/>
+    </dgm:txFillClrLst>
+    <dgm:txEffectClrLst/>
+  </dgm:styleLbl>
+  <dgm:styleLbl name="parChTrans1D1">
+    <dgm:fillClrLst meth="repeat">
+      <a:schemeClr val="accent2"/>
+    </dgm:fillClrLst>
+    <dgm:linClrLst meth="repeat">
+      <a:schemeClr val="accent1"/>
+    </dgm:linClrLst>
+    <dgm:effectClrLst/>
+    <dgm:txLinClrLst/>
+    <dgm:txFillClrLst meth="repeat">
+      <a:schemeClr val="tx1"/>
+    </dgm:txFillClrLst>
+    <dgm:txEffectClrLst/>
+  </dgm:styleLbl>
+  <dgm:styleLbl name="parChTrans1D2">
+    <dgm:fillClrLst meth="repeat">
+      <a:schemeClr val="accent3">
+        <a:tint val="90000"/>
+      </a:schemeClr>
+    </dgm:fillClrLst>
+    <dgm:linClrLst meth="repeat">
+      <a:schemeClr val="accent2"/>
+    </dgm:linClrLst>
+    <dgm:effectClrLst/>
+    <dgm:txLinClrLst/>
+    <dgm:txFillClrLst meth="repeat">
+      <a:schemeClr val="tx1"/>
+    </dgm:txFillClrLst>
+    <dgm:txEffectClrLst/>
+  </dgm:styleLbl>
+  <dgm:styleLbl name="parChTrans1D3">
+    <dgm:fillClrLst meth="repeat">
+      <a:schemeClr val="accent4">
+        <a:tint val="70000"/>
+      </a:schemeClr>
+    </dgm:fillClrLst>
+    <dgm:linClrLst meth="repeat">
+      <a:schemeClr val="accent3"/>
+    </dgm:linClrLst>
+    <dgm:effectClrLst/>
+    <dgm:txLinClrLst/>
+    <dgm:txFillClrLst meth="repeat">
+      <a:schemeClr val="tx1"/>
+    </dgm:txFillClrLst>
+    <dgm:txEffectClrLst/>
+  </dgm:styleLbl>
+  <dgm:styleLbl name="parChTrans1D4">
+    <dgm:fillClrLst meth="repeat">
+      <a:schemeClr val="accent5">
+        <a:tint val="50000"/>
+      </a:schemeClr>
+    </dgm:fillClrLst>
+    <dgm:linClrLst meth="repeat">
+      <a:schemeClr val="accent4"/>
+    </dgm:linClrLst>
+    <dgm:effectClrLst/>
+    <dgm:txLinClrLst/>
+    <dgm:txFillClrLst meth="repeat">
+      <a:schemeClr val="tx1"/>
+    </dgm:txFillClrLst>
+    <dgm:txEffectClrLst/>
+  </dgm:styleLbl>
+  <dgm:styleLbl name="fgAcc1">
+    <dgm:fillClrLst meth="repeat">
+      <a:schemeClr val="lt1">
+        <a:alpha val="90000"/>
+      </a:schemeClr>
+    </dgm:fillClrLst>
+    <dgm:linClrLst meth="repeat">
+      <a:schemeClr val="accent2"/>
+      <a:schemeClr val="accent3"/>
+      <a:schemeClr val="accent4"/>
+      <a:schemeClr val="accent5"/>
+      <a:schemeClr val="accent6"/>
+    </dgm:linClrLst>
+    <dgm:effectClrLst/>
+    <dgm:txLinClrLst/>
+    <dgm:txFillClrLst meth="repeat">
+      <a:schemeClr val="dk1"/>
+    </dgm:txFillClrLst>
+    <dgm:txEffectClrLst/>
+  </dgm:styleLbl>
+  <dgm:styleLbl name="conFgAcc1">
+    <dgm:fillClrLst meth="repeat">
+      <a:schemeClr val="lt1">
+        <a:alpha val="90000"/>
+      </a:schemeClr>
+    </dgm:fillClrLst>
+    <dgm:linClrLst meth="repeat">
+      <a:schemeClr val="accent2"/>
+      <a:schemeClr val="accent3"/>
+      <a:schemeClr val="accent4"/>
+      <a:schemeClr val="accent5"/>
+      <a:schemeClr val="accent6"/>
+    </dgm:linClrLst>
+    <dgm:effectClrLst/>
+    <dgm:txLinClrLst/>
+    <dgm:txFillClrLst meth="repeat">
+      <a:schemeClr val="dk1"/>
+    </dgm:txFillClrLst>
+    <dgm:txEffectClrLst/>
+  </dgm:styleLbl>
+  <dgm:styleLbl name="alignAcc1">
+    <dgm:fillClrLst meth="repeat">
+      <a:schemeClr val="lt1">
+        <a:alpha val="90000"/>
+      </a:schemeClr>
+    </dgm:fillClrLst>
+    <dgm:linClrLst meth="repeat">
+      <a:schemeClr val="accent2"/>
+      <a:schemeClr val="accent3"/>
+      <a:schemeClr val="accent4"/>
+      <a:schemeClr val="accent5"/>
+      <a:schemeClr val="accent6"/>
+    </dgm:linClrLst>
+    <dgm:effectClrLst/>
+    <dgm:txLinClrLst/>
+    <dgm:txFillClrLst meth="repeat">
+      <a:schemeClr val="dk1"/>
+    </dgm:txFillClrLst>
+    <dgm:txEffectClrLst/>
+  </dgm:styleLbl>
+  <dgm:styleLbl name="trAlignAcc1">
+    <dgm:fillClrLst meth="repeat">
+      <a:schemeClr val="lt1">
+        <a:alpha val="40000"/>
+      </a:schemeClr>
+    </dgm:fillClrLst>
+    <dgm:linClrLst meth="repeat">
+      <a:schemeClr val="accent1"/>
+    </dgm:linClrLst>
+    <dgm:effectClrLst/>
+    <dgm:txLinClrLst/>
+    <dgm:txFillClrLst meth="repeat">
+      <a:schemeClr val="dk1"/>
+    </dgm:txFillClrLst>
+    <dgm:txEffectClrLst/>
+  </dgm:styleLbl>
+  <dgm:styleLbl name="bgAcc1">
+    <dgm:fillClrLst meth="repeat">
+      <a:schemeClr val="lt1">
+        <a:alpha val="90000"/>
+      </a:schemeClr>
+    </dgm:fillClrLst>
+    <dgm:linClrLst meth="repeat">
+      <a:schemeClr val="accent2"/>
+      <a:schemeClr val="accent3"/>
+      <a:schemeClr val="accent4"/>
+      <a:schemeClr val="accent5"/>
+      <a:schemeClr val="accent6"/>
+    </dgm:linClrLst>
+    <dgm:effectClrLst/>
+    <dgm:txLinClrLst/>
+    <dgm:txFillClrLst meth="repeat">
+      <a:schemeClr val="dk1"/>
+    </dgm:txFillClrLst>
+    <dgm:txEffectClrLst/>
+  </dgm:styleLbl>
+  <dgm:styleLbl name="solidFgAcc1">
+    <dgm:fillClrLst meth="repeat">
+      <a:schemeClr val="lt1"/>
+    </dgm:fillClrLst>
+    <dgm:linClrLst meth="repeat">
+      <a:schemeClr val="accent2"/>
+      <a:schemeClr val="accent3"/>
+      <a:schemeClr val="accent4"/>
+      <a:schemeClr val="accent5"/>
+      <a:schemeClr val="accent6"/>
+    </dgm:linClrLst>
+    <dgm:effectClrLst/>
+    <dgm:txLinClrLst/>
+    <dgm:txFillClrLst meth="repeat">
+      <a:schemeClr val="dk1"/>
+    </dgm:txFillClrLst>
+    <dgm:txEffectClrLst/>
+  </dgm:styleLbl>
+  <dgm:styleLbl name="solidAlignAcc1">
+    <dgm:fillClrLst meth="repeat">
+      <a:schemeClr val="lt1"/>
+    </dgm:fillClrLst>
+    <dgm:linClrLst meth="repeat">
+      <a:schemeClr val="accent2"/>
+      <a:schemeClr val="accent3"/>
+      <a:schemeClr val="accent4"/>
+      <a:schemeClr val="accent5"/>
+      <a:schemeClr val="accent6"/>
+    </dgm:linClrLst>
+    <dgm:effectClrLst/>
+    <dgm:txLinClrLst/>
+    <dgm:txFillClrLst meth="repeat">
+      <a:schemeClr val="dk1"/>
+    </dgm:txFillClrLst>
+    <dgm:txEffectClrLst/>
+  </dgm:styleLbl>
+  <dgm:styleLbl name="solidBgAcc1">
+    <dgm:fillClrLst meth="repeat">
+      <a:schemeClr val="lt1"/>
+    </dgm:fillClrLst>
+    <dgm:linClrLst meth="repeat">
+      <a:schemeClr val="accent2"/>
+      <a:schemeClr val="accent3"/>
+      <a:schemeClr val="accent4"/>
+      <a:schemeClr val="accent5"/>
+      <a:schemeClr val="accent6"/>
+    </dgm:linClrLst>
+    <dgm:effectClrLst/>
+    <dgm:txLinClrLst/>
+    <dgm:txFillClrLst meth="repeat">
+      <a:schemeClr val="dk1"/>
+    </dgm:txFillClrLst>
+    <dgm:txEffectClrLst/>
+  </dgm:styleLbl>
+  <dgm:styleLbl name="fgAccFollowNode1">
+    <dgm:fillClrLst meth="repeat">
+      <a:schemeClr val="accent2">
+        <a:tint val="40000"/>
+        <a:alpha val="90000"/>
+      </a:schemeClr>
+      <a:schemeClr val="accent3">
+        <a:tint val="40000"/>
+        <a:alpha val="90000"/>
+      </a:schemeClr>
+      <a:schemeClr val="accent4">
+        <a:tint val="40000"/>
+        <a:alpha val="90000"/>
+      </a:schemeClr>
+      <a:schemeClr val="accent5">
+        <a:tint val="40000"/>
+        <a:alpha val="90000"/>
+      </a:schemeClr>
+      <a:schemeClr val="accent6">
+        <a:tint val="40000"/>
+        <a:alpha val="90000"/>
+      </a:schemeClr>
+    </dgm:fillClrLst>
+    <dgm:linClrLst meth="repeat">
+      <a:schemeClr val="accent2">
+        <a:tint val="40000"/>
+        <a:alpha val="90000"/>
+      </a:schemeClr>
+      <a:schemeClr val="accent3">
+        <a:tint val="40000"/>
+        <a:alpha val="90000"/>
+      </a:schemeClr>
+      <a:schemeClr val="accent4">
+        <a:tint val="40000"/>
+        <a:alpha val="90000"/>
+      </a:schemeClr>
+      <a:schemeClr val="accent5">
+        <a:tint val="40000"/>
+        <a:alpha val="90000"/>
+      </a:schemeClr>
+      <a:schemeClr val="accent6">
+        <a:tint val="40000"/>
+        <a:alpha val="90000"/>
+      </a:schemeClr>
+    </dgm:linClrLst>
+    <dgm:effectClrLst/>
+    <dgm:txLinClrLst/>
+    <dgm:txFillClrLst meth="repeat">
+      <a:schemeClr val="dk1"/>
+    </dgm:txFillClrLst>
+    <dgm:txEffectClrLst/>
+  </dgm:styleLbl>
+  <dgm:styleLbl name="alignAccFollowNode1">
+    <dgm:fillClrLst meth="repeat">
+      <a:schemeClr val="accent2">
+        <a:tint val="40000"/>
+        <a:alpha val="90000"/>
+      </a:schemeClr>
+      <a:schemeClr val="accent3">
+        <a:tint val="40000"/>
+        <a:alpha val="90000"/>
+      </a:schemeClr>
+      <a:schemeClr val="accent4">
+        <a:tint val="40000"/>
+        <a:alpha val="90000"/>
+      </a:schemeClr>
+      <a:schemeClr val="accent5">
+        <a:tint val="40000"/>
+        <a:alpha val="90000"/>
+      </a:schemeClr>
+      <a:schemeClr val="accent6">
+        <a:tint val="40000"/>
+        <a:alpha val="90000"/>
+      </a:schemeClr>
+    </dgm:fillClrLst>
+    <dgm:linClrLst meth="repeat">
+      <a:schemeClr val="accent2">
+        <a:tint val="40000"/>
+        <a:alpha val="90000"/>
+      </a:schemeClr>
+      <a:schemeClr val="accent3">
+        <a:tint val="40000"/>
+        <a:alpha val="90000"/>
+      </a:schemeClr>
+      <a:schemeClr val="accent4">
+        <a:tint val="40000"/>
+        <a:alpha val="90000"/>
+      </a:schemeClr>
+      <a:schemeClr val="accent5">
+        <a:tint val="40000"/>
+        <a:alpha val="90000"/>
+      </a:schemeClr>
+      <a:schemeClr val="accent6">
+        <a:tint val="40000"/>
+        <a:alpha val="90000"/>
+      </a:schemeClr>
+    </dgm:linClrLst>
+    <dgm:effectClrLst/>
+    <dgm:txLinClrLst/>
+    <dgm:txFillClrLst meth="repeat">
+      <a:schemeClr val="dk1"/>
+    </dgm:txFillClrLst>
+    <dgm:txEffectClrLst/>
+  </dgm:styleLbl>
+  <dgm:styleLbl name="bgAccFollowNode1">
+    <dgm:fillClrLst meth="repeat">
+      <a:schemeClr val="accent2">
+        <a:tint val="40000"/>
+        <a:alpha val="90000"/>
+      </a:schemeClr>
+      <a:schemeClr val="accent3">
+        <a:tint val="40000"/>
+        <a:alpha val="90000"/>
+      </a:schemeClr>
+      <a:schemeClr val="accent4">
+        <a:tint val="40000"/>
+        <a:alpha val="90000"/>
+      </a:schemeClr>
+      <a:schemeClr val="accent5">
+        <a:tint val="40000"/>
+        <a:alpha val="90000"/>
+      </a:schemeClr>
+      <a:schemeClr val="accent6">
+        <a:tint val="40000"/>
+        <a:alpha val="90000"/>
+      </a:schemeClr>
+    </dgm:fillClrLst>
+    <dgm:linClrLst meth="repeat">
+      <a:schemeClr val="accent2">
+        <a:tint val="40000"/>
+        <a:alpha val="90000"/>
+      </a:schemeClr>
+      <a:schemeClr val="accent3">
+        <a:tint val="40000"/>
+        <a:alpha val="90000"/>
+      </a:schemeClr>
+      <a:schemeClr val="accent4">
+        <a:tint val="40000"/>
+        <a:alpha val="90000"/>
+      </a:schemeClr>
+      <a:schemeClr val="accent5">
+        <a:tint val="40000"/>
+        <a:alpha val="90000"/>
+      </a:schemeClr>
+      <a:schemeClr val="accent6">
+        <a:tint val="40000"/>
+        <a:alpha val="90000"/>
+      </a:schemeClr>
+    </dgm:linClrLst>
+    <dgm:effectClrLst/>
+    <dgm:txLinClrLst/>
+    <dgm:txFillClrLst meth="repeat">
+      <a:schemeClr val="dk1"/>
+    </dgm:txFillClrLst>
+    <dgm:txEffectClrLst/>
+  </dgm:styleLbl>
+  <dgm:styleLbl name="fgAcc0">
+    <dgm:fillClrLst meth="repeat">
+      <a:schemeClr val="lt1">
+        <a:alpha val="90000"/>
+      </a:schemeClr>
+    </dgm:fillClrLst>
+    <dgm:linClrLst>
+      <a:schemeClr val="accent1"/>
+    </dgm:linClrLst>
+    <dgm:effectClrLst/>
+    <dgm:txLinClrLst/>
+    <dgm:txFillClrLst meth="repeat">
+      <a:schemeClr val="dk1"/>
+    </dgm:txFillClrLst>
+    <dgm:txEffectClrLst/>
+  </dgm:styleLbl>
+  <dgm:styleLbl name="fgAcc2">
+    <dgm:fillClrLst meth="repeat">
+      <a:schemeClr val="lt1">
+        <a:alpha val="90000"/>
+      </a:schemeClr>
+    </dgm:fillClrLst>
+    <dgm:linClrLst>
+      <a:schemeClr val="accent2"/>
+    </dgm:linClrLst>
+    <dgm:effectClrLst/>
+    <dgm:txLinClrLst/>
+    <dgm:txFillClrLst meth="repeat">
+      <a:schemeClr val="dk1"/>
+    </dgm:txFillClrLst>
+    <dgm:txEffectClrLst/>
+  </dgm:styleLbl>
+  <dgm:styleLbl name="fgAcc3">
+    <dgm:fillClrLst meth="repeat">
+      <a:schemeClr val="lt1">
+        <a:alpha val="90000"/>
+      </a:schemeClr>
+    </dgm:fillClrLst>
+    <dgm:linClrLst>
+      <a:schemeClr val="accent3"/>
+    </dgm:linClrLst>
+    <dgm:effectClrLst/>
+    <dgm:txLinClrLst/>
+    <dgm:txFillClrLst meth="repeat">
+      <a:schemeClr val="dk1"/>
+    </dgm:txFillClrLst>
+    <dgm:txEffectClrLst/>
+  </dgm:styleLbl>
+  <dgm:styleLbl name="fgAcc4">
+    <dgm:fillClrLst meth="repeat">
+      <a:schemeClr val="lt1">
+        <a:alpha val="90000"/>
+      </a:schemeClr>
+    </dgm:fillClrLst>
+    <dgm:linClrLst>
+      <a:schemeClr val="accent4"/>
+    </dgm:linClrLst>
+    <dgm:effectClrLst/>
+    <dgm:txLinClrLst/>
+    <dgm:txFillClrLst meth="repeat">
+      <a:schemeClr val="dk1"/>
+    </dgm:txFillClrLst>
+    <dgm:txEffectClrLst/>
+  </dgm:styleLbl>
+  <dgm:styleLbl name="bgShp">
+    <dgm:fillClrLst meth="repeat">
+      <a:schemeClr val="accent2">
+        <a:tint val="40000"/>
+      </a:schemeClr>
+    </dgm:fillClrLst>
+    <dgm:linClrLst meth="repeat">
+      <a:schemeClr val="dk1"/>
+    </dgm:linClrLst>
+    <dgm:effectClrLst/>
+    <dgm:txLinClrLst/>
+    <dgm:txFillClrLst meth="repeat">
+      <a:schemeClr val="dk1"/>
+    </dgm:txFillClrLst>
+    <dgm:txEffectClrLst/>
+  </dgm:styleLbl>
+  <dgm:styleLbl name="dkBgShp">
+    <dgm:fillClrLst meth="repeat">
+      <a:schemeClr val="accent2">
+        <a:shade val="90000"/>
+      </a:schemeClr>
+    </dgm:fillClrLst>
+    <dgm:linClrLst meth="repeat">
+      <a:schemeClr val="dk1"/>
+    </dgm:linClrLst>
+    <dgm:effectClrLst/>
+    <dgm:txLinClrLst/>
+    <dgm:txFillClrLst meth="repeat">
+      <a:schemeClr val="lt1"/>
+    </dgm:txFillClrLst>
+    <dgm:txEffectClrLst/>
+  </dgm:styleLbl>
+  <dgm:styleLbl name="trBgShp">
+    <dgm:fillClrLst meth="repeat">
+      <a:schemeClr val="accent1">
+        <a:tint val="50000"/>
+        <a:alpha val="40000"/>
+      </a:schemeClr>
+    </dgm:fillClrLst>
+    <dgm:linClrLst meth="repeat">
+      <a:schemeClr val="accent2"/>
+    </dgm:linClrLst>
+    <dgm:effectClrLst/>
+    <dgm:txLinClrLst/>
+    <dgm:txFillClrLst meth="repeat">
+      <a:schemeClr val="lt1"/>
+    </dgm:txFillClrLst>
+    <dgm:txEffectClrLst/>
+  </dgm:styleLbl>
+  <dgm:styleLbl name="fgShp">
+    <dgm:fillClrLst meth="repeat">
+      <a:schemeClr val="accent2">
         <a:tint val="40000"/>
       </a:schemeClr>
     </dgm:fillClrLst>
@@ -1555,6 +2475,359 @@
     <dgm:cxn modelId="{55345821-E28D-4100-8B50-031F74276D10}" type="presParOf" srcId="{9EB7BC82-F123-4517-973A-373D0FFDEA6E}" destId="{85F911D0-762A-4889-B108-749CB7080921}" srcOrd="10" destOrd="0" presId="urn:microsoft.com/office/officeart/2005/8/layout/hChevron3"/>
     <dgm:cxn modelId="{AB72329B-8CCE-4D54-85D8-229DDC440264}" type="presParOf" srcId="{9EB7BC82-F123-4517-973A-373D0FFDEA6E}" destId="{18AFF404-0082-4461-ACEA-39FE92D82E4B}" srcOrd="11" destOrd="0" presId="urn:microsoft.com/office/officeart/2005/8/layout/hChevron3"/>
     <dgm:cxn modelId="{5A2B4B08-BDC9-48E1-B0D9-6B139407AD8E}" type="presParOf" srcId="{9EB7BC82-F123-4517-973A-373D0FFDEA6E}" destId="{4C32F56A-B2B4-42E8-A67E-F892B13FC55D}" srcOrd="12" destOrd="0" presId="urn:microsoft.com/office/officeart/2005/8/layout/hChevron3"/>
+  </dgm:cxnLst>
+  <dgm:bg/>
+  <dgm:whole/>
+  <dgm:extLst>
+    <a:ext uri="http://schemas.microsoft.com/office/drawing/2008/diagram">
+      <dsp:dataModelExt xmlns:dsp="http://schemas.microsoft.com/office/drawing/2008/diagram" relId="rId6" minVer="http://schemas.openxmlformats.org/drawingml/2006/diagram"/>
+    </a:ext>
+  </dgm:extLst>
+</dgm:dataModel>
+</file>
+
+<file path=ppt/diagrams/data2.xml><?xml version="1.0" encoding="utf-8"?>
+<dgm:dataModel xmlns:dgm="http://schemas.openxmlformats.org/drawingml/2006/diagram" xmlns:a="http://schemas.openxmlformats.org/drawingml/2006/main">
+  <dgm:ptLst>
+    <dgm:pt modelId="{98D47BDC-2B01-45CC-96B7-8002483D4835}" type="doc">
+      <dgm:prSet loTypeId="urn:microsoft.com/office/officeart/2005/8/layout/cycle2" loCatId="cycle" qsTypeId="urn:microsoft.com/office/officeart/2005/8/quickstyle/simple1" qsCatId="simple" csTypeId="urn:microsoft.com/office/officeart/2005/8/colors/colorful1" csCatId="colorful" phldr="1"/>
+      <dgm:spPr/>
+      <dgm:t>
+        <a:bodyPr/>
+        <a:lstStyle/>
+        <a:p>
+          <a:endParaRPr lang="zh-CN" altLang="en-US"/>
+        </a:p>
+      </dgm:t>
+    </dgm:pt>
+    <dgm:pt modelId="{1E3C38F3-DE06-4C8F-8800-D6B79B5D5BCE}">
+      <dgm:prSet phldrT="[文本]"/>
+      <dgm:spPr/>
+      <dgm:t>
+        <a:bodyPr/>
+        <a:lstStyle/>
+        <a:p>
+          <a:r>
+            <a:rPr lang="zh-CN" altLang="en-US" dirty="0"/>
+            <a:t>资产</a:t>
+          </a:r>
+          <a:endParaRPr lang="en-US" altLang="zh-CN" dirty="0"/>
+        </a:p>
+        <a:p>
+          <a:r>
+            <a:rPr lang="zh-CN" altLang="en-US" dirty="0"/>
+            <a:t>识别</a:t>
+          </a:r>
+        </a:p>
+      </dgm:t>
+    </dgm:pt>
+    <dgm:pt modelId="{77ECE77B-115D-4D6C-878B-873462D09DF2}" type="parTrans" cxnId="{EC52DF3B-F872-4BEA-BCE1-6011204AD2E5}">
+      <dgm:prSet/>
+      <dgm:spPr/>
+      <dgm:t>
+        <a:bodyPr/>
+        <a:lstStyle/>
+        <a:p>
+          <a:endParaRPr lang="zh-CN" altLang="en-US"/>
+        </a:p>
+      </dgm:t>
+    </dgm:pt>
+    <dgm:pt modelId="{AE74AD20-9373-4C69-A1E4-8D90E36AF0D8}" type="sibTrans" cxnId="{EC52DF3B-F872-4BEA-BCE1-6011204AD2E5}">
+      <dgm:prSet/>
+      <dgm:spPr/>
+      <dgm:t>
+        <a:bodyPr/>
+        <a:lstStyle/>
+        <a:p>
+          <a:endParaRPr lang="zh-CN" altLang="en-US"/>
+        </a:p>
+      </dgm:t>
+    </dgm:pt>
+    <dgm:pt modelId="{A821D6A2-368F-472F-925D-CCB746D6B035}">
+      <dgm:prSet phldrT="[文本]"/>
+      <dgm:spPr/>
+      <dgm:t>
+        <a:bodyPr/>
+        <a:lstStyle/>
+        <a:p>
+          <a:r>
+            <a:rPr lang="zh-CN" altLang="en-US" dirty="0"/>
+            <a:t>漏洞</a:t>
+          </a:r>
+          <a:endParaRPr lang="en-US" altLang="zh-CN" dirty="0"/>
+        </a:p>
+        <a:p>
+          <a:r>
+            <a:rPr lang="zh-CN" altLang="en-US" dirty="0"/>
+            <a:t>发现</a:t>
+          </a:r>
+        </a:p>
+      </dgm:t>
+    </dgm:pt>
+    <dgm:pt modelId="{7BCFB24D-1EBD-4775-8545-BC3C8BDAF7A5}" type="parTrans" cxnId="{8EDBB3F1-DAE7-4503-8907-EB95102F7E55}">
+      <dgm:prSet/>
+      <dgm:spPr/>
+      <dgm:t>
+        <a:bodyPr/>
+        <a:lstStyle/>
+        <a:p>
+          <a:endParaRPr lang="zh-CN" altLang="en-US"/>
+        </a:p>
+      </dgm:t>
+    </dgm:pt>
+    <dgm:pt modelId="{53C65DCE-CEB3-477F-AF29-08E8A538D621}" type="sibTrans" cxnId="{8EDBB3F1-DAE7-4503-8907-EB95102F7E55}">
+      <dgm:prSet/>
+      <dgm:spPr/>
+      <dgm:t>
+        <a:bodyPr/>
+        <a:lstStyle/>
+        <a:p>
+          <a:endParaRPr lang="zh-CN" altLang="en-US"/>
+        </a:p>
+      </dgm:t>
+    </dgm:pt>
+    <dgm:pt modelId="{D9A3FB6B-CD6C-4874-8CB3-0FF4D119F3DB}">
+      <dgm:prSet phldrT="[文本]"/>
+      <dgm:spPr/>
+      <dgm:t>
+        <a:bodyPr/>
+        <a:lstStyle/>
+        <a:p>
+          <a:r>
+            <a:rPr lang="zh-CN" altLang="en-US" dirty="0"/>
+            <a:t>风险</a:t>
+          </a:r>
+          <a:endParaRPr lang="en-US" altLang="zh-CN" dirty="0"/>
+        </a:p>
+        <a:p>
+          <a:r>
+            <a:rPr lang="zh-CN" altLang="en-US" dirty="0"/>
+            <a:t>评估</a:t>
+          </a:r>
+        </a:p>
+      </dgm:t>
+    </dgm:pt>
+    <dgm:pt modelId="{5C1622FC-A869-4A03-8614-9AE4EE06549E}" type="parTrans" cxnId="{58E467A1-8524-4396-A7AD-483725997767}">
+      <dgm:prSet/>
+      <dgm:spPr/>
+      <dgm:t>
+        <a:bodyPr/>
+        <a:lstStyle/>
+        <a:p>
+          <a:endParaRPr lang="zh-CN" altLang="en-US"/>
+        </a:p>
+      </dgm:t>
+    </dgm:pt>
+    <dgm:pt modelId="{DB92F309-176F-4818-852E-51D0A96C4EC3}" type="sibTrans" cxnId="{58E467A1-8524-4396-A7AD-483725997767}">
+      <dgm:prSet/>
+      <dgm:spPr/>
+      <dgm:t>
+        <a:bodyPr/>
+        <a:lstStyle/>
+        <a:p>
+          <a:endParaRPr lang="zh-CN" altLang="en-US"/>
+        </a:p>
+      </dgm:t>
+    </dgm:pt>
+    <dgm:pt modelId="{9B0387A7-5831-44C0-8018-0D84E9CE2C10}">
+      <dgm:prSet phldrT="[文本]"/>
+      <dgm:spPr/>
+      <dgm:t>
+        <a:bodyPr/>
+        <a:lstStyle/>
+        <a:p>
+          <a:r>
+            <a:rPr lang="zh-CN" altLang="en-US" dirty="0"/>
+            <a:t>优先级排序</a:t>
+          </a:r>
+        </a:p>
+      </dgm:t>
+    </dgm:pt>
+    <dgm:pt modelId="{6E17B9B3-F20A-4B5A-B04F-5D1A44B4C077}" type="parTrans" cxnId="{61DE053B-6B97-4349-868A-629D4C9F4EE0}">
+      <dgm:prSet/>
+      <dgm:spPr/>
+      <dgm:t>
+        <a:bodyPr/>
+        <a:lstStyle/>
+        <a:p>
+          <a:endParaRPr lang="zh-CN" altLang="en-US"/>
+        </a:p>
+      </dgm:t>
+    </dgm:pt>
+    <dgm:pt modelId="{06B8FCF4-377E-41D1-985C-7BF568C66254}" type="sibTrans" cxnId="{61DE053B-6B97-4349-868A-629D4C9F4EE0}">
+      <dgm:prSet/>
+      <dgm:spPr/>
+      <dgm:t>
+        <a:bodyPr/>
+        <a:lstStyle/>
+        <a:p>
+          <a:endParaRPr lang="zh-CN" altLang="en-US"/>
+        </a:p>
+      </dgm:t>
+    </dgm:pt>
+    <dgm:pt modelId="{0FE803FC-2B03-4C1C-A5AC-3A376639ED66}">
+      <dgm:prSet phldrT="[文本]"/>
+      <dgm:spPr/>
+      <dgm:t>
+        <a:bodyPr/>
+        <a:lstStyle/>
+        <a:p>
+          <a:r>
+            <a:rPr lang="zh-CN" altLang="en-US" dirty="0"/>
+            <a:t>修复和缓解</a:t>
+          </a:r>
+        </a:p>
+      </dgm:t>
+    </dgm:pt>
+    <dgm:pt modelId="{7D8C9C76-4120-45DE-8A56-3D99DB5CEC74}" type="parTrans" cxnId="{68497ABD-49D8-4D60-84E6-C1C9794D7303}">
+      <dgm:prSet/>
+      <dgm:spPr/>
+      <dgm:t>
+        <a:bodyPr/>
+        <a:lstStyle/>
+        <a:p>
+          <a:endParaRPr lang="zh-CN" altLang="en-US"/>
+        </a:p>
+      </dgm:t>
+    </dgm:pt>
+    <dgm:pt modelId="{106DFAE7-9595-4511-92C7-07946B8A729B}" type="sibTrans" cxnId="{68497ABD-49D8-4D60-84E6-C1C9794D7303}">
+      <dgm:prSet/>
+      <dgm:spPr/>
+      <dgm:t>
+        <a:bodyPr/>
+        <a:lstStyle/>
+        <a:p>
+          <a:endParaRPr lang="zh-CN" altLang="en-US"/>
+        </a:p>
+      </dgm:t>
+    </dgm:pt>
+    <dgm:pt modelId="{14B835B7-5F4A-4AAA-B88E-3CC70A2D7C37}" type="pres">
+      <dgm:prSet presAssocID="{98D47BDC-2B01-45CC-96B7-8002483D4835}" presName="cycle" presStyleCnt="0">
+        <dgm:presLayoutVars>
+          <dgm:dir/>
+          <dgm:resizeHandles val="exact"/>
+        </dgm:presLayoutVars>
+      </dgm:prSet>
+      <dgm:spPr/>
+    </dgm:pt>
+    <dgm:pt modelId="{0FDA6B55-B36C-42BB-A36C-82F83004236B}" type="pres">
+      <dgm:prSet presAssocID="{1E3C38F3-DE06-4C8F-8800-D6B79B5D5BCE}" presName="node" presStyleLbl="node1" presStyleIdx="0" presStyleCnt="5">
+        <dgm:presLayoutVars>
+          <dgm:bulletEnabled val="1"/>
+        </dgm:presLayoutVars>
+      </dgm:prSet>
+      <dgm:spPr/>
+    </dgm:pt>
+    <dgm:pt modelId="{AB2D8E53-0B90-4001-A1E4-2C955DFEB64D}" type="pres">
+      <dgm:prSet presAssocID="{AE74AD20-9373-4C69-A1E4-8D90E36AF0D8}" presName="sibTrans" presStyleLbl="sibTrans2D1" presStyleIdx="0" presStyleCnt="5"/>
+      <dgm:spPr/>
+    </dgm:pt>
+    <dgm:pt modelId="{28B55800-9373-449F-88FD-E833384F3DAE}" type="pres">
+      <dgm:prSet presAssocID="{AE74AD20-9373-4C69-A1E4-8D90E36AF0D8}" presName="connectorText" presStyleLbl="sibTrans2D1" presStyleIdx="0" presStyleCnt="5"/>
+      <dgm:spPr/>
+    </dgm:pt>
+    <dgm:pt modelId="{562644BE-6335-4DCB-8C4C-DFEEA1793EB9}" type="pres">
+      <dgm:prSet presAssocID="{A821D6A2-368F-472F-925D-CCB746D6B035}" presName="node" presStyleLbl="node1" presStyleIdx="1" presStyleCnt="5" custRadScaleRad="100000" custRadScaleInc="0">
+        <dgm:presLayoutVars>
+          <dgm:bulletEnabled val="1"/>
+        </dgm:presLayoutVars>
+      </dgm:prSet>
+      <dgm:spPr/>
+    </dgm:pt>
+    <dgm:pt modelId="{4D8718C9-65CD-4613-B4A4-C9992733E4D3}" type="pres">
+      <dgm:prSet presAssocID="{53C65DCE-CEB3-477F-AF29-08E8A538D621}" presName="sibTrans" presStyleLbl="sibTrans2D1" presStyleIdx="1" presStyleCnt="5"/>
+      <dgm:spPr/>
+    </dgm:pt>
+    <dgm:pt modelId="{B02EE5D0-A365-44CF-B4CF-50C2064CFF19}" type="pres">
+      <dgm:prSet presAssocID="{53C65DCE-CEB3-477F-AF29-08E8A538D621}" presName="connectorText" presStyleLbl="sibTrans2D1" presStyleIdx="1" presStyleCnt="5"/>
+      <dgm:spPr/>
+    </dgm:pt>
+    <dgm:pt modelId="{5A998BA1-E333-4CF1-A53D-57B1F3B77989}" type="pres">
+      <dgm:prSet presAssocID="{D9A3FB6B-CD6C-4874-8CB3-0FF4D119F3DB}" presName="node" presStyleLbl="node1" presStyleIdx="2" presStyleCnt="5">
+        <dgm:presLayoutVars>
+          <dgm:bulletEnabled val="1"/>
+        </dgm:presLayoutVars>
+      </dgm:prSet>
+      <dgm:spPr/>
+    </dgm:pt>
+    <dgm:pt modelId="{4C4ECD99-8C33-4C59-9301-777833C73381}" type="pres">
+      <dgm:prSet presAssocID="{DB92F309-176F-4818-852E-51D0A96C4EC3}" presName="sibTrans" presStyleLbl="sibTrans2D1" presStyleIdx="2" presStyleCnt="5"/>
+      <dgm:spPr/>
+    </dgm:pt>
+    <dgm:pt modelId="{7A6DC9D3-CC1B-420D-B318-4D992DC3F54C}" type="pres">
+      <dgm:prSet presAssocID="{DB92F309-176F-4818-852E-51D0A96C4EC3}" presName="connectorText" presStyleLbl="sibTrans2D1" presStyleIdx="2" presStyleCnt="5"/>
+      <dgm:spPr/>
+    </dgm:pt>
+    <dgm:pt modelId="{1D98F4A3-DC27-48A7-AE33-272FA34B0DDA}" type="pres">
+      <dgm:prSet presAssocID="{9B0387A7-5831-44C0-8018-0D84E9CE2C10}" presName="node" presStyleLbl="node1" presStyleIdx="3" presStyleCnt="5">
+        <dgm:presLayoutVars>
+          <dgm:bulletEnabled val="1"/>
+        </dgm:presLayoutVars>
+      </dgm:prSet>
+      <dgm:spPr/>
+    </dgm:pt>
+    <dgm:pt modelId="{07071AA2-B7B8-43C3-BC34-15DEC8F5F8CE}" type="pres">
+      <dgm:prSet presAssocID="{06B8FCF4-377E-41D1-985C-7BF568C66254}" presName="sibTrans" presStyleLbl="sibTrans2D1" presStyleIdx="3" presStyleCnt="5"/>
+      <dgm:spPr/>
+    </dgm:pt>
+    <dgm:pt modelId="{820AEC2F-E3F8-40F9-ABD8-D1A499C08AEA}" type="pres">
+      <dgm:prSet presAssocID="{06B8FCF4-377E-41D1-985C-7BF568C66254}" presName="connectorText" presStyleLbl="sibTrans2D1" presStyleIdx="3" presStyleCnt="5"/>
+      <dgm:spPr/>
+    </dgm:pt>
+    <dgm:pt modelId="{6FBA0779-7835-466C-9A7C-9C7198D6E7BD}" type="pres">
+      <dgm:prSet presAssocID="{0FE803FC-2B03-4C1C-A5AC-3A376639ED66}" presName="node" presStyleLbl="node1" presStyleIdx="4" presStyleCnt="5">
+        <dgm:presLayoutVars>
+          <dgm:bulletEnabled val="1"/>
+        </dgm:presLayoutVars>
+      </dgm:prSet>
+      <dgm:spPr/>
+    </dgm:pt>
+    <dgm:pt modelId="{9AF143E9-5282-4A1C-8CCF-22EC48F1773B}" type="pres">
+      <dgm:prSet presAssocID="{106DFAE7-9595-4511-92C7-07946B8A729B}" presName="sibTrans" presStyleLbl="sibTrans2D1" presStyleIdx="4" presStyleCnt="5"/>
+      <dgm:spPr/>
+    </dgm:pt>
+    <dgm:pt modelId="{9B3C5665-02C3-4559-AF70-2E602BD349ED}" type="pres">
+      <dgm:prSet presAssocID="{106DFAE7-9595-4511-92C7-07946B8A729B}" presName="connectorText" presStyleLbl="sibTrans2D1" presStyleIdx="4" presStyleCnt="5"/>
+      <dgm:spPr/>
+    </dgm:pt>
+  </dgm:ptLst>
+  <dgm:cxnLst>
+    <dgm:cxn modelId="{4AACC20E-A8D6-42D9-9283-6DD2E2E259E4}" type="presOf" srcId="{D9A3FB6B-CD6C-4874-8CB3-0FF4D119F3DB}" destId="{5A998BA1-E333-4CF1-A53D-57B1F3B77989}" srcOrd="0" destOrd="0" presId="urn:microsoft.com/office/officeart/2005/8/layout/cycle2"/>
+    <dgm:cxn modelId="{4FE2290F-385A-40F4-9624-27608D106453}" type="presOf" srcId="{06B8FCF4-377E-41D1-985C-7BF568C66254}" destId="{820AEC2F-E3F8-40F9-ABD8-D1A499C08AEA}" srcOrd="1" destOrd="0" presId="urn:microsoft.com/office/officeart/2005/8/layout/cycle2"/>
+    <dgm:cxn modelId="{683CA210-7AC6-4C5B-A1A4-D299C4371D93}" type="presOf" srcId="{98D47BDC-2B01-45CC-96B7-8002483D4835}" destId="{14B835B7-5F4A-4AAA-B88E-3CC70A2D7C37}" srcOrd="0" destOrd="0" presId="urn:microsoft.com/office/officeart/2005/8/layout/cycle2"/>
+    <dgm:cxn modelId="{BBDEBB23-F418-44CC-A46E-C988166FEDC2}" type="presOf" srcId="{DB92F309-176F-4818-852E-51D0A96C4EC3}" destId="{7A6DC9D3-CC1B-420D-B318-4D992DC3F54C}" srcOrd="1" destOrd="0" presId="urn:microsoft.com/office/officeart/2005/8/layout/cycle2"/>
+    <dgm:cxn modelId="{61DE053B-6B97-4349-868A-629D4C9F4EE0}" srcId="{98D47BDC-2B01-45CC-96B7-8002483D4835}" destId="{9B0387A7-5831-44C0-8018-0D84E9CE2C10}" srcOrd="3" destOrd="0" parTransId="{6E17B9B3-F20A-4B5A-B04F-5D1A44B4C077}" sibTransId="{06B8FCF4-377E-41D1-985C-7BF568C66254}"/>
+    <dgm:cxn modelId="{9536253B-86EC-4883-A152-340942B37FCD}" type="presOf" srcId="{06B8FCF4-377E-41D1-985C-7BF568C66254}" destId="{07071AA2-B7B8-43C3-BC34-15DEC8F5F8CE}" srcOrd="0" destOrd="0" presId="urn:microsoft.com/office/officeart/2005/8/layout/cycle2"/>
+    <dgm:cxn modelId="{EC52DF3B-F872-4BEA-BCE1-6011204AD2E5}" srcId="{98D47BDC-2B01-45CC-96B7-8002483D4835}" destId="{1E3C38F3-DE06-4C8F-8800-D6B79B5D5BCE}" srcOrd="0" destOrd="0" parTransId="{77ECE77B-115D-4D6C-878B-873462D09DF2}" sibTransId="{AE74AD20-9373-4C69-A1E4-8D90E36AF0D8}"/>
+    <dgm:cxn modelId="{EC1D1549-E56E-4E1A-A7BA-4300F20D35E5}" type="presOf" srcId="{AE74AD20-9373-4C69-A1E4-8D90E36AF0D8}" destId="{28B55800-9373-449F-88FD-E833384F3DAE}" srcOrd="1" destOrd="0" presId="urn:microsoft.com/office/officeart/2005/8/layout/cycle2"/>
+    <dgm:cxn modelId="{0B53B688-ECB8-4696-9E87-8452E84591F9}" type="presOf" srcId="{1E3C38F3-DE06-4C8F-8800-D6B79B5D5BCE}" destId="{0FDA6B55-B36C-42BB-A36C-82F83004236B}" srcOrd="0" destOrd="0" presId="urn:microsoft.com/office/officeart/2005/8/layout/cycle2"/>
+    <dgm:cxn modelId="{D57A748C-243F-40FE-B7C6-BA74E0485ACE}" type="presOf" srcId="{53C65DCE-CEB3-477F-AF29-08E8A538D621}" destId="{4D8718C9-65CD-4613-B4A4-C9992733E4D3}" srcOrd="0" destOrd="0" presId="urn:microsoft.com/office/officeart/2005/8/layout/cycle2"/>
+    <dgm:cxn modelId="{58E467A1-8524-4396-A7AD-483725997767}" srcId="{98D47BDC-2B01-45CC-96B7-8002483D4835}" destId="{D9A3FB6B-CD6C-4874-8CB3-0FF4D119F3DB}" srcOrd="2" destOrd="0" parTransId="{5C1622FC-A869-4A03-8614-9AE4EE06549E}" sibTransId="{DB92F309-176F-4818-852E-51D0A96C4EC3}"/>
+    <dgm:cxn modelId="{56813CA5-ED3B-4D7E-8AF2-13373620C8EC}" type="presOf" srcId="{A821D6A2-368F-472F-925D-CCB746D6B035}" destId="{562644BE-6335-4DCB-8C4C-DFEEA1793EB9}" srcOrd="0" destOrd="0" presId="urn:microsoft.com/office/officeart/2005/8/layout/cycle2"/>
+    <dgm:cxn modelId="{68497ABD-49D8-4D60-84E6-C1C9794D7303}" srcId="{98D47BDC-2B01-45CC-96B7-8002483D4835}" destId="{0FE803FC-2B03-4C1C-A5AC-3A376639ED66}" srcOrd="4" destOrd="0" parTransId="{7D8C9C76-4120-45DE-8A56-3D99DB5CEC74}" sibTransId="{106DFAE7-9595-4511-92C7-07946B8A729B}"/>
+    <dgm:cxn modelId="{1771B7C0-353C-4792-AE01-8707160EDABF}" type="presOf" srcId="{106DFAE7-9595-4511-92C7-07946B8A729B}" destId="{9AF143E9-5282-4A1C-8CCF-22EC48F1773B}" srcOrd="0" destOrd="0" presId="urn:microsoft.com/office/officeart/2005/8/layout/cycle2"/>
+    <dgm:cxn modelId="{A7DDDDCA-2230-4045-B4A5-555818BF7DA7}" type="presOf" srcId="{106DFAE7-9595-4511-92C7-07946B8A729B}" destId="{9B3C5665-02C3-4559-AF70-2E602BD349ED}" srcOrd="1" destOrd="0" presId="urn:microsoft.com/office/officeart/2005/8/layout/cycle2"/>
+    <dgm:cxn modelId="{F561C3D0-157A-41D2-B94A-2813515CE8D2}" type="presOf" srcId="{0FE803FC-2B03-4C1C-A5AC-3A376639ED66}" destId="{6FBA0779-7835-466C-9A7C-9C7198D6E7BD}" srcOrd="0" destOrd="0" presId="urn:microsoft.com/office/officeart/2005/8/layout/cycle2"/>
+    <dgm:cxn modelId="{169461D7-1E24-4656-BC25-6AE9B2DD7DC8}" type="presOf" srcId="{AE74AD20-9373-4C69-A1E4-8D90E36AF0D8}" destId="{AB2D8E53-0B90-4001-A1E4-2C955DFEB64D}" srcOrd="0" destOrd="0" presId="urn:microsoft.com/office/officeart/2005/8/layout/cycle2"/>
+    <dgm:cxn modelId="{C4C90AE9-D4B1-43FD-93F6-0EA1958F02B0}" type="presOf" srcId="{53C65DCE-CEB3-477F-AF29-08E8A538D621}" destId="{B02EE5D0-A365-44CF-B4CF-50C2064CFF19}" srcOrd="1" destOrd="0" presId="urn:microsoft.com/office/officeart/2005/8/layout/cycle2"/>
+    <dgm:cxn modelId="{8EDBB3F1-DAE7-4503-8907-EB95102F7E55}" srcId="{98D47BDC-2B01-45CC-96B7-8002483D4835}" destId="{A821D6A2-368F-472F-925D-CCB746D6B035}" srcOrd="1" destOrd="0" parTransId="{7BCFB24D-1EBD-4775-8545-BC3C8BDAF7A5}" sibTransId="{53C65DCE-CEB3-477F-AF29-08E8A538D621}"/>
+    <dgm:cxn modelId="{7E98BEF1-3102-4CED-8923-D43E7B117D6B}" type="presOf" srcId="{DB92F309-176F-4818-852E-51D0A96C4EC3}" destId="{4C4ECD99-8C33-4C59-9301-777833C73381}" srcOrd="0" destOrd="0" presId="urn:microsoft.com/office/officeart/2005/8/layout/cycle2"/>
+    <dgm:cxn modelId="{A66590FF-8126-4EDA-85AF-F86EECE985A2}" type="presOf" srcId="{9B0387A7-5831-44C0-8018-0D84E9CE2C10}" destId="{1D98F4A3-DC27-48A7-AE33-272FA34B0DDA}" srcOrd="0" destOrd="0" presId="urn:microsoft.com/office/officeart/2005/8/layout/cycle2"/>
+    <dgm:cxn modelId="{D09E86B5-23A4-4E86-91E6-BA461FBE2769}" type="presParOf" srcId="{14B835B7-5F4A-4AAA-B88E-3CC70A2D7C37}" destId="{0FDA6B55-B36C-42BB-A36C-82F83004236B}" srcOrd="0" destOrd="0" presId="urn:microsoft.com/office/officeart/2005/8/layout/cycle2"/>
+    <dgm:cxn modelId="{73ECADF9-7CAD-4455-ABA3-1F15270E1952}" type="presParOf" srcId="{14B835B7-5F4A-4AAA-B88E-3CC70A2D7C37}" destId="{AB2D8E53-0B90-4001-A1E4-2C955DFEB64D}" srcOrd="1" destOrd="0" presId="urn:microsoft.com/office/officeart/2005/8/layout/cycle2"/>
+    <dgm:cxn modelId="{883AE4EB-4AD2-40E0-AE11-A6A2C9E3EB13}" type="presParOf" srcId="{AB2D8E53-0B90-4001-A1E4-2C955DFEB64D}" destId="{28B55800-9373-449F-88FD-E833384F3DAE}" srcOrd="0" destOrd="0" presId="urn:microsoft.com/office/officeart/2005/8/layout/cycle2"/>
+    <dgm:cxn modelId="{C4EFE470-1585-464A-BF19-A295FBDDD536}" type="presParOf" srcId="{14B835B7-5F4A-4AAA-B88E-3CC70A2D7C37}" destId="{562644BE-6335-4DCB-8C4C-DFEEA1793EB9}" srcOrd="2" destOrd="0" presId="urn:microsoft.com/office/officeart/2005/8/layout/cycle2"/>
+    <dgm:cxn modelId="{4E9A2B35-2058-4969-9EC5-208E84113F27}" type="presParOf" srcId="{14B835B7-5F4A-4AAA-B88E-3CC70A2D7C37}" destId="{4D8718C9-65CD-4613-B4A4-C9992733E4D3}" srcOrd="3" destOrd="0" presId="urn:microsoft.com/office/officeart/2005/8/layout/cycle2"/>
+    <dgm:cxn modelId="{44D09012-55D3-4EBB-A81C-4390B182A28F}" type="presParOf" srcId="{4D8718C9-65CD-4613-B4A4-C9992733E4D3}" destId="{B02EE5D0-A365-44CF-B4CF-50C2064CFF19}" srcOrd="0" destOrd="0" presId="urn:microsoft.com/office/officeart/2005/8/layout/cycle2"/>
+    <dgm:cxn modelId="{1D260FDE-E7A3-4B7C-A887-229AA3F19A6E}" type="presParOf" srcId="{14B835B7-5F4A-4AAA-B88E-3CC70A2D7C37}" destId="{5A998BA1-E333-4CF1-A53D-57B1F3B77989}" srcOrd="4" destOrd="0" presId="urn:microsoft.com/office/officeart/2005/8/layout/cycle2"/>
+    <dgm:cxn modelId="{8BF9F2E3-405C-434A-A7DD-EE92E883FEB4}" type="presParOf" srcId="{14B835B7-5F4A-4AAA-B88E-3CC70A2D7C37}" destId="{4C4ECD99-8C33-4C59-9301-777833C73381}" srcOrd="5" destOrd="0" presId="urn:microsoft.com/office/officeart/2005/8/layout/cycle2"/>
+    <dgm:cxn modelId="{ADE26DC8-72D2-4EC1-90A8-C26456AFD07C}" type="presParOf" srcId="{4C4ECD99-8C33-4C59-9301-777833C73381}" destId="{7A6DC9D3-CC1B-420D-B318-4D992DC3F54C}" srcOrd="0" destOrd="0" presId="urn:microsoft.com/office/officeart/2005/8/layout/cycle2"/>
+    <dgm:cxn modelId="{00346C08-3DF7-43EC-958B-1D4C21214A1F}" type="presParOf" srcId="{14B835B7-5F4A-4AAA-B88E-3CC70A2D7C37}" destId="{1D98F4A3-DC27-48A7-AE33-272FA34B0DDA}" srcOrd="6" destOrd="0" presId="urn:microsoft.com/office/officeart/2005/8/layout/cycle2"/>
+    <dgm:cxn modelId="{059099B5-8F7C-4993-ABD0-B671D168E056}" type="presParOf" srcId="{14B835B7-5F4A-4AAA-B88E-3CC70A2D7C37}" destId="{07071AA2-B7B8-43C3-BC34-15DEC8F5F8CE}" srcOrd="7" destOrd="0" presId="urn:microsoft.com/office/officeart/2005/8/layout/cycle2"/>
+    <dgm:cxn modelId="{AD5A5980-5B26-4218-85FA-98E5B1F459D2}" type="presParOf" srcId="{07071AA2-B7B8-43C3-BC34-15DEC8F5F8CE}" destId="{820AEC2F-E3F8-40F9-ABD8-D1A499C08AEA}" srcOrd="0" destOrd="0" presId="urn:microsoft.com/office/officeart/2005/8/layout/cycle2"/>
+    <dgm:cxn modelId="{D34E24B9-AE61-4A6E-9D17-CDA7793297A3}" type="presParOf" srcId="{14B835B7-5F4A-4AAA-B88E-3CC70A2D7C37}" destId="{6FBA0779-7835-466C-9A7C-9C7198D6E7BD}" srcOrd="8" destOrd="0" presId="urn:microsoft.com/office/officeart/2005/8/layout/cycle2"/>
+    <dgm:cxn modelId="{862A90F8-F404-45C3-A025-9B0E095B903C}" type="presParOf" srcId="{14B835B7-5F4A-4AAA-B88E-3CC70A2D7C37}" destId="{9AF143E9-5282-4A1C-8CCF-22EC48F1773B}" srcOrd="9" destOrd="0" presId="urn:microsoft.com/office/officeart/2005/8/layout/cycle2"/>
+    <dgm:cxn modelId="{B199109A-7175-43A5-9E47-84216FD92803}" type="presParOf" srcId="{9AF143E9-5282-4A1C-8CCF-22EC48F1773B}" destId="{9B3C5665-02C3-4559-AF70-2E602BD349ED}" srcOrd="0" destOrd="0" presId="urn:microsoft.com/office/officeart/2005/8/layout/cycle2"/>
   </dgm:cxnLst>
   <dgm:bg/>
   <dgm:whole/>
@@ -2244,6 +3517,810 @@
 </dsp:drawing>
 </file>
 
+<file path=ppt/diagrams/drawing2.xml><?xml version="1.0" encoding="utf-8"?>
+<dsp:drawing xmlns:dgm="http://schemas.openxmlformats.org/drawingml/2006/diagram" xmlns:dsp="http://schemas.microsoft.com/office/drawing/2008/diagram" xmlns:a="http://schemas.openxmlformats.org/drawingml/2006/main">
+  <dsp:spTree>
+    <dsp:nvGrpSpPr>
+      <dsp:cNvPr id="0" name=""/>
+      <dsp:cNvGrpSpPr/>
+    </dsp:nvGrpSpPr>
+    <dsp:grpSpPr/>
+    <dsp:sp modelId="{0FDA6B55-B36C-42BB-A36C-82F83004236B}">
+      <dsp:nvSpPr>
+        <dsp:cNvPr id="0" name=""/>
+        <dsp:cNvSpPr/>
+      </dsp:nvSpPr>
+      <dsp:spPr>
+        <a:xfrm>
+          <a:off x="3246437" y="534"/>
+          <a:ext cx="1635124" cy="1635124"/>
+        </a:xfrm>
+        <a:prstGeom prst="ellipse">
+          <a:avLst/>
+        </a:prstGeom>
+        <a:solidFill>
+          <a:schemeClr val="accent2">
+            <a:hueOff val="0"/>
+            <a:satOff val="0"/>
+            <a:lumOff val="0"/>
+            <a:alphaOff val="0"/>
+          </a:schemeClr>
+        </a:solidFill>
+        <a:ln w="12700" cap="flat" cmpd="sng" algn="ctr">
+          <a:solidFill>
+            <a:schemeClr val="lt1">
+              <a:hueOff val="0"/>
+              <a:satOff val="0"/>
+              <a:lumOff val="0"/>
+              <a:alphaOff val="0"/>
+            </a:schemeClr>
+          </a:solidFill>
+          <a:prstDash val="solid"/>
+          <a:miter lim="800000"/>
+        </a:ln>
+        <a:effectLst/>
+      </dsp:spPr>
+      <dsp:style>
+        <a:lnRef idx="2">
+          <a:scrgbClr r="0" g="0" b="0"/>
+        </a:lnRef>
+        <a:fillRef idx="1">
+          <a:scrgbClr r="0" g="0" b="0"/>
+        </a:fillRef>
+        <a:effectRef idx="0">
+          <a:scrgbClr r="0" g="0" b="0"/>
+        </a:effectRef>
+        <a:fontRef idx="minor">
+          <a:schemeClr val="lt1"/>
+        </a:fontRef>
+      </dsp:style>
+      <dsp:txBody>
+        <a:bodyPr spcFirstLastPara="0" vert="horz" wrap="square" lIns="29210" tIns="29210" rIns="29210" bIns="29210" numCol="1" spcCol="1270" anchor="ctr" anchorCtr="0">
+          <a:noAutofit/>
+        </a:bodyPr>
+        <a:lstStyle/>
+        <a:p>
+          <a:pPr marL="0" lvl="0" indent="0" algn="ctr" defTabSz="1022350">
+            <a:lnSpc>
+              <a:spcPct val="90000"/>
+            </a:lnSpc>
+            <a:spcBef>
+              <a:spcPct val="0"/>
+            </a:spcBef>
+            <a:spcAft>
+              <a:spcPct val="35000"/>
+            </a:spcAft>
+            <a:buNone/>
+          </a:pPr>
+          <a:r>
+            <a:rPr lang="zh-CN" altLang="en-US" sz="2300" kern="1200" dirty="0"/>
+            <a:t>资产</a:t>
+          </a:r>
+          <a:endParaRPr lang="en-US" altLang="zh-CN" sz="2300" kern="1200" dirty="0"/>
+        </a:p>
+        <a:p>
+          <a:pPr marL="0" lvl="0" indent="0" algn="ctr" defTabSz="1022350">
+            <a:lnSpc>
+              <a:spcPct val="90000"/>
+            </a:lnSpc>
+            <a:spcBef>
+              <a:spcPct val="0"/>
+            </a:spcBef>
+            <a:spcAft>
+              <a:spcPct val="35000"/>
+            </a:spcAft>
+            <a:buNone/>
+          </a:pPr>
+          <a:r>
+            <a:rPr lang="zh-CN" altLang="en-US" sz="2300" kern="1200" dirty="0"/>
+            <a:t>识别</a:t>
+          </a:r>
+        </a:p>
+      </dsp:txBody>
+      <dsp:txXfrm>
+        <a:off x="3485895" y="239992"/>
+        <a:ext cx="1156208" cy="1156208"/>
+      </dsp:txXfrm>
+    </dsp:sp>
+    <dsp:sp modelId="{AB2D8E53-0B90-4001-A1E4-2C955DFEB64D}">
+      <dsp:nvSpPr>
+        <dsp:cNvPr id="0" name=""/>
+        <dsp:cNvSpPr/>
+      </dsp:nvSpPr>
+      <dsp:spPr>
+        <a:xfrm rot="2160000">
+          <a:off x="4830234" y="1257302"/>
+          <a:ext cx="436123" cy="551854"/>
+        </a:xfrm>
+        <a:prstGeom prst="rightArrow">
+          <a:avLst>
+            <a:gd name="adj1" fmla="val 60000"/>
+            <a:gd name="adj2" fmla="val 50000"/>
+          </a:avLst>
+        </a:prstGeom>
+        <a:solidFill>
+          <a:schemeClr val="accent2">
+            <a:hueOff val="0"/>
+            <a:satOff val="0"/>
+            <a:lumOff val="0"/>
+            <a:alphaOff val="0"/>
+          </a:schemeClr>
+        </a:solidFill>
+        <a:ln>
+          <a:noFill/>
+        </a:ln>
+        <a:effectLst/>
+      </dsp:spPr>
+      <dsp:style>
+        <a:lnRef idx="0">
+          <a:scrgbClr r="0" g="0" b="0"/>
+        </a:lnRef>
+        <a:fillRef idx="1">
+          <a:scrgbClr r="0" g="0" b="0"/>
+        </a:fillRef>
+        <a:effectRef idx="0">
+          <a:scrgbClr r="0" g="0" b="0"/>
+        </a:effectRef>
+        <a:fontRef idx="minor">
+          <a:schemeClr val="lt1"/>
+        </a:fontRef>
+      </dsp:style>
+      <dsp:txBody>
+        <a:bodyPr spcFirstLastPara="0" vert="horz" wrap="square" lIns="0" tIns="0" rIns="0" bIns="0" numCol="1" spcCol="1270" anchor="ctr" anchorCtr="0">
+          <a:noAutofit/>
+        </a:bodyPr>
+        <a:lstStyle/>
+        <a:p>
+          <a:pPr marL="0" lvl="0" indent="0" algn="ctr" defTabSz="800100">
+            <a:lnSpc>
+              <a:spcPct val="90000"/>
+            </a:lnSpc>
+            <a:spcBef>
+              <a:spcPct val="0"/>
+            </a:spcBef>
+            <a:spcAft>
+              <a:spcPct val="35000"/>
+            </a:spcAft>
+            <a:buNone/>
+          </a:pPr>
+          <a:endParaRPr lang="zh-CN" altLang="en-US" sz="1800" kern="1200"/>
+        </a:p>
+      </dsp:txBody>
+      <dsp:txXfrm>
+        <a:off x="4842728" y="1329221"/>
+        <a:ext cx="305286" cy="331112"/>
+      </dsp:txXfrm>
+    </dsp:sp>
+    <dsp:sp modelId="{562644BE-6335-4DCB-8C4C-DFEEA1793EB9}">
+      <dsp:nvSpPr>
+        <dsp:cNvPr id="0" name=""/>
+        <dsp:cNvSpPr/>
+      </dsp:nvSpPr>
+      <dsp:spPr>
+        <a:xfrm>
+          <a:off x="5235001" y="1445310"/>
+          <a:ext cx="1635124" cy="1635124"/>
+        </a:xfrm>
+        <a:prstGeom prst="ellipse">
+          <a:avLst/>
+        </a:prstGeom>
+        <a:solidFill>
+          <a:schemeClr val="accent3">
+            <a:hueOff val="0"/>
+            <a:satOff val="0"/>
+            <a:lumOff val="0"/>
+            <a:alphaOff val="0"/>
+          </a:schemeClr>
+        </a:solidFill>
+        <a:ln w="12700" cap="flat" cmpd="sng" algn="ctr">
+          <a:solidFill>
+            <a:schemeClr val="lt1">
+              <a:hueOff val="0"/>
+              <a:satOff val="0"/>
+              <a:lumOff val="0"/>
+              <a:alphaOff val="0"/>
+            </a:schemeClr>
+          </a:solidFill>
+          <a:prstDash val="solid"/>
+          <a:miter lim="800000"/>
+        </a:ln>
+        <a:effectLst/>
+      </dsp:spPr>
+      <dsp:style>
+        <a:lnRef idx="2">
+          <a:scrgbClr r="0" g="0" b="0"/>
+        </a:lnRef>
+        <a:fillRef idx="1">
+          <a:scrgbClr r="0" g="0" b="0"/>
+        </a:fillRef>
+        <a:effectRef idx="0">
+          <a:scrgbClr r="0" g="0" b="0"/>
+        </a:effectRef>
+        <a:fontRef idx="minor">
+          <a:schemeClr val="lt1"/>
+        </a:fontRef>
+      </dsp:style>
+      <dsp:txBody>
+        <a:bodyPr spcFirstLastPara="0" vert="horz" wrap="square" lIns="29210" tIns="29210" rIns="29210" bIns="29210" numCol="1" spcCol="1270" anchor="ctr" anchorCtr="0">
+          <a:noAutofit/>
+        </a:bodyPr>
+        <a:lstStyle/>
+        <a:p>
+          <a:pPr marL="0" lvl="0" indent="0" algn="ctr" defTabSz="1022350">
+            <a:lnSpc>
+              <a:spcPct val="90000"/>
+            </a:lnSpc>
+            <a:spcBef>
+              <a:spcPct val="0"/>
+            </a:spcBef>
+            <a:spcAft>
+              <a:spcPct val="35000"/>
+            </a:spcAft>
+            <a:buNone/>
+          </a:pPr>
+          <a:r>
+            <a:rPr lang="zh-CN" altLang="en-US" sz="2300" kern="1200" dirty="0"/>
+            <a:t>漏洞</a:t>
+          </a:r>
+          <a:endParaRPr lang="en-US" altLang="zh-CN" sz="2300" kern="1200" dirty="0"/>
+        </a:p>
+        <a:p>
+          <a:pPr marL="0" lvl="0" indent="0" algn="ctr" defTabSz="1022350">
+            <a:lnSpc>
+              <a:spcPct val="90000"/>
+            </a:lnSpc>
+            <a:spcBef>
+              <a:spcPct val="0"/>
+            </a:spcBef>
+            <a:spcAft>
+              <a:spcPct val="35000"/>
+            </a:spcAft>
+            <a:buNone/>
+          </a:pPr>
+          <a:r>
+            <a:rPr lang="zh-CN" altLang="en-US" sz="2300" kern="1200" dirty="0"/>
+            <a:t>发现</a:t>
+          </a:r>
+        </a:p>
+      </dsp:txBody>
+      <dsp:txXfrm>
+        <a:off x="5474459" y="1684768"/>
+        <a:ext cx="1156208" cy="1156208"/>
+      </dsp:txXfrm>
+    </dsp:sp>
+    <dsp:sp modelId="{4D8718C9-65CD-4613-B4A4-C9992733E4D3}">
+      <dsp:nvSpPr>
+        <dsp:cNvPr id="0" name=""/>
+        <dsp:cNvSpPr/>
+      </dsp:nvSpPr>
+      <dsp:spPr>
+        <a:xfrm rot="6480000">
+          <a:off x="5458534" y="3144055"/>
+          <a:ext cx="436123" cy="551854"/>
+        </a:xfrm>
+        <a:prstGeom prst="rightArrow">
+          <a:avLst>
+            <a:gd name="adj1" fmla="val 60000"/>
+            <a:gd name="adj2" fmla="val 50000"/>
+          </a:avLst>
+        </a:prstGeom>
+        <a:solidFill>
+          <a:schemeClr val="accent3">
+            <a:hueOff val="0"/>
+            <a:satOff val="0"/>
+            <a:lumOff val="0"/>
+            <a:alphaOff val="0"/>
+          </a:schemeClr>
+        </a:solidFill>
+        <a:ln>
+          <a:noFill/>
+        </a:ln>
+        <a:effectLst/>
+      </dsp:spPr>
+      <dsp:style>
+        <a:lnRef idx="0">
+          <a:scrgbClr r="0" g="0" b="0"/>
+        </a:lnRef>
+        <a:fillRef idx="1">
+          <a:scrgbClr r="0" g="0" b="0"/>
+        </a:fillRef>
+        <a:effectRef idx="0">
+          <a:scrgbClr r="0" g="0" b="0"/>
+        </a:effectRef>
+        <a:fontRef idx="minor">
+          <a:schemeClr val="lt1"/>
+        </a:fontRef>
+      </dsp:style>
+      <dsp:txBody>
+        <a:bodyPr spcFirstLastPara="0" vert="horz" wrap="square" lIns="0" tIns="0" rIns="0" bIns="0" numCol="1" spcCol="1270" anchor="ctr" anchorCtr="0">
+          <a:noAutofit/>
+        </a:bodyPr>
+        <a:lstStyle/>
+        <a:p>
+          <a:pPr marL="0" lvl="0" indent="0" algn="ctr" defTabSz="800100">
+            <a:lnSpc>
+              <a:spcPct val="90000"/>
+            </a:lnSpc>
+            <a:spcBef>
+              <a:spcPct val="0"/>
+            </a:spcBef>
+            <a:spcAft>
+              <a:spcPct val="35000"/>
+            </a:spcAft>
+            <a:buNone/>
+          </a:pPr>
+          <a:endParaRPr lang="zh-CN" altLang="en-US" sz="1800" kern="1200"/>
+        </a:p>
+      </dsp:txBody>
+      <dsp:txXfrm rot="10800000">
+        <a:off x="5544168" y="3192209"/>
+        <a:ext cx="305286" cy="331112"/>
+      </dsp:txXfrm>
+    </dsp:sp>
+    <dsp:sp modelId="{5A998BA1-E333-4CF1-A53D-57B1F3B77989}">
+      <dsp:nvSpPr>
+        <dsp:cNvPr id="0" name=""/>
+        <dsp:cNvSpPr/>
+      </dsp:nvSpPr>
+      <dsp:spPr>
+        <a:xfrm>
+          <a:off x="4475437" y="3783007"/>
+          <a:ext cx="1635124" cy="1635124"/>
+        </a:xfrm>
+        <a:prstGeom prst="ellipse">
+          <a:avLst/>
+        </a:prstGeom>
+        <a:solidFill>
+          <a:schemeClr val="accent4">
+            <a:hueOff val="0"/>
+            <a:satOff val="0"/>
+            <a:lumOff val="0"/>
+            <a:alphaOff val="0"/>
+          </a:schemeClr>
+        </a:solidFill>
+        <a:ln w="12700" cap="flat" cmpd="sng" algn="ctr">
+          <a:solidFill>
+            <a:schemeClr val="lt1">
+              <a:hueOff val="0"/>
+              <a:satOff val="0"/>
+              <a:lumOff val="0"/>
+              <a:alphaOff val="0"/>
+            </a:schemeClr>
+          </a:solidFill>
+          <a:prstDash val="solid"/>
+          <a:miter lim="800000"/>
+        </a:ln>
+        <a:effectLst/>
+      </dsp:spPr>
+      <dsp:style>
+        <a:lnRef idx="2">
+          <a:scrgbClr r="0" g="0" b="0"/>
+        </a:lnRef>
+        <a:fillRef idx="1">
+          <a:scrgbClr r="0" g="0" b="0"/>
+        </a:fillRef>
+        <a:effectRef idx="0">
+          <a:scrgbClr r="0" g="0" b="0"/>
+        </a:effectRef>
+        <a:fontRef idx="minor">
+          <a:schemeClr val="lt1"/>
+        </a:fontRef>
+      </dsp:style>
+      <dsp:txBody>
+        <a:bodyPr spcFirstLastPara="0" vert="horz" wrap="square" lIns="29210" tIns="29210" rIns="29210" bIns="29210" numCol="1" spcCol="1270" anchor="ctr" anchorCtr="0">
+          <a:noAutofit/>
+        </a:bodyPr>
+        <a:lstStyle/>
+        <a:p>
+          <a:pPr marL="0" lvl="0" indent="0" algn="ctr" defTabSz="1022350">
+            <a:lnSpc>
+              <a:spcPct val="90000"/>
+            </a:lnSpc>
+            <a:spcBef>
+              <a:spcPct val="0"/>
+            </a:spcBef>
+            <a:spcAft>
+              <a:spcPct val="35000"/>
+            </a:spcAft>
+            <a:buNone/>
+          </a:pPr>
+          <a:r>
+            <a:rPr lang="zh-CN" altLang="en-US" sz="2300" kern="1200" dirty="0"/>
+            <a:t>风险</a:t>
+          </a:r>
+          <a:endParaRPr lang="en-US" altLang="zh-CN" sz="2300" kern="1200" dirty="0"/>
+        </a:p>
+        <a:p>
+          <a:pPr marL="0" lvl="0" indent="0" algn="ctr" defTabSz="1022350">
+            <a:lnSpc>
+              <a:spcPct val="90000"/>
+            </a:lnSpc>
+            <a:spcBef>
+              <a:spcPct val="0"/>
+            </a:spcBef>
+            <a:spcAft>
+              <a:spcPct val="35000"/>
+            </a:spcAft>
+            <a:buNone/>
+          </a:pPr>
+          <a:r>
+            <a:rPr lang="zh-CN" altLang="en-US" sz="2300" kern="1200" dirty="0"/>
+            <a:t>评估</a:t>
+          </a:r>
+        </a:p>
+      </dsp:txBody>
+      <dsp:txXfrm>
+        <a:off x="4714895" y="4022465"/>
+        <a:ext cx="1156208" cy="1156208"/>
+      </dsp:txXfrm>
+    </dsp:sp>
+    <dsp:sp modelId="{4C4ECD99-8C33-4C59-9301-777833C73381}">
+      <dsp:nvSpPr>
+        <dsp:cNvPr id="0" name=""/>
+        <dsp:cNvSpPr/>
+      </dsp:nvSpPr>
+      <dsp:spPr>
+        <a:xfrm rot="10800000">
+          <a:off x="3858281" y="4324642"/>
+          <a:ext cx="436123" cy="551854"/>
+        </a:xfrm>
+        <a:prstGeom prst="rightArrow">
+          <a:avLst>
+            <a:gd name="adj1" fmla="val 60000"/>
+            <a:gd name="adj2" fmla="val 50000"/>
+          </a:avLst>
+        </a:prstGeom>
+        <a:solidFill>
+          <a:schemeClr val="accent4">
+            <a:hueOff val="0"/>
+            <a:satOff val="0"/>
+            <a:lumOff val="0"/>
+            <a:alphaOff val="0"/>
+          </a:schemeClr>
+        </a:solidFill>
+        <a:ln>
+          <a:noFill/>
+        </a:ln>
+        <a:effectLst/>
+      </dsp:spPr>
+      <dsp:style>
+        <a:lnRef idx="0">
+          <a:scrgbClr r="0" g="0" b="0"/>
+        </a:lnRef>
+        <a:fillRef idx="1">
+          <a:scrgbClr r="0" g="0" b="0"/>
+        </a:fillRef>
+        <a:effectRef idx="0">
+          <a:scrgbClr r="0" g="0" b="0"/>
+        </a:effectRef>
+        <a:fontRef idx="minor">
+          <a:schemeClr val="lt1"/>
+        </a:fontRef>
+      </dsp:style>
+      <dsp:txBody>
+        <a:bodyPr spcFirstLastPara="0" vert="horz" wrap="square" lIns="0" tIns="0" rIns="0" bIns="0" numCol="1" spcCol="1270" anchor="ctr" anchorCtr="0">
+          <a:noAutofit/>
+        </a:bodyPr>
+        <a:lstStyle/>
+        <a:p>
+          <a:pPr marL="0" lvl="0" indent="0" algn="ctr" defTabSz="800100">
+            <a:lnSpc>
+              <a:spcPct val="90000"/>
+            </a:lnSpc>
+            <a:spcBef>
+              <a:spcPct val="0"/>
+            </a:spcBef>
+            <a:spcAft>
+              <a:spcPct val="35000"/>
+            </a:spcAft>
+            <a:buNone/>
+          </a:pPr>
+          <a:endParaRPr lang="zh-CN" altLang="en-US" sz="1800" kern="1200"/>
+        </a:p>
+      </dsp:txBody>
+      <dsp:txXfrm rot="10800000">
+        <a:off x="3989118" y="4435013"/>
+        <a:ext cx="305286" cy="331112"/>
+      </dsp:txXfrm>
+    </dsp:sp>
+    <dsp:sp modelId="{1D98F4A3-DC27-48A7-AE33-272FA34B0DDA}">
+      <dsp:nvSpPr>
+        <dsp:cNvPr id="0" name=""/>
+        <dsp:cNvSpPr/>
+      </dsp:nvSpPr>
+      <dsp:spPr>
+        <a:xfrm>
+          <a:off x="2017437" y="3783007"/>
+          <a:ext cx="1635124" cy="1635124"/>
+        </a:xfrm>
+        <a:prstGeom prst="ellipse">
+          <a:avLst/>
+        </a:prstGeom>
+        <a:solidFill>
+          <a:schemeClr val="accent5">
+            <a:hueOff val="0"/>
+            <a:satOff val="0"/>
+            <a:lumOff val="0"/>
+            <a:alphaOff val="0"/>
+          </a:schemeClr>
+        </a:solidFill>
+        <a:ln w="12700" cap="flat" cmpd="sng" algn="ctr">
+          <a:solidFill>
+            <a:schemeClr val="lt1">
+              <a:hueOff val="0"/>
+              <a:satOff val="0"/>
+              <a:lumOff val="0"/>
+              <a:alphaOff val="0"/>
+            </a:schemeClr>
+          </a:solidFill>
+          <a:prstDash val="solid"/>
+          <a:miter lim="800000"/>
+        </a:ln>
+        <a:effectLst/>
+      </dsp:spPr>
+      <dsp:style>
+        <a:lnRef idx="2">
+          <a:scrgbClr r="0" g="0" b="0"/>
+        </a:lnRef>
+        <a:fillRef idx="1">
+          <a:scrgbClr r="0" g="0" b="0"/>
+        </a:fillRef>
+        <a:effectRef idx="0">
+          <a:scrgbClr r="0" g="0" b="0"/>
+        </a:effectRef>
+        <a:fontRef idx="minor">
+          <a:schemeClr val="lt1"/>
+        </a:fontRef>
+      </dsp:style>
+      <dsp:txBody>
+        <a:bodyPr spcFirstLastPara="0" vert="horz" wrap="square" lIns="29210" tIns="29210" rIns="29210" bIns="29210" numCol="1" spcCol="1270" anchor="ctr" anchorCtr="0">
+          <a:noAutofit/>
+        </a:bodyPr>
+        <a:lstStyle/>
+        <a:p>
+          <a:pPr marL="0" lvl="0" indent="0" algn="ctr" defTabSz="1022350">
+            <a:lnSpc>
+              <a:spcPct val="90000"/>
+            </a:lnSpc>
+            <a:spcBef>
+              <a:spcPct val="0"/>
+            </a:spcBef>
+            <a:spcAft>
+              <a:spcPct val="35000"/>
+            </a:spcAft>
+            <a:buNone/>
+          </a:pPr>
+          <a:r>
+            <a:rPr lang="zh-CN" altLang="en-US" sz="2300" kern="1200" dirty="0"/>
+            <a:t>优先级排序</a:t>
+          </a:r>
+        </a:p>
+      </dsp:txBody>
+      <dsp:txXfrm>
+        <a:off x="2256895" y="4022465"/>
+        <a:ext cx="1156208" cy="1156208"/>
+      </dsp:txXfrm>
+    </dsp:sp>
+    <dsp:sp modelId="{07071AA2-B7B8-43C3-BC34-15DEC8F5F8CE}">
+      <dsp:nvSpPr>
+        <dsp:cNvPr id="0" name=""/>
+        <dsp:cNvSpPr/>
+      </dsp:nvSpPr>
+      <dsp:spPr>
+        <a:xfrm rot="15120000">
+          <a:off x="2240970" y="3167533"/>
+          <a:ext cx="436123" cy="551854"/>
+        </a:xfrm>
+        <a:prstGeom prst="rightArrow">
+          <a:avLst>
+            <a:gd name="adj1" fmla="val 60000"/>
+            <a:gd name="adj2" fmla="val 50000"/>
+          </a:avLst>
+        </a:prstGeom>
+        <a:solidFill>
+          <a:schemeClr val="accent5">
+            <a:hueOff val="0"/>
+            <a:satOff val="0"/>
+            <a:lumOff val="0"/>
+            <a:alphaOff val="0"/>
+          </a:schemeClr>
+        </a:solidFill>
+        <a:ln>
+          <a:noFill/>
+        </a:ln>
+        <a:effectLst/>
+      </dsp:spPr>
+      <dsp:style>
+        <a:lnRef idx="0">
+          <a:scrgbClr r="0" g="0" b="0"/>
+        </a:lnRef>
+        <a:fillRef idx="1">
+          <a:scrgbClr r="0" g="0" b="0"/>
+        </a:fillRef>
+        <a:effectRef idx="0">
+          <a:scrgbClr r="0" g="0" b="0"/>
+        </a:effectRef>
+        <a:fontRef idx="minor">
+          <a:schemeClr val="lt1"/>
+        </a:fontRef>
+      </dsp:style>
+      <dsp:txBody>
+        <a:bodyPr spcFirstLastPara="0" vert="horz" wrap="square" lIns="0" tIns="0" rIns="0" bIns="0" numCol="1" spcCol="1270" anchor="ctr" anchorCtr="0">
+          <a:noAutofit/>
+        </a:bodyPr>
+        <a:lstStyle/>
+        <a:p>
+          <a:pPr marL="0" lvl="0" indent="0" algn="ctr" defTabSz="800100">
+            <a:lnSpc>
+              <a:spcPct val="90000"/>
+            </a:lnSpc>
+            <a:spcBef>
+              <a:spcPct val="0"/>
+            </a:spcBef>
+            <a:spcAft>
+              <a:spcPct val="35000"/>
+            </a:spcAft>
+            <a:buNone/>
+          </a:pPr>
+          <a:endParaRPr lang="zh-CN" altLang="en-US" sz="1800" kern="1200"/>
+        </a:p>
+      </dsp:txBody>
+      <dsp:txXfrm rot="10800000">
+        <a:off x="2326604" y="3340121"/>
+        <a:ext cx="305286" cy="331112"/>
+      </dsp:txXfrm>
+    </dsp:sp>
+    <dsp:sp modelId="{6FBA0779-7835-466C-9A7C-9C7198D6E7BD}">
+      <dsp:nvSpPr>
+        <dsp:cNvPr id="0" name=""/>
+        <dsp:cNvSpPr/>
+      </dsp:nvSpPr>
+      <dsp:spPr>
+        <a:xfrm>
+          <a:off x="1257873" y="1445310"/>
+          <a:ext cx="1635124" cy="1635124"/>
+        </a:xfrm>
+        <a:prstGeom prst="ellipse">
+          <a:avLst/>
+        </a:prstGeom>
+        <a:solidFill>
+          <a:schemeClr val="accent6">
+            <a:hueOff val="0"/>
+            <a:satOff val="0"/>
+            <a:lumOff val="0"/>
+            <a:alphaOff val="0"/>
+          </a:schemeClr>
+        </a:solidFill>
+        <a:ln w="12700" cap="flat" cmpd="sng" algn="ctr">
+          <a:solidFill>
+            <a:schemeClr val="lt1">
+              <a:hueOff val="0"/>
+              <a:satOff val="0"/>
+              <a:lumOff val="0"/>
+              <a:alphaOff val="0"/>
+            </a:schemeClr>
+          </a:solidFill>
+          <a:prstDash val="solid"/>
+          <a:miter lim="800000"/>
+        </a:ln>
+        <a:effectLst/>
+      </dsp:spPr>
+      <dsp:style>
+        <a:lnRef idx="2">
+          <a:scrgbClr r="0" g="0" b="0"/>
+        </a:lnRef>
+        <a:fillRef idx="1">
+          <a:scrgbClr r="0" g="0" b="0"/>
+        </a:fillRef>
+        <a:effectRef idx="0">
+          <a:scrgbClr r="0" g="0" b="0"/>
+        </a:effectRef>
+        <a:fontRef idx="minor">
+          <a:schemeClr val="lt1"/>
+        </a:fontRef>
+      </dsp:style>
+      <dsp:txBody>
+        <a:bodyPr spcFirstLastPara="0" vert="horz" wrap="square" lIns="29210" tIns="29210" rIns="29210" bIns="29210" numCol="1" spcCol="1270" anchor="ctr" anchorCtr="0">
+          <a:noAutofit/>
+        </a:bodyPr>
+        <a:lstStyle/>
+        <a:p>
+          <a:pPr marL="0" lvl="0" indent="0" algn="ctr" defTabSz="1022350">
+            <a:lnSpc>
+              <a:spcPct val="90000"/>
+            </a:lnSpc>
+            <a:spcBef>
+              <a:spcPct val="0"/>
+            </a:spcBef>
+            <a:spcAft>
+              <a:spcPct val="35000"/>
+            </a:spcAft>
+            <a:buNone/>
+          </a:pPr>
+          <a:r>
+            <a:rPr lang="zh-CN" altLang="en-US" sz="2300" kern="1200" dirty="0"/>
+            <a:t>修复和缓解</a:t>
+          </a:r>
+        </a:p>
+      </dsp:txBody>
+      <dsp:txXfrm>
+        <a:off x="1497331" y="1684768"/>
+        <a:ext cx="1156208" cy="1156208"/>
+      </dsp:txXfrm>
+    </dsp:sp>
+    <dsp:sp modelId="{9AF143E9-5282-4A1C-8CCF-22EC48F1773B}">
+      <dsp:nvSpPr>
+        <dsp:cNvPr id="0" name=""/>
+        <dsp:cNvSpPr/>
+      </dsp:nvSpPr>
+      <dsp:spPr>
+        <a:xfrm rot="19440000">
+          <a:off x="2841670" y="1271812"/>
+          <a:ext cx="436123" cy="551854"/>
+        </a:xfrm>
+        <a:prstGeom prst="rightArrow">
+          <a:avLst>
+            <a:gd name="adj1" fmla="val 60000"/>
+            <a:gd name="adj2" fmla="val 50000"/>
+          </a:avLst>
+        </a:prstGeom>
+        <a:solidFill>
+          <a:schemeClr val="accent6">
+            <a:hueOff val="0"/>
+            <a:satOff val="0"/>
+            <a:lumOff val="0"/>
+            <a:alphaOff val="0"/>
+          </a:schemeClr>
+        </a:solidFill>
+        <a:ln>
+          <a:noFill/>
+        </a:ln>
+        <a:effectLst/>
+      </dsp:spPr>
+      <dsp:style>
+        <a:lnRef idx="0">
+          <a:scrgbClr r="0" g="0" b="0"/>
+        </a:lnRef>
+        <a:fillRef idx="1">
+          <a:scrgbClr r="0" g="0" b="0"/>
+        </a:fillRef>
+        <a:effectRef idx="0">
+          <a:scrgbClr r="0" g="0" b="0"/>
+        </a:effectRef>
+        <a:fontRef idx="minor">
+          <a:schemeClr val="lt1"/>
+        </a:fontRef>
+      </dsp:style>
+      <dsp:txBody>
+        <a:bodyPr spcFirstLastPara="0" vert="horz" wrap="square" lIns="0" tIns="0" rIns="0" bIns="0" numCol="1" spcCol="1270" anchor="ctr" anchorCtr="0">
+          <a:noAutofit/>
+        </a:bodyPr>
+        <a:lstStyle/>
+        <a:p>
+          <a:pPr marL="0" lvl="0" indent="0" algn="ctr" defTabSz="800100">
+            <a:lnSpc>
+              <a:spcPct val="90000"/>
+            </a:lnSpc>
+            <a:spcBef>
+              <a:spcPct val="0"/>
+            </a:spcBef>
+            <a:spcAft>
+              <a:spcPct val="35000"/>
+            </a:spcAft>
+            <a:buNone/>
+          </a:pPr>
+          <a:endParaRPr lang="zh-CN" altLang="en-US" sz="1800" kern="1200"/>
+        </a:p>
+      </dsp:txBody>
+      <dsp:txXfrm>
+        <a:off x="2854164" y="1420635"/>
+        <a:ext cx="305286" cy="331112"/>
+      </dsp:txXfrm>
+    </dsp:sp>
+  </dsp:spTree>
+</dsp:drawing>
+</file>
+
 <file path=ppt/diagrams/layout1.xml><?xml version="1.0" encoding="utf-8"?>
 <dgm:layoutDef xmlns:dgm="http://schemas.openxmlformats.org/drawingml/2006/diagram" xmlns:a="http://schemas.openxmlformats.org/drawingml/2006/main" uniqueId="urn:microsoft.com/office/officeart/2005/8/layout/hChevron3">
   <dgm:title val=""/>
@@ -2516,7 +4593,1252 @@
 </dgm:layoutDef>
 </file>
 
+<file path=ppt/diagrams/layout2.xml><?xml version="1.0" encoding="utf-8"?>
+<dgm:layoutDef xmlns:dgm="http://schemas.openxmlformats.org/drawingml/2006/diagram" xmlns:a="http://schemas.openxmlformats.org/drawingml/2006/main" uniqueId="urn:microsoft.com/office/officeart/2005/8/layout/cycle2">
+  <dgm:title val=""/>
+  <dgm:desc val=""/>
+  <dgm:catLst>
+    <dgm:cat type="cycle" pri="1000"/>
+    <dgm:cat type="convert" pri="10000"/>
+  </dgm:catLst>
+  <dgm:sampData>
+    <dgm:dataModel>
+      <dgm:ptLst>
+        <dgm:pt modelId="0" type="doc"/>
+        <dgm:pt modelId="1">
+          <dgm:prSet phldr="1"/>
+        </dgm:pt>
+        <dgm:pt modelId="2">
+          <dgm:prSet phldr="1"/>
+        </dgm:pt>
+        <dgm:pt modelId="3">
+          <dgm:prSet phldr="1"/>
+        </dgm:pt>
+        <dgm:pt modelId="4">
+          <dgm:prSet phldr="1"/>
+        </dgm:pt>
+        <dgm:pt modelId="5">
+          <dgm:prSet phldr="1"/>
+        </dgm:pt>
+      </dgm:ptLst>
+      <dgm:cxnLst>
+        <dgm:cxn modelId="6" srcId="0" destId="1" srcOrd="0" destOrd="0"/>
+        <dgm:cxn modelId="7" srcId="0" destId="2" srcOrd="1" destOrd="0"/>
+        <dgm:cxn modelId="8" srcId="0" destId="3" srcOrd="2" destOrd="0"/>
+        <dgm:cxn modelId="9" srcId="0" destId="4" srcOrd="3" destOrd="0"/>
+        <dgm:cxn modelId="10" srcId="0" destId="5" srcOrd="4" destOrd="0"/>
+      </dgm:cxnLst>
+      <dgm:bg/>
+      <dgm:whole/>
+    </dgm:dataModel>
+  </dgm:sampData>
+  <dgm:styleData>
+    <dgm:dataModel>
+      <dgm:ptLst>
+        <dgm:pt modelId="0" type="doc"/>
+        <dgm:pt modelId="1"/>
+        <dgm:pt modelId="2"/>
+        <dgm:pt modelId="3"/>
+      </dgm:ptLst>
+      <dgm:cxnLst>
+        <dgm:cxn modelId="4" srcId="0" destId="1" srcOrd="0" destOrd="0"/>
+        <dgm:cxn modelId="5" srcId="0" destId="2" srcOrd="1" destOrd="0"/>
+        <dgm:cxn modelId="6" srcId="0" destId="3" srcOrd="2" destOrd="0"/>
+      </dgm:cxnLst>
+      <dgm:bg/>
+      <dgm:whole/>
+    </dgm:dataModel>
+  </dgm:styleData>
+  <dgm:clrData>
+    <dgm:dataModel>
+      <dgm:ptLst>
+        <dgm:pt modelId="0" type="doc"/>
+        <dgm:pt modelId="1"/>
+        <dgm:pt modelId="2"/>
+        <dgm:pt modelId="3"/>
+        <dgm:pt modelId="4"/>
+        <dgm:pt modelId="5"/>
+        <dgm:pt modelId="6"/>
+      </dgm:ptLst>
+      <dgm:cxnLst>
+        <dgm:cxn modelId="7" srcId="0" destId="1" srcOrd="0" destOrd="0"/>
+        <dgm:cxn modelId="8" srcId="0" destId="2" srcOrd="1" destOrd="0"/>
+        <dgm:cxn modelId="9" srcId="0" destId="3" srcOrd="2" destOrd="0"/>
+        <dgm:cxn modelId="10" srcId="0" destId="4" srcOrd="3" destOrd="0"/>
+        <dgm:cxn modelId="11" srcId="0" destId="5" srcOrd="4" destOrd="0"/>
+        <dgm:cxn modelId="12" srcId="0" destId="6" srcOrd="5" destOrd="0"/>
+      </dgm:cxnLst>
+      <dgm:bg/>
+      <dgm:whole/>
+    </dgm:dataModel>
+  </dgm:clrData>
+  <dgm:layoutNode name="cycle">
+    <dgm:varLst>
+      <dgm:dir/>
+      <dgm:resizeHandles val="exact"/>
+    </dgm:varLst>
+    <dgm:choose name="Name0">
+      <dgm:if name="Name1" func="var" arg="dir" op="equ" val="norm">
+        <dgm:choose name="Name2">
+          <dgm:if name="Name3" axis="ch" ptType="node" func="cnt" op="gt" val="2">
+            <dgm:alg type="cycle">
+              <dgm:param type="stAng" val="0"/>
+              <dgm:param type="spanAng" val="360"/>
+            </dgm:alg>
+          </dgm:if>
+          <dgm:else name="Name4">
+            <dgm:alg type="cycle">
+              <dgm:param type="stAng" val="-90"/>
+              <dgm:param type="spanAng" val="360"/>
+            </dgm:alg>
+          </dgm:else>
+        </dgm:choose>
+      </dgm:if>
+      <dgm:else name="Name5">
+        <dgm:choose name="Name6">
+          <dgm:if name="Name7" axis="ch" ptType="node" func="cnt" op="gt" val="2">
+            <dgm:alg type="cycle">
+              <dgm:param type="stAng" val="0"/>
+              <dgm:param type="spanAng" val="-360"/>
+            </dgm:alg>
+          </dgm:if>
+          <dgm:else name="Name8">
+            <dgm:alg type="cycle">
+              <dgm:param type="stAng" val="90"/>
+              <dgm:param type="spanAng" val="-360"/>
+            </dgm:alg>
+          </dgm:else>
+        </dgm:choose>
+      </dgm:else>
+    </dgm:choose>
+    <dgm:shape xmlns:r="http://schemas.openxmlformats.org/officeDocument/2006/relationships" r:blip="">
+      <dgm:adjLst/>
+    </dgm:shape>
+    <dgm:presOf/>
+    <dgm:constrLst>
+      <dgm:constr type="w" for="ch" ptType="node" refType="w"/>
+      <dgm:constr type="w" for="ch" ptType="sibTrans" refType="w" refFor="ch" refPtType="node" op="equ" fact="0.25"/>
+      <dgm:constr type="sibSp" refType="w" refFor="ch" refPtType="node" fact="0.5"/>
+      <dgm:constr type="primFontSz" for="ch" ptType="node" op="equ" val="65"/>
+      <dgm:constr type="primFontSz" for="des" forName="connectorText" op="equ" val="55"/>
+      <dgm:constr type="primFontSz" for="des" forName="connectorText" refType="primFontSz" refFor="ch" refPtType="node" op="lte" fact="0.8"/>
+    </dgm:constrLst>
+    <dgm:ruleLst/>
+    <dgm:forEach name="nodesForEach" axis="ch" ptType="node">
+      <dgm:layoutNode name="node">
+        <dgm:varLst>
+          <dgm:bulletEnabled val="1"/>
+        </dgm:varLst>
+        <dgm:alg type="tx">
+          <dgm:param type="txAnchorVertCh" val="mid"/>
+        </dgm:alg>
+        <dgm:shape xmlns:r="http://schemas.openxmlformats.org/officeDocument/2006/relationships" type="ellipse" r:blip="">
+          <dgm:adjLst/>
+        </dgm:shape>
+        <dgm:presOf axis="desOrSelf" ptType="node"/>
+        <dgm:constrLst>
+          <dgm:constr type="h" refType="w"/>
+          <dgm:constr type="lMarg" refType="primFontSz" fact="0.1"/>
+          <dgm:constr type="rMarg" refType="primFontSz" fact="0.1"/>
+          <dgm:constr type="tMarg" refType="primFontSz" fact="0.1"/>
+          <dgm:constr type="bMarg" refType="primFontSz" fact="0.1"/>
+        </dgm:constrLst>
+        <dgm:ruleLst>
+          <dgm:rule type="primFontSz" val="5" fact="NaN" max="NaN"/>
+        </dgm:ruleLst>
+      </dgm:layoutNode>
+      <dgm:choose name="Name9">
+        <dgm:if name="Name10" axis="par ch" ptType="doc node" func="cnt" op="gt" val="1">
+          <dgm:forEach name="sibTransForEach" axis="followSib" ptType="sibTrans" hideLastTrans="0" cnt="1">
+            <dgm:layoutNode name="sibTrans">
+              <dgm:choose name="Name11">
+                <dgm:if name="Name12" axis="par ch" ptType="doc node" func="cnt" op="lt" val="3">
+                  <dgm:alg type="conn">
+                    <dgm:param type="begPts" val="radial"/>
+                    <dgm:param type="endPts" val="radial"/>
+                  </dgm:alg>
+                </dgm:if>
+                <dgm:else name="Name13">
+                  <dgm:alg type="conn">
+                    <dgm:param type="begPts" val="auto"/>
+                    <dgm:param type="endPts" val="auto"/>
+                  </dgm:alg>
+                </dgm:else>
+              </dgm:choose>
+              <dgm:shape xmlns:r="http://schemas.openxmlformats.org/officeDocument/2006/relationships" type="conn" r:blip="">
+                <dgm:adjLst/>
+              </dgm:shape>
+              <dgm:presOf axis="self"/>
+              <dgm:constrLst>
+                <dgm:constr type="h" refType="w" fact="1.35"/>
+                <dgm:constr type="connDist"/>
+                <dgm:constr type="w" for="ch" refType="connDist" fact="0.45"/>
+                <dgm:constr type="h" for="ch" refType="h"/>
+              </dgm:constrLst>
+              <dgm:ruleLst/>
+              <dgm:layoutNode name="connectorText">
+                <dgm:alg type="tx">
+                  <dgm:param type="autoTxRot" val="grav"/>
+                </dgm:alg>
+                <dgm:shape xmlns:r="http://schemas.openxmlformats.org/officeDocument/2006/relationships" type="conn" r:blip="" hideGeom="1">
+                  <dgm:adjLst/>
+                </dgm:shape>
+                <dgm:presOf axis="self"/>
+                <dgm:constrLst>
+                  <dgm:constr type="lMarg"/>
+                  <dgm:constr type="rMarg"/>
+                  <dgm:constr type="tMarg"/>
+                  <dgm:constr type="bMarg"/>
+                </dgm:constrLst>
+                <dgm:ruleLst>
+                  <dgm:rule type="primFontSz" val="5" fact="NaN" max="NaN"/>
+                </dgm:ruleLst>
+              </dgm:layoutNode>
+            </dgm:layoutNode>
+          </dgm:forEach>
+        </dgm:if>
+        <dgm:else name="Name14"/>
+      </dgm:choose>
+    </dgm:forEach>
+  </dgm:layoutNode>
+</dgm:layoutDef>
+</file>
+
 <file path=ppt/diagrams/quickStyle1.xml><?xml version="1.0" encoding="utf-8"?>
+<dgm:styleDef xmlns:dgm="http://schemas.openxmlformats.org/drawingml/2006/diagram" xmlns:a="http://schemas.openxmlformats.org/drawingml/2006/main" uniqueId="urn:microsoft.com/office/officeart/2005/8/quickstyle/simple1">
+  <dgm:title val=""/>
+  <dgm:desc val=""/>
+  <dgm:catLst>
+    <dgm:cat type="simple" pri="10100"/>
+  </dgm:catLst>
+  <dgm:scene3d>
+    <a:camera prst="orthographicFront"/>
+    <a:lightRig rig="threePt" dir="t"/>
+  </dgm:scene3d>
+  <dgm:styleLbl name="node0">
+    <dgm:scene3d>
+      <a:camera prst="orthographicFront"/>
+      <a:lightRig rig="threePt" dir="t"/>
+    </dgm:scene3d>
+    <dgm:sp3d/>
+    <dgm:txPr/>
+    <dgm:style>
+      <a:lnRef idx="2">
+        <a:scrgbClr r="0" g="0" b="0"/>
+      </a:lnRef>
+      <a:fillRef idx="1">
+        <a:scrgbClr r="0" g="0" b="0"/>
+      </a:fillRef>
+      <a:effectRef idx="0">
+        <a:scrgbClr r="0" g="0" b="0"/>
+      </a:effectRef>
+      <a:fontRef idx="minor">
+        <a:schemeClr val="lt1"/>
+      </a:fontRef>
+    </dgm:style>
+  </dgm:styleLbl>
+  <dgm:styleLbl name="lnNode1">
+    <dgm:scene3d>
+      <a:camera prst="orthographicFront"/>
+      <a:lightRig rig="threePt" dir="t"/>
+    </dgm:scene3d>
+    <dgm:sp3d/>
+    <dgm:txPr/>
+    <dgm:style>
+      <a:lnRef idx="2">
+        <a:scrgbClr r="0" g="0" b="0"/>
+      </a:lnRef>
+      <a:fillRef idx="1">
+        <a:scrgbClr r="0" g="0" b="0"/>
+      </a:fillRef>
+      <a:effectRef idx="0">
+        <a:scrgbClr r="0" g="0" b="0"/>
+      </a:effectRef>
+      <a:fontRef idx="minor">
+        <a:schemeClr val="lt1"/>
+      </a:fontRef>
+    </dgm:style>
+  </dgm:styleLbl>
+  <dgm:styleLbl name="vennNode1">
+    <dgm:scene3d>
+      <a:camera prst="orthographicFront"/>
+      <a:lightRig rig="threePt" dir="t"/>
+    </dgm:scene3d>
+    <dgm:sp3d/>
+    <dgm:txPr/>
+    <dgm:style>
+      <a:lnRef idx="2">
+        <a:scrgbClr r="0" g="0" b="0"/>
+      </a:lnRef>
+      <a:fillRef idx="1">
+        <a:scrgbClr r="0" g="0" b="0"/>
+      </a:fillRef>
+      <a:effectRef idx="0">
+        <a:scrgbClr r="0" g="0" b="0"/>
+      </a:effectRef>
+      <a:fontRef idx="minor">
+        <a:schemeClr val="tx1"/>
+      </a:fontRef>
+    </dgm:style>
+  </dgm:styleLbl>
+  <dgm:styleLbl name="alignNode1">
+    <dgm:scene3d>
+      <a:camera prst="orthographicFront"/>
+      <a:lightRig rig="threePt" dir="t"/>
+    </dgm:scene3d>
+    <dgm:sp3d/>
+    <dgm:txPr/>
+    <dgm:style>
+      <a:lnRef idx="2">
+        <a:scrgbClr r="0" g="0" b="0"/>
+      </a:lnRef>
+      <a:fillRef idx="1">
+        <a:scrgbClr r="0" g="0" b="0"/>
+      </a:fillRef>
+      <a:effectRef idx="0">
+        <a:scrgbClr r="0" g="0" b="0"/>
+      </a:effectRef>
+      <a:fontRef idx="minor">
+        <a:schemeClr val="lt1"/>
+      </a:fontRef>
+    </dgm:style>
+  </dgm:styleLbl>
+  <dgm:styleLbl name="node1">
+    <dgm:scene3d>
+      <a:camera prst="orthographicFront"/>
+      <a:lightRig rig="threePt" dir="t"/>
+    </dgm:scene3d>
+    <dgm:sp3d/>
+    <dgm:txPr/>
+    <dgm:style>
+      <a:lnRef idx="2">
+        <a:scrgbClr r="0" g="0" b="0"/>
+      </a:lnRef>
+      <a:fillRef idx="1">
+        <a:scrgbClr r="0" g="0" b="0"/>
+      </a:fillRef>
+      <a:effectRef idx="0">
+        <a:scrgbClr r="0" g="0" b="0"/>
+      </a:effectRef>
+      <a:fontRef idx="minor">
+        <a:schemeClr val="lt1"/>
+      </a:fontRef>
+    </dgm:style>
+  </dgm:styleLbl>
+  <dgm:styleLbl name="node2">
+    <dgm:scene3d>
+      <a:camera prst="orthographicFront"/>
+      <a:lightRig rig="threePt" dir="t"/>
+    </dgm:scene3d>
+    <dgm:sp3d/>
+    <dgm:txPr/>
+    <dgm:style>
+      <a:lnRef idx="2">
+        <a:scrgbClr r="0" g="0" b="0"/>
+      </a:lnRef>
+      <a:fillRef idx="1">
+        <a:scrgbClr r="0" g="0" b="0"/>
+      </a:fillRef>
+      <a:effectRef idx="0">
+        <a:scrgbClr r="0" g="0" b="0"/>
+      </a:effectRef>
+      <a:fontRef idx="minor">
+        <a:schemeClr val="lt1"/>
+      </a:fontRef>
+    </dgm:style>
+  </dgm:styleLbl>
+  <dgm:styleLbl name="node3">
+    <dgm:scene3d>
+      <a:camera prst="orthographicFront"/>
+      <a:lightRig rig="threePt" dir="t"/>
+    </dgm:scene3d>
+    <dgm:sp3d/>
+    <dgm:txPr/>
+    <dgm:style>
+      <a:lnRef idx="2">
+        <a:scrgbClr r="0" g="0" b="0"/>
+      </a:lnRef>
+      <a:fillRef idx="1">
+        <a:scrgbClr r="0" g="0" b="0"/>
+      </a:fillRef>
+      <a:effectRef idx="0">
+        <a:scrgbClr r="0" g="0" b="0"/>
+      </a:effectRef>
+      <a:fontRef idx="minor">
+        <a:schemeClr val="lt1"/>
+      </a:fontRef>
+    </dgm:style>
+  </dgm:styleLbl>
+  <dgm:styleLbl name="node4">
+    <dgm:scene3d>
+      <a:camera prst="orthographicFront"/>
+      <a:lightRig rig="threePt" dir="t"/>
+    </dgm:scene3d>
+    <dgm:sp3d/>
+    <dgm:txPr/>
+    <dgm:style>
+      <a:lnRef idx="2">
+        <a:scrgbClr r="0" g="0" b="0"/>
+      </a:lnRef>
+      <a:fillRef idx="1">
+        <a:scrgbClr r="0" g="0" b="0"/>
+      </a:fillRef>
+      <a:effectRef idx="0">
+        <a:scrgbClr r="0" g="0" b="0"/>
+      </a:effectRef>
+      <a:fontRef idx="minor">
+        <a:schemeClr val="lt1"/>
+      </a:fontRef>
+    </dgm:style>
+  </dgm:styleLbl>
+  <dgm:styleLbl name="fgImgPlace1">
+    <dgm:scene3d>
+      <a:camera prst="orthographicFront"/>
+      <a:lightRig rig="threePt" dir="t"/>
+    </dgm:scene3d>
+    <dgm:sp3d/>
+    <dgm:txPr/>
+    <dgm:style>
+      <a:lnRef idx="2">
+        <a:scrgbClr r="0" g="0" b="0"/>
+      </a:lnRef>
+      <a:fillRef idx="1">
+        <a:scrgbClr r="0" g="0" b="0"/>
+      </a:fillRef>
+      <a:effectRef idx="0">
+        <a:scrgbClr r="0" g="0" b="0"/>
+      </a:effectRef>
+      <a:fontRef idx="minor"/>
+    </dgm:style>
+  </dgm:styleLbl>
+  <dgm:styleLbl name="alignImgPlace1">
+    <dgm:scene3d>
+      <a:camera prst="orthographicFront"/>
+      <a:lightRig rig="threePt" dir="t"/>
+    </dgm:scene3d>
+    <dgm:sp3d/>
+    <dgm:txPr/>
+    <dgm:style>
+      <a:lnRef idx="2">
+        <a:scrgbClr r="0" g="0" b="0"/>
+      </a:lnRef>
+      <a:fillRef idx="1">
+        <a:scrgbClr r="0" g="0" b="0"/>
+      </a:fillRef>
+      <a:effectRef idx="0">
+        <a:scrgbClr r="0" g="0" b="0"/>
+      </a:effectRef>
+      <a:fontRef idx="minor"/>
+    </dgm:style>
+  </dgm:styleLbl>
+  <dgm:styleLbl name="bgImgPlace1">
+    <dgm:scene3d>
+      <a:camera prst="orthographicFront"/>
+      <a:lightRig rig="threePt" dir="t"/>
+    </dgm:scene3d>
+    <dgm:sp3d/>
+    <dgm:txPr/>
+    <dgm:style>
+      <a:lnRef idx="2">
+        <a:scrgbClr r="0" g="0" b="0"/>
+      </a:lnRef>
+      <a:fillRef idx="1">
+        <a:scrgbClr r="0" g="0" b="0"/>
+      </a:fillRef>
+      <a:effectRef idx="0">
+        <a:scrgbClr r="0" g="0" b="0"/>
+      </a:effectRef>
+      <a:fontRef idx="minor"/>
+    </dgm:style>
+  </dgm:styleLbl>
+  <dgm:styleLbl name="sibTrans2D1">
+    <dgm:scene3d>
+      <a:camera prst="orthographicFront"/>
+      <a:lightRig rig="threePt" dir="t"/>
+    </dgm:scene3d>
+    <dgm:sp3d/>
+    <dgm:txPr/>
+    <dgm:style>
+      <a:lnRef idx="0">
+        <a:scrgbClr r="0" g="0" b="0"/>
+      </a:lnRef>
+      <a:fillRef idx="1">
+        <a:scrgbClr r="0" g="0" b="0"/>
+      </a:fillRef>
+      <a:effectRef idx="0">
+        <a:scrgbClr r="0" g="0" b="0"/>
+      </a:effectRef>
+      <a:fontRef idx="minor">
+        <a:schemeClr val="lt1"/>
+      </a:fontRef>
+    </dgm:style>
+  </dgm:styleLbl>
+  <dgm:styleLbl name="fgSibTrans2D1">
+    <dgm:scene3d>
+      <a:camera prst="orthographicFront"/>
+      <a:lightRig rig="threePt" dir="t"/>
+    </dgm:scene3d>
+    <dgm:sp3d/>
+    <dgm:txPr/>
+    <dgm:style>
+      <a:lnRef idx="0">
+        <a:scrgbClr r="0" g="0" b="0"/>
+      </a:lnRef>
+      <a:fillRef idx="1">
+        <a:scrgbClr r="0" g="0" b="0"/>
+      </a:fillRef>
+      <a:effectRef idx="0">
+        <a:scrgbClr r="0" g="0" b="0"/>
+      </a:effectRef>
+      <a:fontRef idx="minor">
+        <a:schemeClr val="lt1"/>
+      </a:fontRef>
+    </dgm:style>
+  </dgm:styleLbl>
+  <dgm:styleLbl name="bgSibTrans2D1">
+    <dgm:scene3d>
+      <a:camera prst="orthographicFront"/>
+      <a:lightRig rig="threePt" dir="t"/>
+    </dgm:scene3d>
+    <dgm:sp3d/>
+    <dgm:txPr/>
+    <dgm:style>
+      <a:lnRef idx="0">
+        <a:scrgbClr r="0" g="0" b="0"/>
+      </a:lnRef>
+      <a:fillRef idx="1">
+        <a:scrgbClr r="0" g="0" b="0"/>
+      </a:fillRef>
+      <a:effectRef idx="0">
+        <a:scrgbClr r="0" g="0" b="0"/>
+      </a:effectRef>
+      <a:fontRef idx="minor">
+        <a:schemeClr val="lt1"/>
+      </a:fontRef>
+    </dgm:style>
+  </dgm:styleLbl>
+  <dgm:styleLbl name="sibTrans1D1">
+    <dgm:scene3d>
+      <a:camera prst="orthographicFront"/>
+      <a:lightRig rig="threePt" dir="t"/>
+    </dgm:scene3d>
+    <dgm:sp3d/>
+    <dgm:txPr/>
+    <dgm:style>
+      <a:lnRef idx="1">
+        <a:scrgbClr r="0" g="0" b="0"/>
+      </a:lnRef>
+      <a:fillRef idx="0">
+        <a:scrgbClr r="0" g="0" b="0"/>
+      </a:fillRef>
+      <a:effectRef idx="0">
+        <a:scrgbClr r="0" g="0" b="0"/>
+      </a:effectRef>
+      <a:fontRef idx="minor"/>
+    </dgm:style>
+  </dgm:styleLbl>
+  <dgm:styleLbl name="callout">
+    <dgm:scene3d>
+      <a:camera prst="orthographicFront"/>
+      <a:lightRig rig="threePt" dir="t"/>
+    </dgm:scene3d>
+    <dgm:sp3d/>
+    <dgm:txPr/>
+    <dgm:style>
+      <a:lnRef idx="2">
+        <a:scrgbClr r="0" g="0" b="0"/>
+      </a:lnRef>
+      <a:fillRef idx="1">
+        <a:scrgbClr r="0" g="0" b="0"/>
+      </a:fillRef>
+      <a:effectRef idx="0">
+        <a:scrgbClr r="0" g="0" b="0"/>
+      </a:effectRef>
+      <a:fontRef idx="minor"/>
+    </dgm:style>
+  </dgm:styleLbl>
+  <dgm:styleLbl name="asst0">
+    <dgm:scene3d>
+      <a:camera prst="orthographicFront"/>
+      <a:lightRig rig="threePt" dir="t"/>
+    </dgm:scene3d>
+    <dgm:sp3d/>
+    <dgm:txPr/>
+    <dgm:style>
+      <a:lnRef idx="2">
+        <a:scrgbClr r="0" g="0" b="0"/>
+      </a:lnRef>
+      <a:fillRef idx="1">
+        <a:scrgbClr r="0" g="0" b="0"/>
+      </a:fillRef>
+      <a:effectRef idx="0">
+        <a:scrgbClr r="0" g="0" b="0"/>
+      </a:effectRef>
+      <a:fontRef idx="minor">
+        <a:schemeClr val="lt1"/>
+      </a:fontRef>
+    </dgm:style>
+  </dgm:styleLbl>
+  <dgm:styleLbl name="asst1">
+    <dgm:scene3d>
+      <a:camera prst="orthographicFront"/>
+      <a:lightRig rig="threePt" dir="t"/>
+    </dgm:scene3d>
+    <dgm:sp3d/>
+    <dgm:txPr/>
+    <dgm:style>
+      <a:lnRef idx="2">
+        <a:scrgbClr r="0" g="0" b="0"/>
+      </a:lnRef>
+      <a:fillRef idx="1">
+        <a:scrgbClr r="0" g="0" b="0"/>
+      </a:fillRef>
+      <a:effectRef idx="0">
+        <a:scrgbClr r="0" g="0" b="0"/>
+      </a:effectRef>
+      <a:fontRef idx="minor">
+        <a:schemeClr val="lt1"/>
+      </a:fontRef>
+    </dgm:style>
+  </dgm:styleLbl>
+  <dgm:styleLbl name="asst2">
+    <dgm:scene3d>
+      <a:camera prst="orthographicFront"/>
+      <a:lightRig rig="threePt" dir="t"/>
+    </dgm:scene3d>
+    <dgm:sp3d/>
+    <dgm:txPr/>
+    <dgm:style>
+      <a:lnRef idx="2">
+        <a:scrgbClr r="0" g="0" b="0"/>
+      </a:lnRef>
+      <a:fillRef idx="1">
+        <a:scrgbClr r="0" g="0" b="0"/>
+      </a:fillRef>
+      <a:effectRef idx="0">
+        <a:scrgbClr r="0" g="0" b="0"/>
+      </a:effectRef>
+      <a:fontRef idx="minor">
+        <a:schemeClr val="lt1"/>
+      </a:fontRef>
+    </dgm:style>
+  </dgm:styleLbl>
+  <dgm:styleLbl name="asst3">
+    <dgm:scene3d>
+      <a:camera prst="orthographicFront"/>
+      <a:lightRig rig="threePt" dir="t"/>
+    </dgm:scene3d>
+    <dgm:sp3d/>
+    <dgm:txPr/>
+    <dgm:style>
+      <a:lnRef idx="2">
+        <a:scrgbClr r="0" g="0" b="0"/>
+      </a:lnRef>
+      <a:fillRef idx="1">
+        <a:scrgbClr r="0" g="0" b="0"/>
+      </a:fillRef>
+      <a:effectRef idx="0">
+        <a:scrgbClr r="0" g="0" b="0"/>
+      </a:effectRef>
+      <a:fontRef idx="minor">
+        <a:schemeClr val="lt1"/>
+      </a:fontRef>
+    </dgm:style>
+  </dgm:styleLbl>
+  <dgm:styleLbl name="asst4">
+    <dgm:scene3d>
+      <a:camera prst="orthographicFront"/>
+      <a:lightRig rig="threePt" dir="t"/>
+    </dgm:scene3d>
+    <dgm:sp3d/>
+    <dgm:txPr/>
+    <dgm:style>
+      <a:lnRef idx="2">
+        <a:scrgbClr r="0" g="0" b="0"/>
+      </a:lnRef>
+      <a:fillRef idx="1">
+        <a:scrgbClr r="0" g="0" b="0"/>
+      </a:fillRef>
+      <a:effectRef idx="0">
+        <a:scrgbClr r="0" g="0" b="0"/>
+      </a:effectRef>
+      <a:fontRef idx="minor">
+        <a:schemeClr val="lt1"/>
+      </a:fontRef>
+    </dgm:style>
+  </dgm:styleLbl>
+  <dgm:styleLbl name="parChTrans2D1">
+    <dgm:scene3d>
+      <a:camera prst="orthographicFront"/>
+      <a:lightRig rig="threePt" dir="t"/>
+    </dgm:scene3d>
+    <dgm:sp3d/>
+    <dgm:txPr/>
+    <dgm:style>
+      <a:lnRef idx="2">
+        <a:scrgbClr r="0" g="0" b="0"/>
+      </a:lnRef>
+      <a:fillRef idx="1">
+        <a:scrgbClr r="0" g="0" b="0"/>
+      </a:fillRef>
+      <a:effectRef idx="0">
+        <a:scrgbClr r="0" g="0" b="0"/>
+      </a:effectRef>
+      <a:fontRef idx="minor">
+        <a:schemeClr val="lt1"/>
+      </a:fontRef>
+    </dgm:style>
+  </dgm:styleLbl>
+  <dgm:styleLbl name="parChTrans2D2">
+    <dgm:scene3d>
+      <a:camera prst="orthographicFront"/>
+      <a:lightRig rig="threePt" dir="t"/>
+    </dgm:scene3d>
+    <dgm:sp3d/>
+    <dgm:txPr/>
+    <dgm:style>
+      <a:lnRef idx="2">
+        <a:scrgbClr r="0" g="0" b="0"/>
+      </a:lnRef>
+      <a:fillRef idx="1">
+        <a:scrgbClr r="0" g="0" b="0"/>
+      </a:fillRef>
+      <a:effectRef idx="0">
+        <a:scrgbClr r="0" g="0" b="0"/>
+      </a:effectRef>
+      <a:fontRef idx="minor">
+        <a:schemeClr val="lt1"/>
+      </a:fontRef>
+    </dgm:style>
+  </dgm:styleLbl>
+  <dgm:styleLbl name="parChTrans2D3">
+    <dgm:scene3d>
+      <a:camera prst="orthographicFront"/>
+      <a:lightRig rig="threePt" dir="t"/>
+    </dgm:scene3d>
+    <dgm:sp3d/>
+    <dgm:txPr/>
+    <dgm:style>
+      <a:lnRef idx="2">
+        <a:scrgbClr r="0" g="0" b="0"/>
+      </a:lnRef>
+      <a:fillRef idx="1">
+        <a:scrgbClr r="0" g="0" b="0"/>
+      </a:fillRef>
+      <a:effectRef idx="0">
+        <a:scrgbClr r="0" g="0" b="0"/>
+      </a:effectRef>
+      <a:fontRef idx="minor">
+        <a:schemeClr val="lt1"/>
+      </a:fontRef>
+    </dgm:style>
+  </dgm:styleLbl>
+  <dgm:styleLbl name="parChTrans2D4">
+    <dgm:scene3d>
+      <a:camera prst="orthographicFront"/>
+      <a:lightRig rig="threePt" dir="t"/>
+    </dgm:scene3d>
+    <dgm:sp3d/>
+    <dgm:txPr/>
+    <dgm:style>
+      <a:lnRef idx="2">
+        <a:scrgbClr r="0" g="0" b="0"/>
+      </a:lnRef>
+      <a:fillRef idx="1">
+        <a:scrgbClr r="0" g="0" b="0"/>
+      </a:fillRef>
+      <a:effectRef idx="0">
+        <a:scrgbClr r="0" g="0" b="0"/>
+      </a:effectRef>
+      <a:fontRef idx="minor">
+        <a:schemeClr val="lt1"/>
+      </a:fontRef>
+    </dgm:style>
+  </dgm:styleLbl>
+  <dgm:styleLbl name="parChTrans1D1">
+    <dgm:scene3d>
+      <a:camera prst="orthographicFront"/>
+      <a:lightRig rig="threePt" dir="t"/>
+    </dgm:scene3d>
+    <dgm:sp3d/>
+    <dgm:txPr/>
+    <dgm:style>
+      <a:lnRef idx="2">
+        <a:scrgbClr r="0" g="0" b="0"/>
+      </a:lnRef>
+      <a:fillRef idx="0">
+        <a:scrgbClr r="0" g="0" b="0"/>
+      </a:fillRef>
+      <a:effectRef idx="0">
+        <a:scrgbClr r="0" g="0" b="0"/>
+      </a:effectRef>
+      <a:fontRef idx="minor"/>
+    </dgm:style>
+  </dgm:styleLbl>
+  <dgm:styleLbl name="parChTrans1D2">
+    <dgm:scene3d>
+      <a:camera prst="orthographicFront"/>
+      <a:lightRig rig="threePt" dir="t"/>
+    </dgm:scene3d>
+    <dgm:sp3d/>
+    <dgm:txPr/>
+    <dgm:style>
+      <a:lnRef idx="2">
+        <a:scrgbClr r="0" g="0" b="0"/>
+      </a:lnRef>
+      <a:fillRef idx="0">
+        <a:scrgbClr r="0" g="0" b="0"/>
+      </a:fillRef>
+      <a:effectRef idx="0">
+        <a:scrgbClr r="0" g="0" b="0"/>
+      </a:effectRef>
+      <a:fontRef idx="minor"/>
+    </dgm:style>
+  </dgm:styleLbl>
+  <dgm:styleLbl name="parChTrans1D3">
+    <dgm:scene3d>
+      <a:camera prst="orthographicFront"/>
+      <a:lightRig rig="threePt" dir="t"/>
+    </dgm:scene3d>
+    <dgm:sp3d/>
+    <dgm:txPr/>
+    <dgm:style>
+      <a:lnRef idx="2">
+        <a:scrgbClr r="0" g="0" b="0"/>
+      </a:lnRef>
+      <a:fillRef idx="0">
+        <a:scrgbClr r="0" g="0" b="0"/>
+      </a:fillRef>
+      <a:effectRef idx="0">
+        <a:scrgbClr r="0" g="0" b="0"/>
+      </a:effectRef>
+      <a:fontRef idx="minor"/>
+    </dgm:style>
+  </dgm:styleLbl>
+  <dgm:styleLbl name="parChTrans1D4">
+    <dgm:scene3d>
+      <a:camera prst="orthographicFront"/>
+      <a:lightRig rig="threePt" dir="t"/>
+    </dgm:scene3d>
+    <dgm:sp3d/>
+    <dgm:txPr/>
+    <dgm:style>
+      <a:lnRef idx="2">
+        <a:scrgbClr r="0" g="0" b="0"/>
+      </a:lnRef>
+      <a:fillRef idx="0">
+        <a:scrgbClr r="0" g="0" b="0"/>
+      </a:fillRef>
+      <a:effectRef idx="0">
+        <a:scrgbClr r="0" g="0" b="0"/>
+      </a:effectRef>
+      <a:fontRef idx="minor"/>
+    </dgm:style>
+  </dgm:styleLbl>
+  <dgm:styleLbl name="fgAcc1">
+    <dgm:scene3d>
+      <a:camera prst="orthographicFront"/>
+      <a:lightRig rig="threePt" dir="t"/>
+    </dgm:scene3d>
+    <dgm:sp3d/>
+    <dgm:txPr/>
+    <dgm:style>
+      <a:lnRef idx="2">
+        <a:scrgbClr r="0" g="0" b="0"/>
+      </a:lnRef>
+      <a:fillRef idx="1">
+        <a:scrgbClr r="0" g="0" b="0"/>
+      </a:fillRef>
+      <a:effectRef idx="0">
+        <a:scrgbClr r="0" g="0" b="0"/>
+      </a:effectRef>
+      <a:fontRef idx="minor"/>
+    </dgm:style>
+  </dgm:styleLbl>
+  <dgm:styleLbl name="conFgAcc1">
+    <dgm:scene3d>
+      <a:camera prst="orthographicFront"/>
+      <a:lightRig rig="threePt" dir="t"/>
+    </dgm:scene3d>
+    <dgm:sp3d/>
+    <dgm:txPr/>
+    <dgm:style>
+      <a:lnRef idx="2">
+        <a:scrgbClr r="0" g="0" b="0"/>
+      </a:lnRef>
+      <a:fillRef idx="1">
+        <a:scrgbClr r="0" g="0" b="0"/>
+      </a:fillRef>
+      <a:effectRef idx="0">
+        <a:scrgbClr r="0" g="0" b="0"/>
+      </a:effectRef>
+      <a:fontRef idx="minor"/>
+    </dgm:style>
+  </dgm:styleLbl>
+  <dgm:styleLbl name="alignAcc1">
+    <dgm:scene3d>
+      <a:camera prst="orthographicFront"/>
+      <a:lightRig rig="threePt" dir="t"/>
+    </dgm:scene3d>
+    <dgm:sp3d/>
+    <dgm:txPr/>
+    <dgm:style>
+      <a:lnRef idx="2">
+        <a:scrgbClr r="0" g="0" b="0"/>
+      </a:lnRef>
+      <a:fillRef idx="1">
+        <a:scrgbClr r="0" g="0" b="0"/>
+      </a:fillRef>
+      <a:effectRef idx="0">
+        <a:scrgbClr r="0" g="0" b="0"/>
+      </a:effectRef>
+      <a:fontRef idx="minor"/>
+    </dgm:style>
+  </dgm:styleLbl>
+  <dgm:styleLbl name="trAlignAcc1">
+    <dgm:scene3d>
+      <a:camera prst="orthographicFront"/>
+      <a:lightRig rig="threePt" dir="t"/>
+    </dgm:scene3d>
+    <dgm:sp3d/>
+    <dgm:txPr/>
+    <dgm:style>
+      <a:lnRef idx="1">
+        <a:scrgbClr r="0" g="0" b="0"/>
+      </a:lnRef>
+      <a:fillRef idx="1">
+        <a:scrgbClr r="0" g="0" b="0"/>
+      </a:fillRef>
+      <a:effectRef idx="0">
+        <a:scrgbClr r="0" g="0" b="0"/>
+      </a:effectRef>
+      <a:fontRef idx="minor"/>
+    </dgm:style>
+  </dgm:styleLbl>
+  <dgm:styleLbl name="bgAcc1">
+    <dgm:scene3d>
+      <a:camera prst="orthographicFront"/>
+      <a:lightRig rig="threePt" dir="t"/>
+    </dgm:scene3d>
+    <dgm:sp3d/>
+    <dgm:txPr/>
+    <dgm:style>
+      <a:lnRef idx="2">
+        <a:scrgbClr r="0" g="0" b="0"/>
+      </a:lnRef>
+      <a:fillRef idx="1">
+        <a:scrgbClr r="0" g="0" b="0"/>
+      </a:fillRef>
+      <a:effectRef idx="0">
+        <a:scrgbClr r="0" g="0" b="0"/>
+      </a:effectRef>
+      <a:fontRef idx="minor"/>
+    </dgm:style>
+  </dgm:styleLbl>
+  <dgm:styleLbl name="solidFgAcc1">
+    <dgm:scene3d>
+      <a:camera prst="orthographicFront"/>
+      <a:lightRig rig="threePt" dir="t"/>
+    </dgm:scene3d>
+    <dgm:sp3d/>
+    <dgm:txPr/>
+    <dgm:style>
+      <a:lnRef idx="2">
+        <a:scrgbClr r="0" g="0" b="0"/>
+      </a:lnRef>
+      <a:fillRef idx="1">
+        <a:scrgbClr r="0" g="0" b="0"/>
+      </a:fillRef>
+      <a:effectRef idx="0">
+        <a:scrgbClr r="0" g="0" b="0"/>
+      </a:effectRef>
+      <a:fontRef idx="minor"/>
+    </dgm:style>
+  </dgm:styleLbl>
+  <dgm:styleLbl name="solidAlignAcc1">
+    <dgm:scene3d>
+      <a:camera prst="orthographicFront"/>
+      <a:lightRig rig="threePt" dir="t"/>
+    </dgm:scene3d>
+    <dgm:sp3d/>
+    <dgm:txPr/>
+    <dgm:style>
+      <a:lnRef idx="2">
+        <a:scrgbClr r="0" g="0" b="0"/>
+      </a:lnRef>
+      <a:fillRef idx="1">
+        <a:scrgbClr r="0" g="0" b="0"/>
+      </a:fillRef>
+      <a:effectRef idx="0">
+        <a:scrgbClr r="0" g="0" b="0"/>
+      </a:effectRef>
+      <a:fontRef idx="minor"/>
+    </dgm:style>
+  </dgm:styleLbl>
+  <dgm:styleLbl name="solidBgAcc1">
+    <dgm:scene3d>
+      <a:camera prst="orthographicFront"/>
+      <a:lightRig rig="threePt" dir="t"/>
+    </dgm:scene3d>
+    <dgm:sp3d/>
+    <dgm:txPr/>
+    <dgm:style>
+      <a:lnRef idx="2">
+        <a:scrgbClr r="0" g="0" b="0"/>
+      </a:lnRef>
+      <a:fillRef idx="1">
+        <a:scrgbClr r="0" g="0" b="0"/>
+      </a:fillRef>
+      <a:effectRef idx="0">
+        <a:scrgbClr r="0" g="0" b="0"/>
+      </a:effectRef>
+      <a:fontRef idx="minor"/>
+    </dgm:style>
+  </dgm:styleLbl>
+  <dgm:styleLbl name="fgAccFollowNode1">
+    <dgm:scene3d>
+      <a:camera prst="orthographicFront"/>
+      <a:lightRig rig="threePt" dir="t"/>
+    </dgm:scene3d>
+    <dgm:sp3d/>
+    <dgm:txPr/>
+    <dgm:style>
+      <a:lnRef idx="2">
+        <a:scrgbClr r="0" g="0" b="0"/>
+      </a:lnRef>
+      <a:fillRef idx="1">
+        <a:scrgbClr r="0" g="0" b="0"/>
+      </a:fillRef>
+      <a:effectRef idx="0">
+        <a:scrgbClr r="0" g="0" b="0"/>
+      </a:effectRef>
+      <a:fontRef idx="minor"/>
+    </dgm:style>
+  </dgm:styleLbl>
+  <dgm:styleLbl name="alignAccFollowNode1">
+    <dgm:scene3d>
+      <a:camera prst="orthographicFront"/>
+      <a:lightRig rig="threePt" dir="t"/>
+    </dgm:scene3d>
+    <dgm:sp3d/>
+    <dgm:txPr/>
+    <dgm:style>
+      <a:lnRef idx="2">
+        <a:scrgbClr r="0" g="0" b="0"/>
+      </a:lnRef>
+      <a:fillRef idx="1">
+        <a:scrgbClr r="0" g="0" b="0"/>
+      </a:fillRef>
+      <a:effectRef idx="0">
+        <a:scrgbClr r="0" g="0" b="0"/>
+      </a:effectRef>
+      <a:fontRef idx="minor"/>
+    </dgm:style>
+  </dgm:styleLbl>
+  <dgm:styleLbl name="bgAccFollowNode1">
+    <dgm:scene3d>
+      <a:camera prst="orthographicFront"/>
+      <a:lightRig rig="threePt" dir="t"/>
+    </dgm:scene3d>
+    <dgm:sp3d/>
+    <dgm:txPr/>
+    <dgm:style>
+      <a:lnRef idx="2">
+        <a:scrgbClr r="0" g="0" b="0"/>
+      </a:lnRef>
+      <a:fillRef idx="1">
+        <a:scrgbClr r="0" g="0" b="0"/>
+      </a:fillRef>
+      <a:effectRef idx="0">
+        <a:scrgbClr r="0" g="0" b="0"/>
+      </a:effectRef>
+      <a:fontRef idx="minor"/>
+    </dgm:style>
+  </dgm:styleLbl>
+  <dgm:styleLbl name="fgAcc0">
+    <dgm:scene3d>
+      <a:camera prst="orthographicFront"/>
+      <a:lightRig rig="threePt" dir="t"/>
+    </dgm:scene3d>
+    <dgm:sp3d/>
+    <dgm:txPr/>
+    <dgm:style>
+      <a:lnRef idx="2">
+        <a:scrgbClr r="0" g="0" b="0"/>
+      </a:lnRef>
+      <a:fillRef idx="1">
+        <a:scrgbClr r="0" g="0" b="0"/>
+      </a:fillRef>
+      <a:effectRef idx="0">
+        <a:scrgbClr r="0" g="0" b="0"/>
+      </a:effectRef>
+      <a:fontRef idx="minor"/>
+    </dgm:style>
+  </dgm:styleLbl>
+  <dgm:styleLbl name="fgAcc2">
+    <dgm:scene3d>
+      <a:camera prst="orthographicFront"/>
+      <a:lightRig rig="threePt" dir="t"/>
+    </dgm:scene3d>
+    <dgm:sp3d/>
+    <dgm:txPr/>
+    <dgm:style>
+      <a:lnRef idx="2">
+        <a:scrgbClr r="0" g="0" b="0"/>
+      </a:lnRef>
+      <a:fillRef idx="1">
+        <a:scrgbClr r="0" g="0" b="0"/>
+      </a:fillRef>
+      <a:effectRef idx="0">
+        <a:scrgbClr r="0" g="0" b="0"/>
+      </a:effectRef>
+      <a:fontRef idx="minor"/>
+    </dgm:style>
+  </dgm:styleLbl>
+  <dgm:styleLbl name="fgAcc3">
+    <dgm:scene3d>
+      <a:camera prst="orthographicFront"/>
+      <a:lightRig rig="threePt" dir="t"/>
+    </dgm:scene3d>
+    <dgm:sp3d/>
+    <dgm:txPr/>
+    <dgm:style>
+      <a:lnRef idx="2">
+        <a:scrgbClr r="0" g="0" b="0"/>
+      </a:lnRef>
+      <a:fillRef idx="1">
+        <a:scrgbClr r="0" g="0" b="0"/>
+      </a:fillRef>
+      <a:effectRef idx="0">
+        <a:scrgbClr r="0" g="0" b="0"/>
+      </a:effectRef>
+      <a:fontRef idx="minor"/>
+    </dgm:style>
+  </dgm:styleLbl>
+  <dgm:styleLbl name="fgAcc4">
+    <dgm:scene3d>
+      <a:camera prst="orthographicFront"/>
+      <a:lightRig rig="threePt" dir="t"/>
+    </dgm:scene3d>
+    <dgm:sp3d/>
+    <dgm:txPr/>
+    <dgm:style>
+      <a:lnRef idx="2">
+        <a:scrgbClr r="0" g="0" b="0"/>
+      </a:lnRef>
+      <a:fillRef idx="1">
+        <a:scrgbClr r="0" g="0" b="0"/>
+      </a:fillRef>
+      <a:effectRef idx="0">
+        <a:scrgbClr r="0" g="0" b="0"/>
+      </a:effectRef>
+      <a:fontRef idx="minor"/>
+    </dgm:style>
+  </dgm:styleLbl>
+  <dgm:styleLbl name="bgShp">
+    <dgm:scene3d>
+      <a:camera prst="orthographicFront"/>
+      <a:lightRig rig="threePt" dir="t"/>
+    </dgm:scene3d>
+    <dgm:sp3d/>
+    <dgm:txPr/>
+    <dgm:style>
+      <a:lnRef idx="0">
+        <a:scrgbClr r="0" g="0" b="0"/>
+      </a:lnRef>
+      <a:fillRef idx="1">
+        <a:scrgbClr r="0" g="0" b="0"/>
+      </a:fillRef>
+      <a:effectRef idx="0">
+        <a:scrgbClr r="0" g="0" b="0"/>
+      </a:effectRef>
+      <a:fontRef idx="minor"/>
+    </dgm:style>
+  </dgm:styleLbl>
+  <dgm:styleLbl name="dkBgShp">
+    <dgm:scene3d>
+      <a:camera prst="orthographicFront"/>
+      <a:lightRig rig="threePt" dir="t"/>
+    </dgm:scene3d>
+    <dgm:sp3d/>
+    <dgm:txPr/>
+    <dgm:style>
+      <a:lnRef idx="0">
+        <a:scrgbClr r="0" g="0" b="0"/>
+      </a:lnRef>
+      <a:fillRef idx="1">
+        <a:scrgbClr r="0" g="0" b="0"/>
+      </a:fillRef>
+      <a:effectRef idx="0">
+        <a:scrgbClr r="0" g="0" b="0"/>
+      </a:effectRef>
+      <a:fontRef idx="minor"/>
+    </dgm:style>
+  </dgm:styleLbl>
+  <dgm:styleLbl name="trBgShp">
+    <dgm:scene3d>
+      <a:camera prst="orthographicFront"/>
+      <a:lightRig rig="threePt" dir="t"/>
+    </dgm:scene3d>
+    <dgm:sp3d/>
+    <dgm:txPr/>
+    <dgm:style>
+      <a:lnRef idx="0">
+        <a:scrgbClr r="0" g="0" b="0"/>
+      </a:lnRef>
+      <a:fillRef idx="1">
+        <a:scrgbClr r="0" g="0" b="0"/>
+      </a:fillRef>
+      <a:effectRef idx="0">
+        <a:scrgbClr r="0" g="0" b="0"/>
+      </a:effectRef>
+      <a:fontRef idx="minor"/>
+    </dgm:style>
+  </dgm:styleLbl>
+  <dgm:styleLbl name="fgShp">
+    <dgm:scene3d>
+      <a:camera prst="orthographicFront"/>
+      <a:lightRig rig="threePt" dir="t"/>
+    </dgm:scene3d>
+    <dgm:sp3d/>
+    <dgm:txPr/>
+    <dgm:style>
+      <a:lnRef idx="2">
+        <a:scrgbClr r="0" g="0" b="0"/>
+      </a:lnRef>
+      <a:fillRef idx="1">
+        <a:scrgbClr r="0" g="0" b="0"/>
+      </a:fillRef>
+      <a:effectRef idx="0">
+        <a:scrgbClr r="0" g="0" b="0"/>
+      </a:effectRef>
+      <a:fontRef idx="minor"/>
+    </dgm:style>
+  </dgm:styleLbl>
+  <dgm:styleLbl name="revTx">
+    <dgm:scene3d>
+      <a:camera prst="orthographicFront"/>
+      <a:lightRig rig="threePt" dir="t"/>
+    </dgm:scene3d>
+    <dgm:sp3d/>
+    <dgm:txPr/>
+    <dgm:style>
+      <a:lnRef idx="0">
+        <a:scrgbClr r="0" g="0" b="0"/>
+      </a:lnRef>
+      <a:fillRef idx="0">
+        <a:scrgbClr r="0" g="0" b="0"/>
+      </a:fillRef>
+      <a:effectRef idx="0">
+        <a:scrgbClr r="0" g="0" b="0"/>
+      </a:effectRef>
+      <a:fontRef idx="minor"/>
+    </dgm:style>
+  </dgm:styleLbl>
+</dgm:styleDef>
+</file>
+
+<file path=ppt/diagrams/quickStyle2.xml><?xml version="1.0" encoding="utf-8"?>
 <dgm:styleDef xmlns:dgm="http://schemas.openxmlformats.org/drawingml/2006/diagram" xmlns:a="http://schemas.openxmlformats.org/drawingml/2006/main" uniqueId="urn:microsoft.com/office/officeart/2005/8/quickstyle/simple1">
   <dgm:title val=""/>
   <dgm:desc val=""/>
@@ -3679,7 +7001,7 @@
           <a:p>
             <a:fld id="{D997B5FA-0921-464F-AAE1-844C04324D75}" type="datetimeFigureOut">
               <a:rPr lang="zh-CN" altLang="en-US" smtClean="0"/>
-              <a:t>2024/5/19</a:t>
+              <a:t>2024/6/13</a:t>
             </a:fld>
             <a:endParaRPr lang="zh-CN" altLang="en-US"/>
           </a:p>
@@ -3847,7 +7169,7 @@
           <a:p>
             <a:fld id="{D997B5FA-0921-464F-AAE1-844C04324D75}" type="datetimeFigureOut">
               <a:rPr lang="zh-CN" altLang="en-US" smtClean="0"/>
-              <a:t>2024/5/19</a:t>
+              <a:t>2024/6/13</a:t>
             </a:fld>
             <a:endParaRPr lang="zh-CN" altLang="en-US"/>
           </a:p>
@@ -4025,7 +7347,7 @@
           <a:p>
             <a:fld id="{D997B5FA-0921-464F-AAE1-844C04324D75}" type="datetimeFigureOut">
               <a:rPr lang="zh-CN" altLang="en-US" smtClean="0"/>
-              <a:t>2024/5/19</a:t>
+              <a:t>2024/6/13</a:t>
             </a:fld>
             <a:endParaRPr lang="zh-CN" altLang="en-US"/>
           </a:p>
@@ -4193,7 +7515,7 @@
           <a:p>
             <a:fld id="{D997B5FA-0921-464F-AAE1-844C04324D75}" type="datetimeFigureOut">
               <a:rPr lang="zh-CN" altLang="en-US" smtClean="0"/>
-              <a:t>2024/5/19</a:t>
+              <a:t>2024/6/13</a:t>
             </a:fld>
             <a:endParaRPr lang="zh-CN" altLang="en-US"/>
           </a:p>
@@ -4438,7 +7760,7 @@
           <a:p>
             <a:fld id="{D997B5FA-0921-464F-AAE1-844C04324D75}" type="datetimeFigureOut">
               <a:rPr lang="zh-CN" altLang="en-US" smtClean="0"/>
-              <a:t>2024/5/19</a:t>
+              <a:t>2024/6/13</a:t>
             </a:fld>
             <a:endParaRPr lang="zh-CN" altLang="en-US"/>
           </a:p>
@@ -4667,7 +7989,7 @@
           <a:p>
             <a:fld id="{D997B5FA-0921-464F-AAE1-844C04324D75}" type="datetimeFigureOut">
               <a:rPr lang="zh-CN" altLang="en-US" smtClean="0"/>
-              <a:t>2024/5/19</a:t>
+              <a:t>2024/6/13</a:t>
             </a:fld>
             <a:endParaRPr lang="zh-CN" altLang="en-US"/>
           </a:p>
@@ -5031,7 +8353,7 @@
           <a:p>
             <a:fld id="{D997B5FA-0921-464F-AAE1-844C04324D75}" type="datetimeFigureOut">
               <a:rPr lang="zh-CN" altLang="en-US" smtClean="0"/>
-              <a:t>2024/5/19</a:t>
+              <a:t>2024/6/13</a:t>
             </a:fld>
             <a:endParaRPr lang="zh-CN" altLang="en-US"/>
           </a:p>
@@ -5148,7 +8470,7 @@
           <a:p>
             <a:fld id="{D997B5FA-0921-464F-AAE1-844C04324D75}" type="datetimeFigureOut">
               <a:rPr lang="zh-CN" altLang="en-US" smtClean="0"/>
-              <a:t>2024/5/19</a:t>
+              <a:t>2024/6/13</a:t>
             </a:fld>
             <a:endParaRPr lang="zh-CN" altLang="en-US"/>
           </a:p>
@@ -5243,7 +8565,7 @@
           <a:p>
             <a:fld id="{D997B5FA-0921-464F-AAE1-844C04324D75}" type="datetimeFigureOut">
               <a:rPr lang="zh-CN" altLang="en-US" smtClean="0"/>
-              <a:t>2024/5/19</a:t>
+              <a:t>2024/6/13</a:t>
             </a:fld>
             <a:endParaRPr lang="zh-CN" altLang="en-US"/>
           </a:p>
@@ -5518,7 +8840,7 @@
           <a:p>
             <a:fld id="{D997B5FA-0921-464F-AAE1-844C04324D75}" type="datetimeFigureOut">
               <a:rPr lang="zh-CN" altLang="en-US" smtClean="0"/>
-              <a:t>2024/5/19</a:t>
+              <a:t>2024/6/13</a:t>
             </a:fld>
             <a:endParaRPr lang="zh-CN" altLang="en-US"/>
           </a:p>
@@ -5770,7 +9092,7 @@
           <a:p>
             <a:fld id="{D997B5FA-0921-464F-AAE1-844C04324D75}" type="datetimeFigureOut">
               <a:rPr lang="zh-CN" altLang="en-US" smtClean="0"/>
-              <a:t>2024/5/19</a:t>
+              <a:t>2024/6/13</a:t>
             </a:fld>
             <a:endParaRPr lang="zh-CN" altLang="en-US"/>
           </a:p>
@@ -5981,7 +9303,7 @@
           <a:p>
             <a:fld id="{D997B5FA-0921-464F-AAE1-844C04324D75}" type="datetimeFigureOut">
               <a:rPr lang="zh-CN" altLang="en-US" smtClean="0"/>
-              <a:t>2024/5/19</a:t>
+              <a:t>2024/6/13</a:t>
             </a:fld>
             <a:endParaRPr lang="zh-CN" altLang="en-US"/>
           </a:p>
@@ -12682,6 +16004,429 @@
     <p:extLst>
       <p:ext uri="{BB962C8B-B14F-4D97-AF65-F5344CB8AC3E}">
         <p14:creationId xmlns:p14="http://schemas.microsoft.com/office/powerpoint/2010/main" val="58029566"/>
+      </p:ext>
+    </p:extLst>
+  </p:cSld>
+  <p:clrMapOvr>
+    <a:masterClrMapping/>
+  </p:clrMapOvr>
+</p:sld>
+</file>
+
+<file path=ppt/slides/slide7.xml><?xml version="1.0" encoding="utf-8"?>
+<p:sld xmlns:a="http://schemas.openxmlformats.org/drawingml/2006/main" xmlns:r="http://schemas.openxmlformats.org/officeDocument/2006/relationships" xmlns:p="http://schemas.openxmlformats.org/presentationml/2006/main">
+  <p:cSld>
+    <p:spTree>
+      <p:nvGrpSpPr>
+        <p:cNvPr id="1" name=""/>
+        <p:cNvGrpSpPr/>
+        <p:nvPr/>
+      </p:nvGrpSpPr>
+      <p:grpSpPr>
+        <a:xfrm>
+          <a:off x="0" y="0"/>
+          <a:ext cx="0" cy="0"/>
+          <a:chOff x="0" y="0"/>
+          <a:chExt cx="0" cy="0"/>
+        </a:xfrm>
+      </p:grpSpPr>
+      <p:graphicFrame>
+        <p:nvGraphicFramePr>
+          <p:cNvPr id="4" name="图示 3">
+            <a:extLst>
+              <a:ext uri="{FF2B5EF4-FFF2-40B4-BE49-F238E27FC236}">
+                <a16:creationId xmlns:a16="http://schemas.microsoft.com/office/drawing/2014/main" id="{C2F0B29E-5B18-CB04-5638-16D28AC92645}"/>
+              </a:ext>
+            </a:extLst>
+          </p:cNvPr>
+          <p:cNvGraphicFramePr/>
+          <p:nvPr>
+            <p:extLst>
+              <p:ext uri="{D42A27DB-BD31-4B8C-83A1-F6EECF244321}">
+                <p14:modId xmlns:p14="http://schemas.microsoft.com/office/powerpoint/2010/main" val="3020179962"/>
+              </p:ext>
+            </p:extLst>
+          </p:nvPr>
+        </p:nvGraphicFramePr>
+        <p:xfrm>
+          <a:off x="2032000" y="411321"/>
+          <a:ext cx="8128000" cy="5418667"/>
+        </p:xfrm>
+        <a:graphic>
+          <a:graphicData uri="http://schemas.openxmlformats.org/drawingml/2006/diagram">
+            <dgm:relIds xmlns:dgm="http://schemas.openxmlformats.org/drawingml/2006/diagram" xmlns:r="http://schemas.openxmlformats.org/officeDocument/2006/relationships" r:dm="rId2" r:lo="rId3" r:qs="rId4" r:cs="rId5"/>
+          </a:graphicData>
+        </a:graphic>
+      </p:graphicFrame>
+      <p:sp>
+        <p:nvSpPr>
+          <p:cNvPr id="5" name="椭圆 4">
+            <a:extLst>
+              <a:ext uri="{FF2B5EF4-FFF2-40B4-BE49-F238E27FC236}">
+                <a16:creationId xmlns:a16="http://schemas.microsoft.com/office/drawing/2014/main" id="{BBFB2AFC-1F61-E749-60F7-0A8120B19BC4}"/>
+              </a:ext>
+            </a:extLst>
+          </p:cNvPr>
+          <p:cNvSpPr/>
+          <p:nvPr/>
+        </p:nvSpPr>
+        <p:spPr>
+          <a:xfrm>
+            <a:off x="5148193" y="2392324"/>
+            <a:ext cx="1895613" cy="1892596"/>
+          </a:xfrm>
+          <a:prstGeom prst="ellipse">
+            <a:avLst/>
+          </a:prstGeom>
+        </p:spPr>
+        <p:style>
+          <a:lnRef idx="1">
+            <a:schemeClr val="accent4"/>
+          </a:lnRef>
+          <a:fillRef idx="2">
+            <a:schemeClr val="accent4"/>
+          </a:fillRef>
+          <a:effectRef idx="1">
+            <a:schemeClr val="accent4"/>
+          </a:effectRef>
+          <a:fontRef idx="minor">
+            <a:schemeClr val="dk1"/>
+          </a:fontRef>
+        </p:style>
+        <p:txBody>
+          <a:bodyPr rtlCol="0" anchor="ctr"/>
+          <a:lstStyle/>
+          <a:p>
+            <a:pPr algn="ctr"/>
+            <a:r>
+              <a:rPr lang="zh-CN" altLang="en-US" sz="2000" b="1" dirty="0">
+                <a:solidFill>
+                  <a:srgbClr val="FF0000"/>
+                </a:solidFill>
+              </a:rPr>
+              <a:t>持续监控和评估</a:t>
+            </a:r>
+          </a:p>
+        </p:txBody>
+      </p:sp>
+      <p:sp>
+        <p:nvSpPr>
+          <p:cNvPr id="7" name="文本框 6">
+            <a:extLst>
+              <a:ext uri="{FF2B5EF4-FFF2-40B4-BE49-F238E27FC236}">
+                <a16:creationId xmlns:a16="http://schemas.microsoft.com/office/drawing/2014/main" id="{037CFFA7-121C-801D-7675-66B66F2C274C}"/>
+              </a:ext>
+            </a:extLst>
+          </p:cNvPr>
+          <p:cNvSpPr txBox="1"/>
+          <p:nvPr/>
+        </p:nvSpPr>
+        <p:spPr>
+          <a:xfrm>
+            <a:off x="6958549" y="190006"/>
+            <a:ext cx="2387273" cy="1169551"/>
+          </a:xfrm>
+          <a:prstGeom prst="rect">
+            <a:avLst/>
+          </a:prstGeom>
+          <a:noFill/>
+        </p:spPr>
+        <p:txBody>
+          <a:bodyPr wrap="square" rtlCol="0">
+            <a:spAutoFit/>
+          </a:bodyPr>
+          <a:lstStyle/>
+          <a:p>
+            <a:r>
+              <a:rPr lang="zh-CN" altLang="en-US" sz="1400" dirty="0"/>
+              <a:t>识别攻击面中所有资产，</a:t>
+            </a:r>
+            <a:r>
+              <a:rPr lang="zh-CN" altLang="en-US" sz="1400" b="0" i="0" dirty="0">
+                <a:effectLst/>
+                <a:highlight>
+                  <a:srgbClr val="FDFDFE"/>
+                </a:highlight>
+                <a:latin typeface="-apple-system"/>
+              </a:rPr>
+              <a:t>包括硬件、软件、数据和网络等，并补充业务、部门、位置等关键属性，纳入资产管理平台。</a:t>
+            </a:r>
+            <a:endParaRPr lang="en-US" altLang="zh-CN" sz="1400" b="0" i="0" dirty="0">
+              <a:effectLst/>
+              <a:highlight>
+                <a:srgbClr val="FDFDFE"/>
+              </a:highlight>
+              <a:latin typeface="-apple-system"/>
+            </a:endParaRPr>
+          </a:p>
+        </p:txBody>
+      </p:sp>
+      <p:sp>
+        <p:nvSpPr>
+          <p:cNvPr id="8" name="文本框 7">
+            <a:extLst>
+              <a:ext uri="{FF2B5EF4-FFF2-40B4-BE49-F238E27FC236}">
+                <a16:creationId xmlns:a16="http://schemas.microsoft.com/office/drawing/2014/main" id="{EEE8D3AA-B77B-17CA-E9B3-341A3A8F7A6A}"/>
+              </a:ext>
+            </a:extLst>
+          </p:cNvPr>
+          <p:cNvSpPr txBox="1"/>
+          <p:nvPr/>
+        </p:nvSpPr>
+        <p:spPr>
+          <a:xfrm>
+            <a:off x="9191585" y="2038101"/>
+            <a:ext cx="1462240" cy="1169551"/>
+          </a:xfrm>
+          <a:prstGeom prst="rect">
+            <a:avLst/>
+          </a:prstGeom>
+          <a:noFill/>
+        </p:spPr>
+        <p:txBody>
+          <a:bodyPr wrap="square" rtlCol="0">
+            <a:spAutoFit/>
+          </a:bodyPr>
+          <a:lstStyle/>
+          <a:p>
+            <a:r>
+              <a:rPr lang="zh-CN" altLang="en-US" sz="1400" b="0" i="0" dirty="0">
+                <a:effectLst/>
+                <a:highlight>
+                  <a:srgbClr val="FDFDFE"/>
+                </a:highlight>
+                <a:latin typeface="-apple-system"/>
+              </a:rPr>
+              <a:t>使用各种漏洞扫描工具和手动渗透测试方法，发现这些资产上存在的漏洞。</a:t>
+            </a:r>
+            <a:endParaRPr lang="en-US" altLang="zh-CN" sz="1400" b="0" i="0" dirty="0">
+              <a:effectLst/>
+              <a:highlight>
+                <a:srgbClr val="FDFDFE"/>
+              </a:highlight>
+              <a:latin typeface="-apple-system"/>
+            </a:endParaRPr>
+          </a:p>
+        </p:txBody>
+      </p:sp>
+      <p:sp>
+        <p:nvSpPr>
+          <p:cNvPr id="10" name="文本框 9">
+            <a:extLst>
+              <a:ext uri="{FF2B5EF4-FFF2-40B4-BE49-F238E27FC236}">
+                <a16:creationId xmlns:a16="http://schemas.microsoft.com/office/drawing/2014/main" id="{BC7D6A54-C018-49BC-444D-7658E42F6A98}"/>
+              </a:ext>
+            </a:extLst>
+          </p:cNvPr>
+          <p:cNvSpPr txBox="1"/>
+          <p:nvPr/>
+        </p:nvSpPr>
+        <p:spPr>
+          <a:xfrm>
+            <a:off x="8441859" y="4660437"/>
+            <a:ext cx="1978048" cy="1169551"/>
+          </a:xfrm>
+          <a:prstGeom prst="rect">
+            <a:avLst/>
+          </a:prstGeom>
+          <a:noFill/>
+        </p:spPr>
+        <p:txBody>
+          <a:bodyPr wrap="square" rtlCol="0">
+            <a:spAutoFit/>
+          </a:bodyPr>
+          <a:lstStyle>
+            <a:defPPr>
+              <a:defRPr lang="zh-CN"/>
+            </a:defPPr>
+            <a:lvl1pPr>
+              <a:defRPr sz="1400" b="0" i="0">
+                <a:solidFill>
+                  <a:srgbClr val="05073B"/>
+                </a:solidFill>
+                <a:effectLst/>
+                <a:highlight>
+                  <a:srgbClr val="FDFDFE"/>
+                </a:highlight>
+                <a:latin typeface="-apple-system"/>
+              </a:defRPr>
+            </a:lvl1pPr>
+          </a:lstStyle>
+          <a:p>
+            <a:r>
+              <a:rPr lang="zh-CN" altLang="en-US" dirty="0">
+                <a:solidFill>
+                  <a:schemeClr val="tx1"/>
+                </a:solidFill>
+              </a:rPr>
+              <a:t>通过对每个漏洞的严重性、可利用性、资产的重要性以及潜在的威胁等因素进行评估，确定每个漏洞的风险级别。</a:t>
+            </a:r>
+          </a:p>
+        </p:txBody>
+      </p:sp>
+      <p:sp>
+        <p:nvSpPr>
+          <p:cNvPr id="12" name="文本框 11">
+            <a:extLst>
+              <a:ext uri="{FF2B5EF4-FFF2-40B4-BE49-F238E27FC236}">
+                <a16:creationId xmlns:a16="http://schemas.microsoft.com/office/drawing/2014/main" id="{1F6DCE2B-91B2-60DC-4DA0-8B57B0CF66BD}"/>
+              </a:ext>
+            </a:extLst>
+          </p:cNvPr>
+          <p:cNvSpPr txBox="1"/>
+          <p:nvPr/>
+        </p:nvSpPr>
+        <p:spPr>
+          <a:xfrm>
+            <a:off x="1772093" y="4552714"/>
+            <a:ext cx="2183219" cy="1384995"/>
+          </a:xfrm>
+          <a:prstGeom prst="rect">
+            <a:avLst/>
+          </a:prstGeom>
+          <a:noFill/>
+        </p:spPr>
+        <p:txBody>
+          <a:bodyPr wrap="square" rtlCol="0">
+            <a:spAutoFit/>
+          </a:bodyPr>
+          <a:lstStyle>
+            <a:defPPr>
+              <a:defRPr lang="zh-CN"/>
+            </a:defPPr>
+            <a:lvl1pPr>
+              <a:defRPr sz="1400" b="0" i="0">
+                <a:solidFill>
+                  <a:srgbClr val="05073B"/>
+                </a:solidFill>
+                <a:effectLst/>
+                <a:highlight>
+                  <a:srgbClr val="FDFDFE"/>
+                </a:highlight>
+                <a:latin typeface="-apple-system"/>
+              </a:defRPr>
+            </a:lvl1pPr>
+          </a:lstStyle>
+          <a:p>
+            <a:r>
+              <a:rPr lang="zh-CN" altLang="en-US" dirty="0">
+                <a:solidFill>
+                  <a:schemeClr val="tx1"/>
+                </a:solidFill>
+              </a:rPr>
+              <a:t>根据风险评估的结果，将漏洞按照风险级别进行排序。高风险的漏洞将被优先处理，而低风险的漏洞则可能被暂时忽略或采取其他缓解措施。</a:t>
+            </a:r>
+          </a:p>
+        </p:txBody>
+      </p:sp>
+      <p:sp>
+        <p:nvSpPr>
+          <p:cNvPr id="14" name="文本框 13">
+            <a:extLst>
+              <a:ext uri="{FF2B5EF4-FFF2-40B4-BE49-F238E27FC236}">
+                <a16:creationId xmlns:a16="http://schemas.microsoft.com/office/drawing/2014/main" id="{BDEAD501-4691-95D0-0018-79586006241B}"/>
+              </a:ext>
+            </a:extLst>
+          </p:cNvPr>
+          <p:cNvSpPr txBox="1"/>
+          <p:nvPr/>
+        </p:nvSpPr>
+        <p:spPr>
+          <a:xfrm>
+            <a:off x="1538175" y="2038101"/>
+            <a:ext cx="1895613" cy="1384995"/>
+          </a:xfrm>
+          <a:prstGeom prst="rect">
+            <a:avLst/>
+          </a:prstGeom>
+          <a:noFill/>
+        </p:spPr>
+        <p:txBody>
+          <a:bodyPr wrap="square" rtlCol="0">
+            <a:spAutoFit/>
+          </a:bodyPr>
+          <a:lstStyle>
+            <a:defPPr>
+              <a:defRPr lang="zh-CN"/>
+            </a:defPPr>
+            <a:lvl1pPr>
+              <a:defRPr sz="1400"/>
+            </a:lvl1pPr>
+          </a:lstStyle>
+          <a:p>
+            <a:r>
+              <a:rPr lang="zh-CN" altLang="en-US" dirty="0"/>
+              <a:t>对于高风险的漏洞，组织需要尽快修复它们。对于无法立即修复的漏洞，组织需要采取其他缓解措施，以降低潜在的风险。</a:t>
+            </a:r>
+          </a:p>
+        </p:txBody>
+      </p:sp>
+      <p:sp>
+        <p:nvSpPr>
+          <p:cNvPr id="16" name="文本框 15">
+            <a:extLst>
+              <a:ext uri="{FF2B5EF4-FFF2-40B4-BE49-F238E27FC236}">
+                <a16:creationId xmlns:a16="http://schemas.microsoft.com/office/drawing/2014/main" id="{266A8C40-AB8F-D52E-7B0E-BD7E4F7B8957}"/>
+              </a:ext>
+            </a:extLst>
+          </p:cNvPr>
+          <p:cNvSpPr txBox="1"/>
+          <p:nvPr/>
+        </p:nvSpPr>
+        <p:spPr>
+          <a:xfrm>
+            <a:off x="1538175" y="6353260"/>
+            <a:ext cx="10168270" cy="369332"/>
+          </a:xfrm>
+          <a:prstGeom prst="rect">
+            <a:avLst/>
+          </a:prstGeom>
+          <a:noFill/>
+        </p:spPr>
+        <p:txBody>
+          <a:bodyPr wrap="square">
+            <a:spAutoFit/>
+          </a:bodyPr>
+          <a:lstStyle/>
+          <a:p>
+            <a:r>
+              <a:rPr lang="en-US" altLang="zh-CN" b="0" i="0" dirty="0">
+                <a:solidFill>
+                  <a:srgbClr val="FF0000"/>
+                </a:solidFill>
+                <a:effectLst/>
+                <a:highlight>
+                  <a:srgbClr val="FDFDFE"/>
+                </a:highlight>
+                <a:latin typeface="-apple-system"/>
+              </a:rPr>
+              <a:t>RBVM</a:t>
+            </a:r>
+            <a:r>
+              <a:rPr lang="zh-CN" altLang="en-US" b="0" i="0" dirty="0">
+                <a:solidFill>
+                  <a:srgbClr val="FF0000"/>
+                </a:solidFill>
+                <a:effectLst/>
+                <a:highlight>
+                  <a:srgbClr val="FDFDFE"/>
+                </a:highlight>
+                <a:latin typeface="-apple-system"/>
+              </a:rPr>
+              <a:t>是一个持续的过程，需要不断监控新的漏洞和威胁情报，以及评估已修复漏洞的重新利用风险。</a:t>
+            </a:r>
+            <a:endParaRPr lang="zh-CN" altLang="en-US" dirty="0">
+              <a:solidFill>
+                <a:srgbClr val="FF0000"/>
+              </a:solidFill>
+            </a:endParaRPr>
+          </a:p>
+        </p:txBody>
+      </p:sp>
+    </p:spTree>
+    <p:extLst>
+      <p:ext uri="{BB962C8B-B14F-4D97-AF65-F5344CB8AC3E}">
+        <p14:creationId xmlns:p14="http://schemas.microsoft.com/office/powerpoint/2010/main" val="3923365319"/>
       </p:ext>
     </p:extLst>
   </p:cSld>
